--- a/Mikheev-K_V.pptx
+++ b/Mikheev-K_V.pptx
@@ -5022,107 +5022,6 @@
           </a:p>
         </p:txBody>
       </p:sp>
-      <p:pic>
-        <p:nvPicPr>
-          <p:cNvPr id="14339" name="Picture 4"/>
-          <p:cNvPicPr>
-            <a:picLocks noChangeAspect="1" noChangeArrowheads="1"/>
-          </p:cNvPicPr>
-          <p:nvPr/>
-        </p:nvPicPr>
-        <p:blipFill>
-          <a:blip r:embed="rId2">
-            <a:extLst>
-              <a:ext uri="{28A0092B-C50C-407E-A947-70E740481C1C}">
-                <a14:useLocalDpi xmlns:a14="http://schemas.microsoft.com/office/drawing/2010/main" val="0"/>
-              </a:ext>
-            </a:extLst>
-          </a:blip>
-          <a:srcRect/>
-          <a:stretch>
-            <a:fillRect/>
-          </a:stretch>
-        </p:blipFill>
-        <p:spPr bwMode="auto">
-          <a:xfrm>
-            <a:off x="-6350" y="7938"/>
-            <a:ext cx="1757363" cy="1700212"/>
-          </a:xfrm>
-          <a:prstGeom prst="rect">
-            <a:avLst/>
-          </a:prstGeom>
-          <a:noFill/>
-          <a:ln>
-            <a:noFill/>
-          </a:ln>
-          <a:effectLst/>
-          <a:extLst>
-            <a:ext uri="{909E8E84-426E-40DD-AFC4-6F175D3DCCD1}">
-              <a14:hiddenFill xmlns:a14="http://schemas.microsoft.com/office/drawing/2010/main">
-                <a:blipFill dpi="0" rotWithShape="0">
-                  <a:blip/>
-                  <a:srcRect/>
-                  <a:stretch>
-                    <a:fillRect/>
-                  </a:stretch>
-                </a:blipFill>
-              </a14:hiddenFill>
-            </a:ext>
-            <a:ext uri="{91240B29-F687-4F45-9708-019B960494DF}">
-              <a14:hiddenLine xmlns:a14="http://schemas.microsoft.com/office/drawing/2010/main" w="9525">
-                <a:solidFill>
-                  <a:srgbClr val="808080"/>
-                </a:solidFill>
-                <a:round/>
-                <a:headEnd/>
-                <a:tailEnd/>
-              </a14:hiddenLine>
-            </a:ext>
-            <a:ext uri="{AF507438-7753-43E0-B8FC-AC1667EBCBE1}">
-              <a14:hiddenEffects xmlns:a14="http://schemas.microsoft.com/office/drawing/2010/main">
-                <a:effectLst>
-                  <a:outerShdw dist="35921" dir="2700000" algn="ctr" rotWithShape="0">
-                    <a:srgbClr val="808080"/>
-                  </a:outerShdw>
-                </a:effectLst>
-              </a14:hiddenEffects>
-            </a:ext>
-          </a:extLst>
-        </p:spPr>
-      </p:pic>
-      <p:sp>
-        <p:nvSpPr>
-          <p:cNvPr id="14340" name="Rectangle 2"/>
-          <p:cNvSpPr>
-            <a:spLocks noGrp="1" noChangeArrowheads="1"/>
-          </p:cNvSpPr>
-          <p:nvPr>
-            <p:ph type="title"/>
-          </p:nvPr>
-        </p:nvSpPr>
-        <p:spPr>
-          <a:xfrm>
-            <a:off x="2711450" y="692150"/>
-            <a:ext cx="8229600" cy="668338"/>
-          </a:xfrm>
-        </p:spPr>
-        <p:txBody>
-          <a:bodyPr/>
-          <a:lstStyle/>
-          <a:p>
-            <a:pPr algn="ctr" eaLnBrk="1" hangingPunct="1"/>
-            <a:r>
-              <a:rPr lang="ru-RU" altLang="ru-RU" sz="3200" dirty="0"/>
-              <a:t>Моделирование этюдов. </a:t>
-            </a:r>
-            <a:r>
-              <a:rPr lang="ru-RU" altLang="ru-RU" sz="3200" b="1" dirty="0" smtClean="0"/>
-              <a:t>Третий</a:t>
-            </a:r>
-            <a:endParaRPr lang="ru-RU" altLang="ru-RU" sz="3200" dirty="0" smtClean="0"/>
-          </a:p>
-        </p:txBody>
-      </p:sp>
       <p:sp>
         <p:nvSpPr>
           <p:cNvPr id="5" name="Текст 5"/>
@@ -5412,25 +5311,10 @@
               <a:buChar char="-"/>
             </a:pPr>
             <a:r>
-              <a:rPr lang="ru-RU" altLang="ru-RU" sz="1600" b="1" dirty="0" smtClean="0">
+              <a:rPr lang="ru-RU" altLang="ru-RU" sz="1600" dirty="0" smtClean="0">
                 <a:cs typeface="Times New Roman" panose="02020603050405020304" pitchFamily="18" charset="0"/>
               </a:rPr>
               <a:t>Затрачено топливо</a:t>
-            </a:r>
-          </a:p>
-          <a:p>
-            <a:pPr eaLnBrk="1" hangingPunct="1">
-              <a:lnSpc>
-                <a:spcPct val="150000"/>
-              </a:lnSpc>
-              <a:buFontTx/>
-              <a:buChar char="-"/>
-            </a:pPr>
-            <a:r>
-              <a:rPr lang="ru-RU" altLang="ru-RU" sz="1600" b="1" dirty="0" smtClean="0">
-                <a:cs typeface="Times New Roman" panose="02020603050405020304" pitchFamily="18" charset="0"/>
-              </a:rPr>
-              <a:t>2 графика (изменение скорости и траектория)</a:t>
             </a:r>
           </a:p>
           <a:p>
@@ -5701,7 +5585,7 @@
                   <a:schemeClr val="bg1"/>
                 </a:solidFill>
               </a:rPr>
-              <a:t>Уравнения движения(стереть силы у спутника)</a:t>
+              <a:t>Моделирование этюдов. Третий</a:t>
             </a:r>
             <a:endParaRPr lang="ru-RU" altLang="ru-RU" sz="3200" b="1" dirty="0" smtClean="0">
               <a:solidFill>
@@ -5779,6 +5663,864 @@
           </a:extLst>
         </p:spPr>
       </p:pic>
+      <p:pic>
+        <p:nvPicPr>
+          <p:cNvPr id="3" name="Рисунок 2"/>
+          <p:cNvPicPr>
+            <a:picLocks noChangeAspect="1"/>
+          </p:cNvPicPr>
+          <p:nvPr/>
+        </p:nvPicPr>
+        <p:blipFill>
+          <a:blip r:embed="rId3"/>
+          <a:stretch>
+            <a:fillRect/>
+          </a:stretch>
+        </p:blipFill>
+        <p:spPr>
+          <a:xfrm>
+            <a:off x="5714262" y="1212489"/>
+            <a:ext cx="3532249" cy="2905734"/>
+          </a:xfrm>
+          <a:prstGeom prst="rect">
+            <a:avLst/>
+          </a:prstGeom>
+        </p:spPr>
+      </p:pic>
+      <p:pic>
+        <p:nvPicPr>
+          <p:cNvPr id="4" name="Рисунок 3"/>
+          <p:cNvPicPr>
+            <a:picLocks noChangeAspect="1"/>
+          </p:cNvPicPr>
+          <p:nvPr/>
+        </p:nvPicPr>
+        <p:blipFill>
+          <a:blip r:embed="rId4"/>
+          <a:stretch>
+            <a:fillRect/>
+          </a:stretch>
+        </p:blipFill>
+        <p:spPr>
+          <a:xfrm>
+            <a:off x="9048328" y="1310437"/>
+            <a:ext cx="3059586" cy="2515243"/>
+          </a:xfrm>
+          <a:prstGeom prst="rect">
+            <a:avLst/>
+          </a:prstGeom>
+        </p:spPr>
+      </p:pic>
+      <p:sp>
+        <p:nvSpPr>
+          <p:cNvPr id="13" name="Текст 5"/>
+          <p:cNvSpPr txBox="1">
+            <a:spLocks noChangeArrowheads="1"/>
+          </p:cNvSpPr>
+          <p:nvPr/>
+        </p:nvSpPr>
+        <p:spPr bwMode="auto">
+          <a:xfrm>
+            <a:off x="7104112" y="3500448"/>
+            <a:ext cx="1152128" cy="432048"/>
+          </a:xfrm>
+          <a:prstGeom prst="rect">
+            <a:avLst/>
+          </a:prstGeom>
+          <a:noFill/>
+          <a:ln>
+            <a:noFill/>
+          </a:ln>
+          <a:extLst>
+            <a:ext uri="{909E8E84-426E-40DD-AFC4-6F175D3DCCD1}">
+              <a14:hiddenFill xmlns:a14="http://schemas.microsoft.com/office/drawing/2010/main">
+                <a:solidFill>
+                  <a:srgbClr val="FFFFFF"/>
+                </a:solidFill>
+              </a14:hiddenFill>
+            </a:ext>
+            <a:ext uri="{91240B29-F687-4F45-9708-019B960494DF}">
+              <a14:hiddenLine xmlns:a14="http://schemas.microsoft.com/office/drawing/2010/main" w="9525">
+                <a:solidFill>
+                  <a:srgbClr val="000000"/>
+                </a:solidFill>
+                <a:miter lim="800000"/>
+                <a:headEnd/>
+                <a:tailEnd/>
+              </a14:hiddenLine>
+            </a:ext>
+          </a:extLst>
+        </p:spPr>
+        <p:txBody>
+          <a:bodyPr vert="horz" wrap="square" lIns="91440" tIns="45720" rIns="91440" bIns="45720" numCol="1" anchor="t" anchorCtr="0" compatLnSpc="1">
+            <a:prstTxWarp prst="textNoShape">
+              <a:avLst/>
+            </a:prstTxWarp>
+          </a:bodyPr>
+          <a:lstStyle>
+            <a:lvl1pPr marL="228600" indent="-228600" algn="l" rtl="0" eaLnBrk="0" fontAlgn="base" hangingPunct="0">
+              <a:lnSpc>
+                <a:spcPct val="90000"/>
+              </a:lnSpc>
+              <a:spcBef>
+                <a:spcPts val="1000"/>
+              </a:spcBef>
+              <a:spcAft>
+                <a:spcPct val="0"/>
+              </a:spcAft>
+              <a:buFont typeface="Arial" panose="020B0604020202020204" pitchFamily="34" charset="0"/>
+              <a:buChar char="•"/>
+              <a:defRPr sz="2800" kern="1200">
+                <a:solidFill>
+                  <a:schemeClr val="tx1"/>
+                </a:solidFill>
+                <a:latin typeface="+mn-lt"/>
+                <a:ea typeface="+mn-ea"/>
+                <a:cs typeface="+mn-cs"/>
+              </a:defRPr>
+            </a:lvl1pPr>
+            <a:lvl2pPr marL="685800" indent="-228600" algn="l" rtl="0" eaLnBrk="0" fontAlgn="base" hangingPunct="0">
+              <a:lnSpc>
+                <a:spcPct val="90000"/>
+              </a:lnSpc>
+              <a:spcBef>
+                <a:spcPts val="500"/>
+              </a:spcBef>
+              <a:spcAft>
+                <a:spcPct val="0"/>
+              </a:spcAft>
+              <a:buFont typeface="Arial" panose="020B0604020202020204" pitchFamily="34" charset="0"/>
+              <a:buChar char="•"/>
+              <a:defRPr sz="2400" kern="1200">
+                <a:solidFill>
+                  <a:schemeClr val="tx1"/>
+                </a:solidFill>
+                <a:latin typeface="+mn-lt"/>
+                <a:ea typeface="+mn-ea"/>
+                <a:cs typeface="+mn-cs"/>
+              </a:defRPr>
+            </a:lvl2pPr>
+            <a:lvl3pPr marL="1143000" indent="-228600" algn="l" rtl="0" eaLnBrk="0" fontAlgn="base" hangingPunct="0">
+              <a:lnSpc>
+                <a:spcPct val="90000"/>
+              </a:lnSpc>
+              <a:spcBef>
+                <a:spcPts val="500"/>
+              </a:spcBef>
+              <a:spcAft>
+                <a:spcPct val="0"/>
+              </a:spcAft>
+              <a:buFont typeface="Arial" panose="020B0604020202020204" pitchFamily="34" charset="0"/>
+              <a:buChar char="•"/>
+              <a:defRPr sz="2000" kern="1200">
+                <a:solidFill>
+                  <a:schemeClr val="tx1"/>
+                </a:solidFill>
+                <a:latin typeface="+mn-lt"/>
+                <a:ea typeface="+mn-ea"/>
+                <a:cs typeface="+mn-cs"/>
+              </a:defRPr>
+            </a:lvl3pPr>
+            <a:lvl4pPr marL="1600200" indent="-228600" algn="l" rtl="0" eaLnBrk="0" fontAlgn="base" hangingPunct="0">
+              <a:lnSpc>
+                <a:spcPct val="90000"/>
+              </a:lnSpc>
+              <a:spcBef>
+                <a:spcPts val="500"/>
+              </a:spcBef>
+              <a:spcAft>
+                <a:spcPct val="0"/>
+              </a:spcAft>
+              <a:buFont typeface="Arial" panose="020B0604020202020204" pitchFamily="34" charset="0"/>
+              <a:buChar char="•"/>
+              <a:defRPr kern="1200">
+                <a:solidFill>
+                  <a:schemeClr val="tx1"/>
+                </a:solidFill>
+                <a:latin typeface="+mn-lt"/>
+                <a:ea typeface="+mn-ea"/>
+                <a:cs typeface="+mn-cs"/>
+              </a:defRPr>
+            </a:lvl4pPr>
+            <a:lvl5pPr marL="2057400" indent="-228600" algn="l" rtl="0" eaLnBrk="0" fontAlgn="base" hangingPunct="0">
+              <a:lnSpc>
+                <a:spcPct val="90000"/>
+              </a:lnSpc>
+              <a:spcBef>
+                <a:spcPts val="500"/>
+              </a:spcBef>
+              <a:spcAft>
+                <a:spcPct val="0"/>
+              </a:spcAft>
+              <a:buFont typeface="Arial" panose="020B0604020202020204" pitchFamily="34" charset="0"/>
+              <a:buChar char="•"/>
+              <a:defRPr kern="1200">
+                <a:solidFill>
+                  <a:schemeClr val="tx1"/>
+                </a:solidFill>
+                <a:latin typeface="+mn-lt"/>
+                <a:ea typeface="+mn-ea"/>
+                <a:cs typeface="+mn-cs"/>
+              </a:defRPr>
+            </a:lvl5pPr>
+            <a:lvl6pPr marL="2514600" indent="-228600" algn="l" defTabSz="914400" rtl="0" eaLnBrk="1" latinLnBrk="0" hangingPunct="1">
+              <a:lnSpc>
+                <a:spcPct val="90000"/>
+              </a:lnSpc>
+              <a:spcBef>
+                <a:spcPts val="500"/>
+              </a:spcBef>
+              <a:buFont typeface="Arial" panose="020B0604020202020204" pitchFamily="34" charset="0"/>
+              <a:buChar char="•"/>
+              <a:defRPr sz="1800" kern="1200">
+                <a:solidFill>
+                  <a:schemeClr val="tx1"/>
+                </a:solidFill>
+                <a:latin typeface="+mn-lt"/>
+                <a:ea typeface="+mn-ea"/>
+                <a:cs typeface="+mn-cs"/>
+              </a:defRPr>
+            </a:lvl6pPr>
+            <a:lvl7pPr marL="2971800" indent="-228600" algn="l" defTabSz="914400" rtl="0" eaLnBrk="1" latinLnBrk="0" hangingPunct="1">
+              <a:lnSpc>
+                <a:spcPct val="90000"/>
+              </a:lnSpc>
+              <a:spcBef>
+                <a:spcPts val="500"/>
+              </a:spcBef>
+              <a:buFont typeface="Arial" panose="020B0604020202020204" pitchFamily="34" charset="0"/>
+              <a:buChar char="•"/>
+              <a:defRPr sz="1800" kern="1200">
+                <a:solidFill>
+                  <a:schemeClr val="tx1"/>
+                </a:solidFill>
+                <a:latin typeface="+mn-lt"/>
+                <a:ea typeface="+mn-ea"/>
+                <a:cs typeface="+mn-cs"/>
+              </a:defRPr>
+            </a:lvl7pPr>
+            <a:lvl8pPr marL="3429000" indent="-228600" algn="l" defTabSz="914400" rtl="0" eaLnBrk="1" latinLnBrk="0" hangingPunct="1">
+              <a:lnSpc>
+                <a:spcPct val="90000"/>
+              </a:lnSpc>
+              <a:spcBef>
+                <a:spcPts val="500"/>
+              </a:spcBef>
+              <a:buFont typeface="Arial" panose="020B0604020202020204" pitchFamily="34" charset="0"/>
+              <a:buChar char="•"/>
+              <a:defRPr sz="1800" kern="1200">
+                <a:solidFill>
+                  <a:schemeClr val="tx1"/>
+                </a:solidFill>
+                <a:latin typeface="+mn-lt"/>
+                <a:ea typeface="+mn-ea"/>
+                <a:cs typeface="+mn-cs"/>
+              </a:defRPr>
+            </a:lvl8pPr>
+            <a:lvl9pPr marL="3886200" indent="-228600" algn="l" defTabSz="914400" rtl="0" eaLnBrk="1" latinLnBrk="0" hangingPunct="1">
+              <a:lnSpc>
+                <a:spcPct val="90000"/>
+              </a:lnSpc>
+              <a:spcBef>
+                <a:spcPts val="500"/>
+              </a:spcBef>
+              <a:buFont typeface="Arial" panose="020B0604020202020204" pitchFamily="34" charset="0"/>
+              <a:buChar char="•"/>
+              <a:defRPr sz="1800" kern="1200">
+                <a:solidFill>
+                  <a:schemeClr val="tx1"/>
+                </a:solidFill>
+                <a:latin typeface="+mn-lt"/>
+                <a:ea typeface="+mn-ea"/>
+                <a:cs typeface="+mn-cs"/>
+              </a:defRPr>
+            </a:lvl9pPr>
+          </a:lstStyle>
+          <a:p>
+            <a:pPr marL="0" indent="0" eaLnBrk="1" hangingPunct="1">
+              <a:lnSpc>
+                <a:spcPct val="150000"/>
+              </a:lnSpc>
+              <a:buNone/>
+            </a:pPr>
+            <a:r>
+              <a:rPr lang="ru-RU" sz="1200" i="1" dirty="0" smtClean="0"/>
+              <a:t>Вид сверху</a:t>
+            </a:r>
+            <a:endParaRPr lang="ru-RU" altLang="ru-RU" sz="1200" i="1" dirty="0" smtClean="0">
+              <a:cs typeface="Times New Roman" panose="02020603050405020304" pitchFamily="18" charset="0"/>
+            </a:endParaRPr>
+          </a:p>
+          <a:p>
+            <a:pPr eaLnBrk="1" hangingPunct="1">
+              <a:lnSpc>
+                <a:spcPct val="150000"/>
+              </a:lnSpc>
+            </a:pPr>
+            <a:endParaRPr lang="ru-RU" altLang="ru-RU" sz="1200" i="1" dirty="0" smtClean="0">
+              <a:cs typeface="Times New Roman" panose="02020603050405020304" pitchFamily="18" charset="0"/>
+            </a:endParaRPr>
+          </a:p>
+          <a:p>
+            <a:pPr eaLnBrk="1" hangingPunct="1">
+              <a:lnSpc>
+                <a:spcPct val="150000"/>
+              </a:lnSpc>
+            </a:pPr>
+            <a:endParaRPr lang="ru-RU" altLang="ru-RU" sz="1200" i="1" dirty="0" smtClean="0">
+              <a:cs typeface="Times New Roman" panose="02020603050405020304" pitchFamily="18" charset="0"/>
+            </a:endParaRPr>
+          </a:p>
+        </p:txBody>
+      </p:sp>
+      <p:sp>
+        <p:nvSpPr>
+          <p:cNvPr id="14" name="Текст 5"/>
+          <p:cNvSpPr txBox="1">
+            <a:spLocks noChangeArrowheads="1"/>
+          </p:cNvSpPr>
+          <p:nvPr/>
+        </p:nvSpPr>
+        <p:spPr bwMode="auto">
+          <a:xfrm>
+            <a:off x="10128448" y="3519045"/>
+            <a:ext cx="1152128" cy="432048"/>
+          </a:xfrm>
+          <a:prstGeom prst="rect">
+            <a:avLst/>
+          </a:prstGeom>
+          <a:noFill/>
+          <a:ln>
+            <a:noFill/>
+          </a:ln>
+          <a:extLst>
+            <a:ext uri="{909E8E84-426E-40DD-AFC4-6F175D3DCCD1}">
+              <a14:hiddenFill xmlns:a14="http://schemas.microsoft.com/office/drawing/2010/main">
+                <a:solidFill>
+                  <a:srgbClr val="FFFFFF"/>
+                </a:solidFill>
+              </a14:hiddenFill>
+            </a:ext>
+            <a:ext uri="{91240B29-F687-4F45-9708-019B960494DF}">
+              <a14:hiddenLine xmlns:a14="http://schemas.microsoft.com/office/drawing/2010/main" w="9525">
+                <a:solidFill>
+                  <a:srgbClr val="000000"/>
+                </a:solidFill>
+                <a:miter lim="800000"/>
+                <a:headEnd/>
+                <a:tailEnd/>
+              </a14:hiddenLine>
+            </a:ext>
+          </a:extLst>
+        </p:spPr>
+        <p:txBody>
+          <a:bodyPr vert="horz" wrap="square" lIns="91440" tIns="45720" rIns="91440" bIns="45720" numCol="1" anchor="t" anchorCtr="0" compatLnSpc="1">
+            <a:prstTxWarp prst="textNoShape">
+              <a:avLst/>
+            </a:prstTxWarp>
+          </a:bodyPr>
+          <a:lstStyle>
+            <a:lvl1pPr marL="228600" indent="-228600" algn="l" rtl="0" eaLnBrk="0" fontAlgn="base" hangingPunct="0">
+              <a:lnSpc>
+                <a:spcPct val="90000"/>
+              </a:lnSpc>
+              <a:spcBef>
+                <a:spcPts val="1000"/>
+              </a:spcBef>
+              <a:spcAft>
+                <a:spcPct val="0"/>
+              </a:spcAft>
+              <a:buFont typeface="Arial" panose="020B0604020202020204" pitchFamily="34" charset="0"/>
+              <a:buChar char="•"/>
+              <a:defRPr sz="2800" kern="1200">
+                <a:solidFill>
+                  <a:schemeClr val="tx1"/>
+                </a:solidFill>
+                <a:latin typeface="+mn-lt"/>
+                <a:ea typeface="+mn-ea"/>
+                <a:cs typeface="+mn-cs"/>
+              </a:defRPr>
+            </a:lvl1pPr>
+            <a:lvl2pPr marL="685800" indent="-228600" algn="l" rtl="0" eaLnBrk="0" fontAlgn="base" hangingPunct="0">
+              <a:lnSpc>
+                <a:spcPct val="90000"/>
+              </a:lnSpc>
+              <a:spcBef>
+                <a:spcPts val="500"/>
+              </a:spcBef>
+              <a:spcAft>
+                <a:spcPct val="0"/>
+              </a:spcAft>
+              <a:buFont typeface="Arial" panose="020B0604020202020204" pitchFamily="34" charset="0"/>
+              <a:buChar char="•"/>
+              <a:defRPr sz="2400" kern="1200">
+                <a:solidFill>
+                  <a:schemeClr val="tx1"/>
+                </a:solidFill>
+                <a:latin typeface="+mn-lt"/>
+                <a:ea typeface="+mn-ea"/>
+                <a:cs typeface="+mn-cs"/>
+              </a:defRPr>
+            </a:lvl2pPr>
+            <a:lvl3pPr marL="1143000" indent="-228600" algn="l" rtl="0" eaLnBrk="0" fontAlgn="base" hangingPunct="0">
+              <a:lnSpc>
+                <a:spcPct val="90000"/>
+              </a:lnSpc>
+              <a:spcBef>
+                <a:spcPts val="500"/>
+              </a:spcBef>
+              <a:spcAft>
+                <a:spcPct val="0"/>
+              </a:spcAft>
+              <a:buFont typeface="Arial" panose="020B0604020202020204" pitchFamily="34" charset="0"/>
+              <a:buChar char="•"/>
+              <a:defRPr sz="2000" kern="1200">
+                <a:solidFill>
+                  <a:schemeClr val="tx1"/>
+                </a:solidFill>
+                <a:latin typeface="+mn-lt"/>
+                <a:ea typeface="+mn-ea"/>
+                <a:cs typeface="+mn-cs"/>
+              </a:defRPr>
+            </a:lvl3pPr>
+            <a:lvl4pPr marL="1600200" indent="-228600" algn="l" rtl="0" eaLnBrk="0" fontAlgn="base" hangingPunct="0">
+              <a:lnSpc>
+                <a:spcPct val="90000"/>
+              </a:lnSpc>
+              <a:spcBef>
+                <a:spcPts val="500"/>
+              </a:spcBef>
+              <a:spcAft>
+                <a:spcPct val="0"/>
+              </a:spcAft>
+              <a:buFont typeface="Arial" panose="020B0604020202020204" pitchFamily="34" charset="0"/>
+              <a:buChar char="•"/>
+              <a:defRPr kern="1200">
+                <a:solidFill>
+                  <a:schemeClr val="tx1"/>
+                </a:solidFill>
+                <a:latin typeface="+mn-lt"/>
+                <a:ea typeface="+mn-ea"/>
+                <a:cs typeface="+mn-cs"/>
+              </a:defRPr>
+            </a:lvl4pPr>
+            <a:lvl5pPr marL="2057400" indent="-228600" algn="l" rtl="0" eaLnBrk="0" fontAlgn="base" hangingPunct="0">
+              <a:lnSpc>
+                <a:spcPct val="90000"/>
+              </a:lnSpc>
+              <a:spcBef>
+                <a:spcPts val="500"/>
+              </a:spcBef>
+              <a:spcAft>
+                <a:spcPct val="0"/>
+              </a:spcAft>
+              <a:buFont typeface="Arial" panose="020B0604020202020204" pitchFamily="34" charset="0"/>
+              <a:buChar char="•"/>
+              <a:defRPr kern="1200">
+                <a:solidFill>
+                  <a:schemeClr val="tx1"/>
+                </a:solidFill>
+                <a:latin typeface="+mn-lt"/>
+                <a:ea typeface="+mn-ea"/>
+                <a:cs typeface="+mn-cs"/>
+              </a:defRPr>
+            </a:lvl5pPr>
+            <a:lvl6pPr marL="2514600" indent="-228600" algn="l" defTabSz="914400" rtl="0" eaLnBrk="1" latinLnBrk="0" hangingPunct="1">
+              <a:lnSpc>
+                <a:spcPct val="90000"/>
+              </a:lnSpc>
+              <a:spcBef>
+                <a:spcPts val="500"/>
+              </a:spcBef>
+              <a:buFont typeface="Arial" panose="020B0604020202020204" pitchFamily="34" charset="0"/>
+              <a:buChar char="•"/>
+              <a:defRPr sz="1800" kern="1200">
+                <a:solidFill>
+                  <a:schemeClr val="tx1"/>
+                </a:solidFill>
+                <a:latin typeface="+mn-lt"/>
+                <a:ea typeface="+mn-ea"/>
+                <a:cs typeface="+mn-cs"/>
+              </a:defRPr>
+            </a:lvl6pPr>
+            <a:lvl7pPr marL="2971800" indent="-228600" algn="l" defTabSz="914400" rtl="0" eaLnBrk="1" latinLnBrk="0" hangingPunct="1">
+              <a:lnSpc>
+                <a:spcPct val="90000"/>
+              </a:lnSpc>
+              <a:spcBef>
+                <a:spcPts val="500"/>
+              </a:spcBef>
+              <a:buFont typeface="Arial" panose="020B0604020202020204" pitchFamily="34" charset="0"/>
+              <a:buChar char="•"/>
+              <a:defRPr sz="1800" kern="1200">
+                <a:solidFill>
+                  <a:schemeClr val="tx1"/>
+                </a:solidFill>
+                <a:latin typeface="+mn-lt"/>
+                <a:ea typeface="+mn-ea"/>
+                <a:cs typeface="+mn-cs"/>
+              </a:defRPr>
+            </a:lvl7pPr>
+            <a:lvl8pPr marL="3429000" indent="-228600" algn="l" defTabSz="914400" rtl="0" eaLnBrk="1" latinLnBrk="0" hangingPunct="1">
+              <a:lnSpc>
+                <a:spcPct val="90000"/>
+              </a:lnSpc>
+              <a:spcBef>
+                <a:spcPts val="500"/>
+              </a:spcBef>
+              <a:buFont typeface="Arial" panose="020B0604020202020204" pitchFamily="34" charset="0"/>
+              <a:buChar char="•"/>
+              <a:defRPr sz="1800" kern="1200">
+                <a:solidFill>
+                  <a:schemeClr val="tx1"/>
+                </a:solidFill>
+                <a:latin typeface="+mn-lt"/>
+                <a:ea typeface="+mn-ea"/>
+                <a:cs typeface="+mn-cs"/>
+              </a:defRPr>
+            </a:lvl8pPr>
+            <a:lvl9pPr marL="3886200" indent="-228600" algn="l" defTabSz="914400" rtl="0" eaLnBrk="1" latinLnBrk="0" hangingPunct="1">
+              <a:lnSpc>
+                <a:spcPct val="90000"/>
+              </a:lnSpc>
+              <a:spcBef>
+                <a:spcPts val="500"/>
+              </a:spcBef>
+              <a:buFont typeface="Arial" panose="020B0604020202020204" pitchFamily="34" charset="0"/>
+              <a:buChar char="•"/>
+              <a:defRPr sz="1800" kern="1200">
+                <a:solidFill>
+                  <a:schemeClr val="tx1"/>
+                </a:solidFill>
+                <a:latin typeface="+mn-lt"/>
+                <a:ea typeface="+mn-ea"/>
+                <a:cs typeface="+mn-cs"/>
+              </a:defRPr>
+            </a:lvl9pPr>
+          </a:lstStyle>
+          <a:p>
+            <a:pPr marL="0" indent="0" eaLnBrk="1" hangingPunct="1">
+              <a:lnSpc>
+                <a:spcPct val="150000"/>
+              </a:lnSpc>
+              <a:buNone/>
+            </a:pPr>
+            <a:r>
+              <a:rPr lang="ru-RU" sz="1200" i="1" dirty="0" smtClean="0"/>
+              <a:t>Вид сбоку</a:t>
+            </a:r>
+            <a:endParaRPr lang="ru-RU" altLang="ru-RU" sz="1200" i="1" dirty="0" smtClean="0">
+              <a:cs typeface="Times New Roman" panose="02020603050405020304" pitchFamily="18" charset="0"/>
+            </a:endParaRPr>
+          </a:p>
+          <a:p>
+            <a:pPr eaLnBrk="1" hangingPunct="1">
+              <a:lnSpc>
+                <a:spcPct val="150000"/>
+              </a:lnSpc>
+            </a:pPr>
+            <a:endParaRPr lang="ru-RU" altLang="ru-RU" sz="1200" i="1" dirty="0" smtClean="0">
+              <a:cs typeface="Times New Roman" panose="02020603050405020304" pitchFamily="18" charset="0"/>
+            </a:endParaRPr>
+          </a:p>
+          <a:p>
+            <a:pPr eaLnBrk="1" hangingPunct="1">
+              <a:lnSpc>
+                <a:spcPct val="150000"/>
+              </a:lnSpc>
+            </a:pPr>
+            <a:endParaRPr lang="ru-RU" altLang="ru-RU" sz="1200" i="1" dirty="0" smtClean="0">
+              <a:cs typeface="Times New Roman" panose="02020603050405020304" pitchFamily="18" charset="0"/>
+            </a:endParaRPr>
+          </a:p>
+        </p:txBody>
+      </p:sp>
+      <p:pic>
+        <p:nvPicPr>
+          <p:cNvPr id="16" name="Рисунок 15"/>
+          <p:cNvPicPr>
+            <a:picLocks noChangeAspect="1"/>
+          </p:cNvPicPr>
+          <p:nvPr/>
+        </p:nvPicPr>
+        <p:blipFill>
+          <a:blip r:embed="rId5"/>
+          <a:stretch>
+            <a:fillRect/>
+          </a:stretch>
+        </p:blipFill>
+        <p:spPr>
+          <a:xfrm>
+            <a:off x="7392144" y="4233159"/>
+            <a:ext cx="3426320" cy="2082388"/>
+          </a:xfrm>
+          <a:prstGeom prst="rect">
+            <a:avLst/>
+          </a:prstGeom>
+        </p:spPr>
+      </p:pic>
+      <p:sp>
+        <p:nvSpPr>
+          <p:cNvPr id="17" name="Текст 5"/>
+          <p:cNvSpPr txBox="1">
+            <a:spLocks noChangeArrowheads="1"/>
+          </p:cNvSpPr>
+          <p:nvPr/>
+        </p:nvSpPr>
+        <p:spPr bwMode="auto">
+          <a:xfrm>
+            <a:off x="7968208" y="6319154"/>
+            <a:ext cx="3681403" cy="432048"/>
+          </a:xfrm>
+          <a:prstGeom prst="rect">
+            <a:avLst/>
+          </a:prstGeom>
+          <a:noFill/>
+          <a:ln>
+            <a:noFill/>
+          </a:ln>
+          <a:extLst>
+            <a:ext uri="{909E8E84-426E-40DD-AFC4-6F175D3DCCD1}">
+              <a14:hiddenFill xmlns:a14="http://schemas.microsoft.com/office/drawing/2010/main">
+                <a:solidFill>
+                  <a:srgbClr val="FFFFFF"/>
+                </a:solidFill>
+              </a14:hiddenFill>
+            </a:ext>
+            <a:ext uri="{91240B29-F687-4F45-9708-019B960494DF}">
+              <a14:hiddenLine xmlns:a14="http://schemas.microsoft.com/office/drawing/2010/main" w="9525">
+                <a:solidFill>
+                  <a:srgbClr val="000000"/>
+                </a:solidFill>
+                <a:miter lim="800000"/>
+                <a:headEnd/>
+                <a:tailEnd/>
+              </a14:hiddenLine>
+            </a:ext>
+          </a:extLst>
+        </p:spPr>
+        <p:txBody>
+          <a:bodyPr vert="horz" wrap="square" lIns="91440" tIns="45720" rIns="91440" bIns="45720" numCol="1" anchor="t" anchorCtr="0" compatLnSpc="1">
+            <a:prstTxWarp prst="textNoShape">
+              <a:avLst/>
+            </a:prstTxWarp>
+          </a:bodyPr>
+          <a:lstStyle>
+            <a:lvl1pPr marL="228600" indent="-228600" algn="l" rtl="0" eaLnBrk="0" fontAlgn="base" hangingPunct="0">
+              <a:lnSpc>
+                <a:spcPct val="90000"/>
+              </a:lnSpc>
+              <a:spcBef>
+                <a:spcPts val="1000"/>
+              </a:spcBef>
+              <a:spcAft>
+                <a:spcPct val="0"/>
+              </a:spcAft>
+              <a:buFont typeface="Arial" panose="020B0604020202020204" pitchFamily="34" charset="0"/>
+              <a:buChar char="•"/>
+              <a:defRPr sz="2800" kern="1200">
+                <a:solidFill>
+                  <a:schemeClr val="tx1"/>
+                </a:solidFill>
+                <a:latin typeface="+mn-lt"/>
+                <a:ea typeface="+mn-ea"/>
+                <a:cs typeface="+mn-cs"/>
+              </a:defRPr>
+            </a:lvl1pPr>
+            <a:lvl2pPr marL="685800" indent="-228600" algn="l" rtl="0" eaLnBrk="0" fontAlgn="base" hangingPunct="0">
+              <a:lnSpc>
+                <a:spcPct val="90000"/>
+              </a:lnSpc>
+              <a:spcBef>
+                <a:spcPts val="500"/>
+              </a:spcBef>
+              <a:spcAft>
+                <a:spcPct val="0"/>
+              </a:spcAft>
+              <a:buFont typeface="Arial" panose="020B0604020202020204" pitchFamily="34" charset="0"/>
+              <a:buChar char="•"/>
+              <a:defRPr sz="2400" kern="1200">
+                <a:solidFill>
+                  <a:schemeClr val="tx1"/>
+                </a:solidFill>
+                <a:latin typeface="+mn-lt"/>
+                <a:ea typeface="+mn-ea"/>
+                <a:cs typeface="+mn-cs"/>
+              </a:defRPr>
+            </a:lvl2pPr>
+            <a:lvl3pPr marL="1143000" indent="-228600" algn="l" rtl="0" eaLnBrk="0" fontAlgn="base" hangingPunct="0">
+              <a:lnSpc>
+                <a:spcPct val="90000"/>
+              </a:lnSpc>
+              <a:spcBef>
+                <a:spcPts val="500"/>
+              </a:spcBef>
+              <a:spcAft>
+                <a:spcPct val="0"/>
+              </a:spcAft>
+              <a:buFont typeface="Arial" panose="020B0604020202020204" pitchFamily="34" charset="0"/>
+              <a:buChar char="•"/>
+              <a:defRPr sz="2000" kern="1200">
+                <a:solidFill>
+                  <a:schemeClr val="tx1"/>
+                </a:solidFill>
+                <a:latin typeface="+mn-lt"/>
+                <a:ea typeface="+mn-ea"/>
+                <a:cs typeface="+mn-cs"/>
+              </a:defRPr>
+            </a:lvl3pPr>
+            <a:lvl4pPr marL="1600200" indent="-228600" algn="l" rtl="0" eaLnBrk="0" fontAlgn="base" hangingPunct="0">
+              <a:lnSpc>
+                <a:spcPct val="90000"/>
+              </a:lnSpc>
+              <a:spcBef>
+                <a:spcPts val="500"/>
+              </a:spcBef>
+              <a:spcAft>
+                <a:spcPct val="0"/>
+              </a:spcAft>
+              <a:buFont typeface="Arial" panose="020B0604020202020204" pitchFamily="34" charset="0"/>
+              <a:buChar char="•"/>
+              <a:defRPr kern="1200">
+                <a:solidFill>
+                  <a:schemeClr val="tx1"/>
+                </a:solidFill>
+                <a:latin typeface="+mn-lt"/>
+                <a:ea typeface="+mn-ea"/>
+                <a:cs typeface="+mn-cs"/>
+              </a:defRPr>
+            </a:lvl4pPr>
+            <a:lvl5pPr marL="2057400" indent="-228600" algn="l" rtl="0" eaLnBrk="0" fontAlgn="base" hangingPunct="0">
+              <a:lnSpc>
+                <a:spcPct val="90000"/>
+              </a:lnSpc>
+              <a:spcBef>
+                <a:spcPts val="500"/>
+              </a:spcBef>
+              <a:spcAft>
+                <a:spcPct val="0"/>
+              </a:spcAft>
+              <a:buFont typeface="Arial" panose="020B0604020202020204" pitchFamily="34" charset="0"/>
+              <a:buChar char="•"/>
+              <a:defRPr kern="1200">
+                <a:solidFill>
+                  <a:schemeClr val="tx1"/>
+                </a:solidFill>
+                <a:latin typeface="+mn-lt"/>
+                <a:ea typeface="+mn-ea"/>
+                <a:cs typeface="+mn-cs"/>
+              </a:defRPr>
+            </a:lvl5pPr>
+            <a:lvl6pPr marL="2514600" indent="-228600" algn="l" defTabSz="914400" rtl="0" eaLnBrk="1" latinLnBrk="0" hangingPunct="1">
+              <a:lnSpc>
+                <a:spcPct val="90000"/>
+              </a:lnSpc>
+              <a:spcBef>
+                <a:spcPts val="500"/>
+              </a:spcBef>
+              <a:buFont typeface="Arial" panose="020B0604020202020204" pitchFamily="34" charset="0"/>
+              <a:buChar char="•"/>
+              <a:defRPr sz="1800" kern="1200">
+                <a:solidFill>
+                  <a:schemeClr val="tx1"/>
+                </a:solidFill>
+                <a:latin typeface="+mn-lt"/>
+                <a:ea typeface="+mn-ea"/>
+                <a:cs typeface="+mn-cs"/>
+              </a:defRPr>
+            </a:lvl6pPr>
+            <a:lvl7pPr marL="2971800" indent="-228600" algn="l" defTabSz="914400" rtl="0" eaLnBrk="1" latinLnBrk="0" hangingPunct="1">
+              <a:lnSpc>
+                <a:spcPct val="90000"/>
+              </a:lnSpc>
+              <a:spcBef>
+                <a:spcPts val="500"/>
+              </a:spcBef>
+              <a:buFont typeface="Arial" panose="020B0604020202020204" pitchFamily="34" charset="0"/>
+              <a:buChar char="•"/>
+              <a:defRPr sz="1800" kern="1200">
+                <a:solidFill>
+                  <a:schemeClr val="tx1"/>
+                </a:solidFill>
+                <a:latin typeface="+mn-lt"/>
+                <a:ea typeface="+mn-ea"/>
+                <a:cs typeface="+mn-cs"/>
+              </a:defRPr>
+            </a:lvl7pPr>
+            <a:lvl8pPr marL="3429000" indent="-228600" algn="l" defTabSz="914400" rtl="0" eaLnBrk="1" latinLnBrk="0" hangingPunct="1">
+              <a:lnSpc>
+                <a:spcPct val="90000"/>
+              </a:lnSpc>
+              <a:spcBef>
+                <a:spcPts val="500"/>
+              </a:spcBef>
+              <a:buFont typeface="Arial" panose="020B0604020202020204" pitchFamily="34" charset="0"/>
+              <a:buChar char="•"/>
+              <a:defRPr sz="1800" kern="1200">
+                <a:solidFill>
+                  <a:schemeClr val="tx1"/>
+                </a:solidFill>
+                <a:latin typeface="+mn-lt"/>
+                <a:ea typeface="+mn-ea"/>
+                <a:cs typeface="+mn-cs"/>
+              </a:defRPr>
+            </a:lvl8pPr>
+            <a:lvl9pPr marL="3886200" indent="-228600" algn="l" defTabSz="914400" rtl="0" eaLnBrk="1" latinLnBrk="0" hangingPunct="1">
+              <a:lnSpc>
+                <a:spcPct val="90000"/>
+              </a:lnSpc>
+              <a:spcBef>
+                <a:spcPts val="500"/>
+              </a:spcBef>
+              <a:buFont typeface="Arial" panose="020B0604020202020204" pitchFamily="34" charset="0"/>
+              <a:buChar char="•"/>
+              <a:defRPr sz="1800" kern="1200">
+                <a:solidFill>
+                  <a:schemeClr val="tx1"/>
+                </a:solidFill>
+                <a:latin typeface="+mn-lt"/>
+                <a:ea typeface="+mn-ea"/>
+                <a:cs typeface="+mn-cs"/>
+              </a:defRPr>
+            </a:lvl9pPr>
+          </a:lstStyle>
+          <a:p>
+            <a:pPr marL="0" indent="0" eaLnBrk="1" hangingPunct="1">
+              <a:lnSpc>
+                <a:spcPct val="150000"/>
+              </a:lnSpc>
+              <a:buNone/>
+            </a:pPr>
+            <a:r>
+              <a:rPr lang="ru-RU" sz="1200" i="1" dirty="0" smtClean="0"/>
+              <a:t>График изменения скорости спутника</a:t>
+            </a:r>
+            <a:endParaRPr lang="ru-RU" altLang="ru-RU" sz="1200" i="1" dirty="0" smtClean="0">
+              <a:cs typeface="Times New Roman" panose="02020603050405020304" pitchFamily="18" charset="0"/>
+            </a:endParaRPr>
+          </a:p>
+          <a:p>
+            <a:pPr eaLnBrk="1" hangingPunct="1">
+              <a:lnSpc>
+                <a:spcPct val="150000"/>
+              </a:lnSpc>
+            </a:pPr>
+            <a:endParaRPr lang="ru-RU" altLang="ru-RU" sz="1200" i="1" dirty="0" smtClean="0">
+              <a:cs typeface="Times New Roman" panose="02020603050405020304" pitchFamily="18" charset="0"/>
+            </a:endParaRPr>
+          </a:p>
+          <a:p>
+            <a:pPr eaLnBrk="1" hangingPunct="1">
+              <a:lnSpc>
+                <a:spcPct val="150000"/>
+              </a:lnSpc>
+            </a:pPr>
+            <a:endParaRPr lang="ru-RU" altLang="ru-RU" sz="1200" i="1" dirty="0" smtClean="0">
+              <a:cs typeface="Times New Roman" panose="02020603050405020304" pitchFamily="18" charset="0"/>
+            </a:endParaRPr>
+          </a:p>
+        </p:txBody>
+      </p:sp>
     </p:spTree>
   </p:cSld>
   <p:clrMapOvr>
@@ -5940,103 +6682,6 @@
           </a:p>
         </p:txBody>
       </p:sp>
-      <p:pic>
-        <p:nvPicPr>
-          <p:cNvPr id="15363" name="Picture 4"/>
-          <p:cNvPicPr>
-            <a:picLocks noChangeAspect="1" noChangeArrowheads="1"/>
-          </p:cNvPicPr>
-          <p:nvPr/>
-        </p:nvPicPr>
-        <p:blipFill>
-          <a:blip r:embed="rId2">
-            <a:extLst>
-              <a:ext uri="{28A0092B-C50C-407E-A947-70E740481C1C}">
-                <a14:useLocalDpi xmlns:a14="http://schemas.microsoft.com/office/drawing/2010/main" val="0"/>
-              </a:ext>
-            </a:extLst>
-          </a:blip>
-          <a:srcRect/>
-          <a:stretch>
-            <a:fillRect/>
-          </a:stretch>
-        </p:blipFill>
-        <p:spPr bwMode="auto">
-          <a:xfrm>
-            <a:off x="-6350" y="7938"/>
-            <a:ext cx="1757363" cy="1700212"/>
-          </a:xfrm>
-          <a:prstGeom prst="rect">
-            <a:avLst/>
-          </a:prstGeom>
-          <a:noFill/>
-          <a:ln>
-            <a:noFill/>
-          </a:ln>
-          <a:effectLst/>
-          <a:extLst>
-            <a:ext uri="{909E8E84-426E-40DD-AFC4-6F175D3DCCD1}">
-              <a14:hiddenFill xmlns:a14="http://schemas.microsoft.com/office/drawing/2010/main">
-                <a:blipFill dpi="0" rotWithShape="0">
-                  <a:blip/>
-                  <a:srcRect/>
-                  <a:stretch>
-                    <a:fillRect/>
-                  </a:stretch>
-                </a:blipFill>
-              </a14:hiddenFill>
-            </a:ext>
-            <a:ext uri="{91240B29-F687-4F45-9708-019B960494DF}">
-              <a14:hiddenLine xmlns:a14="http://schemas.microsoft.com/office/drawing/2010/main" w="9525">
-                <a:solidFill>
-                  <a:srgbClr val="808080"/>
-                </a:solidFill>
-                <a:round/>
-                <a:headEnd/>
-                <a:tailEnd/>
-              </a14:hiddenLine>
-            </a:ext>
-            <a:ext uri="{AF507438-7753-43E0-B8FC-AC1667EBCBE1}">
-              <a14:hiddenEffects xmlns:a14="http://schemas.microsoft.com/office/drawing/2010/main">
-                <a:effectLst>
-                  <a:outerShdw dist="35921" dir="2700000" algn="ctr" rotWithShape="0">
-                    <a:srgbClr val="808080"/>
-                  </a:outerShdw>
-                </a:effectLst>
-              </a14:hiddenEffects>
-            </a:ext>
-          </a:extLst>
-        </p:spPr>
-      </p:pic>
-      <p:sp>
-        <p:nvSpPr>
-          <p:cNvPr id="15364" name="Rectangle 2"/>
-          <p:cNvSpPr>
-            <a:spLocks noGrp="1" noChangeArrowheads="1"/>
-          </p:cNvSpPr>
-          <p:nvPr>
-            <p:ph type="title"/>
-          </p:nvPr>
-        </p:nvSpPr>
-        <p:spPr>
-          <a:xfrm>
-            <a:off x="2711450" y="692150"/>
-            <a:ext cx="8229600" cy="668338"/>
-          </a:xfrm>
-        </p:spPr>
-        <p:txBody>
-          <a:bodyPr/>
-          <a:lstStyle/>
-          <a:p>
-            <a:pPr algn="ctr" eaLnBrk="1" hangingPunct="1"/>
-            <a:r>
-              <a:rPr lang="ru-RU" altLang="ru-RU" sz="3200" dirty="0" smtClean="0"/>
-              <a:t>Сравнения 3х этюдов</a:t>
-            </a:r>
-            <a:endParaRPr lang="ru-RU" altLang="ru-RU" sz="3200" dirty="0" smtClean="0"/>
-          </a:p>
-        </p:txBody>
-      </p:sp>
       <p:sp>
         <p:nvSpPr>
           <p:cNvPr id="5" name="Текст 5"/>
@@ -6600,12 +7245,20 @@
           <a:p>
             <a:pPr eaLnBrk="1" hangingPunct="1"/>
             <a:r>
+              <a:rPr lang="ru-RU" altLang="ru-RU" sz="3200" b="1" dirty="0" smtClean="0">
+                <a:solidFill>
+                  <a:schemeClr val="bg1"/>
+                </a:solidFill>
+              </a:rPr>
+              <a:t>Сравнение </a:t>
+            </a:r>
+            <a:r>
               <a:rPr lang="ru-RU" altLang="ru-RU" sz="3200" b="1" dirty="0">
                 <a:solidFill>
                   <a:schemeClr val="bg1"/>
                 </a:solidFill>
               </a:rPr>
-              <a:t>Уравнения движения(стереть силы у спутника)</a:t>
+              <a:t>3х этюдов</a:t>
             </a:r>
             <a:endParaRPr lang="ru-RU" altLang="ru-RU" sz="3200" b="1" dirty="0" smtClean="0">
               <a:solidFill>
@@ -6846,35 +7499,6 @@
       </p:sp>
       <p:sp>
         <p:nvSpPr>
-          <p:cNvPr id="16388" name="Rectangle 2"/>
-          <p:cNvSpPr>
-            <a:spLocks noGrp="1" noChangeArrowheads="1"/>
-          </p:cNvSpPr>
-          <p:nvPr>
-            <p:ph type="title"/>
-          </p:nvPr>
-        </p:nvSpPr>
-        <p:spPr>
-          <a:xfrm>
-            <a:off x="2711450" y="692150"/>
-            <a:ext cx="8229600" cy="668338"/>
-          </a:xfrm>
-        </p:spPr>
-        <p:txBody>
-          <a:bodyPr/>
-          <a:lstStyle/>
-          <a:p>
-            <a:pPr algn="ctr" eaLnBrk="1" hangingPunct="1"/>
-            <a:r>
-              <a:rPr lang="ru-RU" altLang="ru-RU" sz="3200" dirty="0" smtClean="0"/>
-              <a:t>Заключение</a:t>
-            </a:r>
-            <a:endParaRPr lang="ru-RU" altLang="ru-RU" sz="3200" dirty="0" smtClean="0"/>
-          </a:p>
-        </p:txBody>
-      </p:sp>
-      <p:sp>
-        <p:nvSpPr>
           <p:cNvPr id="5" name="Текст 5"/>
           <p:cNvSpPr txBox="1">
             <a:spLocks noChangeArrowheads="1"/>
@@ -7394,7 +8018,7 @@
                   <a:schemeClr val="bg1"/>
                 </a:solidFill>
               </a:rPr>
-              <a:t>Уравнения движения(стереть силы у спутника)</a:t>
+              <a:t>Заключение</a:t>
             </a:r>
             <a:endParaRPr lang="ru-RU" altLang="ru-RU" sz="3200" b="1" dirty="0" smtClean="0">
               <a:solidFill>
@@ -7526,7 +8150,7 @@
           <a:p>
             <a:pPr algn="ctr" eaLnBrk="1" hangingPunct="1"/>
             <a:r>
-              <a:rPr lang="ru-RU" altLang="ru-RU" smtClean="0"/>
+              <a:rPr lang="ru-RU" altLang="ru-RU" dirty="0" smtClean="0"/>
               <a:t>Спасибо за внимание!</a:t>
             </a:r>
           </a:p>
@@ -7661,74 +8285,6 @@
           </a:p>
         </p:txBody>
       </p:sp>
-      <p:pic>
-        <p:nvPicPr>
-          <p:cNvPr id="25604" name="Picture 4"/>
-          <p:cNvPicPr>
-            <a:picLocks noChangeAspect="1" noChangeArrowheads="1"/>
-          </p:cNvPicPr>
-          <p:nvPr/>
-        </p:nvPicPr>
-        <p:blipFill>
-          <a:blip r:embed="rId2">
-            <a:extLst>
-              <a:ext uri="{28A0092B-C50C-407E-A947-70E740481C1C}">
-                <a14:useLocalDpi xmlns:a14="http://schemas.microsoft.com/office/drawing/2010/main" val="0"/>
-              </a:ext>
-            </a:extLst>
-          </a:blip>
-          <a:srcRect/>
-          <a:stretch>
-            <a:fillRect/>
-          </a:stretch>
-        </p:blipFill>
-        <p:spPr bwMode="auto">
-          <a:xfrm>
-            <a:off x="-6350" y="7938"/>
-            <a:ext cx="1757363" cy="1700212"/>
-          </a:xfrm>
-          <a:prstGeom prst="rect">
-            <a:avLst/>
-          </a:prstGeom>
-          <a:noFill/>
-          <a:ln>
-            <a:noFill/>
-          </a:ln>
-          <a:effectLst/>
-          <a:extLst>
-            <a:ext uri="{909E8E84-426E-40DD-AFC4-6F175D3DCCD1}">
-              <a14:hiddenFill xmlns:a14="http://schemas.microsoft.com/office/drawing/2010/main">
-                <a:blipFill dpi="0" rotWithShape="0">
-                  <a:blip/>
-                  <a:srcRect/>
-                  <a:stretch>
-                    <a:fillRect/>
-                  </a:stretch>
-                </a:blipFill>
-              </a14:hiddenFill>
-            </a:ext>
-            <a:ext uri="{91240B29-F687-4F45-9708-019B960494DF}">
-              <a14:hiddenLine xmlns:a14="http://schemas.microsoft.com/office/drawing/2010/main" w="9525">
-                <a:solidFill>
-                  <a:srgbClr val="808080"/>
-                </a:solidFill>
-                <a:round/>
-                <a:headEnd/>
-                <a:tailEnd/>
-              </a14:hiddenLine>
-            </a:ext>
-            <a:ext uri="{AF507438-7753-43E0-B8FC-AC1667EBCBE1}">
-              <a14:hiddenEffects xmlns:a14="http://schemas.microsoft.com/office/drawing/2010/main">
-                <a:effectLst>
-                  <a:outerShdw dist="35921" dir="2700000" algn="ctr" rotWithShape="0">
-                    <a:srgbClr val="808080"/>
-                  </a:outerShdw>
-                </a:effectLst>
-              </a14:hiddenEffects>
-            </a:ext>
-          </a:extLst>
-        </p:spPr>
-      </p:pic>
       <p:sp>
         <p:nvSpPr>
           <p:cNvPr id="5" name="Прямоугольник 4"/>
@@ -7769,227 +8325,6 @@
           <a:p>
             <a:pPr algn="ctr"/>
             <a:endParaRPr lang="ru-RU"/>
-          </a:p>
-        </p:txBody>
-      </p:sp>
-      <p:sp>
-        <p:nvSpPr>
-          <p:cNvPr id="6" name="Rectangle 2"/>
-          <p:cNvSpPr txBox="1">
-            <a:spLocks noChangeArrowheads="1"/>
-          </p:cNvSpPr>
-          <p:nvPr/>
-        </p:nvSpPr>
-        <p:spPr bwMode="auto">
-          <a:xfrm>
-            <a:off x="1305152" y="28206"/>
-            <a:ext cx="8229600" cy="1032091"/>
-          </a:xfrm>
-          <a:prstGeom prst="rect">
-            <a:avLst/>
-          </a:prstGeom>
-          <a:noFill/>
-          <a:ln>
-            <a:noFill/>
-          </a:ln>
-          <a:extLst>
-            <a:ext uri="{909E8E84-426E-40DD-AFC4-6F175D3DCCD1}">
-              <a14:hiddenFill xmlns:a14="http://schemas.microsoft.com/office/drawing/2010/main">
-                <a:solidFill>
-                  <a:srgbClr val="FFFFFF"/>
-                </a:solidFill>
-              </a14:hiddenFill>
-            </a:ext>
-            <a:ext uri="{91240B29-F687-4F45-9708-019B960494DF}">
-              <a14:hiddenLine xmlns:a14="http://schemas.microsoft.com/office/drawing/2010/main" w="9525">
-                <a:solidFill>
-                  <a:srgbClr val="000000"/>
-                </a:solidFill>
-                <a:miter lim="800000"/>
-                <a:headEnd/>
-                <a:tailEnd/>
-              </a14:hiddenLine>
-            </a:ext>
-          </a:extLst>
-        </p:spPr>
-        <p:txBody>
-          <a:bodyPr vert="horz" wrap="square" lIns="91440" tIns="45720" rIns="91440" bIns="45720" numCol="1" anchor="ctr" anchorCtr="0" compatLnSpc="1">
-            <a:prstTxWarp prst="textNoShape">
-              <a:avLst/>
-            </a:prstTxWarp>
-          </a:bodyPr>
-          <a:lstStyle>
-            <a:lvl1pPr algn="l" rtl="0" eaLnBrk="0" fontAlgn="base" hangingPunct="0">
-              <a:lnSpc>
-                <a:spcPct val="90000"/>
-              </a:lnSpc>
-              <a:spcBef>
-                <a:spcPct val="0"/>
-              </a:spcBef>
-              <a:spcAft>
-                <a:spcPct val="0"/>
-              </a:spcAft>
-              <a:defRPr sz="4400" kern="1200">
-                <a:solidFill>
-                  <a:schemeClr val="tx1"/>
-                </a:solidFill>
-                <a:latin typeface="+mj-lt"/>
-                <a:ea typeface="+mj-ea"/>
-                <a:cs typeface="+mj-cs"/>
-              </a:defRPr>
-            </a:lvl1pPr>
-            <a:lvl2pPr algn="l" rtl="0" eaLnBrk="0" fontAlgn="base" hangingPunct="0">
-              <a:lnSpc>
-                <a:spcPct val="90000"/>
-              </a:lnSpc>
-              <a:spcBef>
-                <a:spcPct val="0"/>
-              </a:spcBef>
-              <a:spcAft>
-                <a:spcPct val="0"/>
-              </a:spcAft>
-              <a:defRPr sz="4400">
-                <a:solidFill>
-                  <a:schemeClr val="tx1"/>
-                </a:solidFill>
-                <a:latin typeface="Calibri Light" panose="020F0302020204030204" pitchFamily="34" charset="0"/>
-              </a:defRPr>
-            </a:lvl2pPr>
-            <a:lvl3pPr algn="l" rtl="0" eaLnBrk="0" fontAlgn="base" hangingPunct="0">
-              <a:lnSpc>
-                <a:spcPct val="90000"/>
-              </a:lnSpc>
-              <a:spcBef>
-                <a:spcPct val="0"/>
-              </a:spcBef>
-              <a:spcAft>
-                <a:spcPct val="0"/>
-              </a:spcAft>
-              <a:defRPr sz="4400">
-                <a:solidFill>
-                  <a:schemeClr val="tx1"/>
-                </a:solidFill>
-                <a:latin typeface="Calibri Light" panose="020F0302020204030204" pitchFamily="34" charset="0"/>
-              </a:defRPr>
-            </a:lvl3pPr>
-            <a:lvl4pPr algn="l" rtl="0" eaLnBrk="0" fontAlgn="base" hangingPunct="0">
-              <a:lnSpc>
-                <a:spcPct val="90000"/>
-              </a:lnSpc>
-              <a:spcBef>
-                <a:spcPct val="0"/>
-              </a:spcBef>
-              <a:spcAft>
-                <a:spcPct val="0"/>
-              </a:spcAft>
-              <a:defRPr sz="4400">
-                <a:solidFill>
-                  <a:schemeClr val="tx1"/>
-                </a:solidFill>
-                <a:latin typeface="Calibri Light" panose="020F0302020204030204" pitchFamily="34" charset="0"/>
-              </a:defRPr>
-            </a:lvl4pPr>
-            <a:lvl5pPr algn="l" rtl="0" eaLnBrk="0" fontAlgn="base" hangingPunct="0">
-              <a:lnSpc>
-                <a:spcPct val="90000"/>
-              </a:lnSpc>
-              <a:spcBef>
-                <a:spcPct val="0"/>
-              </a:spcBef>
-              <a:spcAft>
-                <a:spcPct val="0"/>
-              </a:spcAft>
-              <a:defRPr sz="4400">
-                <a:solidFill>
-                  <a:schemeClr val="tx1"/>
-                </a:solidFill>
-                <a:latin typeface="Calibri Light" panose="020F0302020204030204" pitchFamily="34" charset="0"/>
-              </a:defRPr>
-            </a:lvl5pPr>
-            <a:lvl6pPr marL="457200" algn="l" rtl="0" fontAlgn="base">
-              <a:lnSpc>
-                <a:spcPct val="90000"/>
-              </a:lnSpc>
-              <a:spcBef>
-                <a:spcPct val="0"/>
-              </a:spcBef>
-              <a:spcAft>
-                <a:spcPct val="0"/>
-              </a:spcAft>
-              <a:defRPr sz="4400">
-                <a:solidFill>
-                  <a:schemeClr val="tx1"/>
-                </a:solidFill>
-                <a:latin typeface="Calibri Light" panose="020F0302020204030204" pitchFamily="34" charset="0"/>
-              </a:defRPr>
-            </a:lvl6pPr>
-            <a:lvl7pPr marL="914400" algn="l" rtl="0" fontAlgn="base">
-              <a:lnSpc>
-                <a:spcPct val="90000"/>
-              </a:lnSpc>
-              <a:spcBef>
-                <a:spcPct val="0"/>
-              </a:spcBef>
-              <a:spcAft>
-                <a:spcPct val="0"/>
-              </a:spcAft>
-              <a:defRPr sz="4400">
-                <a:solidFill>
-                  <a:schemeClr val="tx1"/>
-                </a:solidFill>
-                <a:latin typeface="Calibri Light" panose="020F0302020204030204" pitchFamily="34" charset="0"/>
-              </a:defRPr>
-            </a:lvl7pPr>
-            <a:lvl8pPr marL="1371600" algn="l" rtl="0" fontAlgn="base">
-              <a:lnSpc>
-                <a:spcPct val="90000"/>
-              </a:lnSpc>
-              <a:spcBef>
-                <a:spcPct val="0"/>
-              </a:spcBef>
-              <a:spcAft>
-                <a:spcPct val="0"/>
-              </a:spcAft>
-              <a:defRPr sz="4400">
-                <a:solidFill>
-                  <a:schemeClr val="tx1"/>
-                </a:solidFill>
-                <a:latin typeface="Calibri Light" panose="020F0302020204030204" pitchFamily="34" charset="0"/>
-              </a:defRPr>
-            </a:lvl8pPr>
-            <a:lvl9pPr marL="1828800" algn="l" rtl="0" fontAlgn="base">
-              <a:lnSpc>
-                <a:spcPct val="90000"/>
-              </a:lnSpc>
-              <a:spcBef>
-                <a:spcPct val="0"/>
-              </a:spcBef>
-              <a:spcAft>
-                <a:spcPct val="0"/>
-              </a:spcAft>
-              <a:defRPr sz="4400">
-                <a:solidFill>
-                  <a:schemeClr val="tx1"/>
-                </a:solidFill>
-                <a:latin typeface="Calibri Light" panose="020F0302020204030204" pitchFamily="34" charset="0"/>
-              </a:defRPr>
-            </a:lvl9pPr>
-          </a:lstStyle>
-          <a:p>
-            <a:pPr eaLnBrk="1" hangingPunct="1"/>
-            <a:r>
-              <a:rPr lang="ru-RU" altLang="ru-RU" sz="3200" b="1" dirty="0">
-                <a:solidFill>
-                  <a:schemeClr val="bg1"/>
-                </a:solidFill>
-              </a:rPr>
-              <a:t>Уравнения движения(стереть силы у спутника)</a:t>
-            </a:r>
-            <a:endParaRPr lang="ru-RU" altLang="ru-RU" sz="3200" b="1" dirty="0" smtClean="0">
-              <a:solidFill>
-                <a:schemeClr val="bg1"/>
-              </a:solidFill>
-            </a:endParaRPr>
           </a:p>
         </p:txBody>
       </p:sp>
@@ -8272,7 +8607,7 @@
         <p:spPr>
           <a:xfrm>
             <a:off x="191344" y="1844824"/>
-            <a:ext cx="6696744" cy="3886200"/>
+            <a:ext cx="6408712" cy="3886200"/>
           </a:xfrm>
         </p:spPr>
         <p:txBody>
@@ -8285,10 +8620,22 @@
               </a:lnSpc>
             </a:pPr>
             <a:r>
+              <a:rPr lang="ru-RU" altLang="ru-RU" sz="1600" b="1" dirty="0">
+                <a:cs typeface="Times New Roman" panose="02020603050405020304" pitchFamily="18" charset="0"/>
+              </a:rPr>
+              <a:t>Изучение</a:t>
+            </a:r>
+            <a:r>
+              <a:rPr lang="ru-RU" altLang="ru-RU" sz="1600" dirty="0">
+                <a:cs typeface="Times New Roman" panose="02020603050405020304" pitchFamily="18" charset="0"/>
+              </a:rPr>
+              <a:t> солнечной системы на дальних </a:t>
+            </a:r>
+            <a:r>
               <a:rPr lang="ru-RU" altLang="ru-RU" sz="1600" dirty="0" smtClean="0">
                 <a:cs typeface="Times New Roman" panose="02020603050405020304" pitchFamily="18" charset="0"/>
               </a:rPr>
-              <a:t>Ищем оптимальный маршрут движения спутника в космической система ухода в дальнюю (ПРОБЛЕМА) Дорого богато… Оптимизация выхода с наиб скоростью в дальние окрестности.</a:t>
+              <a:t>расстояниях</a:t>
             </a:r>
           </a:p>
           <a:p>
@@ -8301,19 +8648,19 @@
               <a:rPr lang="ru-RU" altLang="ru-RU" sz="1600" dirty="0" smtClean="0">
                 <a:cs typeface="Times New Roman" panose="02020603050405020304" pitchFamily="18" charset="0"/>
               </a:rPr>
-              <a:t>Исследование солнечной системы далеко </a:t>
-            </a:r>
-            <a:r>
-              <a:rPr lang="ru-RU" altLang="ru-RU" sz="1600" dirty="0" err="1" smtClean="0">
+              <a:t>Поиск </a:t>
+            </a:r>
+            <a:r>
+              <a:rPr lang="ru-RU" altLang="ru-RU" sz="1600" b="1" dirty="0" smtClean="0">
                 <a:cs typeface="Times New Roman" panose="02020603050405020304" pitchFamily="18" charset="0"/>
               </a:rPr>
-              <a:t>далеко</a:t>
+              <a:t>эффективных</a:t>
             </a:r>
             <a:r>
               <a:rPr lang="ru-RU" altLang="ru-RU" sz="1600" dirty="0" smtClean="0">
                 <a:cs typeface="Times New Roman" panose="02020603050405020304" pitchFamily="18" charset="0"/>
               </a:rPr>
-              <a:t>..</a:t>
+              <a:t> маршрутов</a:t>
             </a:r>
           </a:p>
           <a:p>
@@ -8322,11 +8669,42 @@
                 <a:spcPct val="150000"/>
               </a:lnSpc>
             </a:pPr>
+            <a:r>
+              <a:rPr lang="ru-RU" altLang="ru-RU" sz="1600" b="1" dirty="0" smtClean="0">
+                <a:cs typeface="Times New Roman" panose="02020603050405020304" pitchFamily="18" charset="0"/>
+              </a:rPr>
+              <a:t>Оптимизация</a:t>
+            </a:r>
             <a:r>
               <a:rPr lang="ru-RU" altLang="ru-RU" sz="1600" dirty="0" smtClean="0">
                 <a:cs typeface="Times New Roman" panose="02020603050405020304" pitchFamily="18" charset="0"/>
               </a:rPr>
-              <a:t>Примеры спутников которые уже были запущены</a:t>
+              <a:t> затрат топлива</a:t>
+            </a:r>
+          </a:p>
+          <a:p>
+            <a:pPr eaLnBrk="1" hangingPunct="1">
+              <a:lnSpc>
+                <a:spcPct val="150000"/>
+              </a:lnSpc>
+            </a:pPr>
+            <a:r>
+              <a:rPr lang="ru-RU" altLang="ru-RU" sz="1600" dirty="0" smtClean="0">
+                <a:cs typeface="Times New Roman" panose="02020603050405020304" pitchFamily="18" charset="0"/>
+              </a:rPr>
+              <a:t>Получение </a:t>
+            </a:r>
+            <a:r>
+              <a:rPr lang="ru-RU" altLang="ru-RU" sz="1600" b="1" dirty="0" smtClean="0">
+                <a:cs typeface="Times New Roman" panose="02020603050405020304" pitchFamily="18" charset="0"/>
+              </a:rPr>
+              <a:t>максимальных скоростей </a:t>
+            </a:r>
+            <a:r>
+              <a:rPr lang="ru-RU" altLang="ru-RU" sz="1600" dirty="0" smtClean="0">
+                <a:cs typeface="Times New Roman" panose="02020603050405020304" pitchFamily="18" charset="0"/>
+              </a:rPr>
+              <a:t>на траекториях движения спутников </a:t>
             </a:r>
           </a:p>
         </p:txBody>
@@ -8630,12 +9008,12 @@
           <a:p>
             <a:pPr eaLnBrk="1" hangingPunct="1"/>
             <a:r>
-              <a:rPr lang="ru-RU" altLang="ru-RU" sz="3200" b="1" smtClean="0">
+              <a:rPr lang="ru-RU" altLang="ru-RU" sz="3200" b="1" dirty="0" smtClean="0">
                 <a:solidFill>
                   <a:schemeClr val="bg1"/>
                 </a:solidFill>
               </a:rPr>
-              <a:t>Постановка задачи</a:t>
+              <a:t>Проблема</a:t>
             </a:r>
             <a:endParaRPr lang="ru-RU" altLang="ru-RU" sz="3200" b="1" dirty="0" smtClean="0">
               <a:solidFill>
@@ -9554,21 +9932,36 @@
             </a:lvl9pPr>
           </a:lstStyle>
           <a:p>
-            <a:pPr eaLnBrk="1" hangingPunct="1">
+            <a:pPr marL="0" indent="0" eaLnBrk="1" hangingPunct="1">
               <a:lnSpc>
                 <a:spcPct val="150000"/>
               </a:lnSpc>
+              <a:buNone/>
             </a:pPr>
-            <a:endParaRPr lang="ru-RU" altLang="ru-RU" sz="1600" dirty="0">
-              <a:cs typeface="Times New Roman" panose="02020603050405020304" pitchFamily="18" charset="0"/>
-            </a:endParaRPr>
-          </a:p>
-          <a:p>
-            <a:pPr eaLnBrk="1" hangingPunct="1">
-              <a:lnSpc>
-                <a:spcPct val="150000"/>
-              </a:lnSpc>
-            </a:pPr>
+            <a:r>
+              <a:rPr lang="ru-RU" altLang="ru-RU" sz="1600" dirty="0" smtClean="0">
+                <a:cs typeface="Times New Roman" panose="02020603050405020304" pitchFamily="18" charset="0"/>
+              </a:rPr>
+              <a:t>Задача моделирования стратегий</a:t>
+            </a:r>
+            <a:r>
+              <a:rPr lang="en-US" altLang="ru-RU" sz="1600" dirty="0" smtClean="0">
+                <a:cs typeface="Times New Roman" panose="02020603050405020304" pitchFamily="18" charset="0"/>
+              </a:rPr>
+              <a:t>, </a:t>
+            </a:r>
+            <a:r>
+              <a:rPr lang="ru-RU" altLang="ru-RU" sz="1600" dirty="0" smtClean="0">
+                <a:cs typeface="Times New Roman" panose="02020603050405020304" pitchFamily="18" charset="0"/>
+              </a:rPr>
+              <a:t>построение оптимальной траектории выхода спутника на дальние рубежи, оценка эффективности</a:t>
+            </a:r>
+            <a:r>
+              <a:rPr lang="en-US" altLang="ru-RU" sz="1600" dirty="0" smtClean="0">
+                <a:cs typeface="Times New Roman" panose="02020603050405020304" pitchFamily="18" charset="0"/>
+              </a:rPr>
+              <a:t> </a:t>
+            </a:r>
             <a:endParaRPr lang="ru-RU" altLang="ru-RU" sz="1600" dirty="0" smtClean="0">
               <a:cs typeface="Times New Roman" panose="02020603050405020304" pitchFamily="18" charset="0"/>
             </a:endParaRPr>
@@ -9579,31 +9972,43 @@
                 <a:spcPct val="150000"/>
               </a:lnSpc>
             </a:pPr>
-            <a:endParaRPr lang="ru-RU" altLang="ru-RU" sz="1600" dirty="0">
-              <a:cs typeface="Times New Roman" panose="02020603050405020304" pitchFamily="18" charset="0"/>
-            </a:endParaRPr>
-          </a:p>
-          <a:p>
-            <a:pPr eaLnBrk="1" hangingPunct="1">
-              <a:lnSpc>
-                <a:spcPct val="150000"/>
-              </a:lnSpc>
-            </a:pPr>
-            <a:endParaRPr lang="ru-RU" altLang="ru-RU" sz="1600" dirty="0" smtClean="0">
-              <a:cs typeface="Times New Roman" panose="02020603050405020304" pitchFamily="18" charset="0"/>
-            </a:endParaRPr>
-          </a:p>
-          <a:p>
-            <a:pPr eaLnBrk="1" hangingPunct="1">
-              <a:lnSpc>
-                <a:spcPct val="150000"/>
-              </a:lnSpc>
-            </a:pPr>
             <a:r>
               <a:rPr lang="ru-RU" altLang="ru-RU" sz="1600" dirty="0" smtClean="0">
                 <a:cs typeface="Times New Roman" panose="02020603050405020304" pitchFamily="18" charset="0"/>
               </a:rPr>
-              <a:t>Мы попытаемся смоделировать эти стратегии и построить оптимальную траекторию для выхода на далеко.. И оценить эффективность..</a:t>
+              <a:t>Уход с орбиты посредством двигателей</a:t>
+            </a:r>
+          </a:p>
+          <a:p>
+            <a:pPr eaLnBrk="1" hangingPunct="1">
+              <a:lnSpc>
+                <a:spcPct val="150000"/>
+              </a:lnSpc>
+            </a:pPr>
+            <a:r>
+              <a:rPr lang="ru-RU" altLang="ru-RU" sz="1600" dirty="0" smtClean="0">
+                <a:cs typeface="Times New Roman" panose="02020603050405020304" pitchFamily="18" charset="0"/>
+              </a:rPr>
+              <a:t>Использование гравитационного маневра</a:t>
+            </a:r>
+          </a:p>
+          <a:p>
+            <a:pPr eaLnBrk="1" hangingPunct="1">
+              <a:lnSpc>
+                <a:spcPct val="150000"/>
+              </a:lnSpc>
+            </a:pPr>
+            <a:r>
+              <a:rPr lang="ru-RU" altLang="ru-RU" sz="1600" dirty="0" smtClean="0">
+                <a:cs typeface="Times New Roman" panose="02020603050405020304" pitchFamily="18" charset="0"/>
+              </a:rPr>
+              <a:t>Использование гравитационного маневра с использованием эффекта </a:t>
+            </a:r>
+            <a:r>
+              <a:rPr lang="ru-RU" altLang="ru-RU" sz="1600" dirty="0" err="1" smtClean="0">
+                <a:cs typeface="Times New Roman" panose="02020603050405020304" pitchFamily="18" charset="0"/>
+              </a:rPr>
+              <a:t>Оберта</a:t>
             </a:r>
             <a:endParaRPr lang="ru-RU" altLang="ru-RU" sz="1600" dirty="0" smtClean="0">
               <a:cs typeface="Times New Roman" panose="02020603050405020304" pitchFamily="18" charset="0"/>
@@ -9865,13 +10270,8 @@
                   <a:schemeClr val="bg1"/>
                 </a:solidFill>
               </a:rPr>
-              <a:t>Есть 3 способа моделирования. Что хотим сделать?</a:t>
-            </a:r>
-            <a:endParaRPr lang="ru-RU" altLang="ru-RU" sz="3200" b="1" dirty="0" smtClean="0">
-              <a:solidFill>
-                <a:schemeClr val="bg1"/>
-              </a:solidFill>
-            </a:endParaRPr>
+              <a:t>Постановка задачи</a:t>
+            </a:r>
           </a:p>
         </p:txBody>
       </p:sp>
@@ -9943,6 +10343,609 @@
           </a:extLst>
         </p:spPr>
       </p:pic>
+      <p:pic>
+        <p:nvPicPr>
+          <p:cNvPr id="17" name="Рисунок 16"/>
+          <p:cNvPicPr/>
+          <p:nvPr/>
+        </p:nvPicPr>
+        <p:blipFill>
+          <a:blip r:embed="rId3" cstate="print">
+            <a:extLst>
+              <a:ext uri="{28A0092B-C50C-407E-A947-70E740481C1C}">
+                <a14:useLocalDpi xmlns:a14="http://schemas.microsoft.com/office/drawing/2010/main" val="0"/>
+              </a:ext>
+            </a:extLst>
+          </a:blip>
+          <a:srcRect/>
+          <a:stretch>
+            <a:fillRect/>
+          </a:stretch>
+        </p:blipFill>
+        <p:spPr bwMode="auto">
+          <a:xfrm>
+            <a:off x="7824192" y="1726042"/>
+            <a:ext cx="3321700" cy="1503529"/>
+          </a:xfrm>
+          <a:prstGeom prst="rect">
+            <a:avLst/>
+          </a:prstGeom>
+          <a:ln>
+            <a:noFill/>
+          </a:ln>
+          <a:effectLst>
+            <a:outerShdw blurRad="292100" dist="139700" dir="2700000" algn="tl" rotWithShape="0">
+              <a:srgbClr val="333333">
+                <a:alpha val="65000"/>
+              </a:srgbClr>
+            </a:outerShdw>
+          </a:effectLst>
+        </p:spPr>
+      </p:pic>
+      <p:pic>
+        <p:nvPicPr>
+          <p:cNvPr id="18" name="Рисунок 17"/>
+          <p:cNvPicPr>
+            <a:picLocks noChangeAspect="1"/>
+          </p:cNvPicPr>
+          <p:nvPr/>
+        </p:nvPicPr>
+        <p:blipFill>
+          <a:blip r:embed="rId4"/>
+          <a:stretch>
+            <a:fillRect/>
+          </a:stretch>
+        </p:blipFill>
+        <p:spPr>
+          <a:xfrm>
+            <a:off x="7807351" y="4298893"/>
+            <a:ext cx="3338541" cy="1432131"/>
+          </a:xfrm>
+          <a:prstGeom prst="rect">
+            <a:avLst/>
+          </a:prstGeom>
+          <a:ln>
+            <a:noFill/>
+          </a:ln>
+          <a:effectLst>
+            <a:outerShdw blurRad="292100" dist="139700" dir="2700000" algn="tl" rotWithShape="0">
+              <a:srgbClr val="333333">
+                <a:alpha val="65000"/>
+              </a:srgbClr>
+            </a:outerShdw>
+          </a:effectLst>
+        </p:spPr>
+      </p:pic>
+      <p:sp>
+        <p:nvSpPr>
+          <p:cNvPr id="19" name="Текст 5"/>
+          <p:cNvSpPr txBox="1">
+            <a:spLocks noChangeArrowheads="1"/>
+          </p:cNvSpPr>
+          <p:nvPr/>
+        </p:nvSpPr>
+        <p:spPr bwMode="auto">
+          <a:xfrm>
+            <a:off x="8660643" y="5913873"/>
+            <a:ext cx="1648798" cy="432048"/>
+          </a:xfrm>
+          <a:prstGeom prst="rect">
+            <a:avLst/>
+          </a:prstGeom>
+          <a:noFill/>
+          <a:ln>
+            <a:noFill/>
+          </a:ln>
+          <a:extLst>
+            <a:ext uri="{909E8E84-426E-40DD-AFC4-6F175D3DCCD1}">
+              <a14:hiddenFill xmlns:a14="http://schemas.microsoft.com/office/drawing/2010/main">
+                <a:solidFill>
+                  <a:srgbClr val="FFFFFF"/>
+                </a:solidFill>
+              </a14:hiddenFill>
+            </a:ext>
+            <a:ext uri="{91240B29-F687-4F45-9708-019B960494DF}">
+              <a14:hiddenLine xmlns:a14="http://schemas.microsoft.com/office/drawing/2010/main" w="9525">
+                <a:solidFill>
+                  <a:srgbClr val="000000"/>
+                </a:solidFill>
+                <a:miter lim="800000"/>
+                <a:headEnd/>
+                <a:tailEnd/>
+              </a14:hiddenLine>
+            </a:ext>
+          </a:extLst>
+        </p:spPr>
+        <p:txBody>
+          <a:bodyPr vert="horz" wrap="square" lIns="91440" tIns="45720" rIns="91440" bIns="45720" numCol="1" anchor="t" anchorCtr="0" compatLnSpc="1">
+            <a:prstTxWarp prst="textNoShape">
+              <a:avLst/>
+            </a:prstTxWarp>
+          </a:bodyPr>
+          <a:lstStyle>
+            <a:lvl1pPr marL="228600" indent="-228600" algn="l" rtl="0" eaLnBrk="0" fontAlgn="base" hangingPunct="0">
+              <a:lnSpc>
+                <a:spcPct val="90000"/>
+              </a:lnSpc>
+              <a:spcBef>
+                <a:spcPts val="1000"/>
+              </a:spcBef>
+              <a:spcAft>
+                <a:spcPct val="0"/>
+              </a:spcAft>
+              <a:buFont typeface="Arial" panose="020B0604020202020204" pitchFamily="34" charset="0"/>
+              <a:buChar char="•"/>
+              <a:defRPr sz="2800" kern="1200">
+                <a:solidFill>
+                  <a:schemeClr val="tx1"/>
+                </a:solidFill>
+                <a:latin typeface="+mn-lt"/>
+                <a:ea typeface="+mn-ea"/>
+                <a:cs typeface="+mn-cs"/>
+              </a:defRPr>
+            </a:lvl1pPr>
+            <a:lvl2pPr marL="685800" indent="-228600" algn="l" rtl="0" eaLnBrk="0" fontAlgn="base" hangingPunct="0">
+              <a:lnSpc>
+                <a:spcPct val="90000"/>
+              </a:lnSpc>
+              <a:spcBef>
+                <a:spcPts val="500"/>
+              </a:spcBef>
+              <a:spcAft>
+                <a:spcPct val="0"/>
+              </a:spcAft>
+              <a:buFont typeface="Arial" panose="020B0604020202020204" pitchFamily="34" charset="0"/>
+              <a:buChar char="•"/>
+              <a:defRPr sz="2400" kern="1200">
+                <a:solidFill>
+                  <a:schemeClr val="tx1"/>
+                </a:solidFill>
+                <a:latin typeface="+mn-lt"/>
+                <a:ea typeface="+mn-ea"/>
+                <a:cs typeface="+mn-cs"/>
+              </a:defRPr>
+            </a:lvl2pPr>
+            <a:lvl3pPr marL="1143000" indent="-228600" algn="l" rtl="0" eaLnBrk="0" fontAlgn="base" hangingPunct="0">
+              <a:lnSpc>
+                <a:spcPct val="90000"/>
+              </a:lnSpc>
+              <a:spcBef>
+                <a:spcPts val="500"/>
+              </a:spcBef>
+              <a:spcAft>
+                <a:spcPct val="0"/>
+              </a:spcAft>
+              <a:buFont typeface="Arial" panose="020B0604020202020204" pitchFamily="34" charset="0"/>
+              <a:buChar char="•"/>
+              <a:defRPr sz="2000" kern="1200">
+                <a:solidFill>
+                  <a:schemeClr val="tx1"/>
+                </a:solidFill>
+                <a:latin typeface="+mn-lt"/>
+                <a:ea typeface="+mn-ea"/>
+                <a:cs typeface="+mn-cs"/>
+              </a:defRPr>
+            </a:lvl3pPr>
+            <a:lvl4pPr marL="1600200" indent="-228600" algn="l" rtl="0" eaLnBrk="0" fontAlgn="base" hangingPunct="0">
+              <a:lnSpc>
+                <a:spcPct val="90000"/>
+              </a:lnSpc>
+              <a:spcBef>
+                <a:spcPts val="500"/>
+              </a:spcBef>
+              <a:spcAft>
+                <a:spcPct val="0"/>
+              </a:spcAft>
+              <a:buFont typeface="Arial" panose="020B0604020202020204" pitchFamily="34" charset="0"/>
+              <a:buChar char="•"/>
+              <a:defRPr kern="1200">
+                <a:solidFill>
+                  <a:schemeClr val="tx1"/>
+                </a:solidFill>
+                <a:latin typeface="+mn-lt"/>
+                <a:ea typeface="+mn-ea"/>
+                <a:cs typeface="+mn-cs"/>
+              </a:defRPr>
+            </a:lvl4pPr>
+            <a:lvl5pPr marL="2057400" indent="-228600" algn="l" rtl="0" eaLnBrk="0" fontAlgn="base" hangingPunct="0">
+              <a:lnSpc>
+                <a:spcPct val="90000"/>
+              </a:lnSpc>
+              <a:spcBef>
+                <a:spcPts val="500"/>
+              </a:spcBef>
+              <a:spcAft>
+                <a:spcPct val="0"/>
+              </a:spcAft>
+              <a:buFont typeface="Arial" panose="020B0604020202020204" pitchFamily="34" charset="0"/>
+              <a:buChar char="•"/>
+              <a:defRPr kern="1200">
+                <a:solidFill>
+                  <a:schemeClr val="tx1"/>
+                </a:solidFill>
+                <a:latin typeface="+mn-lt"/>
+                <a:ea typeface="+mn-ea"/>
+                <a:cs typeface="+mn-cs"/>
+              </a:defRPr>
+            </a:lvl5pPr>
+            <a:lvl6pPr marL="2514600" indent="-228600" algn="l" defTabSz="914400" rtl="0" eaLnBrk="1" latinLnBrk="0" hangingPunct="1">
+              <a:lnSpc>
+                <a:spcPct val="90000"/>
+              </a:lnSpc>
+              <a:spcBef>
+                <a:spcPts val="500"/>
+              </a:spcBef>
+              <a:buFont typeface="Arial" panose="020B0604020202020204" pitchFamily="34" charset="0"/>
+              <a:buChar char="•"/>
+              <a:defRPr sz="1800" kern="1200">
+                <a:solidFill>
+                  <a:schemeClr val="tx1"/>
+                </a:solidFill>
+                <a:latin typeface="+mn-lt"/>
+                <a:ea typeface="+mn-ea"/>
+                <a:cs typeface="+mn-cs"/>
+              </a:defRPr>
+            </a:lvl6pPr>
+            <a:lvl7pPr marL="2971800" indent="-228600" algn="l" defTabSz="914400" rtl="0" eaLnBrk="1" latinLnBrk="0" hangingPunct="1">
+              <a:lnSpc>
+                <a:spcPct val="90000"/>
+              </a:lnSpc>
+              <a:spcBef>
+                <a:spcPts val="500"/>
+              </a:spcBef>
+              <a:buFont typeface="Arial" panose="020B0604020202020204" pitchFamily="34" charset="0"/>
+              <a:buChar char="•"/>
+              <a:defRPr sz="1800" kern="1200">
+                <a:solidFill>
+                  <a:schemeClr val="tx1"/>
+                </a:solidFill>
+                <a:latin typeface="+mn-lt"/>
+                <a:ea typeface="+mn-ea"/>
+                <a:cs typeface="+mn-cs"/>
+              </a:defRPr>
+            </a:lvl7pPr>
+            <a:lvl8pPr marL="3429000" indent="-228600" algn="l" defTabSz="914400" rtl="0" eaLnBrk="1" latinLnBrk="0" hangingPunct="1">
+              <a:lnSpc>
+                <a:spcPct val="90000"/>
+              </a:lnSpc>
+              <a:spcBef>
+                <a:spcPts val="500"/>
+              </a:spcBef>
+              <a:buFont typeface="Arial" panose="020B0604020202020204" pitchFamily="34" charset="0"/>
+              <a:buChar char="•"/>
+              <a:defRPr sz="1800" kern="1200">
+                <a:solidFill>
+                  <a:schemeClr val="tx1"/>
+                </a:solidFill>
+                <a:latin typeface="+mn-lt"/>
+                <a:ea typeface="+mn-ea"/>
+                <a:cs typeface="+mn-cs"/>
+              </a:defRPr>
+            </a:lvl8pPr>
+            <a:lvl9pPr marL="3886200" indent="-228600" algn="l" defTabSz="914400" rtl="0" eaLnBrk="1" latinLnBrk="0" hangingPunct="1">
+              <a:lnSpc>
+                <a:spcPct val="90000"/>
+              </a:lnSpc>
+              <a:spcBef>
+                <a:spcPts val="500"/>
+              </a:spcBef>
+              <a:buFont typeface="Arial" panose="020B0604020202020204" pitchFamily="34" charset="0"/>
+              <a:buChar char="•"/>
+              <a:defRPr sz="1800" kern="1200">
+                <a:solidFill>
+                  <a:schemeClr val="tx1"/>
+                </a:solidFill>
+                <a:latin typeface="+mn-lt"/>
+                <a:ea typeface="+mn-ea"/>
+                <a:cs typeface="+mn-cs"/>
+              </a:defRPr>
+            </a:lvl9pPr>
+          </a:lstStyle>
+          <a:p>
+            <a:pPr marL="0" indent="0" eaLnBrk="1" hangingPunct="1">
+              <a:lnSpc>
+                <a:spcPct val="150000"/>
+              </a:lnSpc>
+              <a:buNone/>
+            </a:pPr>
+            <a:r>
+              <a:rPr lang="ru-RU" sz="1200" i="1" dirty="0" smtClean="0"/>
+              <a:t>С эффектом </a:t>
+            </a:r>
+            <a:r>
+              <a:rPr lang="ru-RU" sz="1200" i="1" dirty="0" err="1" smtClean="0"/>
+              <a:t>Оберта</a:t>
+            </a:r>
+            <a:endParaRPr lang="ru-RU" altLang="ru-RU" sz="1200" i="1" dirty="0" smtClean="0">
+              <a:cs typeface="Times New Roman" panose="02020603050405020304" pitchFamily="18" charset="0"/>
+            </a:endParaRPr>
+          </a:p>
+          <a:p>
+            <a:pPr eaLnBrk="1" hangingPunct="1">
+              <a:lnSpc>
+                <a:spcPct val="150000"/>
+              </a:lnSpc>
+            </a:pPr>
+            <a:endParaRPr lang="ru-RU" altLang="ru-RU" sz="1200" i="1" dirty="0" smtClean="0">
+              <a:cs typeface="Times New Roman" panose="02020603050405020304" pitchFamily="18" charset="0"/>
+            </a:endParaRPr>
+          </a:p>
+          <a:p>
+            <a:pPr marL="0" indent="0" eaLnBrk="1" hangingPunct="1">
+              <a:lnSpc>
+                <a:spcPct val="150000"/>
+              </a:lnSpc>
+              <a:buNone/>
+            </a:pPr>
+            <a:endParaRPr lang="ru-RU" altLang="ru-RU" sz="1200" i="1" dirty="0" smtClean="0">
+              <a:cs typeface="Times New Roman" panose="02020603050405020304" pitchFamily="18" charset="0"/>
+            </a:endParaRPr>
+          </a:p>
+        </p:txBody>
+      </p:sp>
+      <p:sp>
+        <p:nvSpPr>
+          <p:cNvPr id="20" name="Текст 5"/>
+          <p:cNvSpPr txBox="1">
+            <a:spLocks noChangeArrowheads="1"/>
+          </p:cNvSpPr>
+          <p:nvPr/>
+        </p:nvSpPr>
+        <p:spPr bwMode="auto">
+          <a:xfrm>
+            <a:off x="8499743" y="3411840"/>
+            <a:ext cx="1916737" cy="432048"/>
+          </a:xfrm>
+          <a:prstGeom prst="rect">
+            <a:avLst/>
+          </a:prstGeom>
+          <a:noFill/>
+          <a:ln>
+            <a:noFill/>
+          </a:ln>
+          <a:extLst>
+            <a:ext uri="{909E8E84-426E-40DD-AFC4-6F175D3DCCD1}">
+              <a14:hiddenFill xmlns:a14="http://schemas.microsoft.com/office/drawing/2010/main">
+                <a:solidFill>
+                  <a:srgbClr val="FFFFFF"/>
+                </a:solidFill>
+              </a14:hiddenFill>
+            </a:ext>
+            <a:ext uri="{91240B29-F687-4F45-9708-019B960494DF}">
+              <a14:hiddenLine xmlns:a14="http://schemas.microsoft.com/office/drawing/2010/main" w="9525">
+                <a:solidFill>
+                  <a:srgbClr val="000000"/>
+                </a:solidFill>
+                <a:miter lim="800000"/>
+                <a:headEnd/>
+                <a:tailEnd/>
+              </a14:hiddenLine>
+            </a:ext>
+          </a:extLst>
+        </p:spPr>
+        <p:txBody>
+          <a:bodyPr vert="horz" wrap="square" lIns="91440" tIns="45720" rIns="91440" bIns="45720" numCol="1" anchor="t" anchorCtr="0" compatLnSpc="1">
+            <a:prstTxWarp prst="textNoShape">
+              <a:avLst/>
+            </a:prstTxWarp>
+          </a:bodyPr>
+          <a:lstStyle>
+            <a:lvl1pPr marL="228600" indent="-228600" algn="l" rtl="0" eaLnBrk="0" fontAlgn="base" hangingPunct="0">
+              <a:lnSpc>
+                <a:spcPct val="90000"/>
+              </a:lnSpc>
+              <a:spcBef>
+                <a:spcPts val="1000"/>
+              </a:spcBef>
+              <a:spcAft>
+                <a:spcPct val="0"/>
+              </a:spcAft>
+              <a:buFont typeface="Arial" panose="020B0604020202020204" pitchFamily="34" charset="0"/>
+              <a:buChar char="•"/>
+              <a:defRPr sz="2800" kern="1200">
+                <a:solidFill>
+                  <a:schemeClr val="tx1"/>
+                </a:solidFill>
+                <a:latin typeface="+mn-lt"/>
+                <a:ea typeface="+mn-ea"/>
+                <a:cs typeface="+mn-cs"/>
+              </a:defRPr>
+            </a:lvl1pPr>
+            <a:lvl2pPr marL="685800" indent="-228600" algn="l" rtl="0" eaLnBrk="0" fontAlgn="base" hangingPunct="0">
+              <a:lnSpc>
+                <a:spcPct val="90000"/>
+              </a:lnSpc>
+              <a:spcBef>
+                <a:spcPts val="500"/>
+              </a:spcBef>
+              <a:spcAft>
+                <a:spcPct val="0"/>
+              </a:spcAft>
+              <a:buFont typeface="Arial" panose="020B0604020202020204" pitchFamily="34" charset="0"/>
+              <a:buChar char="•"/>
+              <a:defRPr sz="2400" kern="1200">
+                <a:solidFill>
+                  <a:schemeClr val="tx1"/>
+                </a:solidFill>
+                <a:latin typeface="+mn-lt"/>
+                <a:ea typeface="+mn-ea"/>
+                <a:cs typeface="+mn-cs"/>
+              </a:defRPr>
+            </a:lvl2pPr>
+            <a:lvl3pPr marL="1143000" indent="-228600" algn="l" rtl="0" eaLnBrk="0" fontAlgn="base" hangingPunct="0">
+              <a:lnSpc>
+                <a:spcPct val="90000"/>
+              </a:lnSpc>
+              <a:spcBef>
+                <a:spcPts val="500"/>
+              </a:spcBef>
+              <a:spcAft>
+                <a:spcPct val="0"/>
+              </a:spcAft>
+              <a:buFont typeface="Arial" panose="020B0604020202020204" pitchFamily="34" charset="0"/>
+              <a:buChar char="•"/>
+              <a:defRPr sz="2000" kern="1200">
+                <a:solidFill>
+                  <a:schemeClr val="tx1"/>
+                </a:solidFill>
+                <a:latin typeface="+mn-lt"/>
+                <a:ea typeface="+mn-ea"/>
+                <a:cs typeface="+mn-cs"/>
+              </a:defRPr>
+            </a:lvl3pPr>
+            <a:lvl4pPr marL="1600200" indent="-228600" algn="l" rtl="0" eaLnBrk="0" fontAlgn="base" hangingPunct="0">
+              <a:lnSpc>
+                <a:spcPct val="90000"/>
+              </a:lnSpc>
+              <a:spcBef>
+                <a:spcPts val="500"/>
+              </a:spcBef>
+              <a:spcAft>
+                <a:spcPct val="0"/>
+              </a:spcAft>
+              <a:buFont typeface="Arial" panose="020B0604020202020204" pitchFamily="34" charset="0"/>
+              <a:buChar char="•"/>
+              <a:defRPr kern="1200">
+                <a:solidFill>
+                  <a:schemeClr val="tx1"/>
+                </a:solidFill>
+                <a:latin typeface="+mn-lt"/>
+                <a:ea typeface="+mn-ea"/>
+                <a:cs typeface="+mn-cs"/>
+              </a:defRPr>
+            </a:lvl4pPr>
+            <a:lvl5pPr marL="2057400" indent="-228600" algn="l" rtl="0" eaLnBrk="0" fontAlgn="base" hangingPunct="0">
+              <a:lnSpc>
+                <a:spcPct val="90000"/>
+              </a:lnSpc>
+              <a:spcBef>
+                <a:spcPts val="500"/>
+              </a:spcBef>
+              <a:spcAft>
+                <a:spcPct val="0"/>
+              </a:spcAft>
+              <a:buFont typeface="Arial" panose="020B0604020202020204" pitchFamily="34" charset="0"/>
+              <a:buChar char="•"/>
+              <a:defRPr kern="1200">
+                <a:solidFill>
+                  <a:schemeClr val="tx1"/>
+                </a:solidFill>
+                <a:latin typeface="+mn-lt"/>
+                <a:ea typeface="+mn-ea"/>
+                <a:cs typeface="+mn-cs"/>
+              </a:defRPr>
+            </a:lvl5pPr>
+            <a:lvl6pPr marL="2514600" indent="-228600" algn="l" defTabSz="914400" rtl="0" eaLnBrk="1" latinLnBrk="0" hangingPunct="1">
+              <a:lnSpc>
+                <a:spcPct val="90000"/>
+              </a:lnSpc>
+              <a:spcBef>
+                <a:spcPts val="500"/>
+              </a:spcBef>
+              <a:buFont typeface="Arial" panose="020B0604020202020204" pitchFamily="34" charset="0"/>
+              <a:buChar char="•"/>
+              <a:defRPr sz="1800" kern="1200">
+                <a:solidFill>
+                  <a:schemeClr val="tx1"/>
+                </a:solidFill>
+                <a:latin typeface="+mn-lt"/>
+                <a:ea typeface="+mn-ea"/>
+                <a:cs typeface="+mn-cs"/>
+              </a:defRPr>
+            </a:lvl6pPr>
+            <a:lvl7pPr marL="2971800" indent="-228600" algn="l" defTabSz="914400" rtl="0" eaLnBrk="1" latinLnBrk="0" hangingPunct="1">
+              <a:lnSpc>
+                <a:spcPct val="90000"/>
+              </a:lnSpc>
+              <a:spcBef>
+                <a:spcPts val="500"/>
+              </a:spcBef>
+              <a:buFont typeface="Arial" panose="020B0604020202020204" pitchFamily="34" charset="0"/>
+              <a:buChar char="•"/>
+              <a:defRPr sz="1800" kern="1200">
+                <a:solidFill>
+                  <a:schemeClr val="tx1"/>
+                </a:solidFill>
+                <a:latin typeface="+mn-lt"/>
+                <a:ea typeface="+mn-ea"/>
+                <a:cs typeface="+mn-cs"/>
+              </a:defRPr>
+            </a:lvl7pPr>
+            <a:lvl8pPr marL="3429000" indent="-228600" algn="l" defTabSz="914400" rtl="0" eaLnBrk="1" latinLnBrk="0" hangingPunct="1">
+              <a:lnSpc>
+                <a:spcPct val="90000"/>
+              </a:lnSpc>
+              <a:spcBef>
+                <a:spcPts val="500"/>
+              </a:spcBef>
+              <a:buFont typeface="Arial" panose="020B0604020202020204" pitchFamily="34" charset="0"/>
+              <a:buChar char="•"/>
+              <a:defRPr sz="1800" kern="1200">
+                <a:solidFill>
+                  <a:schemeClr val="tx1"/>
+                </a:solidFill>
+                <a:latin typeface="+mn-lt"/>
+                <a:ea typeface="+mn-ea"/>
+                <a:cs typeface="+mn-cs"/>
+              </a:defRPr>
+            </a:lvl8pPr>
+            <a:lvl9pPr marL="3886200" indent="-228600" algn="l" defTabSz="914400" rtl="0" eaLnBrk="1" latinLnBrk="0" hangingPunct="1">
+              <a:lnSpc>
+                <a:spcPct val="90000"/>
+              </a:lnSpc>
+              <a:spcBef>
+                <a:spcPts val="500"/>
+              </a:spcBef>
+              <a:buFont typeface="Arial" panose="020B0604020202020204" pitchFamily="34" charset="0"/>
+              <a:buChar char="•"/>
+              <a:defRPr sz="1800" kern="1200">
+                <a:solidFill>
+                  <a:schemeClr val="tx1"/>
+                </a:solidFill>
+                <a:latin typeface="+mn-lt"/>
+                <a:ea typeface="+mn-ea"/>
+                <a:cs typeface="+mn-cs"/>
+              </a:defRPr>
+            </a:lvl9pPr>
+          </a:lstStyle>
+          <a:p>
+            <a:pPr marL="0" indent="0" eaLnBrk="1" hangingPunct="1">
+              <a:lnSpc>
+                <a:spcPct val="150000"/>
+              </a:lnSpc>
+              <a:buNone/>
+            </a:pPr>
+            <a:r>
+              <a:rPr lang="ru-RU" sz="1200" i="1" dirty="0" smtClean="0"/>
+              <a:t>Гравитационный маневр</a:t>
+            </a:r>
+            <a:endParaRPr lang="ru-RU" altLang="ru-RU" sz="1200" i="1" dirty="0" smtClean="0">
+              <a:cs typeface="Times New Roman" panose="02020603050405020304" pitchFamily="18" charset="0"/>
+            </a:endParaRPr>
+          </a:p>
+          <a:p>
+            <a:pPr eaLnBrk="1" hangingPunct="1">
+              <a:lnSpc>
+                <a:spcPct val="150000"/>
+              </a:lnSpc>
+            </a:pPr>
+            <a:endParaRPr lang="ru-RU" altLang="ru-RU" sz="1200" i="1" dirty="0" smtClean="0">
+              <a:cs typeface="Times New Roman" panose="02020603050405020304" pitchFamily="18" charset="0"/>
+            </a:endParaRPr>
+          </a:p>
+          <a:p>
+            <a:pPr marL="0" indent="0" eaLnBrk="1" hangingPunct="1">
+              <a:lnSpc>
+                <a:spcPct val="150000"/>
+              </a:lnSpc>
+              <a:buNone/>
+            </a:pPr>
+            <a:endParaRPr lang="ru-RU" altLang="ru-RU" sz="1200" i="1" dirty="0" smtClean="0">
+              <a:cs typeface="Times New Roman" panose="02020603050405020304" pitchFamily="18" charset="0"/>
+            </a:endParaRPr>
+          </a:p>
+        </p:txBody>
+      </p:sp>
     </p:spTree>
   </p:cSld>
   <p:clrMapOvr>
@@ -10114,8 +11117,8 @@
         </p:nvSpPr>
         <p:spPr bwMode="auto">
           <a:xfrm>
-            <a:off x="4871864" y="1915592"/>
-            <a:ext cx="6840760" cy="3886200"/>
+            <a:off x="4943872" y="1886963"/>
+            <a:ext cx="6840760" cy="893965"/>
           </a:xfrm>
           <a:prstGeom prst="rect">
             <a:avLst/>
@@ -10337,502 +11340,35 @@
               <a:buNone/>
             </a:pPr>
             <a:r>
-              <a:rPr lang="ru-RU" sz="1600" dirty="0"/>
-              <a:t>На рисунке </a:t>
-            </a:r>
-            <a:r>
-              <a:rPr lang="ru-RU" sz="1600" dirty="0" smtClean="0"/>
-              <a:t>отображена </a:t>
-            </a:r>
-            <a:r>
-              <a:rPr lang="ru-RU" sz="1600" dirty="0"/>
-              <a:t>космическая система с объектами, которые по закону всемирного тяготения Ньютона </a:t>
-            </a:r>
-            <a:r>
-              <a:rPr lang="ru-RU" sz="1600" b="1" dirty="0"/>
-              <a:t>притягиваются друг к другу с некоторой силой</a:t>
-            </a:r>
-            <a:r>
-              <a:rPr lang="ru-RU" sz="1600" dirty="0"/>
-              <a:t>, вызванной силой гравитации, зависящей от массы каждого тела и от расстояния между телами</a:t>
-            </a:r>
-            <a:r>
-              <a:rPr lang="ru-RU" sz="1600" dirty="0" smtClean="0"/>
-              <a:t>.</a:t>
-            </a:r>
-          </a:p>
-          <a:p>
-            <a:pPr marL="0" indent="0">
-              <a:lnSpc>
-                <a:spcPct val="150000"/>
-              </a:lnSpc>
-              <a:buNone/>
-            </a:pPr>
-            <a:endParaRPr lang="ru-RU" sz="1600" dirty="0"/>
-          </a:p>
-          <a:p>
-            <a:pPr marL="0" indent="0">
-              <a:lnSpc>
-                <a:spcPct val="150000"/>
-              </a:lnSpc>
-              <a:buNone/>
-            </a:pPr>
-            <a:r>
               <a:rPr lang="ru-RU" sz="1600" dirty="0" smtClean="0"/>
               <a:t>Сила </a:t>
             </a:r>
             <a:r>
               <a:rPr lang="ru-RU" sz="1600" dirty="0"/>
-              <a:t>притяжения каждого тела к другому определяется следующей </a:t>
+              <a:t>притяжения каждого тела </a:t>
+            </a:r>
+            <a:r>
+              <a:rPr lang="ru-RU" sz="1600" dirty="0" smtClean="0"/>
+              <a:t>друг к другу определяется </a:t>
+            </a:r>
+            <a:r>
+              <a:rPr lang="ru-RU" sz="1600" dirty="0"/>
+              <a:t>следующей </a:t>
             </a:r>
             <a:r>
               <a:rPr lang="ru-RU" sz="1600" b="1" dirty="0"/>
               <a:t>формулой</a:t>
             </a:r>
             <a:r>
-              <a:rPr lang="ru-RU" sz="1600" dirty="0"/>
-              <a:t>:  </a:t>
-            </a:r>
-          </a:p>
-          <a:p>
-            <a:pPr marL="0" indent="0">
-              <a:lnSpc>
-                <a:spcPct val="150000"/>
-              </a:lnSpc>
-              <a:buNone/>
-            </a:pPr>
-            <a:endParaRPr lang="ru-RU" sz="1600" dirty="0"/>
-          </a:p>
-          <a:p>
-            <a:pPr eaLnBrk="1" hangingPunct="1">
-              <a:lnSpc>
-                <a:spcPct val="150000"/>
-              </a:lnSpc>
-            </a:pPr>
+              <a:rPr lang="ru-RU" sz="1600" dirty="0" smtClean="0"/>
+              <a:t>:</a:t>
+            </a:r>
             <a:endParaRPr lang="ru-RU" altLang="ru-RU" sz="1600" dirty="0" smtClean="0">
               <a:cs typeface="Times New Roman" panose="02020603050405020304" pitchFamily="18" charset="0"/>
             </a:endParaRPr>
           </a:p>
-          <a:p>
-            <a:pPr eaLnBrk="1" hangingPunct="1">
-              <a:lnSpc>
-                <a:spcPct val="150000"/>
-              </a:lnSpc>
-            </a:pPr>
-            <a:endParaRPr lang="ru-RU" altLang="ru-RU" sz="1600" dirty="0" smtClean="0">
-              <a:cs typeface="Times New Roman" panose="02020603050405020304" pitchFamily="18" charset="0"/>
-            </a:endParaRPr>
-          </a:p>
         </p:txBody>
       </p:sp>
-      <p:pic>
-        <p:nvPicPr>
-          <p:cNvPr id="7" name="Рисунок 6"/>
-          <p:cNvPicPr/>
-          <p:nvPr/>
-        </p:nvPicPr>
-        <p:blipFill>
-          <a:blip r:embed="rId2">
-            <a:extLst>
-              <a:ext uri="{28A0092B-C50C-407E-A947-70E740481C1C}">
-                <a14:useLocalDpi xmlns:a14="http://schemas.microsoft.com/office/drawing/2010/main" val="0"/>
-              </a:ext>
-            </a:extLst>
-          </a:blip>
-          <a:srcRect/>
-          <a:stretch>
-            <a:fillRect/>
-          </a:stretch>
-        </p:blipFill>
-        <p:spPr bwMode="auto">
-          <a:xfrm>
-            <a:off x="623392" y="1915592"/>
-            <a:ext cx="3600400" cy="2967742"/>
-          </a:xfrm>
-          <a:prstGeom prst="rect">
-            <a:avLst/>
-          </a:prstGeom>
-          <a:ln>
-            <a:noFill/>
-          </a:ln>
-          <a:effectLst>
-            <a:outerShdw blurRad="292100" dist="139700" dir="2700000" algn="tl" rotWithShape="0">
-              <a:srgbClr val="333333">
-                <a:alpha val="65000"/>
-              </a:srgbClr>
-            </a:outerShdw>
-          </a:effectLst>
-        </p:spPr>
-      </p:pic>
-      <mc:AlternateContent xmlns:mc="http://schemas.openxmlformats.org/markup-compatibility/2006">
-        <mc:Choice xmlns:a14="http://schemas.microsoft.com/office/drawing/2010/main" Requires="a14">
-          <p:sp>
-            <p:nvSpPr>
-              <p:cNvPr id="3" name="Прямоугольник 2"/>
-              <p:cNvSpPr/>
-              <p:nvPr/>
-            </p:nvSpPr>
-            <p:spPr>
-              <a:xfrm>
-                <a:off x="6960096" y="4809383"/>
-                <a:ext cx="2244204" cy="824969"/>
-              </a:xfrm>
-              <a:prstGeom prst="rect">
-                <a:avLst/>
-              </a:prstGeom>
-              <a:effectLst>
-                <a:outerShdw blurRad="50800" dist="38100" dir="2700000" algn="tl" rotWithShape="0">
-                  <a:prstClr val="black">
-                    <a:alpha val="40000"/>
-                  </a:prstClr>
-                </a:outerShdw>
-              </a:effectLst>
-            </p:spPr>
-            <p:txBody>
-              <a:bodyPr wrap="none">
-                <a:spAutoFit/>
-              </a:bodyPr>
-              <a:lstStyle/>
-              <a:p>
-                <a14:m>
-                  <m:oMathPara xmlns:m="http://schemas.openxmlformats.org/officeDocument/2006/math">
-                    <m:oMathParaPr>
-                      <m:jc m:val="centerGroup"/>
-                    </m:oMathParaPr>
-                    <m:oMath xmlns:m="http://schemas.openxmlformats.org/officeDocument/2006/math">
-                      <m:sSub>
-                        <m:sSubPr>
-                          <m:ctrlPr>
-                            <a:rPr lang="ru-RU">
-                              <a:latin typeface="Cambria Math" panose="02040503050406030204" pitchFamily="18" charset="0"/>
-                            </a:rPr>
-                          </m:ctrlPr>
-                        </m:sSubPr>
-                        <m:e>
-                          <m:acc>
-                            <m:accPr>
-                              <m:chr m:val="⃗"/>
-                              <m:ctrlPr>
-                                <a:rPr lang="ru-RU">
-                                  <a:latin typeface="Cambria Math" panose="02040503050406030204" pitchFamily="18" charset="0"/>
-                                </a:rPr>
-                              </m:ctrlPr>
-                            </m:accPr>
-                            <m:e>
-                              <m:r>
-                                <a:rPr lang="ru-RU" i="1">
-                                  <a:latin typeface="Cambria Math" panose="02040503050406030204" pitchFamily="18" charset="0"/>
-                                </a:rPr>
-                                <m:t>𝐹</m:t>
-                              </m:r>
-                            </m:e>
-                          </m:acc>
-                        </m:e>
-                        <m:sub>
-                          <m:r>
-                            <a:rPr lang="ru-RU" i="0">
-                              <a:latin typeface="Cambria Math" panose="02040503050406030204" pitchFamily="18" charset="0"/>
-                            </a:rPr>
-                            <m:t>ⅈ</m:t>
-                          </m:r>
-                          <m:r>
-                            <a:rPr lang="ru-RU" i="1">
-                              <a:latin typeface="Cambria Math" panose="02040503050406030204" pitchFamily="18" charset="0"/>
-                            </a:rPr>
-                            <m:t>𝑗</m:t>
-                          </m:r>
-                        </m:sub>
-                      </m:sSub>
-                      <m:r>
-                        <a:rPr lang="ru-RU" i="0">
-                          <a:latin typeface="Cambria Math" panose="02040503050406030204" pitchFamily="18" charset="0"/>
-                        </a:rPr>
-                        <m:t>=</m:t>
-                      </m:r>
-                      <m:f>
-                        <m:fPr>
-                          <m:ctrlPr>
-                            <a:rPr lang="ru-RU" i="1">
-                              <a:latin typeface="Cambria Math" panose="02040503050406030204" pitchFamily="18" charset="0"/>
-                            </a:rPr>
-                          </m:ctrlPr>
-                        </m:fPr>
-                        <m:num>
-                          <m:r>
-                            <a:rPr lang="ru-RU" i="1">
-                              <a:latin typeface="Cambria Math" panose="02040503050406030204" pitchFamily="18" charset="0"/>
-                            </a:rPr>
-                            <m:t>𝛾</m:t>
-                          </m:r>
-                          <m:sSub>
-                            <m:sSubPr>
-                              <m:ctrlPr>
-                                <a:rPr lang="ru-RU" i="1">
-                                  <a:latin typeface="Cambria Math" panose="02040503050406030204" pitchFamily="18" charset="0"/>
-                                </a:rPr>
-                              </m:ctrlPr>
-                            </m:sSubPr>
-                            <m:e>
-                              <m:r>
-                                <a:rPr lang="ru-RU" i="1">
-                                  <a:latin typeface="Cambria Math" panose="02040503050406030204" pitchFamily="18" charset="0"/>
-                                </a:rPr>
-                                <m:t>𝑚</m:t>
-                              </m:r>
-                            </m:e>
-                            <m:sub>
-                              <m:r>
-                                <a:rPr lang="ru-RU" i="0">
-                                  <a:latin typeface="Cambria Math" panose="02040503050406030204" pitchFamily="18" charset="0"/>
-                                </a:rPr>
-                                <m:t>ⅈ</m:t>
-                              </m:r>
-                            </m:sub>
-                          </m:sSub>
-                          <m:sSub>
-                            <m:sSubPr>
-                              <m:ctrlPr>
-                                <a:rPr lang="ru-RU" i="1">
-                                  <a:latin typeface="Cambria Math" panose="02040503050406030204" pitchFamily="18" charset="0"/>
-                                </a:rPr>
-                              </m:ctrlPr>
-                            </m:sSubPr>
-                            <m:e>
-                              <m:r>
-                                <a:rPr lang="ru-RU" i="1">
-                                  <a:latin typeface="Cambria Math" panose="02040503050406030204" pitchFamily="18" charset="0"/>
-                                </a:rPr>
-                                <m:t>𝑚</m:t>
-                              </m:r>
-                            </m:e>
-                            <m:sub>
-                              <m:r>
-                                <a:rPr lang="ru-RU" i="1">
-                                  <a:latin typeface="Cambria Math" panose="02040503050406030204" pitchFamily="18" charset="0"/>
-                                </a:rPr>
-                                <m:t>𝑗</m:t>
-                              </m:r>
-                            </m:sub>
-                          </m:sSub>
-                          <m:d>
-                            <m:dPr>
-                              <m:ctrlPr>
-                                <a:rPr lang="ru-RU" i="1">
-                                  <a:latin typeface="Cambria Math" panose="02040503050406030204" pitchFamily="18" charset="0"/>
-                                </a:rPr>
-                              </m:ctrlPr>
-                            </m:dPr>
-                            <m:e>
-                              <m:sSub>
-                                <m:sSubPr>
-                                  <m:ctrlPr>
-                                    <a:rPr lang="ru-RU" i="1">
-                                      <a:latin typeface="Cambria Math" panose="02040503050406030204" pitchFamily="18" charset="0"/>
-                                    </a:rPr>
-                                  </m:ctrlPr>
-                                </m:sSubPr>
-                                <m:e>
-                                  <m:r>
-                                    <a:rPr lang="ru-RU" i="1">
-                                      <a:latin typeface="Cambria Math" panose="02040503050406030204" pitchFamily="18" charset="0"/>
-                                    </a:rPr>
-                                    <m:t>𝑟</m:t>
-                                  </m:r>
-                                </m:e>
-                                <m:sub>
-                                  <m:r>
-                                    <a:rPr lang="ru-RU" i="1">
-                                      <a:latin typeface="Cambria Math" panose="02040503050406030204" pitchFamily="18" charset="0"/>
-                                    </a:rPr>
-                                    <m:t>𝑗</m:t>
-                                  </m:r>
-                                </m:sub>
-                              </m:sSub>
-                              <m:r>
-                                <a:rPr lang="ru-RU" i="0">
-                                  <a:latin typeface="Cambria Math" panose="02040503050406030204" pitchFamily="18" charset="0"/>
-                                </a:rPr>
-                                <m:t>−</m:t>
-                              </m:r>
-                              <m:sSub>
-                                <m:sSubPr>
-                                  <m:ctrlPr>
-                                    <a:rPr lang="ru-RU" i="1">
-                                      <a:latin typeface="Cambria Math" panose="02040503050406030204" pitchFamily="18" charset="0"/>
-                                    </a:rPr>
-                                  </m:ctrlPr>
-                                </m:sSubPr>
-                                <m:e>
-                                  <m:r>
-                                    <a:rPr lang="ru-RU" i="1">
-                                      <a:latin typeface="Cambria Math" panose="02040503050406030204" pitchFamily="18" charset="0"/>
-                                    </a:rPr>
-                                    <m:t>𝑟</m:t>
-                                  </m:r>
-                                </m:e>
-                                <m:sub>
-                                  <m:r>
-                                    <a:rPr lang="ru-RU" i="0">
-                                      <a:latin typeface="Cambria Math" panose="02040503050406030204" pitchFamily="18" charset="0"/>
-                                    </a:rPr>
-                                    <m:t>ⅈ</m:t>
-                                  </m:r>
-                                </m:sub>
-                              </m:sSub>
-                            </m:e>
-                          </m:d>
-                        </m:num>
-                        <m:den>
-                          <m:sSup>
-                            <m:sSupPr>
-                              <m:ctrlPr>
-                                <a:rPr lang="ru-RU" i="1">
-                                  <a:latin typeface="Cambria Math" panose="02040503050406030204" pitchFamily="18" charset="0"/>
-                                </a:rPr>
-                              </m:ctrlPr>
-                            </m:sSupPr>
-                            <m:e>
-                              <m:d>
-                                <m:dPr>
-                                  <m:begChr m:val="|"/>
-                                  <m:endChr m:val="|"/>
-                                  <m:ctrlPr>
-                                    <a:rPr lang="ru-RU" i="1">
-                                      <a:latin typeface="Cambria Math" panose="02040503050406030204" pitchFamily="18" charset="0"/>
-                                    </a:rPr>
-                                  </m:ctrlPr>
-                                </m:dPr>
-                                <m:e>
-                                  <m:r>
-                                    <a:rPr lang="ru-RU" i="0">
-                                      <a:latin typeface="Cambria Math" panose="02040503050406030204" pitchFamily="18" charset="0"/>
-                                    </a:rPr>
-                                    <m:t>−</m:t>
-                                  </m:r>
-                                  <m:sSub>
-                                    <m:sSubPr>
-                                      <m:ctrlPr>
-                                        <a:rPr lang="ru-RU" i="1">
-                                          <a:latin typeface="Cambria Math" panose="02040503050406030204" pitchFamily="18" charset="0"/>
-                                        </a:rPr>
-                                      </m:ctrlPr>
-                                    </m:sSubPr>
-                                    <m:e>
-                                      <m:r>
-                                        <a:rPr lang="ru-RU" i="1">
-                                          <a:latin typeface="Cambria Math" panose="02040503050406030204" pitchFamily="18" charset="0"/>
-                                        </a:rPr>
-                                        <m:t>𝑟</m:t>
-                                      </m:r>
-                                    </m:e>
-                                    <m:sub>
-                                      <m:r>
-                                        <a:rPr lang="ru-RU" i="1">
-                                          <a:latin typeface="Cambria Math" panose="02040503050406030204" pitchFamily="18" charset="0"/>
-                                        </a:rPr>
-                                        <m:t>𝑗</m:t>
-                                      </m:r>
-                                    </m:sub>
-                                  </m:sSub>
-                                  <m:r>
-                                    <a:rPr lang="ru-RU" i="0">
-                                      <a:latin typeface="Cambria Math" panose="02040503050406030204" pitchFamily="18" charset="0"/>
-                                    </a:rPr>
-                                    <m:t>+</m:t>
-                                  </m:r>
-                                  <m:sSub>
-                                    <m:sSubPr>
-                                      <m:ctrlPr>
-                                        <a:rPr lang="ru-RU" i="1">
-                                          <a:latin typeface="Cambria Math" panose="02040503050406030204" pitchFamily="18" charset="0"/>
-                                        </a:rPr>
-                                      </m:ctrlPr>
-                                    </m:sSubPr>
-                                    <m:e>
-                                      <m:r>
-                                        <a:rPr lang="ru-RU" i="1">
-                                          <a:latin typeface="Cambria Math" panose="02040503050406030204" pitchFamily="18" charset="0"/>
-                                        </a:rPr>
-                                        <m:t>𝑟</m:t>
-                                      </m:r>
-                                    </m:e>
-                                    <m:sub>
-                                      <m:r>
-                                        <a:rPr lang="ru-RU" i="0">
-                                          <a:latin typeface="Cambria Math" panose="02040503050406030204" pitchFamily="18" charset="0"/>
-                                        </a:rPr>
-                                        <m:t>ⅈ</m:t>
-                                      </m:r>
-                                    </m:sub>
-                                  </m:sSub>
-                                </m:e>
-                              </m:d>
-                            </m:e>
-                            <m:sup>
-                              <m:r>
-                                <a:rPr lang="ru-RU" i="0">
-                                  <a:latin typeface="Cambria Math" panose="02040503050406030204" pitchFamily="18" charset="0"/>
-                                </a:rPr>
-                                <m:t>3</m:t>
-                              </m:r>
-                            </m:sup>
-                          </m:sSup>
-                        </m:den>
-                      </m:f>
-                    </m:oMath>
-                  </m:oMathPara>
-                </a14:m>
-                <a:endParaRPr lang="ru-RU" dirty="0"/>
-              </a:p>
-            </p:txBody>
-          </p:sp>
-        </mc:Choice>
-        <mc:Fallback>
-          <p:sp>
-            <p:nvSpPr>
-              <p:cNvPr id="3" name="Прямоугольник 2"/>
-              <p:cNvSpPr>
-                <a:spLocks noRot="1" noChangeAspect="1" noMove="1" noResize="1" noEditPoints="1" noAdjustHandles="1" noChangeArrowheads="1" noChangeShapeType="1" noTextEdit="1"/>
-              </p:cNvSpPr>
-              <p:nvPr/>
-            </p:nvSpPr>
-            <p:spPr>
-              <a:xfrm>
-                <a:off x="6960096" y="4809383"/>
-                <a:ext cx="2244204" cy="824969"/>
-              </a:xfrm>
-              <a:prstGeom prst="rect">
-                <a:avLst/>
-              </a:prstGeom>
-              <a:blipFill rotWithShape="0">
-                <a:blip r:embed="rId3"/>
-                <a:stretch>
-                  <a:fillRect/>
-                </a:stretch>
-              </a:blipFill>
-              <a:effectLst>
-                <a:outerShdw blurRad="50800" dist="38100" dir="2700000" algn="tl" rotWithShape="0">
-                  <a:prstClr val="black">
-                    <a:alpha val="40000"/>
-                  </a:prstClr>
-                </a:outerShdw>
-              </a:effectLst>
-            </p:spPr>
-            <p:txBody>
-              <a:bodyPr/>
-              <a:lstStyle/>
-              <a:p>
-                <a:r>
-                  <a:rPr lang="ru-RU">
-                    <a:noFill/>
-                  </a:rPr>
-                  <a:t> </a:t>
-                </a:r>
-              </a:p>
-            </p:txBody>
-          </p:sp>
-        </mc:Fallback>
-      </mc:AlternateContent>
       <p:sp>
         <p:nvSpPr>
           <p:cNvPr id="10" name="Текст 5"/>
@@ -10843,8 +11379,8 @@
         </p:nvSpPr>
         <p:spPr bwMode="auto">
           <a:xfrm>
-            <a:off x="1199456" y="5005844"/>
-            <a:ext cx="2664296" cy="432048"/>
+            <a:off x="544589" y="4858904"/>
+            <a:ext cx="3816424" cy="432048"/>
           </a:xfrm>
           <a:prstGeom prst="rect">
             <a:avLst/>
@@ -11059,7 +11595,7 @@
             </a:lvl9pPr>
           </a:lstStyle>
           <a:p>
-            <a:pPr marL="0" indent="0" eaLnBrk="1" hangingPunct="1">
+            <a:pPr marL="0" indent="0" algn="ctr" eaLnBrk="1" hangingPunct="1">
               <a:lnSpc>
                 <a:spcPct val="150000"/>
               </a:lnSpc>
@@ -11068,13 +11604,48 @@
             <a:r>
               <a:rPr lang="ru-RU" sz="1200" i="1" dirty="0" smtClean="0"/>
               <a:t>Симуляция космической системы</a:t>
+            </a:r>
+            <a:br>
+              <a:rPr lang="ru-RU" sz="1200" i="1" dirty="0" smtClean="0"/>
+            </a:br>
+            <a:r>
+              <a:rPr lang="ru-RU" sz="1200" i="1" dirty="0" smtClean="0"/>
+              <a:t>(</a:t>
+            </a:r>
+            <a:r>
+              <a:rPr lang="ru-RU" sz="1200" i="1" dirty="0"/>
+              <a:t>Масса спутника </a:t>
+            </a:r>
+            <a:r>
+              <a:rPr lang="en-US" sz="1200" i="1" dirty="0" smtClean="0"/>
+              <a:t>&lt;&lt; </a:t>
+            </a:r>
+            <a:r>
+              <a:rPr lang="ru-RU" sz="1200" i="1" dirty="0" smtClean="0"/>
+              <a:t>масс</a:t>
+            </a:r>
+            <a:r>
+              <a:rPr lang="ru-RU" sz="1200" i="1" dirty="0"/>
+              <a:t>ы</a:t>
+            </a:r>
+            <a:r>
+              <a:rPr lang="ru-RU" sz="1200" i="1" dirty="0" smtClean="0"/>
+              <a:t> </a:t>
+            </a:r>
+            <a:r>
+              <a:rPr lang="ru-RU" sz="1200" i="1" dirty="0"/>
+              <a:t>Земли </a:t>
+            </a:r>
+            <a:r>
+              <a:rPr lang="ru-RU" sz="1200" i="1" dirty="0" smtClean="0"/>
+              <a:t>или Луны)</a:t>
             </a:r>
             <a:endParaRPr lang="ru-RU" altLang="ru-RU" sz="1200" i="1" dirty="0" smtClean="0">
               <a:cs typeface="Times New Roman" panose="02020603050405020304" pitchFamily="18" charset="0"/>
             </a:endParaRPr>
           </a:p>
           <a:p>
-            <a:pPr eaLnBrk="1" hangingPunct="1">
+            <a:pPr algn="ctr" eaLnBrk="1" hangingPunct="1">
               <a:lnSpc>
                 <a:spcPct val="150000"/>
               </a:lnSpc>
@@ -11084,7 +11655,7 @@
             </a:endParaRPr>
           </a:p>
           <a:p>
-            <a:pPr marL="0" indent="0" eaLnBrk="1" hangingPunct="1">
+            <a:pPr marL="0" indent="0" algn="ctr" eaLnBrk="1" hangingPunct="1">
               <a:lnSpc>
                 <a:spcPct val="150000"/>
               </a:lnSpc>
@@ -11350,7 +11921,15 @@
                   <a:schemeClr val="bg1"/>
                 </a:solidFill>
               </a:rPr>
-              <a:t>Уравнения движения(стереть силы у спутника)</a:t>
+              <a:t>Уравнения </a:t>
+            </a:r>
+            <a:r>
+              <a:rPr lang="ru-RU" altLang="ru-RU" sz="3200" b="1" dirty="0" smtClean="0">
+                <a:solidFill>
+                  <a:schemeClr val="bg1"/>
+                </a:solidFill>
+              </a:rPr>
+              <a:t>движения</a:t>
             </a:r>
             <a:endParaRPr lang="ru-RU" altLang="ru-RU" sz="3200" b="1" dirty="0" smtClean="0">
               <a:solidFill>
@@ -11369,7 +11948,7 @@
           <p:nvPr/>
         </p:nvPicPr>
         <p:blipFill>
-          <a:blip r:embed="rId4" cstate="print">
+          <a:blip r:embed="rId2" cstate="print">
             <a:extLst>
               <a:ext uri="{28A0092B-C50C-407E-A947-70E740481C1C}">
                 <a14:useLocalDpi xmlns:a14="http://schemas.microsoft.com/office/drawing/2010/main" val="0"/>
@@ -11426,6 +12005,364 @@
               </a14:hiddenEffects>
             </a:ext>
           </a:extLst>
+        </p:spPr>
+      </p:pic>
+      <p:pic>
+        <p:nvPicPr>
+          <p:cNvPr id="4" name="Рисунок 3"/>
+          <p:cNvPicPr>
+            <a:picLocks noChangeAspect="1"/>
+          </p:cNvPicPr>
+          <p:nvPr/>
+        </p:nvPicPr>
+        <p:blipFill>
+          <a:blip r:embed="rId3"/>
+          <a:stretch>
+            <a:fillRect/>
+          </a:stretch>
+        </p:blipFill>
+        <p:spPr>
+          <a:xfrm>
+            <a:off x="6816080" y="2564904"/>
+            <a:ext cx="2294768" cy="1021680"/>
+          </a:xfrm>
+          <a:prstGeom prst="rect">
+            <a:avLst/>
+          </a:prstGeom>
+          <a:ln>
+            <a:noFill/>
+          </a:ln>
+          <a:effectLst>
+            <a:outerShdw blurRad="292100" dist="139700" dir="2700000" algn="tl" rotWithShape="0">
+              <a:srgbClr val="333333">
+                <a:alpha val="65000"/>
+              </a:srgbClr>
+            </a:outerShdw>
+          </a:effectLst>
+        </p:spPr>
+      </p:pic>
+      <p:pic>
+        <p:nvPicPr>
+          <p:cNvPr id="9" name="Рисунок 8"/>
+          <p:cNvPicPr>
+            <a:picLocks noChangeAspect="1"/>
+          </p:cNvPicPr>
+          <p:nvPr/>
+        </p:nvPicPr>
+        <p:blipFill>
+          <a:blip r:embed="rId4"/>
+          <a:stretch>
+            <a:fillRect/>
+          </a:stretch>
+        </p:blipFill>
+        <p:spPr>
+          <a:xfrm>
+            <a:off x="652576" y="1808312"/>
+            <a:ext cx="3600450" cy="2971800"/>
+          </a:xfrm>
+          <a:prstGeom prst="rect">
+            <a:avLst/>
+          </a:prstGeom>
+          <a:ln>
+            <a:noFill/>
+          </a:ln>
+          <a:effectLst>
+            <a:outerShdw blurRad="292100" dist="139700" dir="2700000" algn="tl" rotWithShape="0">
+              <a:srgbClr val="333333">
+                <a:alpha val="65000"/>
+              </a:srgbClr>
+            </a:outerShdw>
+          </a:effectLst>
+        </p:spPr>
+      </p:pic>
+      <p:sp>
+        <p:nvSpPr>
+          <p:cNvPr id="16" name="Текст 5"/>
+          <p:cNvSpPr txBox="1">
+            <a:spLocks noChangeArrowheads="1"/>
+          </p:cNvSpPr>
+          <p:nvPr/>
+        </p:nvSpPr>
+        <p:spPr bwMode="auto">
+          <a:xfrm>
+            <a:off x="4943872" y="3933056"/>
+            <a:ext cx="6840760" cy="606750"/>
+          </a:xfrm>
+          <a:prstGeom prst="rect">
+            <a:avLst/>
+          </a:prstGeom>
+          <a:noFill/>
+          <a:ln>
+            <a:noFill/>
+          </a:ln>
+          <a:extLst>
+            <a:ext uri="{909E8E84-426E-40DD-AFC4-6F175D3DCCD1}">
+              <a14:hiddenFill xmlns:a14="http://schemas.microsoft.com/office/drawing/2010/main">
+                <a:solidFill>
+                  <a:srgbClr val="FFFFFF"/>
+                </a:solidFill>
+              </a14:hiddenFill>
+            </a:ext>
+            <a:ext uri="{91240B29-F687-4F45-9708-019B960494DF}">
+              <a14:hiddenLine xmlns:a14="http://schemas.microsoft.com/office/drawing/2010/main" w="9525">
+                <a:solidFill>
+                  <a:srgbClr val="000000"/>
+                </a:solidFill>
+                <a:miter lim="800000"/>
+                <a:headEnd/>
+                <a:tailEnd/>
+              </a14:hiddenLine>
+            </a:ext>
+          </a:extLst>
+        </p:spPr>
+        <p:txBody>
+          <a:bodyPr vert="horz" wrap="square" lIns="91440" tIns="45720" rIns="91440" bIns="45720" numCol="1" anchor="t" anchorCtr="0" compatLnSpc="1">
+            <a:prstTxWarp prst="textNoShape">
+              <a:avLst/>
+            </a:prstTxWarp>
+          </a:bodyPr>
+          <a:lstStyle>
+            <a:lvl1pPr marL="228600" indent="-228600" algn="l" rtl="0" eaLnBrk="0" fontAlgn="base" hangingPunct="0">
+              <a:lnSpc>
+                <a:spcPct val="90000"/>
+              </a:lnSpc>
+              <a:spcBef>
+                <a:spcPts val="1000"/>
+              </a:spcBef>
+              <a:spcAft>
+                <a:spcPct val="0"/>
+              </a:spcAft>
+              <a:buFont typeface="Arial" panose="020B0604020202020204" pitchFamily="34" charset="0"/>
+              <a:buChar char="•"/>
+              <a:defRPr sz="2800" kern="1200">
+                <a:solidFill>
+                  <a:schemeClr val="tx1"/>
+                </a:solidFill>
+                <a:latin typeface="+mn-lt"/>
+                <a:ea typeface="+mn-ea"/>
+                <a:cs typeface="+mn-cs"/>
+              </a:defRPr>
+            </a:lvl1pPr>
+            <a:lvl2pPr marL="685800" indent="-228600" algn="l" rtl="0" eaLnBrk="0" fontAlgn="base" hangingPunct="0">
+              <a:lnSpc>
+                <a:spcPct val="90000"/>
+              </a:lnSpc>
+              <a:spcBef>
+                <a:spcPts val="500"/>
+              </a:spcBef>
+              <a:spcAft>
+                <a:spcPct val="0"/>
+              </a:spcAft>
+              <a:buFont typeface="Arial" panose="020B0604020202020204" pitchFamily="34" charset="0"/>
+              <a:buChar char="•"/>
+              <a:defRPr sz="2400" kern="1200">
+                <a:solidFill>
+                  <a:schemeClr val="tx1"/>
+                </a:solidFill>
+                <a:latin typeface="+mn-lt"/>
+                <a:ea typeface="+mn-ea"/>
+                <a:cs typeface="+mn-cs"/>
+              </a:defRPr>
+            </a:lvl2pPr>
+            <a:lvl3pPr marL="1143000" indent="-228600" algn="l" rtl="0" eaLnBrk="0" fontAlgn="base" hangingPunct="0">
+              <a:lnSpc>
+                <a:spcPct val="90000"/>
+              </a:lnSpc>
+              <a:spcBef>
+                <a:spcPts val="500"/>
+              </a:spcBef>
+              <a:spcAft>
+                <a:spcPct val="0"/>
+              </a:spcAft>
+              <a:buFont typeface="Arial" panose="020B0604020202020204" pitchFamily="34" charset="0"/>
+              <a:buChar char="•"/>
+              <a:defRPr sz="2000" kern="1200">
+                <a:solidFill>
+                  <a:schemeClr val="tx1"/>
+                </a:solidFill>
+                <a:latin typeface="+mn-lt"/>
+                <a:ea typeface="+mn-ea"/>
+                <a:cs typeface="+mn-cs"/>
+              </a:defRPr>
+            </a:lvl3pPr>
+            <a:lvl4pPr marL="1600200" indent="-228600" algn="l" rtl="0" eaLnBrk="0" fontAlgn="base" hangingPunct="0">
+              <a:lnSpc>
+                <a:spcPct val="90000"/>
+              </a:lnSpc>
+              <a:spcBef>
+                <a:spcPts val="500"/>
+              </a:spcBef>
+              <a:spcAft>
+                <a:spcPct val="0"/>
+              </a:spcAft>
+              <a:buFont typeface="Arial" panose="020B0604020202020204" pitchFamily="34" charset="0"/>
+              <a:buChar char="•"/>
+              <a:defRPr kern="1200">
+                <a:solidFill>
+                  <a:schemeClr val="tx1"/>
+                </a:solidFill>
+                <a:latin typeface="+mn-lt"/>
+                <a:ea typeface="+mn-ea"/>
+                <a:cs typeface="+mn-cs"/>
+              </a:defRPr>
+            </a:lvl4pPr>
+            <a:lvl5pPr marL="2057400" indent="-228600" algn="l" rtl="0" eaLnBrk="0" fontAlgn="base" hangingPunct="0">
+              <a:lnSpc>
+                <a:spcPct val="90000"/>
+              </a:lnSpc>
+              <a:spcBef>
+                <a:spcPts val="500"/>
+              </a:spcBef>
+              <a:spcAft>
+                <a:spcPct val="0"/>
+              </a:spcAft>
+              <a:buFont typeface="Arial" panose="020B0604020202020204" pitchFamily="34" charset="0"/>
+              <a:buChar char="•"/>
+              <a:defRPr kern="1200">
+                <a:solidFill>
+                  <a:schemeClr val="tx1"/>
+                </a:solidFill>
+                <a:latin typeface="+mn-lt"/>
+                <a:ea typeface="+mn-ea"/>
+                <a:cs typeface="+mn-cs"/>
+              </a:defRPr>
+            </a:lvl5pPr>
+            <a:lvl6pPr marL="2514600" indent="-228600" algn="l" defTabSz="914400" rtl="0" eaLnBrk="1" latinLnBrk="0" hangingPunct="1">
+              <a:lnSpc>
+                <a:spcPct val="90000"/>
+              </a:lnSpc>
+              <a:spcBef>
+                <a:spcPts val="500"/>
+              </a:spcBef>
+              <a:buFont typeface="Arial" panose="020B0604020202020204" pitchFamily="34" charset="0"/>
+              <a:buChar char="•"/>
+              <a:defRPr sz="1800" kern="1200">
+                <a:solidFill>
+                  <a:schemeClr val="tx1"/>
+                </a:solidFill>
+                <a:latin typeface="+mn-lt"/>
+                <a:ea typeface="+mn-ea"/>
+                <a:cs typeface="+mn-cs"/>
+              </a:defRPr>
+            </a:lvl6pPr>
+            <a:lvl7pPr marL="2971800" indent="-228600" algn="l" defTabSz="914400" rtl="0" eaLnBrk="1" latinLnBrk="0" hangingPunct="1">
+              <a:lnSpc>
+                <a:spcPct val="90000"/>
+              </a:lnSpc>
+              <a:spcBef>
+                <a:spcPts val="500"/>
+              </a:spcBef>
+              <a:buFont typeface="Arial" panose="020B0604020202020204" pitchFamily="34" charset="0"/>
+              <a:buChar char="•"/>
+              <a:defRPr sz="1800" kern="1200">
+                <a:solidFill>
+                  <a:schemeClr val="tx1"/>
+                </a:solidFill>
+                <a:latin typeface="+mn-lt"/>
+                <a:ea typeface="+mn-ea"/>
+                <a:cs typeface="+mn-cs"/>
+              </a:defRPr>
+            </a:lvl7pPr>
+            <a:lvl8pPr marL="3429000" indent="-228600" algn="l" defTabSz="914400" rtl="0" eaLnBrk="1" latinLnBrk="0" hangingPunct="1">
+              <a:lnSpc>
+                <a:spcPct val="90000"/>
+              </a:lnSpc>
+              <a:spcBef>
+                <a:spcPts val="500"/>
+              </a:spcBef>
+              <a:buFont typeface="Arial" panose="020B0604020202020204" pitchFamily="34" charset="0"/>
+              <a:buChar char="•"/>
+              <a:defRPr sz="1800" kern="1200">
+                <a:solidFill>
+                  <a:schemeClr val="tx1"/>
+                </a:solidFill>
+                <a:latin typeface="+mn-lt"/>
+                <a:ea typeface="+mn-ea"/>
+                <a:cs typeface="+mn-cs"/>
+              </a:defRPr>
+            </a:lvl8pPr>
+            <a:lvl9pPr marL="3886200" indent="-228600" algn="l" defTabSz="914400" rtl="0" eaLnBrk="1" latinLnBrk="0" hangingPunct="1">
+              <a:lnSpc>
+                <a:spcPct val="90000"/>
+              </a:lnSpc>
+              <a:spcBef>
+                <a:spcPts val="500"/>
+              </a:spcBef>
+              <a:buFont typeface="Arial" panose="020B0604020202020204" pitchFamily="34" charset="0"/>
+              <a:buChar char="•"/>
+              <a:defRPr sz="1800" kern="1200">
+                <a:solidFill>
+                  <a:schemeClr val="tx1"/>
+                </a:solidFill>
+                <a:latin typeface="+mn-lt"/>
+                <a:ea typeface="+mn-ea"/>
+                <a:cs typeface="+mn-cs"/>
+              </a:defRPr>
+            </a:lvl9pPr>
+          </a:lstStyle>
+          <a:p>
+            <a:pPr marL="0" indent="0">
+              <a:lnSpc>
+                <a:spcPct val="150000"/>
+              </a:lnSpc>
+              <a:buNone/>
+            </a:pPr>
+            <a:r>
+              <a:rPr lang="ru-RU" altLang="ru-RU" sz="1600" dirty="0" smtClean="0">
+                <a:cs typeface="Times New Roman" panose="02020603050405020304" pitchFamily="18" charset="0"/>
+              </a:rPr>
+              <a:t>Для нахождения </a:t>
+            </a:r>
+            <a:r>
+              <a:rPr lang="ru-RU" altLang="ru-RU" sz="1600" b="1" dirty="0" smtClean="0">
+                <a:cs typeface="Times New Roman" panose="02020603050405020304" pitchFamily="18" charset="0"/>
+              </a:rPr>
+              <a:t>ускорений</a:t>
+            </a:r>
+            <a:r>
+              <a:rPr lang="ru-RU" altLang="ru-RU" sz="1600" dirty="0" smtClean="0">
+                <a:cs typeface="Times New Roman" panose="02020603050405020304" pitchFamily="18" charset="0"/>
+              </a:rPr>
+              <a:t> воспользуемся вторым законом Ньютона:</a:t>
+            </a:r>
+            <a:endParaRPr lang="ru-RU" altLang="ru-RU" sz="1600" dirty="0" smtClean="0">
+              <a:cs typeface="Times New Roman" panose="02020603050405020304" pitchFamily="18" charset="0"/>
+            </a:endParaRPr>
+          </a:p>
+        </p:txBody>
+      </p:sp>
+      <p:pic>
+        <p:nvPicPr>
+          <p:cNvPr id="15" name="Рисунок 14"/>
+          <p:cNvPicPr>
+            <a:picLocks noChangeAspect="1"/>
+          </p:cNvPicPr>
+          <p:nvPr/>
+        </p:nvPicPr>
+        <p:blipFill>
+          <a:blip r:embed="rId5"/>
+          <a:stretch>
+            <a:fillRect/>
+          </a:stretch>
+        </p:blipFill>
+        <p:spPr>
+          <a:xfrm>
+            <a:off x="6600056" y="4634659"/>
+            <a:ext cx="3038475" cy="1057275"/>
+          </a:xfrm>
+          <a:prstGeom prst="rect">
+            <a:avLst/>
+          </a:prstGeom>
+          <a:ln>
+            <a:noFill/>
+          </a:ln>
+          <a:effectLst>
+            <a:outerShdw blurRad="292100" dist="139700" dir="2700000" algn="tl" rotWithShape="0">
+              <a:srgbClr val="333333">
+                <a:alpha val="65000"/>
+              </a:srgbClr>
+            </a:outerShdw>
+          </a:effectLst>
         </p:spPr>
       </p:pic>
     </p:spTree>
@@ -11639,7 +12576,7 @@
         <p:spPr bwMode="auto">
           <a:xfrm>
             <a:off x="768986" y="1893810"/>
-            <a:ext cx="5112568" cy="2016224"/>
+            <a:ext cx="5112568" cy="2903342"/>
           </a:xfrm>
           <a:prstGeom prst="rect">
             <a:avLst/>
@@ -11900,7 +12837,13 @@
               <a:rPr lang="ru-RU" altLang="ru-RU" sz="1600" b="1" dirty="0" smtClean="0">
                 <a:cs typeface="Times New Roman" panose="02020603050405020304" pitchFamily="18" charset="0"/>
               </a:rPr>
-              <a:t> уравнения движения</a:t>
+              <a:t> </a:t>
+            </a:r>
+            <a:r>
+              <a:rPr lang="ru-RU" altLang="ru-RU" sz="1600" dirty="0" smtClean="0">
+                <a:cs typeface="Times New Roman" panose="02020603050405020304" pitchFamily="18" charset="0"/>
+              </a:rPr>
+              <a:t>уравнения движения</a:t>
             </a:r>
           </a:p>
           <a:p>
@@ -11910,23 +12853,47 @@
               </a:lnSpc>
               <a:buNone/>
             </a:pPr>
+            <a:r>
+              <a:rPr lang="ru-RU" altLang="ru-RU" sz="1600" dirty="0" smtClean="0">
+                <a:cs typeface="Times New Roman" panose="02020603050405020304" pitchFamily="18" charset="0"/>
+              </a:rPr>
+              <a:t>3. </a:t>
+            </a:r>
             <a:r>
               <a:rPr lang="ru-RU" altLang="ru-RU" sz="1600" b="1" dirty="0" smtClean="0">
                 <a:cs typeface="Times New Roman" panose="02020603050405020304" pitchFamily="18" charset="0"/>
               </a:rPr>
-              <a:t>3. Сила двигателя считаем </a:t>
-            </a:r>
-            <a:r>
-              <a:rPr lang="ru-RU" altLang="ru-RU" sz="1600" b="1" dirty="0" err="1" smtClean="0">
+              <a:t>Сила</a:t>
+            </a:r>
+            <a:r>
+              <a:rPr lang="ru-RU" altLang="ru-RU" sz="1600" dirty="0" smtClean="0">
                 <a:cs typeface="Times New Roman" panose="02020603050405020304" pitchFamily="18" charset="0"/>
               </a:rPr>
-              <a:t>констатой</a:t>
+              <a:t> двигателя считаем </a:t>
             </a:r>
             <a:r>
               <a:rPr lang="ru-RU" altLang="ru-RU" sz="1600" b="1" dirty="0" smtClean="0">
                 <a:cs typeface="Times New Roman" panose="02020603050405020304" pitchFamily="18" charset="0"/>
               </a:rPr>
-              <a:t>(изменить)</a:t>
+              <a:t>константой</a:t>
+            </a:r>
+            <a:r>
+              <a:rPr lang="ru-RU" altLang="ru-RU" sz="1600" dirty="0" smtClean="0">
+                <a:cs typeface="Times New Roman" panose="02020603050405020304" pitchFamily="18" charset="0"/>
+              </a:rPr>
+              <a:t> равной 0.01 </a:t>
+            </a:r>
+            <a:r>
+              <a:rPr lang="ru-RU" altLang="ru-RU" sz="1600" i="1" dirty="0" smtClean="0">
+                <a:cs typeface="Times New Roman" panose="02020603050405020304" pitchFamily="18" charset="0"/>
+              </a:rPr>
+              <a:t>у.е</a:t>
+            </a:r>
+            <a:r>
+              <a:rPr lang="ru-RU" altLang="ru-RU" sz="1600" dirty="0" smtClean="0">
+                <a:cs typeface="Times New Roman" panose="02020603050405020304" pitchFamily="18" charset="0"/>
+              </a:rPr>
+              <a:t>.</a:t>
             </a:r>
           </a:p>
           <a:p>
@@ -11936,11 +12903,23 @@
               </a:lnSpc>
               <a:buNone/>
             </a:pPr>
+            <a:r>
+              <a:rPr lang="ru-RU" altLang="ru-RU" sz="1600" dirty="0" smtClean="0">
+                <a:cs typeface="Times New Roman" panose="02020603050405020304" pitchFamily="18" charset="0"/>
+              </a:rPr>
+              <a:t>4. При выходе с орбиты Земли двигатель работает </a:t>
+            </a:r>
             <a:r>
               <a:rPr lang="ru-RU" altLang="ru-RU" sz="1600" b="1" dirty="0" smtClean="0">
                 <a:cs typeface="Times New Roman" panose="02020603050405020304" pitchFamily="18" charset="0"/>
               </a:rPr>
-              <a:t>4. Описать что двигатель на первом этапе работает вдоль вектора скорости </a:t>
+              <a:t>вдоль вектора скорости</a:t>
+            </a:r>
+            <a:r>
+              <a:rPr lang="ru-RU" altLang="ru-RU" sz="1600" dirty="0" smtClean="0">
+                <a:cs typeface="Times New Roman" panose="02020603050405020304" pitchFamily="18" charset="0"/>
+              </a:rPr>
+              <a:t> космического аппарата</a:t>
             </a:r>
           </a:p>
         </p:txBody>
@@ -13817,117 +14796,12 @@
       </p:sp>
       <p:pic>
         <p:nvPicPr>
-          <p:cNvPr id="9220" name="Picture 4"/>
-          <p:cNvPicPr>
-            <a:picLocks noChangeAspect="1" noChangeArrowheads="1"/>
-          </p:cNvPicPr>
-          <p:nvPr/>
-        </p:nvPicPr>
-        <p:blipFill>
-          <a:blip r:embed="rId2">
-            <a:extLst>
-              <a:ext uri="{28A0092B-C50C-407E-A947-70E740481C1C}">
-                <a14:useLocalDpi xmlns:a14="http://schemas.microsoft.com/office/drawing/2010/main" val="0"/>
-              </a:ext>
-            </a:extLst>
-          </a:blip>
-          <a:srcRect/>
-          <a:stretch>
-            <a:fillRect/>
-          </a:stretch>
-        </p:blipFill>
-        <p:spPr bwMode="auto">
-          <a:xfrm>
-            <a:off x="-6350" y="7938"/>
-            <a:ext cx="1757363" cy="1700212"/>
-          </a:xfrm>
-          <a:prstGeom prst="rect">
-            <a:avLst/>
-          </a:prstGeom>
-          <a:noFill/>
-          <a:ln>
-            <a:noFill/>
-          </a:ln>
-          <a:effectLst/>
-          <a:extLst>
-            <a:ext uri="{909E8E84-426E-40DD-AFC4-6F175D3DCCD1}">
-              <a14:hiddenFill xmlns:a14="http://schemas.microsoft.com/office/drawing/2010/main">
-                <a:blipFill dpi="0" rotWithShape="0">
-                  <a:blip/>
-                  <a:srcRect/>
-                  <a:stretch>
-                    <a:fillRect/>
-                  </a:stretch>
-                </a:blipFill>
-              </a14:hiddenFill>
-            </a:ext>
-            <a:ext uri="{91240B29-F687-4F45-9708-019B960494DF}">
-              <a14:hiddenLine xmlns:a14="http://schemas.microsoft.com/office/drawing/2010/main" w="9525">
-                <a:solidFill>
-                  <a:srgbClr val="808080"/>
-                </a:solidFill>
-                <a:round/>
-                <a:headEnd/>
-                <a:tailEnd/>
-              </a14:hiddenLine>
-            </a:ext>
-            <a:ext uri="{AF507438-7753-43E0-B8FC-AC1667EBCBE1}">
-              <a14:hiddenEffects xmlns:a14="http://schemas.microsoft.com/office/drawing/2010/main">
-                <a:effectLst>
-                  <a:outerShdw dist="35921" dir="2700000" algn="ctr" rotWithShape="0">
-                    <a:srgbClr val="808080"/>
-                  </a:outerShdw>
-                </a:effectLst>
-              </a14:hiddenEffects>
-            </a:ext>
-          </a:extLst>
-        </p:spPr>
-      </p:pic>
-      <p:sp>
-        <p:nvSpPr>
-          <p:cNvPr id="9221" name="Rectangle 2"/>
-          <p:cNvSpPr>
-            <a:spLocks noGrp="1" noChangeArrowheads="1"/>
-          </p:cNvSpPr>
-          <p:nvPr>
-            <p:ph type="title"/>
-          </p:nvPr>
-        </p:nvSpPr>
-        <p:spPr>
-          <a:xfrm>
-            <a:off x="2711450" y="692150"/>
-            <a:ext cx="8229600" cy="668338"/>
-          </a:xfrm>
-        </p:spPr>
-        <p:txBody>
-          <a:bodyPr/>
-          <a:lstStyle/>
-          <a:p>
-            <a:pPr algn="ctr" eaLnBrk="1" hangingPunct="1"/>
-            <a:r>
-              <a:rPr lang="ru-RU" altLang="ru-RU" sz="3200" dirty="0" smtClean="0"/>
-              <a:t>Эффект </a:t>
-            </a:r>
-            <a:r>
-              <a:rPr lang="ru-RU" altLang="ru-RU" sz="3200" dirty="0" err="1"/>
-              <a:t>О</a:t>
-            </a:r>
-            <a:r>
-              <a:rPr lang="ru-RU" altLang="ru-RU" sz="3200" dirty="0" err="1" smtClean="0"/>
-              <a:t>берта</a:t>
-            </a:r>
-            <a:endParaRPr lang="ru-RU" altLang="ru-RU" sz="3200" dirty="0" smtClean="0"/>
-          </a:p>
-        </p:txBody>
-      </p:sp>
-      <p:pic>
-        <p:nvPicPr>
           <p:cNvPr id="6" name="Рисунок 5"/>
           <p:cNvPicPr/>
           <p:nvPr/>
         </p:nvPicPr>
         <p:blipFill>
-          <a:blip r:embed="rId3">
+          <a:blip r:embed="rId2">
             <a:extLst>
               <a:ext uri="{28A0092B-C50C-407E-A947-70E740481C1C}">
                 <a14:useLocalDpi xmlns:a14="http://schemas.microsoft.com/office/drawing/2010/main" val="0"/>
@@ -13966,7 +14840,7 @@
           <p:nvPr/>
         </p:nvPicPr>
         <p:blipFill>
-          <a:blip r:embed="rId4" cstate="print">
+          <a:blip r:embed="rId3" cstate="print">
             <a:extLst>
               <a:ext uri="{28A0092B-C50C-407E-A947-70E740481C1C}">
                 <a14:useLocalDpi xmlns:a14="http://schemas.microsoft.com/office/drawing/2010/main" val="0"/>
@@ -14246,14 +15120,11 @@
               </a:rPr>
               <a:t>Спутник пролетает рядом</a:t>
             </a:r>
-          </a:p>
-          <a:p>
-            <a:pPr marL="0" indent="0" eaLnBrk="1" hangingPunct="1">
-              <a:lnSpc>
-                <a:spcPct val="150000"/>
-              </a:lnSpc>
-              <a:buNone/>
-            </a:pPr>
+            <a:br>
+              <a:rPr lang="ru-RU" altLang="ru-RU" sz="1600" dirty="0" smtClean="0">
+                <a:cs typeface="Times New Roman" panose="02020603050405020304" pitchFamily="18" charset="0"/>
+              </a:rPr>
+            </a:br>
             <a:endParaRPr lang="ru-RU" altLang="ru-RU" sz="1600" dirty="0" smtClean="0">
               <a:cs typeface="Times New Roman" panose="02020603050405020304" pitchFamily="18" charset="0"/>
             </a:endParaRPr>
@@ -14299,7 +15170,7 @@
           <p:nvPr/>
         </p:nvPicPr>
         <p:blipFill>
-          <a:blip r:embed="rId5"/>
+          <a:blip r:embed="rId4"/>
           <a:stretch>
             <a:fillRect/>
           </a:stretch>
@@ -14579,16 +15450,11 @@
               </a:rPr>
               <a:t>Спутник пролетает рядом</a:t>
             </a:r>
-            <a:endParaRPr lang="ru-RU" altLang="ru-RU" sz="1600" dirty="0">
-              <a:cs typeface="Times New Roman" panose="02020603050405020304" pitchFamily="18" charset="0"/>
-            </a:endParaRPr>
-          </a:p>
-          <a:p>
-            <a:pPr eaLnBrk="1" hangingPunct="1">
-              <a:lnSpc>
-                <a:spcPct val="150000"/>
-              </a:lnSpc>
-            </a:pPr>
+            <a:br>
+              <a:rPr lang="ru-RU" altLang="ru-RU" sz="1600" dirty="0" smtClean="0">
+                <a:cs typeface="Times New Roman" panose="02020603050405020304" pitchFamily="18" charset="0"/>
+              </a:rPr>
+            </a:br>
             <a:endParaRPr lang="ru-RU" altLang="ru-RU" sz="1600" dirty="0" smtClean="0">
               <a:cs typeface="Times New Roman" panose="02020603050405020304" pitchFamily="18" charset="0"/>
             </a:endParaRPr>
@@ -14616,11 +15482,11 @@
               <a:rPr lang="ru-RU" altLang="ru-RU" sz="1600" i="1" dirty="0" smtClean="0">
                 <a:cs typeface="Times New Roman" panose="02020603050405020304" pitchFamily="18" charset="0"/>
               </a:rPr>
-              <a:t> за счёт (</a:t>
+              <a:t> за счёт </a:t>
             </a:r>
             <a:r>
               <a:rPr lang="ru-RU" sz="1600" b="1" i="1" dirty="0" smtClean="0"/>
-              <a:t>орбитального импульса)?</a:t>
+              <a:t>орбитального импульса</a:t>
             </a:r>
             <a:endParaRPr lang="ru-RU" altLang="ru-RU" sz="1600" b="1" i="1" dirty="0">
               <a:cs typeface="Times New Roman" panose="02020603050405020304" pitchFamily="18" charset="0"/>
@@ -14639,7 +15505,7 @@
         <p:spPr bwMode="auto">
           <a:xfrm>
             <a:off x="8400256" y="3372404"/>
-            <a:ext cx="3528392" cy="3336035"/>
+            <a:ext cx="3672408" cy="3336035"/>
           </a:xfrm>
           <a:prstGeom prst="rect">
             <a:avLst/>
@@ -14884,17 +15750,6 @@
               <a:t>Спутник включает двигатель в ближайшей к Луне точке</a:t>
             </a:r>
             <a:endParaRPr lang="ru-RU" altLang="ru-RU" sz="1600" dirty="0">
-              <a:cs typeface="Times New Roman" panose="02020603050405020304" pitchFamily="18" charset="0"/>
-            </a:endParaRPr>
-          </a:p>
-          <a:p>
-            <a:pPr marL="0" indent="0" eaLnBrk="1" hangingPunct="1">
-              <a:lnSpc>
-                <a:spcPct val="150000"/>
-              </a:lnSpc>
-              <a:buNone/>
-            </a:pPr>
-            <a:endParaRPr lang="ru-RU" altLang="ru-RU" sz="1600" i="1" dirty="0" smtClean="0">
               <a:cs typeface="Times New Roman" panose="02020603050405020304" pitchFamily="18" charset="0"/>
             </a:endParaRPr>
           </a:p>
@@ -15230,7 +16085,15 @@
                   <a:schemeClr val="bg1"/>
                 </a:solidFill>
               </a:rPr>
-              <a:t>Уравнения движения(стереть силы у спутника)</a:t>
+              <a:t>Эффект </a:t>
+            </a:r>
+            <a:r>
+              <a:rPr lang="ru-RU" altLang="ru-RU" sz="3200" b="1" dirty="0" err="1">
+                <a:solidFill>
+                  <a:schemeClr val="bg1"/>
+                </a:solidFill>
+              </a:rPr>
+              <a:t>Оберта</a:t>
             </a:r>
             <a:endParaRPr lang="ru-RU" altLang="ru-RU" sz="3200" b="1" dirty="0" smtClean="0">
               <a:solidFill>
@@ -15249,7 +16112,7 @@
           <p:nvPr/>
         </p:nvPicPr>
         <p:blipFill>
-          <a:blip r:embed="rId2" cstate="print">
+          <a:blip r:embed="rId5" cstate="print">
             <a:extLst>
               <a:ext uri="{28A0092B-C50C-407E-A947-70E740481C1C}">
                 <a14:useLocalDpi xmlns:a14="http://schemas.microsoft.com/office/drawing/2010/main" val="0"/>
@@ -15709,109 +16572,12 @@
       </p:sp>
       <p:pic>
         <p:nvPicPr>
-          <p:cNvPr id="10244" name="Picture 4"/>
-          <p:cNvPicPr>
-            <a:picLocks noChangeAspect="1" noChangeArrowheads="1"/>
-          </p:cNvPicPr>
-          <p:nvPr/>
-        </p:nvPicPr>
-        <p:blipFill>
-          <a:blip r:embed="rId2">
-            <a:extLst>
-              <a:ext uri="{28A0092B-C50C-407E-A947-70E740481C1C}">
-                <a14:useLocalDpi xmlns:a14="http://schemas.microsoft.com/office/drawing/2010/main" val="0"/>
-              </a:ext>
-            </a:extLst>
-          </a:blip>
-          <a:srcRect/>
-          <a:stretch>
-            <a:fillRect/>
-          </a:stretch>
-        </p:blipFill>
-        <p:spPr bwMode="auto">
-          <a:xfrm>
-            <a:off x="-6350" y="7938"/>
-            <a:ext cx="1757363" cy="1700212"/>
-          </a:xfrm>
-          <a:prstGeom prst="rect">
-            <a:avLst/>
-          </a:prstGeom>
-          <a:noFill/>
-          <a:ln>
-            <a:noFill/>
-          </a:ln>
-          <a:effectLst/>
-          <a:extLst>
-            <a:ext uri="{909E8E84-426E-40DD-AFC4-6F175D3DCCD1}">
-              <a14:hiddenFill xmlns:a14="http://schemas.microsoft.com/office/drawing/2010/main">
-                <a:blipFill dpi="0" rotWithShape="0">
-                  <a:blip/>
-                  <a:srcRect/>
-                  <a:stretch>
-                    <a:fillRect/>
-                  </a:stretch>
-                </a:blipFill>
-              </a14:hiddenFill>
-            </a:ext>
-            <a:ext uri="{91240B29-F687-4F45-9708-019B960494DF}">
-              <a14:hiddenLine xmlns:a14="http://schemas.microsoft.com/office/drawing/2010/main" w="9525">
-                <a:solidFill>
-                  <a:srgbClr val="808080"/>
-                </a:solidFill>
-                <a:round/>
-                <a:headEnd/>
-                <a:tailEnd/>
-              </a14:hiddenLine>
-            </a:ext>
-            <a:ext uri="{AF507438-7753-43E0-B8FC-AC1667EBCBE1}">
-              <a14:hiddenEffects xmlns:a14="http://schemas.microsoft.com/office/drawing/2010/main">
-                <a:effectLst>
-                  <a:outerShdw dist="35921" dir="2700000" algn="ctr" rotWithShape="0">
-                    <a:srgbClr val="808080"/>
-                  </a:outerShdw>
-                </a:effectLst>
-              </a14:hiddenEffects>
-            </a:ext>
-          </a:extLst>
-        </p:spPr>
-      </p:pic>
-      <p:sp>
-        <p:nvSpPr>
-          <p:cNvPr id="10245" name="Rectangle 2"/>
-          <p:cNvSpPr>
-            <a:spLocks noGrp="1" noChangeArrowheads="1"/>
-          </p:cNvSpPr>
-          <p:nvPr>
-            <p:ph type="title"/>
-          </p:nvPr>
-        </p:nvSpPr>
-        <p:spPr>
-          <a:xfrm>
-            <a:off x="2711450" y="692150"/>
-            <a:ext cx="8229600" cy="668338"/>
-          </a:xfrm>
-        </p:spPr>
-        <p:txBody>
-          <a:bodyPr/>
-          <a:lstStyle/>
-          <a:p>
-            <a:pPr algn="ctr" eaLnBrk="1" hangingPunct="1"/>
-            <a:r>
-              <a:rPr lang="ru-RU" altLang="ru-RU" sz="3200" dirty="0" smtClean="0"/>
-              <a:t>Разработка приложения</a:t>
-            </a:r>
-            <a:endParaRPr lang="ru-RU" altLang="ru-RU" sz="3200" dirty="0" smtClean="0"/>
-          </a:p>
-        </p:txBody>
-      </p:sp>
-      <p:pic>
-        <p:nvPicPr>
           <p:cNvPr id="6" name="Рисунок 5"/>
           <p:cNvPicPr/>
           <p:nvPr/>
         </p:nvPicPr>
         <p:blipFill>
-          <a:blip r:embed="rId3"/>
+          <a:blip r:embed="rId2"/>
           <a:stretch>
             <a:fillRect/>
           </a:stretch>
@@ -16726,7 +17492,7 @@
                   <a:schemeClr val="bg1"/>
                 </a:solidFill>
               </a:rPr>
-              <a:t>Уравнения движения(стереть силы у спутника)</a:t>
+              <a:t>Разработка приложения</a:t>
             </a:r>
             <a:endParaRPr lang="ru-RU" altLang="ru-RU" sz="3200" b="1" dirty="0" smtClean="0">
               <a:solidFill>
@@ -16745,7 +17511,7 @@
           <p:nvPr/>
         </p:nvPicPr>
         <p:blipFill>
-          <a:blip r:embed="rId2" cstate="print">
+          <a:blip r:embed="rId3" cstate="print">
             <a:extLst>
               <a:ext uri="{28A0092B-C50C-407E-A947-70E740481C1C}">
                 <a14:useLocalDpi xmlns:a14="http://schemas.microsoft.com/office/drawing/2010/main" val="0"/>
@@ -17187,7 +17953,7 @@
           </a:lstStyle>
           <a:p>
             <a:fld id="{C90E7630-3E34-424B-8799-6114CE8D1C1C}" type="slidenum">
-              <a:rPr lang="ru-RU" altLang="ru-RU">
+              <a:rPr lang="ru-RU" altLang="ru-RU" smtClean="0">
                 <a:solidFill>
                   <a:srgbClr val="898989"/>
                 </a:solidFill>
@@ -17195,112 +17961,11 @@
               <a:pPr/>
               <a:t>8</a:t>
             </a:fld>
-            <a:endParaRPr lang="ru-RU" altLang="ru-RU">
+            <a:endParaRPr lang="ru-RU" altLang="ru-RU" dirty="0">
               <a:solidFill>
                 <a:srgbClr val="898989"/>
               </a:solidFill>
             </a:endParaRPr>
-          </a:p>
-        </p:txBody>
-      </p:sp>
-      <p:pic>
-        <p:nvPicPr>
-          <p:cNvPr id="11268" name="Picture 4"/>
-          <p:cNvPicPr>
-            <a:picLocks noChangeAspect="1" noChangeArrowheads="1"/>
-          </p:cNvPicPr>
-          <p:nvPr/>
-        </p:nvPicPr>
-        <p:blipFill>
-          <a:blip r:embed="rId2">
-            <a:extLst>
-              <a:ext uri="{28A0092B-C50C-407E-A947-70E740481C1C}">
-                <a14:useLocalDpi xmlns:a14="http://schemas.microsoft.com/office/drawing/2010/main" val="0"/>
-              </a:ext>
-            </a:extLst>
-          </a:blip>
-          <a:srcRect/>
-          <a:stretch>
-            <a:fillRect/>
-          </a:stretch>
-        </p:blipFill>
-        <p:spPr bwMode="auto">
-          <a:xfrm>
-            <a:off x="-6350" y="7938"/>
-            <a:ext cx="1757363" cy="1700212"/>
-          </a:xfrm>
-          <a:prstGeom prst="rect">
-            <a:avLst/>
-          </a:prstGeom>
-          <a:noFill/>
-          <a:ln>
-            <a:noFill/>
-          </a:ln>
-          <a:effectLst/>
-          <a:extLst>
-            <a:ext uri="{909E8E84-426E-40DD-AFC4-6F175D3DCCD1}">
-              <a14:hiddenFill xmlns:a14="http://schemas.microsoft.com/office/drawing/2010/main">
-                <a:blipFill dpi="0" rotWithShape="0">
-                  <a:blip/>
-                  <a:srcRect/>
-                  <a:stretch>
-                    <a:fillRect/>
-                  </a:stretch>
-                </a:blipFill>
-              </a14:hiddenFill>
-            </a:ext>
-            <a:ext uri="{91240B29-F687-4F45-9708-019B960494DF}">
-              <a14:hiddenLine xmlns:a14="http://schemas.microsoft.com/office/drawing/2010/main" w="9525">
-                <a:solidFill>
-                  <a:srgbClr val="808080"/>
-                </a:solidFill>
-                <a:round/>
-                <a:headEnd/>
-                <a:tailEnd/>
-              </a14:hiddenLine>
-            </a:ext>
-            <a:ext uri="{AF507438-7753-43E0-B8FC-AC1667EBCBE1}">
-              <a14:hiddenEffects xmlns:a14="http://schemas.microsoft.com/office/drawing/2010/main">
-                <a:effectLst>
-                  <a:outerShdw dist="35921" dir="2700000" algn="ctr" rotWithShape="0">
-                    <a:srgbClr val="808080"/>
-                  </a:outerShdw>
-                </a:effectLst>
-              </a14:hiddenEffects>
-            </a:ext>
-          </a:extLst>
-        </p:spPr>
-      </p:pic>
-      <p:sp>
-        <p:nvSpPr>
-          <p:cNvPr id="11269" name="Rectangle 2"/>
-          <p:cNvSpPr>
-            <a:spLocks noGrp="1" noChangeArrowheads="1"/>
-          </p:cNvSpPr>
-          <p:nvPr>
-            <p:ph type="title"/>
-          </p:nvPr>
-        </p:nvSpPr>
-        <p:spPr>
-          <a:xfrm>
-            <a:off x="2711450" y="692150"/>
-            <a:ext cx="8229600" cy="668338"/>
-          </a:xfrm>
-        </p:spPr>
-        <p:txBody>
-          <a:bodyPr/>
-          <a:lstStyle/>
-          <a:p>
-            <a:pPr algn="ctr" eaLnBrk="1" hangingPunct="1"/>
-            <a:r>
-              <a:rPr lang="ru-RU" altLang="ru-RU" sz="3200" dirty="0" smtClean="0"/>
-              <a:t>Моделирование этюдов. </a:t>
-            </a:r>
-            <a:r>
-              <a:rPr lang="ru-RU" altLang="ru-RU" sz="3200" b="1" dirty="0" smtClean="0"/>
-              <a:t>Первый</a:t>
-            </a:r>
-            <a:endParaRPr lang="ru-RU" altLang="ru-RU" sz="3200" b="1" dirty="0" smtClean="0"/>
           </a:p>
         </p:txBody>
       </p:sp>
@@ -17315,7 +17980,7 @@
         <p:spPr bwMode="auto">
           <a:xfrm>
             <a:off x="768986" y="1893810"/>
-            <a:ext cx="5112568" cy="2016224"/>
+            <a:ext cx="5112568" cy="3335390"/>
           </a:xfrm>
           <a:prstGeom prst="rect">
             <a:avLst/>
@@ -17530,6 +18195,25 @@
             </a:lvl9pPr>
           </a:lstStyle>
           <a:p>
+            <a:pPr marL="0" indent="0" eaLnBrk="1" hangingPunct="1">
+              <a:lnSpc>
+                <a:spcPct val="150000"/>
+              </a:lnSpc>
+              <a:buNone/>
+            </a:pPr>
+            <a:r>
+              <a:rPr lang="ru-RU" sz="1600" dirty="0" smtClean="0"/>
+              <a:t>Выход с орбиты при помощи двигателя. </a:t>
+            </a:r>
+            <a:br>
+              <a:rPr lang="ru-RU" sz="1600" dirty="0" smtClean="0"/>
+            </a:br>
+            <a:r>
+              <a:rPr lang="ru-RU" sz="1600" dirty="0" smtClean="0"/>
+              <a:t>Результаты:</a:t>
+            </a:r>
+          </a:p>
+          <a:p>
             <a:pPr eaLnBrk="1" hangingPunct="1">
               <a:lnSpc>
                 <a:spcPct val="150000"/>
@@ -17539,20 +18223,7 @@
             </a:pPr>
             <a:r>
               <a:rPr lang="ru-RU" sz="1600" dirty="0" smtClean="0"/>
-              <a:t>Описание этюда</a:t>
-            </a:r>
-          </a:p>
-          <a:p>
-            <a:pPr eaLnBrk="1" hangingPunct="1">
-              <a:lnSpc>
-                <a:spcPct val="150000"/>
-              </a:lnSpc>
-              <a:buFontTx/>
-              <a:buChar char="-"/>
-            </a:pPr>
-            <a:r>
-              <a:rPr lang="ru-RU" sz="1600" dirty="0" smtClean="0"/>
-              <a:t>Финальная скорость</a:t>
+              <a:t>Финальная скорость равна </a:t>
             </a:r>
           </a:p>
           <a:p>
@@ -17568,21 +18239,6 @@
                 <a:cs typeface="Times New Roman" panose="02020603050405020304" pitchFamily="18" charset="0"/>
               </a:rPr>
               <a:t>Затрачено топливо</a:t>
-            </a:r>
-          </a:p>
-          <a:p>
-            <a:pPr eaLnBrk="1" hangingPunct="1">
-              <a:lnSpc>
-                <a:spcPct val="150000"/>
-              </a:lnSpc>
-              <a:buFontTx/>
-              <a:buChar char="-"/>
-            </a:pPr>
-            <a:r>
-              <a:rPr lang="ru-RU" altLang="ru-RU" sz="1600" b="1" dirty="0" smtClean="0">
-                <a:cs typeface="Times New Roman" panose="02020603050405020304" pitchFamily="18" charset="0"/>
-              </a:rPr>
-              <a:t>2 графика (изменение скорости и траектория)</a:t>
             </a:r>
           </a:p>
         </p:txBody>
@@ -17841,7 +18497,7 @@
                   <a:schemeClr val="bg1"/>
                 </a:solidFill>
               </a:rPr>
-              <a:t>Уравнения движения(стереть силы у спутника)</a:t>
+              <a:t>Моделирование этюдов. Первый</a:t>
             </a:r>
             <a:endParaRPr lang="ru-RU" altLang="ru-RU" sz="3200" b="1" dirty="0" smtClean="0">
               <a:solidFill>
@@ -17919,6 +18575,864 @@
           </a:extLst>
         </p:spPr>
       </p:pic>
+      <p:pic>
+        <p:nvPicPr>
+          <p:cNvPr id="3" name="Рисунок 2"/>
+          <p:cNvPicPr>
+            <a:picLocks noChangeAspect="1"/>
+          </p:cNvPicPr>
+          <p:nvPr/>
+        </p:nvPicPr>
+        <p:blipFill>
+          <a:blip r:embed="rId3"/>
+          <a:stretch>
+            <a:fillRect/>
+          </a:stretch>
+        </p:blipFill>
+        <p:spPr>
+          <a:xfrm>
+            <a:off x="5881554" y="1336337"/>
+            <a:ext cx="3191470" cy="2614757"/>
+          </a:xfrm>
+          <a:prstGeom prst="rect">
+            <a:avLst/>
+          </a:prstGeom>
+        </p:spPr>
+      </p:pic>
+      <p:pic>
+        <p:nvPicPr>
+          <p:cNvPr id="4" name="Рисунок 3"/>
+          <p:cNvPicPr>
+            <a:picLocks noChangeAspect="1"/>
+          </p:cNvPicPr>
+          <p:nvPr/>
+        </p:nvPicPr>
+        <p:blipFill>
+          <a:blip r:embed="rId4"/>
+          <a:stretch>
+            <a:fillRect/>
+          </a:stretch>
+        </p:blipFill>
+        <p:spPr>
+          <a:xfrm>
+            <a:off x="8999848" y="1485244"/>
+            <a:ext cx="2833264" cy="2316942"/>
+          </a:xfrm>
+          <a:prstGeom prst="rect">
+            <a:avLst/>
+          </a:prstGeom>
+        </p:spPr>
+      </p:pic>
+      <p:sp>
+        <p:nvSpPr>
+          <p:cNvPr id="15" name="Текст 5"/>
+          <p:cNvSpPr txBox="1">
+            <a:spLocks noChangeArrowheads="1"/>
+          </p:cNvSpPr>
+          <p:nvPr/>
+        </p:nvSpPr>
+        <p:spPr bwMode="auto">
+          <a:xfrm>
+            <a:off x="7104112" y="3500448"/>
+            <a:ext cx="1152128" cy="432048"/>
+          </a:xfrm>
+          <a:prstGeom prst="rect">
+            <a:avLst/>
+          </a:prstGeom>
+          <a:noFill/>
+          <a:ln>
+            <a:noFill/>
+          </a:ln>
+          <a:extLst>
+            <a:ext uri="{909E8E84-426E-40DD-AFC4-6F175D3DCCD1}">
+              <a14:hiddenFill xmlns:a14="http://schemas.microsoft.com/office/drawing/2010/main">
+                <a:solidFill>
+                  <a:srgbClr val="FFFFFF"/>
+                </a:solidFill>
+              </a14:hiddenFill>
+            </a:ext>
+            <a:ext uri="{91240B29-F687-4F45-9708-019B960494DF}">
+              <a14:hiddenLine xmlns:a14="http://schemas.microsoft.com/office/drawing/2010/main" w="9525">
+                <a:solidFill>
+                  <a:srgbClr val="000000"/>
+                </a:solidFill>
+                <a:miter lim="800000"/>
+                <a:headEnd/>
+                <a:tailEnd/>
+              </a14:hiddenLine>
+            </a:ext>
+          </a:extLst>
+        </p:spPr>
+        <p:txBody>
+          <a:bodyPr vert="horz" wrap="square" lIns="91440" tIns="45720" rIns="91440" bIns="45720" numCol="1" anchor="t" anchorCtr="0" compatLnSpc="1">
+            <a:prstTxWarp prst="textNoShape">
+              <a:avLst/>
+            </a:prstTxWarp>
+          </a:bodyPr>
+          <a:lstStyle>
+            <a:lvl1pPr marL="228600" indent="-228600" algn="l" rtl="0" eaLnBrk="0" fontAlgn="base" hangingPunct="0">
+              <a:lnSpc>
+                <a:spcPct val="90000"/>
+              </a:lnSpc>
+              <a:spcBef>
+                <a:spcPts val="1000"/>
+              </a:spcBef>
+              <a:spcAft>
+                <a:spcPct val="0"/>
+              </a:spcAft>
+              <a:buFont typeface="Arial" panose="020B0604020202020204" pitchFamily="34" charset="0"/>
+              <a:buChar char="•"/>
+              <a:defRPr sz="2800" kern="1200">
+                <a:solidFill>
+                  <a:schemeClr val="tx1"/>
+                </a:solidFill>
+                <a:latin typeface="+mn-lt"/>
+                <a:ea typeface="+mn-ea"/>
+                <a:cs typeface="+mn-cs"/>
+              </a:defRPr>
+            </a:lvl1pPr>
+            <a:lvl2pPr marL="685800" indent="-228600" algn="l" rtl="0" eaLnBrk="0" fontAlgn="base" hangingPunct="0">
+              <a:lnSpc>
+                <a:spcPct val="90000"/>
+              </a:lnSpc>
+              <a:spcBef>
+                <a:spcPts val="500"/>
+              </a:spcBef>
+              <a:spcAft>
+                <a:spcPct val="0"/>
+              </a:spcAft>
+              <a:buFont typeface="Arial" panose="020B0604020202020204" pitchFamily="34" charset="0"/>
+              <a:buChar char="•"/>
+              <a:defRPr sz="2400" kern="1200">
+                <a:solidFill>
+                  <a:schemeClr val="tx1"/>
+                </a:solidFill>
+                <a:latin typeface="+mn-lt"/>
+                <a:ea typeface="+mn-ea"/>
+                <a:cs typeface="+mn-cs"/>
+              </a:defRPr>
+            </a:lvl2pPr>
+            <a:lvl3pPr marL="1143000" indent="-228600" algn="l" rtl="0" eaLnBrk="0" fontAlgn="base" hangingPunct="0">
+              <a:lnSpc>
+                <a:spcPct val="90000"/>
+              </a:lnSpc>
+              <a:spcBef>
+                <a:spcPts val="500"/>
+              </a:spcBef>
+              <a:spcAft>
+                <a:spcPct val="0"/>
+              </a:spcAft>
+              <a:buFont typeface="Arial" panose="020B0604020202020204" pitchFamily="34" charset="0"/>
+              <a:buChar char="•"/>
+              <a:defRPr sz="2000" kern="1200">
+                <a:solidFill>
+                  <a:schemeClr val="tx1"/>
+                </a:solidFill>
+                <a:latin typeface="+mn-lt"/>
+                <a:ea typeface="+mn-ea"/>
+                <a:cs typeface="+mn-cs"/>
+              </a:defRPr>
+            </a:lvl3pPr>
+            <a:lvl4pPr marL="1600200" indent="-228600" algn="l" rtl="0" eaLnBrk="0" fontAlgn="base" hangingPunct="0">
+              <a:lnSpc>
+                <a:spcPct val="90000"/>
+              </a:lnSpc>
+              <a:spcBef>
+                <a:spcPts val="500"/>
+              </a:spcBef>
+              <a:spcAft>
+                <a:spcPct val="0"/>
+              </a:spcAft>
+              <a:buFont typeface="Arial" panose="020B0604020202020204" pitchFamily="34" charset="0"/>
+              <a:buChar char="•"/>
+              <a:defRPr kern="1200">
+                <a:solidFill>
+                  <a:schemeClr val="tx1"/>
+                </a:solidFill>
+                <a:latin typeface="+mn-lt"/>
+                <a:ea typeface="+mn-ea"/>
+                <a:cs typeface="+mn-cs"/>
+              </a:defRPr>
+            </a:lvl4pPr>
+            <a:lvl5pPr marL="2057400" indent="-228600" algn="l" rtl="0" eaLnBrk="0" fontAlgn="base" hangingPunct="0">
+              <a:lnSpc>
+                <a:spcPct val="90000"/>
+              </a:lnSpc>
+              <a:spcBef>
+                <a:spcPts val="500"/>
+              </a:spcBef>
+              <a:spcAft>
+                <a:spcPct val="0"/>
+              </a:spcAft>
+              <a:buFont typeface="Arial" panose="020B0604020202020204" pitchFamily="34" charset="0"/>
+              <a:buChar char="•"/>
+              <a:defRPr kern="1200">
+                <a:solidFill>
+                  <a:schemeClr val="tx1"/>
+                </a:solidFill>
+                <a:latin typeface="+mn-lt"/>
+                <a:ea typeface="+mn-ea"/>
+                <a:cs typeface="+mn-cs"/>
+              </a:defRPr>
+            </a:lvl5pPr>
+            <a:lvl6pPr marL="2514600" indent="-228600" algn="l" defTabSz="914400" rtl="0" eaLnBrk="1" latinLnBrk="0" hangingPunct="1">
+              <a:lnSpc>
+                <a:spcPct val="90000"/>
+              </a:lnSpc>
+              <a:spcBef>
+                <a:spcPts val="500"/>
+              </a:spcBef>
+              <a:buFont typeface="Arial" panose="020B0604020202020204" pitchFamily="34" charset="0"/>
+              <a:buChar char="•"/>
+              <a:defRPr sz="1800" kern="1200">
+                <a:solidFill>
+                  <a:schemeClr val="tx1"/>
+                </a:solidFill>
+                <a:latin typeface="+mn-lt"/>
+                <a:ea typeface="+mn-ea"/>
+                <a:cs typeface="+mn-cs"/>
+              </a:defRPr>
+            </a:lvl6pPr>
+            <a:lvl7pPr marL="2971800" indent="-228600" algn="l" defTabSz="914400" rtl="0" eaLnBrk="1" latinLnBrk="0" hangingPunct="1">
+              <a:lnSpc>
+                <a:spcPct val="90000"/>
+              </a:lnSpc>
+              <a:spcBef>
+                <a:spcPts val="500"/>
+              </a:spcBef>
+              <a:buFont typeface="Arial" panose="020B0604020202020204" pitchFamily="34" charset="0"/>
+              <a:buChar char="•"/>
+              <a:defRPr sz="1800" kern="1200">
+                <a:solidFill>
+                  <a:schemeClr val="tx1"/>
+                </a:solidFill>
+                <a:latin typeface="+mn-lt"/>
+                <a:ea typeface="+mn-ea"/>
+                <a:cs typeface="+mn-cs"/>
+              </a:defRPr>
+            </a:lvl7pPr>
+            <a:lvl8pPr marL="3429000" indent="-228600" algn="l" defTabSz="914400" rtl="0" eaLnBrk="1" latinLnBrk="0" hangingPunct="1">
+              <a:lnSpc>
+                <a:spcPct val="90000"/>
+              </a:lnSpc>
+              <a:spcBef>
+                <a:spcPts val="500"/>
+              </a:spcBef>
+              <a:buFont typeface="Arial" panose="020B0604020202020204" pitchFamily="34" charset="0"/>
+              <a:buChar char="•"/>
+              <a:defRPr sz="1800" kern="1200">
+                <a:solidFill>
+                  <a:schemeClr val="tx1"/>
+                </a:solidFill>
+                <a:latin typeface="+mn-lt"/>
+                <a:ea typeface="+mn-ea"/>
+                <a:cs typeface="+mn-cs"/>
+              </a:defRPr>
+            </a:lvl8pPr>
+            <a:lvl9pPr marL="3886200" indent="-228600" algn="l" defTabSz="914400" rtl="0" eaLnBrk="1" latinLnBrk="0" hangingPunct="1">
+              <a:lnSpc>
+                <a:spcPct val="90000"/>
+              </a:lnSpc>
+              <a:spcBef>
+                <a:spcPts val="500"/>
+              </a:spcBef>
+              <a:buFont typeface="Arial" panose="020B0604020202020204" pitchFamily="34" charset="0"/>
+              <a:buChar char="•"/>
+              <a:defRPr sz="1800" kern="1200">
+                <a:solidFill>
+                  <a:schemeClr val="tx1"/>
+                </a:solidFill>
+                <a:latin typeface="+mn-lt"/>
+                <a:ea typeface="+mn-ea"/>
+                <a:cs typeface="+mn-cs"/>
+              </a:defRPr>
+            </a:lvl9pPr>
+          </a:lstStyle>
+          <a:p>
+            <a:pPr marL="0" indent="0" eaLnBrk="1" hangingPunct="1">
+              <a:lnSpc>
+                <a:spcPct val="150000"/>
+              </a:lnSpc>
+              <a:buNone/>
+            </a:pPr>
+            <a:r>
+              <a:rPr lang="ru-RU" sz="1200" i="1" dirty="0" smtClean="0"/>
+              <a:t>Вид сверху</a:t>
+            </a:r>
+            <a:endParaRPr lang="ru-RU" altLang="ru-RU" sz="1200" i="1" dirty="0" smtClean="0">
+              <a:cs typeface="Times New Roman" panose="02020603050405020304" pitchFamily="18" charset="0"/>
+            </a:endParaRPr>
+          </a:p>
+          <a:p>
+            <a:pPr eaLnBrk="1" hangingPunct="1">
+              <a:lnSpc>
+                <a:spcPct val="150000"/>
+              </a:lnSpc>
+            </a:pPr>
+            <a:endParaRPr lang="ru-RU" altLang="ru-RU" sz="1200" i="1" dirty="0" smtClean="0">
+              <a:cs typeface="Times New Roman" panose="02020603050405020304" pitchFamily="18" charset="0"/>
+            </a:endParaRPr>
+          </a:p>
+          <a:p>
+            <a:pPr eaLnBrk="1" hangingPunct="1">
+              <a:lnSpc>
+                <a:spcPct val="150000"/>
+              </a:lnSpc>
+            </a:pPr>
+            <a:endParaRPr lang="ru-RU" altLang="ru-RU" sz="1200" i="1" dirty="0" smtClean="0">
+              <a:cs typeface="Times New Roman" panose="02020603050405020304" pitchFamily="18" charset="0"/>
+            </a:endParaRPr>
+          </a:p>
+        </p:txBody>
+      </p:sp>
+      <p:sp>
+        <p:nvSpPr>
+          <p:cNvPr id="16" name="Текст 5"/>
+          <p:cNvSpPr txBox="1">
+            <a:spLocks noChangeArrowheads="1"/>
+          </p:cNvSpPr>
+          <p:nvPr/>
+        </p:nvSpPr>
+        <p:spPr bwMode="auto">
+          <a:xfrm>
+            <a:off x="10128448" y="3519045"/>
+            <a:ext cx="1152128" cy="432048"/>
+          </a:xfrm>
+          <a:prstGeom prst="rect">
+            <a:avLst/>
+          </a:prstGeom>
+          <a:noFill/>
+          <a:ln>
+            <a:noFill/>
+          </a:ln>
+          <a:extLst>
+            <a:ext uri="{909E8E84-426E-40DD-AFC4-6F175D3DCCD1}">
+              <a14:hiddenFill xmlns:a14="http://schemas.microsoft.com/office/drawing/2010/main">
+                <a:solidFill>
+                  <a:srgbClr val="FFFFFF"/>
+                </a:solidFill>
+              </a14:hiddenFill>
+            </a:ext>
+            <a:ext uri="{91240B29-F687-4F45-9708-019B960494DF}">
+              <a14:hiddenLine xmlns:a14="http://schemas.microsoft.com/office/drawing/2010/main" w="9525">
+                <a:solidFill>
+                  <a:srgbClr val="000000"/>
+                </a:solidFill>
+                <a:miter lim="800000"/>
+                <a:headEnd/>
+                <a:tailEnd/>
+              </a14:hiddenLine>
+            </a:ext>
+          </a:extLst>
+        </p:spPr>
+        <p:txBody>
+          <a:bodyPr vert="horz" wrap="square" lIns="91440" tIns="45720" rIns="91440" bIns="45720" numCol="1" anchor="t" anchorCtr="0" compatLnSpc="1">
+            <a:prstTxWarp prst="textNoShape">
+              <a:avLst/>
+            </a:prstTxWarp>
+          </a:bodyPr>
+          <a:lstStyle>
+            <a:lvl1pPr marL="228600" indent="-228600" algn="l" rtl="0" eaLnBrk="0" fontAlgn="base" hangingPunct="0">
+              <a:lnSpc>
+                <a:spcPct val="90000"/>
+              </a:lnSpc>
+              <a:spcBef>
+                <a:spcPts val="1000"/>
+              </a:spcBef>
+              <a:spcAft>
+                <a:spcPct val="0"/>
+              </a:spcAft>
+              <a:buFont typeface="Arial" panose="020B0604020202020204" pitchFamily="34" charset="0"/>
+              <a:buChar char="•"/>
+              <a:defRPr sz="2800" kern="1200">
+                <a:solidFill>
+                  <a:schemeClr val="tx1"/>
+                </a:solidFill>
+                <a:latin typeface="+mn-lt"/>
+                <a:ea typeface="+mn-ea"/>
+                <a:cs typeface="+mn-cs"/>
+              </a:defRPr>
+            </a:lvl1pPr>
+            <a:lvl2pPr marL="685800" indent="-228600" algn="l" rtl="0" eaLnBrk="0" fontAlgn="base" hangingPunct="0">
+              <a:lnSpc>
+                <a:spcPct val="90000"/>
+              </a:lnSpc>
+              <a:spcBef>
+                <a:spcPts val="500"/>
+              </a:spcBef>
+              <a:spcAft>
+                <a:spcPct val="0"/>
+              </a:spcAft>
+              <a:buFont typeface="Arial" panose="020B0604020202020204" pitchFamily="34" charset="0"/>
+              <a:buChar char="•"/>
+              <a:defRPr sz="2400" kern="1200">
+                <a:solidFill>
+                  <a:schemeClr val="tx1"/>
+                </a:solidFill>
+                <a:latin typeface="+mn-lt"/>
+                <a:ea typeface="+mn-ea"/>
+                <a:cs typeface="+mn-cs"/>
+              </a:defRPr>
+            </a:lvl2pPr>
+            <a:lvl3pPr marL="1143000" indent="-228600" algn="l" rtl="0" eaLnBrk="0" fontAlgn="base" hangingPunct="0">
+              <a:lnSpc>
+                <a:spcPct val="90000"/>
+              </a:lnSpc>
+              <a:spcBef>
+                <a:spcPts val="500"/>
+              </a:spcBef>
+              <a:spcAft>
+                <a:spcPct val="0"/>
+              </a:spcAft>
+              <a:buFont typeface="Arial" panose="020B0604020202020204" pitchFamily="34" charset="0"/>
+              <a:buChar char="•"/>
+              <a:defRPr sz="2000" kern="1200">
+                <a:solidFill>
+                  <a:schemeClr val="tx1"/>
+                </a:solidFill>
+                <a:latin typeface="+mn-lt"/>
+                <a:ea typeface="+mn-ea"/>
+                <a:cs typeface="+mn-cs"/>
+              </a:defRPr>
+            </a:lvl3pPr>
+            <a:lvl4pPr marL="1600200" indent="-228600" algn="l" rtl="0" eaLnBrk="0" fontAlgn="base" hangingPunct="0">
+              <a:lnSpc>
+                <a:spcPct val="90000"/>
+              </a:lnSpc>
+              <a:spcBef>
+                <a:spcPts val="500"/>
+              </a:spcBef>
+              <a:spcAft>
+                <a:spcPct val="0"/>
+              </a:spcAft>
+              <a:buFont typeface="Arial" panose="020B0604020202020204" pitchFamily="34" charset="0"/>
+              <a:buChar char="•"/>
+              <a:defRPr kern="1200">
+                <a:solidFill>
+                  <a:schemeClr val="tx1"/>
+                </a:solidFill>
+                <a:latin typeface="+mn-lt"/>
+                <a:ea typeface="+mn-ea"/>
+                <a:cs typeface="+mn-cs"/>
+              </a:defRPr>
+            </a:lvl4pPr>
+            <a:lvl5pPr marL="2057400" indent="-228600" algn="l" rtl="0" eaLnBrk="0" fontAlgn="base" hangingPunct="0">
+              <a:lnSpc>
+                <a:spcPct val="90000"/>
+              </a:lnSpc>
+              <a:spcBef>
+                <a:spcPts val="500"/>
+              </a:spcBef>
+              <a:spcAft>
+                <a:spcPct val="0"/>
+              </a:spcAft>
+              <a:buFont typeface="Arial" panose="020B0604020202020204" pitchFamily="34" charset="0"/>
+              <a:buChar char="•"/>
+              <a:defRPr kern="1200">
+                <a:solidFill>
+                  <a:schemeClr val="tx1"/>
+                </a:solidFill>
+                <a:latin typeface="+mn-lt"/>
+                <a:ea typeface="+mn-ea"/>
+                <a:cs typeface="+mn-cs"/>
+              </a:defRPr>
+            </a:lvl5pPr>
+            <a:lvl6pPr marL="2514600" indent="-228600" algn="l" defTabSz="914400" rtl="0" eaLnBrk="1" latinLnBrk="0" hangingPunct="1">
+              <a:lnSpc>
+                <a:spcPct val="90000"/>
+              </a:lnSpc>
+              <a:spcBef>
+                <a:spcPts val="500"/>
+              </a:spcBef>
+              <a:buFont typeface="Arial" panose="020B0604020202020204" pitchFamily="34" charset="0"/>
+              <a:buChar char="•"/>
+              <a:defRPr sz="1800" kern="1200">
+                <a:solidFill>
+                  <a:schemeClr val="tx1"/>
+                </a:solidFill>
+                <a:latin typeface="+mn-lt"/>
+                <a:ea typeface="+mn-ea"/>
+                <a:cs typeface="+mn-cs"/>
+              </a:defRPr>
+            </a:lvl6pPr>
+            <a:lvl7pPr marL="2971800" indent="-228600" algn="l" defTabSz="914400" rtl="0" eaLnBrk="1" latinLnBrk="0" hangingPunct="1">
+              <a:lnSpc>
+                <a:spcPct val="90000"/>
+              </a:lnSpc>
+              <a:spcBef>
+                <a:spcPts val="500"/>
+              </a:spcBef>
+              <a:buFont typeface="Arial" panose="020B0604020202020204" pitchFamily="34" charset="0"/>
+              <a:buChar char="•"/>
+              <a:defRPr sz="1800" kern="1200">
+                <a:solidFill>
+                  <a:schemeClr val="tx1"/>
+                </a:solidFill>
+                <a:latin typeface="+mn-lt"/>
+                <a:ea typeface="+mn-ea"/>
+                <a:cs typeface="+mn-cs"/>
+              </a:defRPr>
+            </a:lvl7pPr>
+            <a:lvl8pPr marL="3429000" indent="-228600" algn="l" defTabSz="914400" rtl="0" eaLnBrk="1" latinLnBrk="0" hangingPunct="1">
+              <a:lnSpc>
+                <a:spcPct val="90000"/>
+              </a:lnSpc>
+              <a:spcBef>
+                <a:spcPts val="500"/>
+              </a:spcBef>
+              <a:buFont typeface="Arial" panose="020B0604020202020204" pitchFamily="34" charset="0"/>
+              <a:buChar char="•"/>
+              <a:defRPr sz="1800" kern="1200">
+                <a:solidFill>
+                  <a:schemeClr val="tx1"/>
+                </a:solidFill>
+                <a:latin typeface="+mn-lt"/>
+                <a:ea typeface="+mn-ea"/>
+                <a:cs typeface="+mn-cs"/>
+              </a:defRPr>
+            </a:lvl8pPr>
+            <a:lvl9pPr marL="3886200" indent="-228600" algn="l" defTabSz="914400" rtl="0" eaLnBrk="1" latinLnBrk="0" hangingPunct="1">
+              <a:lnSpc>
+                <a:spcPct val="90000"/>
+              </a:lnSpc>
+              <a:spcBef>
+                <a:spcPts val="500"/>
+              </a:spcBef>
+              <a:buFont typeface="Arial" panose="020B0604020202020204" pitchFamily="34" charset="0"/>
+              <a:buChar char="•"/>
+              <a:defRPr sz="1800" kern="1200">
+                <a:solidFill>
+                  <a:schemeClr val="tx1"/>
+                </a:solidFill>
+                <a:latin typeface="+mn-lt"/>
+                <a:ea typeface="+mn-ea"/>
+                <a:cs typeface="+mn-cs"/>
+              </a:defRPr>
+            </a:lvl9pPr>
+          </a:lstStyle>
+          <a:p>
+            <a:pPr marL="0" indent="0" eaLnBrk="1" hangingPunct="1">
+              <a:lnSpc>
+                <a:spcPct val="150000"/>
+              </a:lnSpc>
+              <a:buNone/>
+            </a:pPr>
+            <a:r>
+              <a:rPr lang="ru-RU" sz="1200" i="1" dirty="0" smtClean="0"/>
+              <a:t>Вид сбоку</a:t>
+            </a:r>
+            <a:endParaRPr lang="ru-RU" altLang="ru-RU" sz="1200" i="1" dirty="0" smtClean="0">
+              <a:cs typeface="Times New Roman" panose="02020603050405020304" pitchFamily="18" charset="0"/>
+            </a:endParaRPr>
+          </a:p>
+          <a:p>
+            <a:pPr eaLnBrk="1" hangingPunct="1">
+              <a:lnSpc>
+                <a:spcPct val="150000"/>
+              </a:lnSpc>
+            </a:pPr>
+            <a:endParaRPr lang="ru-RU" altLang="ru-RU" sz="1200" i="1" dirty="0" smtClean="0">
+              <a:cs typeface="Times New Roman" panose="02020603050405020304" pitchFamily="18" charset="0"/>
+            </a:endParaRPr>
+          </a:p>
+          <a:p>
+            <a:pPr eaLnBrk="1" hangingPunct="1">
+              <a:lnSpc>
+                <a:spcPct val="150000"/>
+              </a:lnSpc>
+            </a:pPr>
+            <a:endParaRPr lang="ru-RU" altLang="ru-RU" sz="1200" i="1" dirty="0" smtClean="0">
+              <a:cs typeface="Times New Roman" panose="02020603050405020304" pitchFamily="18" charset="0"/>
+            </a:endParaRPr>
+          </a:p>
+        </p:txBody>
+      </p:sp>
+      <p:pic>
+        <p:nvPicPr>
+          <p:cNvPr id="5" name="Рисунок 4"/>
+          <p:cNvPicPr>
+            <a:picLocks noChangeAspect="1"/>
+          </p:cNvPicPr>
+          <p:nvPr/>
+        </p:nvPicPr>
+        <p:blipFill>
+          <a:blip r:embed="rId5"/>
+          <a:stretch>
+            <a:fillRect/>
+          </a:stretch>
+        </p:blipFill>
+        <p:spPr>
+          <a:xfrm>
+            <a:off x="7455157" y="4186496"/>
+            <a:ext cx="3563715" cy="2169854"/>
+          </a:xfrm>
+          <a:prstGeom prst="rect">
+            <a:avLst/>
+          </a:prstGeom>
+        </p:spPr>
+      </p:pic>
+      <p:sp>
+        <p:nvSpPr>
+          <p:cNvPr id="18" name="Текст 5"/>
+          <p:cNvSpPr txBox="1">
+            <a:spLocks noChangeArrowheads="1"/>
+          </p:cNvSpPr>
+          <p:nvPr/>
+        </p:nvSpPr>
+        <p:spPr bwMode="auto">
+          <a:xfrm>
+            <a:off x="7968208" y="6319154"/>
+            <a:ext cx="3681403" cy="432048"/>
+          </a:xfrm>
+          <a:prstGeom prst="rect">
+            <a:avLst/>
+          </a:prstGeom>
+          <a:noFill/>
+          <a:ln>
+            <a:noFill/>
+          </a:ln>
+          <a:extLst>
+            <a:ext uri="{909E8E84-426E-40DD-AFC4-6F175D3DCCD1}">
+              <a14:hiddenFill xmlns:a14="http://schemas.microsoft.com/office/drawing/2010/main">
+                <a:solidFill>
+                  <a:srgbClr val="FFFFFF"/>
+                </a:solidFill>
+              </a14:hiddenFill>
+            </a:ext>
+            <a:ext uri="{91240B29-F687-4F45-9708-019B960494DF}">
+              <a14:hiddenLine xmlns:a14="http://schemas.microsoft.com/office/drawing/2010/main" w="9525">
+                <a:solidFill>
+                  <a:srgbClr val="000000"/>
+                </a:solidFill>
+                <a:miter lim="800000"/>
+                <a:headEnd/>
+                <a:tailEnd/>
+              </a14:hiddenLine>
+            </a:ext>
+          </a:extLst>
+        </p:spPr>
+        <p:txBody>
+          <a:bodyPr vert="horz" wrap="square" lIns="91440" tIns="45720" rIns="91440" bIns="45720" numCol="1" anchor="t" anchorCtr="0" compatLnSpc="1">
+            <a:prstTxWarp prst="textNoShape">
+              <a:avLst/>
+            </a:prstTxWarp>
+          </a:bodyPr>
+          <a:lstStyle>
+            <a:lvl1pPr marL="228600" indent="-228600" algn="l" rtl="0" eaLnBrk="0" fontAlgn="base" hangingPunct="0">
+              <a:lnSpc>
+                <a:spcPct val="90000"/>
+              </a:lnSpc>
+              <a:spcBef>
+                <a:spcPts val="1000"/>
+              </a:spcBef>
+              <a:spcAft>
+                <a:spcPct val="0"/>
+              </a:spcAft>
+              <a:buFont typeface="Arial" panose="020B0604020202020204" pitchFamily="34" charset="0"/>
+              <a:buChar char="•"/>
+              <a:defRPr sz="2800" kern="1200">
+                <a:solidFill>
+                  <a:schemeClr val="tx1"/>
+                </a:solidFill>
+                <a:latin typeface="+mn-lt"/>
+                <a:ea typeface="+mn-ea"/>
+                <a:cs typeface="+mn-cs"/>
+              </a:defRPr>
+            </a:lvl1pPr>
+            <a:lvl2pPr marL="685800" indent="-228600" algn="l" rtl="0" eaLnBrk="0" fontAlgn="base" hangingPunct="0">
+              <a:lnSpc>
+                <a:spcPct val="90000"/>
+              </a:lnSpc>
+              <a:spcBef>
+                <a:spcPts val="500"/>
+              </a:spcBef>
+              <a:spcAft>
+                <a:spcPct val="0"/>
+              </a:spcAft>
+              <a:buFont typeface="Arial" panose="020B0604020202020204" pitchFamily="34" charset="0"/>
+              <a:buChar char="•"/>
+              <a:defRPr sz="2400" kern="1200">
+                <a:solidFill>
+                  <a:schemeClr val="tx1"/>
+                </a:solidFill>
+                <a:latin typeface="+mn-lt"/>
+                <a:ea typeface="+mn-ea"/>
+                <a:cs typeface="+mn-cs"/>
+              </a:defRPr>
+            </a:lvl2pPr>
+            <a:lvl3pPr marL="1143000" indent="-228600" algn="l" rtl="0" eaLnBrk="0" fontAlgn="base" hangingPunct="0">
+              <a:lnSpc>
+                <a:spcPct val="90000"/>
+              </a:lnSpc>
+              <a:spcBef>
+                <a:spcPts val="500"/>
+              </a:spcBef>
+              <a:spcAft>
+                <a:spcPct val="0"/>
+              </a:spcAft>
+              <a:buFont typeface="Arial" panose="020B0604020202020204" pitchFamily="34" charset="0"/>
+              <a:buChar char="•"/>
+              <a:defRPr sz="2000" kern="1200">
+                <a:solidFill>
+                  <a:schemeClr val="tx1"/>
+                </a:solidFill>
+                <a:latin typeface="+mn-lt"/>
+                <a:ea typeface="+mn-ea"/>
+                <a:cs typeface="+mn-cs"/>
+              </a:defRPr>
+            </a:lvl3pPr>
+            <a:lvl4pPr marL="1600200" indent="-228600" algn="l" rtl="0" eaLnBrk="0" fontAlgn="base" hangingPunct="0">
+              <a:lnSpc>
+                <a:spcPct val="90000"/>
+              </a:lnSpc>
+              <a:spcBef>
+                <a:spcPts val="500"/>
+              </a:spcBef>
+              <a:spcAft>
+                <a:spcPct val="0"/>
+              </a:spcAft>
+              <a:buFont typeface="Arial" panose="020B0604020202020204" pitchFamily="34" charset="0"/>
+              <a:buChar char="•"/>
+              <a:defRPr kern="1200">
+                <a:solidFill>
+                  <a:schemeClr val="tx1"/>
+                </a:solidFill>
+                <a:latin typeface="+mn-lt"/>
+                <a:ea typeface="+mn-ea"/>
+                <a:cs typeface="+mn-cs"/>
+              </a:defRPr>
+            </a:lvl4pPr>
+            <a:lvl5pPr marL="2057400" indent="-228600" algn="l" rtl="0" eaLnBrk="0" fontAlgn="base" hangingPunct="0">
+              <a:lnSpc>
+                <a:spcPct val="90000"/>
+              </a:lnSpc>
+              <a:spcBef>
+                <a:spcPts val="500"/>
+              </a:spcBef>
+              <a:spcAft>
+                <a:spcPct val="0"/>
+              </a:spcAft>
+              <a:buFont typeface="Arial" panose="020B0604020202020204" pitchFamily="34" charset="0"/>
+              <a:buChar char="•"/>
+              <a:defRPr kern="1200">
+                <a:solidFill>
+                  <a:schemeClr val="tx1"/>
+                </a:solidFill>
+                <a:latin typeface="+mn-lt"/>
+                <a:ea typeface="+mn-ea"/>
+                <a:cs typeface="+mn-cs"/>
+              </a:defRPr>
+            </a:lvl5pPr>
+            <a:lvl6pPr marL="2514600" indent="-228600" algn="l" defTabSz="914400" rtl="0" eaLnBrk="1" latinLnBrk="0" hangingPunct="1">
+              <a:lnSpc>
+                <a:spcPct val="90000"/>
+              </a:lnSpc>
+              <a:spcBef>
+                <a:spcPts val="500"/>
+              </a:spcBef>
+              <a:buFont typeface="Arial" panose="020B0604020202020204" pitchFamily="34" charset="0"/>
+              <a:buChar char="•"/>
+              <a:defRPr sz="1800" kern="1200">
+                <a:solidFill>
+                  <a:schemeClr val="tx1"/>
+                </a:solidFill>
+                <a:latin typeface="+mn-lt"/>
+                <a:ea typeface="+mn-ea"/>
+                <a:cs typeface="+mn-cs"/>
+              </a:defRPr>
+            </a:lvl6pPr>
+            <a:lvl7pPr marL="2971800" indent="-228600" algn="l" defTabSz="914400" rtl="0" eaLnBrk="1" latinLnBrk="0" hangingPunct="1">
+              <a:lnSpc>
+                <a:spcPct val="90000"/>
+              </a:lnSpc>
+              <a:spcBef>
+                <a:spcPts val="500"/>
+              </a:spcBef>
+              <a:buFont typeface="Arial" panose="020B0604020202020204" pitchFamily="34" charset="0"/>
+              <a:buChar char="•"/>
+              <a:defRPr sz="1800" kern="1200">
+                <a:solidFill>
+                  <a:schemeClr val="tx1"/>
+                </a:solidFill>
+                <a:latin typeface="+mn-lt"/>
+                <a:ea typeface="+mn-ea"/>
+                <a:cs typeface="+mn-cs"/>
+              </a:defRPr>
+            </a:lvl7pPr>
+            <a:lvl8pPr marL="3429000" indent="-228600" algn="l" defTabSz="914400" rtl="0" eaLnBrk="1" latinLnBrk="0" hangingPunct="1">
+              <a:lnSpc>
+                <a:spcPct val="90000"/>
+              </a:lnSpc>
+              <a:spcBef>
+                <a:spcPts val="500"/>
+              </a:spcBef>
+              <a:buFont typeface="Arial" panose="020B0604020202020204" pitchFamily="34" charset="0"/>
+              <a:buChar char="•"/>
+              <a:defRPr sz="1800" kern="1200">
+                <a:solidFill>
+                  <a:schemeClr val="tx1"/>
+                </a:solidFill>
+                <a:latin typeface="+mn-lt"/>
+                <a:ea typeface="+mn-ea"/>
+                <a:cs typeface="+mn-cs"/>
+              </a:defRPr>
+            </a:lvl8pPr>
+            <a:lvl9pPr marL="3886200" indent="-228600" algn="l" defTabSz="914400" rtl="0" eaLnBrk="1" latinLnBrk="0" hangingPunct="1">
+              <a:lnSpc>
+                <a:spcPct val="90000"/>
+              </a:lnSpc>
+              <a:spcBef>
+                <a:spcPts val="500"/>
+              </a:spcBef>
+              <a:buFont typeface="Arial" panose="020B0604020202020204" pitchFamily="34" charset="0"/>
+              <a:buChar char="•"/>
+              <a:defRPr sz="1800" kern="1200">
+                <a:solidFill>
+                  <a:schemeClr val="tx1"/>
+                </a:solidFill>
+                <a:latin typeface="+mn-lt"/>
+                <a:ea typeface="+mn-ea"/>
+                <a:cs typeface="+mn-cs"/>
+              </a:defRPr>
+            </a:lvl9pPr>
+          </a:lstStyle>
+          <a:p>
+            <a:pPr marL="0" indent="0" eaLnBrk="1" hangingPunct="1">
+              <a:lnSpc>
+                <a:spcPct val="150000"/>
+              </a:lnSpc>
+              <a:buNone/>
+            </a:pPr>
+            <a:r>
+              <a:rPr lang="ru-RU" sz="1200" i="1" dirty="0" smtClean="0"/>
+              <a:t>График изменения скорости спутника</a:t>
+            </a:r>
+            <a:endParaRPr lang="ru-RU" altLang="ru-RU" sz="1200" i="1" dirty="0" smtClean="0">
+              <a:cs typeface="Times New Roman" panose="02020603050405020304" pitchFamily="18" charset="0"/>
+            </a:endParaRPr>
+          </a:p>
+          <a:p>
+            <a:pPr eaLnBrk="1" hangingPunct="1">
+              <a:lnSpc>
+                <a:spcPct val="150000"/>
+              </a:lnSpc>
+            </a:pPr>
+            <a:endParaRPr lang="ru-RU" altLang="ru-RU" sz="1200" i="1" dirty="0" smtClean="0">
+              <a:cs typeface="Times New Roman" panose="02020603050405020304" pitchFamily="18" charset="0"/>
+            </a:endParaRPr>
+          </a:p>
+          <a:p>
+            <a:pPr eaLnBrk="1" hangingPunct="1">
+              <a:lnSpc>
+                <a:spcPct val="150000"/>
+              </a:lnSpc>
+            </a:pPr>
+            <a:endParaRPr lang="ru-RU" altLang="ru-RU" sz="1200" i="1" dirty="0" smtClean="0">
+              <a:cs typeface="Times New Roman" panose="02020603050405020304" pitchFamily="18" charset="0"/>
+            </a:endParaRPr>
+          </a:p>
+        </p:txBody>
+      </p:sp>
     </p:spTree>
   </p:cSld>
   <p:clrMapOvr>
@@ -18080,107 +19594,6 @@
           </a:p>
         </p:txBody>
       </p:sp>
-      <p:pic>
-        <p:nvPicPr>
-          <p:cNvPr id="13315" name="Picture 4"/>
-          <p:cNvPicPr>
-            <a:picLocks noChangeAspect="1" noChangeArrowheads="1"/>
-          </p:cNvPicPr>
-          <p:nvPr/>
-        </p:nvPicPr>
-        <p:blipFill>
-          <a:blip r:embed="rId2">
-            <a:extLst>
-              <a:ext uri="{28A0092B-C50C-407E-A947-70E740481C1C}">
-                <a14:useLocalDpi xmlns:a14="http://schemas.microsoft.com/office/drawing/2010/main" val="0"/>
-              </a:ext>
-            </a:extLst>
-          </a:blip>
-          <a:srcRect/>
-          <a:stretch>
-            <a:fillRect/>
-          </a:stretch>
-        </p:blipFill>
-        <p:spPr bwMode="auto">
-          <a:xfrm>
-            <a:off x="-6350" y="7938"/>
-            <a:ext cx="1757363" cy="1700212"/>
-          </a:xfrm>
-          <a:prstGeom prst="rect">
-            <a:avLst/>
-          </a:prstGeom>
-          <a:noFill/>
-          <a:ln>
-            <a:noFill/>
-          </a:ln>
-          <a:effectLst/>
-          <a:extLst>
-            <a:ext uri="{909E8E84-426E-40DD-AFC4-6F175D3DCCD1}">
-              <a14:hiddenFill xmlns:a14="http://schemas.microsoft.com/office/drawing/2010/main">
-                <a:blipFill dpi="0" rotWithShape="0">
-                  <a:blip/>
-                  <a:srcRect/>
-                  <a:stretch>
-                    <a:fillRect/>
-                  </a:stretch>
-                </a:blipFill>
-              </a14:hiddenFill>
-            </a:ext>
-            <a:ext uri="{91240B29-F687-4F45-9708-019B960494DF}">
-              <a14:hiddenLine xmlns:a14="http://schemas.microsoft.com/office/drawing/2010/main" w="9525">
-                <a:solidFill>
-                  <a:srgbClr val="808080"/>
-                </a:solidFill>
-                <a:round/>
-                <a:headEnd/>
-                <a:tailEnd/>
-              </a14:hiddenLine>
-            </a:ext>
-            <a:ext uri="{AF507438-7753-43E0-B8FC-AC1667EBCBE1}">
-              <a14:hiddenEffects xmlns:a14="http://schemas.microsoft.com/office/drawing/2010/main">
-                <a:effectLst>
-                  <a:outerShdw dist="35921" dir="2700000" algn="ctr" rotWithShape="0">
-                    <a:srgbClr val="808080"/>
-                  </a:outerShdw>
-                </a:effectLst>
-              </a14:hiddenEffects>
-            </a:ext>
-          </a:extLst>
-        </p:spPr>
-      </p:pic>
-      <p:sp>
-        <p:nvSpPr>
-          <p:cNvPr id="13316" name="Rectangle 2"/>
-          <p:cNvSpPr>
-            <a:spLocks noGrp="1" noChangeArrowheads="1"/>
-          </p:cNvSpPr>
-          <p:nvPr>
-            <p:ph type="title"/>
-          </p:nvPr>
-        </p:nvSpPr>
-        <p:spPr>
-          <a:xfrm>
-            <a:off x="2711450" y="692150"/>
-            <a:ext cx="8229600" cy="668338"/>
-          </a:xfrm>
-        </p:spPr>
-        <p:txBody>
-          <a:bodyPr/>
-          <a:lstStyle/>
-          <a:p>
-            <a:pPr algn="ctr" eaLnBrk="1" hangingPunct="1"/>
-            <a:r>
-              <a:rPr lang="ru-RU" altLang="ru-RU" sz="3200" dirty="0"/>
-              <a:t>Моделирование этюдов. </a:t>
-            </a:r>
-            <a:r>
-              <a:rPr lang="ru-RU" altLang="ru-RU" sz="3200" b="1" dirty="0" smtClean="0"/>
-              <a:t>Второй</a:t>
-            </a:r>
-            <a:endParaRPr lang="ru-RU" altLang="ru-RU" sz="3200" dirty="0" smtClean="0"/>
-          </a:p>
-        </p:txBody>
-      </p:sp>
       <p:sp>
         <p:nvSpPr>
           <p:cNvPr id="5" name="Текст 5"/>
@@ -18192,7 +19605,7 @@
         <p:spPr bwMode="auto">
           <a:xfrm>
             <a:off x="768986" y="1893810"/>
-            <a:ext cx="5112568" cy="3191374"/>
+            <a:ext cx="5112568" cy="2342956"/>
           </a:xfrm>
           <a:prstGeom prst="rect">
             <a:avLst/>
@@ -18416,7 +19829,7 @@
             </a:pPr>
             <a:r>
               <a:rPr lang="ru-RU" sz="1600" dirty="0" smtClean="0"/>
-              <a:t>Описание этюда (+как находили параметры фазы Луны). </a:t>
+              <a:t>Описание этюда </a:t>
             </a:r>
           </a:p>
           <a:p>
@@ -18459,25 +19872,10 @@
               <a:buChar char="-"/>
             </a:pPr>
             <a:r>
-              <a:rPr lang="ru-RU" altLang="ru-RU" sz="1600" b="1" dirty="0" smtClean="0">
+              <a:rPr lang="ru-RU" altLang="ru-RU" sz="1600" dirty="0" smtClean="0">
                 <a:cs typeface="Times New Roman" panose="02020603050405020304" pitchFamily="18" charset="0"/>
               </a:rPr>
               <a:t>Затрачено топливо</a:t>
-            </a:r>
-          </a:p>
-          <a:p>
-            <a:pPr eaLnBrk="1" hangingPunct="1">
-              <a:lnSpc>
-                <a:spcPct val="150000"/>
-              </a:lnSpc>
-              <a:buFontTx/>
-              <a:buChar char="-"/>
-            </a:pPr>
-            <a:r>
-              <a:rPr lang="ru-RU" altLang="ru-RU" sz="1600" b="1" dirty="0" smtClean="0">
-                <a:cs typeface="Times New Roman" panose="02020603050405020304" pitchFamily="18" charset="0"/>
-              </a:rPr>
-              <a:t>2 графика (изменение скорости и траектория)</a:t>
             </a:r>
           </a:p>
         </p:txBody>
@@ -18736,7 +20134,7 @@
                   <a:schemeClr val="bg1"/>
                 </a:solidFill>
               </a:rPr>
-              <a:t>Уравнения движения(стереть силы у спутника)</a:t>
+              <a:t>Моделирование этюдов. Второй</a:t>
             </a:r>
             <a:endParaRPr lang="ru-RU" altLang="ru-RU" sz="3200" b="1" dirty="0" smtClean="0">
               <a:solidFill>
@@ -18814,6 +20212,1174 @@
           </a:extLst>
         </p:spPr>
       </p:pic>
+      <p:pic>
+        <p:nvPicPr>
+          <p:cNvPr id="3" name="Рисунок 2"/>
+          <p:cNvPicPr>
+            <a:picLocks noChangeAspect="1"/>
+          </p:cNvPicPr>
+          <p:nvPr/>
+        </p:nvPicPr>
+        <p:blipFill>
+          <a:blip r:embed="rId3"/>
+          <a:stretch>
+            <a:fillRect/>
+          </a:stretch>
+        </p:blipFill>
+        <p:spPr>
+          <a:xfrm>
+            <a:off x="5706133" y="1196752"/>
+            <a:ext cx="3559730" cy="2903559"/>
+          </a:xfrm>
+          <a:prstGeom prst="rect">
+            <a:avLst/>
+          </a:prstGeom>
+        </p:spPr>
+      </p:pic>
+      <p:pic>
+        <p:nvPicPr>
+          <p:cNvPr id="4" name="Рисунок 3"/>
+          <p:cNvPicPr>
+            <a:picLocks noChangeAspect="1"/>
+          </p:cNvPicPr>
+          <p:nvPr/>
+        </p:nvPicPr>
+        <p:blipFill>
+          <a:blip r:embed="rId4"/>
+          <a:stretch>
+            <a:fillRect/>
+          </a:stretch>
+        </p:blipFill>
+        <p:spPr>
+          <a:xfrm>
+            <a:off x="9048328" y="1294194"/>
+            <a:ext cx="3024336" cy="2479955"/>
+          </a:xfrm>
+          <a:prstGeom prst="rect">
+            <a:avLst/>
+          </a:prstGeom>
+        </p:spPr>
+      </p:pic>
+      <p:sp>
+        <p:nvSpPr>
+          <p:cNvPr id="13" name="Текст 5"/>
+          <p:cNvSpPr txBox="1">
+            <a:spLocks noChangeArrowheads="1"/>
+          </p:cNvSpPr>
+          <p:nvPr/>
+        </p:nvSpPr>
+        <p:spPr bwMode="auto">
+          <a:xfrm>
+            <a:off x="7104112" y="3500448"/>
+            <a:ext cx="1152128" cy="432048"/>
+          </a:xfrm>
+          <a:prstGeom prst="rect">
+            <a:avLst/>
+          </a:prstGeom>
+          <a:noFill/>
+          <a:ln>
+            <a:noFill/>
+          </a:ln>
+          <a:extLst>
+            <a:ext uri="{909E8E84-426E-40DD-AFC4-6F175D3DCCD1}">
+              <a14:hiddenFill xmlns:a14="http://schemas.microsoft.com/office/drawing/2010/main">
+                <a:solidFill>
+                  <a:srgbClr val="FFFFFF"/>
+                </a:solidFill>
+              </a14:hiddenFill>
+            </a:ext>
+            <a:ext uri="{91240B29-F687-4F45-9708-019B960494DF}">
+              <a14:hiddenLine xmlns:a14="http://schemas.microsoft.com/office/drawing/2010/main" w="9525">
+                <a:solidFill>
+                  <a:srgbClr val="000000"/>
+                </a:solidFill>
+                <a:miter lim="800000"/>
+                <a:headEnd/>
+                <a:tailEnd/>
+              </a14:hiddenLine>
+            </a:ext>
+          </a:extLst>
+        </p:spPr>
+        <p:txBody>
+          <a:bodyPr vert="horz" wrap="square" lIns="91440" tIns="45720" rIns="91440" bIns="45720" numCol="1" anchor="t" anchorCtr="0" compatLnSpc="1">
+            <a:prstTxWarp prst="textNoShape">
+              <a:avLst/>
+            </a:prstTxWarp>
+          </a:bodyPr>
+          <a:lstStyle>
+            <a:lvl1pPr marL="228600" indent="-228600" algn="l" rtl="0" eaLnBrk="0" fontAlgn="base" hangingPunct="0">
+              <a:lnSpc>
+                <a:spcPct val="90000"/>
+              </a:lnSpc>
+              <a:spcBef>
+                <a:spcPts val="1000"/>
+              </a:spcBef>
+              <a:spcAft>
+                <a:spcPct val="0"/>
+              </a:spcAft>
+              <a:buFont typeface="Arial" panose="020B0604020202020204" pitchFamily="34" charset="0"/>
+              <a:buChar char="•"/>
+              <a:defRPr sz="2800" kern="1200">
+                <a:solidFill>
+                  <a:schemeClr val="tx1"/>
+                </a:solidFill>
+                <a:latin typeface="+mn-lt"/>
+                <a:ea typeface="+mn-ea"/>
+                <a:cs typeface="+mn-cs"/>
+              </a:defRPr>
+            </a:lvl1pPr>
+            <a:lvl2pPr marL="685800" indent="-228600" algn="l" rtl="0" eaLnBrk="0" fontAlgn="base" hangingPunct="0">
+              <a:lnSpc>
+                <a:spcPct val="90000"/>
+              </a:lnSpc>
+              <a:spcBef>
+                <a:spcPts val="500"/>
+              </a:spcBef>
+              <a:spcAft>
+                <a:spcPct val="0"/>
+              </a:spcAft>
+              <a:buFont typeface="Arial" panose="020B0604020202020204" pitchFamily="34" charset="0"/>
+              <a:buChar char="•"/>
+              <a:defRPr sz="2400" kern="1200">
+                <a:solidFill>
+                  <a:schemeClr val="tx1"/>
+                </a:solidFill>
+                <a:latin typeface="+mn-lt"/>
+                <a:ea typeface="+mn-ea"/>
+                <a:cs typeface="+mn-cs"/>
+              </a:defRPr>
+            </a:lvl2pPr>
+            <a:lvl3pPr marL="1143000" indent="-228600" algn="l" rtl="0" eaLnBrk="0" fontAlgn="base" hangingPunct="0">
+              <a:lnSpc>
+                <a:spcPct val="90000"/>
+              </a:lnSpc>
+              <a:spcBef>
+                <a:spcPts val="500"/>
+              </a:spcBef>
+              <a:spcAft>
+                <a:spcPct val="0"/>
+              </a:spcAft>
+              <a:buFont typeface="Arial" panose="020B0604020202020204" pitchFamily="34" charset="0"/>
+              <a:buChar char="•"/>
+              <a:defRPr sz="2000" kern="1200">
+                <a:solidFill>
+                  <a:schemeClr val="tx1"/>
+                </a:solidFill>
+                <a:latin typeface="+mn-lt"/>
+                <a:ea typeface="+mn-ea"/>
+                <a:cs typeface="+mn-cs"/>
+              </a:defRPr>
+            </a:lvl3pPr>
+            <a:lvl4pPr marL="1600200" indent="-228600" algn="l" rtl="0" eaLnBrk="0" fontAlgn="base" hangingPunct="0">
+              <a:lnSpc>
+                <a:spcPct val="90000"/>
+              </a:lnSpc>
+              <a:spcBef>
+                <a:spcPts val="500"/>
+              </a:spcBef>
+              <a:spcAft>
+                <a:spcPct val="0"/>
+              </a:spcAft>
+              <a:buFont typeface="Arial" panose="020B0604020202020204" pitchFamily="34" charset="0"/>
+              <a:buChar char="•"/>
+              <a:defRPr kern="1200">
+                <a:solidFill>
+                  <a:schemeClr val="tx1"/>
+                </a:solidFill>
+                <a:latin typeface="+mn-lt"/>
+                <a:ea typeface="+mn-ea"/>
+                <a:cs typeface="+mn-cs"/>
+              </a:defRPr>
+            </a:lvl4pPr>
+            <a:lvl5pPr marL="2057400" indent="-228600" algn="l" rtl="0" eaLnBrk="0" fontAlgn="base" hangingPunct="0">
+              <a:lnSpc>
+                <a:spcPct val="90000"/>
+              </a:lnSpc>
+              <a:spcBef>
+                <a:spcPts val="500"/>
+              </a:spcBef>
+              <a:spcAft>
+                <a:spcPct val="0"/>
+              </a:spcAft>
+              <a:buFont typeface="Arial" panose="020B0604020202020204" pitchFamily="34" charset="0"/>
+              <a:buChar char="•"/>
+              <a:defRPr kern="1200">
+                <a:solidFill>
+                  <a:schemeClr val="tx1"/>
+                </a:solidFill>
+                <a:latin typeface="+mn-lt"/>
+                <a:ea typeface="+mn-ea"/>
+                <a:cs typeface="+mn-cs"/>
+              </a:defRPr>
+            </a:lvl5pPr>
+            <a:lvl6pPr marL="2514600" indent="-228600" algn="l" defTabSz="914400" rtl="0" eaLnBrk="1" latinLnBrk="0" hangingPunct="1">
+              <a:lnSpc>
+                <a:spcPct val="90000"/>
+              </a:lnSpc>
+              <a:spcBef>
+                <a:spcPts val="500"/>
+              </a:spcBef>
+              <a:buFont typeface="Arial" panose="020B0604020202020204" pitchFamily="34" charset="0"/>
+              <a:buChar char="•"/>
+              <a:defRPr sz="1800" kern="1200">
+                <a:solidFill>
+                  <a:schemeClr val="tx1"/>
+                </a:solidFill>
+                <a:latin typeface="+mn-lt"/>
+                <a:ea typeface="+mn-ea"/>
+                <a:cs typeface="+mn-cs"/>
+              </a:defRPr>
+            </a:lvl6pPr>
+            <a:lvl7pPr marL="2971800" indent="-228600" algn="l" defTabSz="914400" rtl="0" eaLnBrk="1" latinLnBrk="0" hangingPunct="1">
+              <a:lnSpc>
+                <a:spcPct val="90000"/>
+              </a:lnSpc>
+              <a:spcBef>
+                <a:spcPts val="500"/>
+              </a:spcBef>
+              <a:buFont typeface="Arial" panose="020B0604020202020204" pitchFamily="34" charset="0"/>
+              <a:buChar char="•"/>
+              <a:defRPr sz="1800" kern="1200">
+                <a:solidFill>
+                  <a:schemeClr val="tx1"/>
+                </a:solidFill>
+                <a:latin typeface="+mn-lt"/>
+                <a:ea typeface="+mn-ea"/>
+                <a:cs typeface="+mn-cs"/>
+              </a:defRPr>
+            </a:lvl7pPr>
+            <a:lvl8pPr marL="3429000" indent="-228600" algn="l" defTabSz="914400" rtl="0" eaLnBrk="1" latinLnBrk="0" hangingPunct="1">
+              <a:lnSpc>
+                <a:spcPct val="90000"/>
+              </a:lnSpc>
+              <a:spcBef>
+                <a:spcPts val="500"/>
+              </a:spcBef>
+              <a:buFont typeface="Arial" panose="020B0604020202020204" pitchFamily="34" charset="0"/>
+              <a:buChar char="•"/>
+              <a:defRPr sz="1800" kern="1200">
+                <a:solidFill>
+                  <a:schemeClr val="tx1"/>
+                </a:solidFill>
+                <a:latin typeface="+mn-lt"/>
+                <a:ea typeface="+mn-ea"/>
+                <a:cs typeface="+mn-cs"/>
+              </a:defRPr>
+            </a:lvl8pPr>
+            <a:lvl9pPr marL="3886200" indent="-228600" algn="l" defTabSz="914400" rtl="0" eaLnBrk="1" latinLnBrk="0" hangingPunct="1">
+              <a:lnSpc>
+                <a:spcPct val="90000"/>
+              </a:lnSpc>
+              <a:spcBef>
+                <a:spcPts val="500"/>
+              </a:spcBef>
+              <a:buFont typeface="Arial" panose="020B0604020202020204" pitchFamily="34" charset="0"/>
+              <a:buChar char="•"/>
+              <a:defRPr sz="1800" kern="1200">
+                <a:solidFill>
+                  <a:schemeClr val="tx1"/>
+                </a:solidFill>
+                <a:latin typeface="+mn-lt"/>
+                <a:ea typeface="+mn-ea"/>
+                <a:cs typeface="+mn-cs"/>
+              </a:defRPr>
+            </a:lvl9pPr>
+          </a:lstStyle>
+          <a:p>
+            <a:pPr marL="0" indent="0" eaLnBrk="1" hangingPunct="1">
+              <a:lnSpc>
+                <a:spcPct val="150000"/>
+              </a:lnSpc>
+              <a:buNone/>
+            </a:pPr>
+            <a:r>
+              <a:rPr lang="ru-RU" sz="1200" i="1" dirty="0" smtClean="0"/>
+              <a:t>Вид сверху</a:t>
+            </a:r>
+            <a:endParaRPr lang="ru-RU" altLang="ru-RU" sz="1200" i="1" dirty="0" smtClean="0">
+              <a:cs typeface="Times New Roman" panose="02020603050405020304" pitchFamily="18" charset="0"/>
+            </a:endParaRPr>
+          </a:p>
+          <a:p>
+            <a:pPr eaLnBrk="1" hangingPunct="1">
+              <a:lnSpc>
+                <a:spcPct val="150000"/>
+              </a:lnSpc>
+            </a:pPr>
+            <a:endParaRPr lang="ru-RU" altLang="ru-RU" sz="1200" i="1" dirty="0" smtClean="0">
+              <a:cs typeface="Times New Roman" panose="02020603050405020304" pitchFamily="18" charset="0"/>
+            </a:endParaRPr>
+          </a:p>
+          <a:p>
+            <a:pPr eaLnBrk="1" hangingPunct="1">
+              <a:lnSpc>
+                <a:spcPct val="150000"/>
+              </a:lnSpc>
+            </a:pPr>
+            <a:endParaRPr lang="ru-RU" altLang="ru-RU" sz="1200" i="1" dirty="0" smtClean="0">
+              <a:cs typeface="Times New Roman" panose="02020603050405020304" pitchFamily="18" charset="0"/>
+            </a:endParaRPr>
+          </a:p>
+        </p:txBody>
+      </p:sp>
+      <p:sp>
+        <p:nvSpPr>
+          <p:cNvPr id="14" name="Текст 5"/>
+          <p:cNvSpPr txBox="1">
+            <a:spLocks noChangeArrowheads="1"/>
+          </p:cNvSpPr>
+          <p:nvPr/>
+        </p:nvSpPr>
+        <p:spPr bwMode="auto">
+          <a:xfrm>
+            <a:off x="10128448" y="3519045"/>
+            <a:ext cx="1152128" cy="432048"/>
+          </a:xfrm>
+          <a:prstGeom prst="rect">
+            <a:avLst/>
+          </a:prstGeom>
+          <a:noFill/>
+          <a:ln>
+            <a:noFill/>
+          </a:ln>
+          <a:extLst>
+            <a:ext uri="{909E8E84-426E-40DD-AFC4-6F175D3DCCD1}">
+              <a14:hiddenFill xmlns:a14="http://schemas.microsoft.com/office/drawing/2010/main">
+                <a:solidFill>
+                  <a:srgbClr val="FFFFFF"/>
+                </a:solidFill>
+              </a14:hiddenFill>
+            </a:ext>
+            <a:ext uri="{91240B29-F687-4F45-9708-019B960494DF}">
+              <a14:hiddenLine xmlns:a14="http://schemas.microsoft.com/office/drawing/2010/main" w="9525">
+                <a:solidFill>
+                  <a:srgbClr val="000000"/>
+                </a:solidFill>
+                <a:miter lim="800000"/>
+                <a:headEnd/>
+                <a:tailEnd/>
+              </a14:hiddenLine>
+            </a:ext>
+          </a:extLst>
+        </p:spPr>
+        <p:txBody>
+          <a:bodyPr vert="horz" wrap="square" lIns="91440" tIns="45720" rIns="91440" bIns="45720" numCol="1" anchor="t" anchorCtr="0" compatLnSpc="1">
+            <a:prstTxWarp prst="textNoShape">
+              <a:avLst/>
+            </a:prstTxWarp>
+          </a:bodyPr>
+          <a:lstStyle>
+            <a:lvl1pPr marL="228600" indent="-228600" algn="l" rtl="0" eaLnBrk="0" fontAlgn="base" hangingPunct="0">
+              <a:lnSpc>
+                <a:spcPct val="90000"/>
+              </a:lnSpc>
+              <a:spcBef>
+                <a:spcPts val="1000"/>
+              </a:spcBef>
+              <a:spcAft>
+                <a:spcPct val="0"/>
+              </a:spcAft>
+              <a:buFont typeface="Arial" panose="020B0604020202020204" pitchFamily="34" charset="0"/>
+              <a:buChar char="•"/>
+              <a:defRPr sz="2800" kern="1200">
+                <a:solidFill>
+                  <a:schemeClr val="tx1"/>
+                </a:solidFill>
+                <a:latin typeface="+mn-lt"/>
+                <a:ea typeface="+mn-ea"/>
+                <a:cs typeface="+mn-cs"/>
+              </a:defRPr>
+            </a:lvl1pPr>
+            <a:lvl2pPr marL="685800" indent="-228600" algn="l" rtl="0" eaLnBrk="0" fontAlgn="base" hangingPunct="0">
+              <a:lnSpc>
+                <a:spcPct val="90000"/>
+              </a:lnSpc>
+              <a:spcBef>
+                <a:spcPts val="500"/>
+              </a:spcBef>
+              <a:spcAft>
+                <a:spcPct val="0"/>
+              </a:spcAft>
+              <a:buFont typeface="Arial" panose="020B0604020202020204" pitchFamily="34" charset="0"/>
+              <a:buChar char="•"/>
+              <a:defRPr sz="2400" kern="1200">
+                <a:solidFill>
+                  <a:schemeClr val="tx1"/>
+                </a:solidFill>
+                <a:latin typeface="+mn-lt"/>
+                <a:ea typeface="+mn-ea"/>
+                <a:cs typeface="+mn-cs"/>
+              </a:defRPr>
+            </a:lvl2pPr>
+            <a:lvl3pPr marL="1143000" indent="-228600" algn="l" rtl="0" eaLnBrk="0" fontAlgn="base" hangingPunct="0">
+              <a:lnSpc>
+                <a:spcPct val="90000"/>
+              </a:lnSpc>
+              <a:spcBef>
+                <a:spcPts val="500"/>
+              </a:spcBef>
+              <a:spcAft>
+                <a:spcPct val="0"/>
+              </a:spcAft>
+              <a:buFont typeface="Arial" panose="020B0604020202020204" pitchFamily="34" charset="0"/>
+              <a:buChar char="•"/>
+              <a:defRPr sz="2000" kern="1200">
+                <a:solidFill>
+                  <a:schemeClr val="tx1"/>
+                </a:solidFill>
+                <a:latin typeface="+mn-lt"/>
+                <a:ea typeface="+mn-ea"/>
+                <a:cs typeface="+mn-cs"/>
+              </a:defRPr>
+            </a:lvl3pPr>
+            <a:lvl4pPr marL="1600200" indent="-228600" algn="l" rtl="0" eaLnBrk="0" fontAlgn="base" hangingPunct="0">
+              <a:lnSpc>
+                <a:spcPct val="90000"/>
+              </a:lnSpc>
+              <a:spcBef>
+                <a:spcPts val="500"/>
+              </a:spcBef>
+              <a:spcAft>
+                <a:spcPct val="0"/>
+              </a:spcAft>
+              <a:buFont typeface="Arial" panose="020B0604020202020204" pitchFamily="34" charset="0"/>
+              <a:buChar char="•"/>
+              <a:defRPr kern="1200">
+                <a:solidFill>
+                  <a:schemeClr val="tx1"/>
+                </a:solidFill>
+                <a:latin typeface="+mn-lt"/>
+                <a:ea typeface="+mn-ea"/>
+                <a:cs typeface="+mn-cs"/>
+              </a:defRPr>
+            </a:lvl4pPr>
+            <a:lvl5pPr marL="2057400" indent="-228600" algn="l" rtl="0" eaLnBrk="0" fontAlgn="base" hangingPunct="0">
+              <a:lnSpc>
+                <a:spcPct val="90000"/>
+              </a:lnSpc>
+              <a:spcBef>
+                <a:spcPts val="500"/>
+              </a:spcBef>
+              <a:spcAft>
+                <a:spcPct val="0"/>
+              </a:spcAft>
+              <a:buFont typeface="Arial" panose="020B0604020202020204" pitchFamily="34" charset="0"/>
+              <a:buChar char="•"/>
+              <a:defRPr kern="1200">
+                <a:solidFill>
+                  <a:schemeClr val="tx1"/>
+                </a:solidFill>
+                <a:latin typeface="+mn-lt"/>
+                <a:ea typeface="+mn-ea"/>
+                <a:cs typeface="+mn-cs"/>
+              </a:defRPr>
+            </a:lvl5pPr>
+            <a:lvl6pPr marL="2514600" indent="-228600" algn="l" defTabSz="914400" rtl="0" eaLnBrk="1" latinLnBrk="0" hangingPunct="1">
+              <a:lnSpc>
+                <a:spcPct val="90000"/>
+              </a:lnSpc>
+              <a:spcBef>
+                <a:spcPts val="500"/>
+              </a:spcBef>
+              <a:buFont typeface="Arial" panose="020B0604020202020204" pitchFamily="34" charset="0"/>
+              <a:buChar char="•"/>
+              <a:defRPr sz="1800" kern="1200">
+                <a:solidFill>
+                  <a:schemeClr val="tx1"/>
+                </a:solidFill>
+                <a:latin typeface="+mn-lt"/>
+                <a:ea typeface="+mn-ea"/>
+                <a:cs typeface="+mn-cs"/>
+              </a:defRPr>
+            </a:lvl6pPr>
+            <a:lvl7pPr marL="2971800" indent="-228600" algn="l" defTabSz="914400" rtl="0" eaLnBrk="1" latinLnBrk="0" hangingPunct="1">
+              <a:lnSpc>
+                <a:spcPct val="90000"/>
+              </a:lnSpc>
+              <a:spcBef>
+                <a:spcPts val="500"/>
+              </a:spcBef>
+              <a:buFont typeface="Arial" panose="020B0604020202020204" pitchFamily="34" charset="0"/>
+              <a:buChar char="•"/>
+              <a:defRPr sz="1800" kern="1200">
+                <a:solidFill>
+                  <a:schemeClr val="tx1"/>
+                </a:solidFill>
+                <a:latin typeface="+mn-lt"/>
+                <a:ea typeface="+mn-ea"/>
+                <a:cs typeface="+mn-cs"/>
+              </a:defRPr>
+            </a:lvl7pPr>
+            <a:lvl8pPr marL="3429000" indent="-228600" algn="l" defTabSz="914400" rtl="0" eaLnBrk="1" latinLnBrk="0" hangingPunct="1">
+              <a:lnSpc>
+                <a:spcPct val="90000"/>
+              </a:lnSpc>
+              <a:spcBef>
+                <a:spcPts val="500"/>
+              </a:spcBef>
+              <a:buFont typeface="Arial" panose="020B0604020202020204" pitchFamily="34" charset="0"/>
+              <a:buChar char="•"/>
+              <a:defRPr sz="1800" kern="1200">
+                <a:solidFill>
+                  <a:schemeClr val="tx1"/>
+                </a:solidFill>
+                <a:latin typeface="+mn-lt"/>
+                <a:ea typeface="+mn-ea"/>
+                <a:cs typeface="+mn-cs"/>
+              </a:defRPr>
+            </a:lvl8pPr>
+            <a:lvl9pPr marL="3886200" indent="-228600" algn="l" defTabSz="914400" rtl="0" eaLnBrk="1" latinLnBrk="0" hangingPunct="1">
+              <a:lnSpc>
+                <a:spcPct val="90000"/>
+              </a:lnSpc>
+              <a:spcBef>
+                <a:spcPts val="500"/>
+              </a:spcBef>
+              <a:buFont typeface="Arial" panose="020B0604020202020204" pitchFamily="34" charset="0"/>
+              <a:buChar char="•"/>
+              <a:defRPr sz="1800" kern="1200">
+                <a:solidFill>
+                  <a:schemeClr val="tx1"/>
+                </a:solidFill>
+                <a:latin typeface="+mn-lt"/>
+                <a:ea typeface="+mn-ea"/>
+                <a:cs typeface="+mn-cs"/>
+              </a:defRPr>
+            </a:lvl9pPr>
+          </a:lstStyle>
+          <a:p>
+            <a:pPr marL="0" indent="0" eaLnBrk="1" hangingPunct="1">
+              <a:lnSpc>
+                <a:spcPct val="150000"/>
+              </a:lnSpc>
+              <a:buNone/>
+            </a:pPr>
+            <a:r>
+              <a:rPr lang="ru-RU" sz="1200" i="1" dirty="0" smtClean="0"/>
+              <a:t>Вид сбоку</a:t>
+            </a:r>
+            <a:endParaRPr lang="ru-RU" altLang="ru-RU" sz="1200" i="1" dirty="0" smtClean="0">
+              <a:cs typeface="Times New Roman" panose="02020603050405020304" pitchFamily="18" charset="0"/>
+            </a:endParaRPr>
+          </a:p>
+          <a:p>
+            <a:pPr eaLnBrk="1" hangingPunct="1">
+              <a:lnSpc>
+                <a:spcPct val="150000"/>
+              </a:lnSpc>
+            </a:pPr>
+            <a:endParaRPr lang="ru-RU" altLang="ru-RU" sz="1200" i="1" dirty="0" smtClean="0">
+              <a:cs typeface="Times New Roman" panose="02020603050405020304" pitchFamily="18" charset="0"/>
+            </a:endParaRPr>
+          </a:p>
+          <a:p>
+            <a:pPr eaLnBrk="1" hangingPunct="1">
+              <a:lnSpc>
+                <a:spcPct val="150000"/>
+              </a:lnSpc>
+            </a:pPr>
+            <a:endParaRPr lang="ru-RU" altLang="ru-RU" sz="1200" i="1" dirty="0" smtClean="0">
+              <a:cs typeface="Times New Roman" panose="02020603050405020304" pitchFamily="18" charset="0"/>
+            </a:endParaRPr>
+          </a:p>
+        </p:txBody>
+      </p:sp>
+      <p:pic>
+        <p:nvPicPr>
+          <p:cNvPr id="16" name="Рисунок 15"/>
+          <p:cNvPicPr>
+            <a:picLocks noChangeAspect="1"/>
+          </p:cNvPicPr>
+          <p:nvPr/>
+        </p:nvPicPr>
+        <p:blipFill>
+          <a:blip r:embed="rId5"/>
+          <a:stretch>
+            <a:fillRect/>
+          </a:stretch>
+        </p:blipFill>
+        <p:spPr>
+          <a:xfrm>
+            <a:off x="7392144" y="4245194"/>
+            <a:ext cx="3487596" cy="2092558"/>
+          </a:xfrm>
+          <a:prstGeom prst="rect">
+            <a:avLst/>
+          </a:prstGeom>
+        </p:spPr>
+      </p:pic>
+      <p:sp>
+        <p:nvSpPr>
+          <p:cNvPr id="17" name="Текст 5"/>
+          <p:cNvSpPr txBox="1">
+            <a:spLocks noChangeArrowheads="1"/>
+          </p:cNvSpPr>
+          <p:nvPr/>
+        </p:nvSpPr>
+        <p:spPr bwMode="auto">
+          <a:xfrm>
+            <a:off x="3436670" y="6319154"/>
+            <a:ext cx="3681403" cy="432048"/>
+          </a:xfrm>
+          <a:prstGeom prst="rect">
+            <a:avLst/>
+          </a:prstGeom>
+          <a:noFill/>
+          <a:ln>
+            <a:noFill/>
+          </a:ln>
+          <a:extLst>
+            <a:ext uri="{909E8E84-426E-40DD-AFC4-6F175D3DCCD1}">
+              <a14:hiddenFill xmlns:a14="http://schemas.microsoft.com/office/drawing/2010/main">
+                <a:solidFill>
+                  <a:srgbClr val="FFFFFF"/>
+                </a:solidFill>
+              </a14:hiddenFill>
+            </a:ext>
+            <a:ext uri="{91240B29-F687-4F45-9708-019B960494DF}">
+              <a14:hiddenLine xmlns:a14="http://schemas.microsoft.com/office/drawing/2010/main" w="9525">
+                <a:solidFill>
+                  <a:srgbClr val="000000"/>
+                </a:solidFill>
+                <a:miter lim="800000"/>
+                <a:headEnd/>
+                <a:tailEnd/>
+              </a14:hiddenLine>
+            </a:ext>
+          </a:extLst>
+        </p:spPr>
+        <p:txBody>
+          <a:bodyPr vert="horz" wrap="square" lIns="91440" tIns="45720" rIns="91440" bIns="45720" numCol="1" anchor="t" anchorCtr="0" compatLnSpc="1">
+            <a:prstTxWarp prst="textNoShape">
+              <a:avLst/>
+            </a:prstTxWarp>
+          </a:bodyPr>
+          <a:lstStyle>
+            <a:lvl1pPr marL="228600" indent="-228600" algn="l" rtl="0" eaLnBrk="0" fontAlgn="base" hangingPunct="0">
+              <a:lnSpc>
+                <a:spcPct val="90000"/>
+              </a:lnSpc>
+              <a:spcBef>
+                <a:spcPts val="1000"/>
+              </a:spcBef>
+              <a:spcAft>
+                <a:spcPct val="0"/>
+              </a:spcAft>
+              <a:buFont typeface="Arial" panose="020B0604020202020204" pitchFamily="34" charset="0"/>
+              <a:buChar char="•"/>
+              <a:defRPr sz="2800" kern="1200">
+                <a:solidFill>
+                  <a:schemeClr val="tx1"/>
+                </a:solidFill>
+                <a:latin typeface="+mn-lt"/>
+                <a:ea typeface="+mn-ea"/>
+                <a:cs typeface="+mn-cs"/>
+              </a:defRPr>
+            </a:lvl1pPr>
+            <a:lvl2pPr marL="685800" indent="-228600" algn="l" rtl="0" eaLnBrk="0" fontAlgn="base" hangingPunct="0">
+              <a:lnSpc>
+                <a:spcPct val="90000"/>
+              </a:lnSpc>
+              <a:spcBef>
+                <a:spcPts val="500"/>
+              </a:spcBef>
+              <a:spcAft>
+                <a:spcPct val="0"/>
+              </a:spcAft>
+              <a:buFont typeface="Arial" panose="020B0604020202020204" pitchFamily="34" charset="0"/>
+              <a:buChar char="•"/>
+              <a:defRPr sz="2400" kern="1200">
+                <a:solidFill>
+                  <a:schemeClr val="tx1"/>
+                </a:solidFill>
+                <a:latin typeface="+mn-lt"/>
+                <a:ea typeface="+mn-ea"/>
+                <a:cs typeface="+mn-cs"/>
+              </a:defRPr>
+            </a:lvl2pPr>
+            <a:lvl3pPr marL="1143000" indent="-228600" algn="l" rtl="0" eaLnBrk="0" fontAlgn="base" hangingPunct="0">
+              <a:lnSpc>
+                <a:spcPct val="90000"/>
+              </a:lnSpc>
+              <a:spcBef>
+                <a:spcPts val="500"/>
+              </a:spcBef>
+              <a:spcAft>
+                <a:spcPct val="0"/>
+              </a:spcAft>
+              <a:buFont typeface="Arial" panose="020B0604020202020204" pitchFamily="34" charset="0"/>
+              <a:buChar char="•"/>
+              <a:defRPr sz="2000" kern="1200">
+                <a:solidFill>
+                  <a:schemeClr val="tx1"/>
+                </a:solidFill>
+                <a:latin typeface="+mn-lt"/>
+                <a:ea typeface="+mn-ea"/>
+                <a:cs typeface="+mn-cs"/>
+              </a:defRPr>
+            </a:lvl3pPr>
+            <a:lvl4pPr marL="1600200" indent="-228600" algn="l" rtl="0" eaLnBrk="0" fontAlgn="base" hangingPunct="0">
+              <a:lnSpc>
+                <a:spcPct val="90000"/>
+              </a:lnSpc>
+              <a:spcBef>
+                <a:spcPts val="500"/>
+              </a:spcBef>
+              <a:spcAft>
+                <a:spcPct val="0"/>
+              </a:spcAft>
+              <a:buFont typeface="Arial" panose="020B0604020202020204" pitchFamily="34" charset="0"/>
+              <a:buChar char="•"/>
+              <a:defRPr kern="1200">
+                <a:solidFill>
+                  <a:schemeClr val="tx1"/>
+                </a:solidFill>
+                <a:latin typeface="+mn-lt"/>
+                <a:ea typeface="+mn-ea"/>
+                <a:cs typeface="+mn-cs"/>
+              </a:defRPr>
+            </a:lvl4pPr>
+            <a:lvl5pPr marL="2057400" indent="-228600" algn="l" rtl="0" eaLnBrk="0" fontAlgn="base" hangingPunct="0">
+              <a:lnSpc>
+                <a:spcPct val="90000"/>
+              </a:lnSpc>
+              <a:spcBef>
+                <a:spcPts val="500"/>
+              </a:spcBef>
+              <a:spcAft>
+                <a:spcPct val="0"/>
+              </a:spcAft>
+              <a:buFont typeface="Arial" panose="020B0604020202020204" pitchFamily="34" charset="0"/>
+              <a:buChar char="•"/>
+              <a:defRPr kern="1200">
+                <a:solidFill>
+                  <a:schemeClr val="tx1"/>
+                </a:solidFill>
+                <a:latin typeface="+mn-lt"/>
+                <a:ea typeface="+mn-ea"/>
+                <a:cs typeface="+mn-cs"/>
+              </a:defRPr>
+            </a:lvl5pPr>
+            <a:lvl6pPr marL="2514600" indent="-228600" algn="l" defTabSz="914400" rtl="0" eaLnBrk="1" latinLnBrk="0" hangingPunct="1">
+              <a:lnSpc>
+                <a:spcPct val="90000"/>
+              </a:lnSpc>
+              <a:spcBef>
+                <a:spcPts val="500"/>
+              </a:spcBef>
+              <a:buFont typeface="Arial" panose="020B0604020202020204" pitchFamily="34" charset="0"/>
+              <a:buChar char="•"/>
+              <a:defRPr sz="1800" kern="1200">
+                <a:solidFill>
+                  <a:schemeClr val="tx1"/>
+                </a:solidFill>
+                <a:latin typeface="+mn-lt"/>
+                <a:ea typeface="+mn-ea"/>
+                <a:cs typeface="+mn-cs"/>
+              </a:defRPr>
+            </a:lvl6pPr>
+            <a:lvl7pPr marL="2971800" indent="-228600" algn="l" defTabSz="914400" rtl="0" eaLnBrk="1" latinLnBrk="0" hangingPunct="1">
+              <a:lnSpc>
+                <a:spcPct val="90000"/>
+              </a:lnSpc>
+              <a:spcBef>
+                <a:spcPts val="500"/>
+              </a:spcBef>
+              <a:buFont typeface="Arial" panose="020B0604020202020204" pitchFamily="34" charset="0"/>
+              <a:buChar char="•"/>
+              <a:defRPr sz="1800" kern="1200">
+                <a:solidFill>
+                  <a:schemeClr val="tx1"/>
+                </a:solidFill>
+                <a:latin typeface="+mn-lt"/>
+                <a:ea typeface="+mn-ea"/>
+                <a:cs typeface="+mn-cs"/>
+              </a:defRPr>
+            </a:lvl7pPr>
+            <a:lvl8pPr marL="3429000" indent="-228600" algn="l" defTabSz="914400" rtl="0" eaLnBrk="1" latinLnBrk="0" hangingPunct="1">
+              <a:lnSpc>
+                <a:spcPct val="90000"/>
+              </a:lnSpc>
+              <a:spcBef>
+                <a:spcPts val="500"/>
+              </a:spcBef>
+              <a:buFont typeface="Arial" panose="020B0604020202020204" pitchFamily="34" charset="0"/>
+              <a:buChar char="•"/>
+              <a:defRPr sz="1800" kern="1200">
+                <a:solidFill>
+                  <a:schemeClr val="tx1"/>
+                </a:solidFill>
+                <a:latin typeface="+mn-lt"/>
+                <a:ea typeface="+mn-ea"/>
+                <a:cs typeface="+mn-cs"/>
+              </a:defRPr>
+            </a:lvl8pPr>
+            <a:lvl9pPr marL="3886200" indent="-228600" algn="l" defTabSz="914400" rtl="0" eaLnBrk="1" latinLnBrk="0" hangingPunct="1">
+              <a:lnSpc>
+                <a:spcPct val="90000"/>
+              </a:lnSpc>
+              <a:spcBef>
+                <a:spcPts val="500"/>
+              </a:spcBef>
+              <a:buFont typeface="Arial" panose="020B0604020202020204" pitchFamily="34" charset="0"/>
+              <a:buChar char="•"/>
+              <a:defRPr sz="1800" kern="1200">
+                <a:solidFill>
+                  <a:schemeClr val="tx1"/>
+                </a:solidFill>
+                <a:latin typeface="+mn-lt"/>
+                <a:ea typeface="+mn-ea"/>
+                <a:cs typeface="+mn-cs"/>
+              </a:defRPr>
+            </a:lvl9pPr>
+          </a:lstStyle>
+          <a:p>
+            <a:pPr marL="0" indent="0" eaLnBrk="1" hangingPunct="1">
+              <a:lnSpc>
+                <a:spcPct val="150000"/>
+              </a:lnSpc>
+              <a:buNone/>
+            </a:pPr>
+            <a:r>
+              <a:rPr lang="ru-RU" sz="1200" i="1" dirty="0" smtClean="0"/>
+              <a:t>График зависимости угла и финальной скорости</a:t>
+            </a:r>
+            <a:endParaRPr lang="ru-RU" altLang="ru-RU" sz="1200" i="1" dirty="0" smtClean="0">
+              <a:cs typeface="Times New Roman" panose="02020603050405020304" pitchFamily="18" charset="0"/>
+            </a:endParaRPr>
+          </a:p>
+          <a:p>
+            <a:pPr eaLnBrk="1" hangingPunct="1">
+              <a:lnSpc>
+                <a:spcPct val="150000"/>
+              </a:lnSpc>
+            </a:pPr>
+            <a:endParaRPr lang="ru-RU" altLang="ru-RU" sz="1200" i="1" dirty="0" smtClean="0">
+              <a:cs typeface="Times New Roman" panose="02020603050405020304" pitchFamily="18" charset="0"/>
+            </a:endParaRPr>
+          </a:p>
+          <a:p>
+            <a:pPr eaLnBrk="1" hangingPunct="1">
+              <a:lnSpc>
+                <a:spcPct val="150000"/>
+              </a:lnSpc>
+            </a:pPr>
+            <a:endParaRPr lang="ru-RU" altLang="ru-RU" sz="1200" i="1" dirty="0" smtClean="0">
+              <a:cs typeface="Times New Roman" panose="02020603050405020304" pitchFamily="18" charset="0"/>
+            </a:endParaRPr>
+          </a:p>
+        </p:txBody>
+      </p:sp>
+      <p:pic>
+        <p:nvPicPr>
+          <p:cNvPr id="10" name="Рисунок 9"/>
+          <p:cNvPicPr>
+            <a:picLocks noChangeAspect="1"/>
+          </p:cNvPicPr>
+          <p:nvPr/>
+        </p:nvPicPr>
+        <p:blipFill>
+          <a:blip r:embed="rId6"/>
+          <a:stretch>
+            <a:fillRect/>
+          </a:stretch>
+        </p:blipFill>
+        <p:spPr>
+          <a:xfrm>
+            <a:off x="3413224" y="4232967"/>
+            <a:ext cx="3424283" cy="2086187"/>
+          </a:xfrm>
+          <a:prstGeom prst="rect">
+            <a:avLst/>
+          </a:prstGeom>
+        </p:spPr>
+      </p:pic>
+      <p:pic>
+        <p:nvPicPr>
+          <p:cNvPr id="19" name="Рисунок 18"/>
+          <p:cNvPicPr>
+            <a:picLocks noChangeAspect="1"/>
+          </p:cNvPicPr>
+          <p:nvPr/>
+        </p:nvPicPr>
+        <p:blipFill>
+          <a:blip r:embed="rId7"/>
+          <a:stretch>
+            <a:fillRect/>
+          </a:stretch>
+        </p:blipFill>
+        <p:spPr>
+          <a:xfrm>
+            <a:off x="9912424" y="5445224"/>
+            <a:ext cx="320410" cy="339580"/>
+          </a:xfrm>
+          <a:prstGeom prst="rect">
+            <a:avLst/>
+          </a:prstGeom>
+        </p:spPr>
+      </p:pic>
+      <p:sp>
+        <p:nvSpPr>
+          <p:cNvPr id="24" name="Текст 5"/>
+          <p:cNvSpPr txBox="1">
+            <a:spLocks noChangeArrowheads="1"/>
+          </p:cNvSpPr>
+          <p:nvPr/>
+        </p:nvSpPr>
+        <p:spPr bwMode="auto">
+          <a:xfrm>
+            <a:off x="7968208" y="6319154"/>
+            <a:ext cx="3681403" cy="432048"/>
+          </a:xfrm>
+          <a:prstGeom prst="rect">
+            <a:avLst/>
+          </a:prstGeom>
+          <a:noFill/>
+          <a:ln>
+            <a:noFill/>
+          </a:ln>
+          <a:extLst>
+            <a:ext uri="{909E8E84-426E-40DD-AFC4-6F175D3DCCD1}">
+              <a14:hiddenFill xmlns:a14="http://schemas.microsoft.com/office/drawing/2010/main">
+                <a:solidFill>
+                  <a:srgbClr val="FFFFFF"/>
+                </a:solidFill>
+              </a14:hiddenFill>
+            </a:ext>
+            <a:ext uri="{91240B29-F687-4F45-9708-019B960494DF}">
+              <a14:hiddenLine xmlns:a14="http://schemas.microsoft.com/office/drawing/2010/main" w="9525">
+                <a:solidFill>
+                  <a:srgbClr val="000000"/>
+                </a:solidFill>
+                <a:miter lim="800000"/>
+                <a:headEnd/>
+                <a:tailEnd/>
+              </a14:hiddenLine>
+            </a:ext>
+          </a:extLst>
+        </p:spPr>
+        <p:txBody>
+          <a:bodyPr vert="horz" wrap="square" lIns="91440" tIns="45720" rIns="91440" bIns="45720" numCol="1" anchor="t" anchorCtr="0" compatLnSpc="1">
+            <a:prstTxWarp prst="textNoShape">
+              <a:avLst/>
+            </a:prstTxWarp>
+          </a:bodyPr>
+          <a:lstStyle>
+            <a:lvl1pPr marL="228600" indent="-228600" algn="l" rtl="0" eaLnBrk="0" fontAlgn="base" hangingPunct="0">
+              <a:lnSpc>
+                <a:spcPct val="90000"/>
+              </a:lnSpc>
+              <a:spcBef>
+                <a:spcPts val="1000"/>
+              </a:spcBef>
+              <a:spcAft>
+                <a:spcPct val="0"/>
+              </a:spcAft>
+              <a:buFont typeface="Arial" panose="020B0604020202020204" pitchFamily="34" charset="0"/>
+              <a:buChar char="•"/>
+              <a:defRPr sz="2800" kern="1200">
+                <a:solidFill>
+                  <a:schemeClr val="tx1"/>
+                </a:solidFill>
+                <a:latin typeface="+mn-lt"/>
+                <a:ea typeface="+mn-ea"/>
+                <a:cs typeface="+mn-cs"/>
+              </a:defRPr>
+            </a:lvl1pPr>
+            <a:lvl2pPr marL="685800" indent="-228600" algn="l" rtl="0" eaLnBrk="0" fontAlgn="base" hangingPunct="0">
+              <a:lnSpc>
+                <a:spcPct val="90000"/>
+              </a:lnSpc>
+              <a:spcBef>
+                <a:spcPts val="500"/>
+              </a:spcBef>
+              <a:spcAft>
+                <a:spcPct val="0"/>
+              </a:spcAft>
+              <a:buFont typeface="Arial" panose="020B0604020202020204" pitchFamily="34" charset="0"/>
+              <a:buChar char="•"/>
+              <a:defRPr sz="2400" kern="1200">
+                <a:solidFill>
+                  <a:schemeClr val="tx1"/>
+                </a:solidFill>
+                <a:latin typeface="+mn-lt"/>
+                <a:ea typeface="+mn-ea"/>
+                <a:cs typeface="+mn-cs"/>
+              </a:defRPr>
+            </a:lvl2pPr>
+            <a:lvl3pPr marL="1143000" indent="-228600" algn="l" rtl="0" eaLnBrk="0" fontAlgn="base" hangingPunct="0">
+              <a:lnSpc>
+                <a:spcPct val="90000"/>
+              </a:lnSpc>
+              <a:spcBef>
+                <a:spcPts val="500"/>
+              </a:spcBef>
+              <a:spcAft>
+                <a:spcPct val="0"/>
+              </a:spcAft>
+              <a:buFont typeface="Arial" panose="020B0604020202020204" pitchFamily="34" charset="0"/>
+              <a:buChar char="•"/>
+              <a:defRPr sz="2000" kern="1200">
+                <a:solidFill>
+                  <a:schemeClr val="tx1"/>
+                </a:solidFill>
+                <a:latin typeface="+mn-lt"/>
+                <a:ea typeface="+mn-ea"/>
+                <a:cs typeface="+mn-cs"/>
+              </a:defRPr>
+            </a:lvl3pPr>
+            <a:lvl4pPr marL="1600200" indent="-228600" algn="l" rtl="0" eaLnBrk="0" fontAlgn="base" hangingPunct="0">
+              <a:lnSpc>
+                <a:spcPct val="90000"/>
+              </a:lnSpc>
+              <a:spcBef>
+                <a:spcPts val="500"/>
+              </a:spcBef>
+              <a:spcAft>
+                <a:spcPct val="0"/>
+              </a:spcAft>
+              <a:buFont typeface="Arial" panose="020B0604020202020204" pitchFamily="34" charset="0"/>
+              <a:buChar char="•"/>
+              <a:defRPr kern="1200">
+                <a:solidFill>
+                  <a:schemeClr val="tx1"/>
+                </a:solidFill>
+                <a:latin typeface="+mn-lt"/>
+                <a:ea typeface="+mn-ea"/>
+                <a:cs typeface="+mn-cs"/>
+              </a:defRPr>
+            </a:lvl4pPr>
+            <a:lvl5pPr marL="2057400" indent="-228600" algn="l" rtl="0" eaLnBrk="0" fontAlgn="base" hangingPunct="0">
+              <a:lnSpc>
+                <a:spcPct val="90000"/>
+              </a:lnSpc>
+              <a:spcBef>
+                <a:spcPts val="500"/>
+              </a:spcBef>
+              <a:spcAft>
+                <a:spcPct val="0"/>
+              </a:spcAft>
+              <a:buFont typeface="Arial" panose="020B0604020202020204" pitchFamily="34" charset="0"/>
+              <a:buChar char="•"/>
+              <a:defRPr kern="1200">
+                <a:solidFill>
+                  <a:schemeClr val="tx1"/>
+                </a:solidFill>
+                <a:latin typeface="+mn-lt"/>
+                <a:ea typeface="+mn-ea"/>
+                <a:cs typeface="+mn-cs"/>
+              </a:defRPr>
+            </a:lvl5pPr>
+            <a:lvl6pPr marL="2514600" indent="-228600" algn="l" defTabSz="914400" rtl="0" eaLnBrk="1" latinLnBrk="0" hangingPunct="1">
+              <a:lnSpc>
+                <a:spcPct val="90000"/>
+              </a:lnSpc>
+              <a:spcBef>
+                <a:spcPts val="500"/>
+              </a:spcBef>
+              <a:buFont typeface="Arial" panose="020B0604020202020204" pitchFamily="34" charset="0"/>
+              <a:buChar char="•"/>
+              <a:defRPr sz="1800" kern="1200">
+                <a:solidFill>
+                  <a:schemeClr val="tx1"/>
+                </a:solidFill>
+                <a:latin typeface="+mn-lt"/>
+                <a:ea typeface="+mn-ea"/>
+                <a:cs typeface="+mn-cs"/>
+              </a:defRPr>
+            </a:lvl6pPr>
+            <a:lvl7pPr marL="2971800" indent="-228600" algn="l" defTabSz="914400" rtl="0" eaLnBrk="1" latinLnBrk="0" hangingPunct="1">
+              <a:lnSpc>
+                <a:spcPct val="90000"/>
+              </a:lnSpc>
+              <a:spcBef>
+                <a:spcPts val="500"/>
+              </a:spcBef>
+              <a:buFont typeface="Arial" panose="020B0604020202020204" pitchFamily="34" charset="0"/>
+              <a:buChar char="•"/>
+              <a:defRPr sz="1800" kern="1200">
+                <a:solidFill>
+                  <a:schemeClr val="tx1"/>
+                </a:solidFill>
+                <a:latin typeface="+mn-lt"/>
+                <a:ea typeface="+mn-ea"/>
+                <a:cs typeface="+mn-cs"/>
+              </a:defRPr>
+            </a:lvl7pPr>
+            <a:lvl8pPr marL="3429000" indent="-228600" algn="l" defTabSz="914400" rtl="0" eaLnBrk="1" latinLnBrk="0" hangingPunct="1">
+              <a:lnSpc>
+                <a:spcPct val="90000"/>
+              </a:lnSpc>
+              <a:spcBef>
+                <a:spcPts val="500"/>
+              </a:spcBef>
+              <a:buFont typeface="Arial" panose="020B0604020202020204" pitchFamily="34" charset="0"/>
+              <a:buChar char="•"/>
+              <a:defRPr sz="1800" kern="1200">
+                <a:solidFill>
+                  <a:schemeClr val="tx1"/>
+                </a:solidFill>
+                <a:latin typeface="+mn-lt"/>
+                <a:ea typeface="+mn-ea"/>
+                <a:cs typeface="+mn-cs"/>
+              </a:defRPr>
+            </a:lvl8pPr>
+            <a:lvl9pPr marL="3886200" indent="-228600" algn="l" defTabSz="914400" rtl="0" eaLnBrk="1" latinLnBrk="0" hangingPunct="1">
+              <a:lnSpc>
+                <a:spcPct val="90000"/>
+              </a:lnSpc>
+              <a:spcBef>
+                <a:spcPts val="500"/>
+              </a:spcBef>
+              <a:buFont typeface="Arial" panose="020B0604020202020204" pitchFamily="34" charset="0"/>
+              <a:buChar char="•"/>
+              <a:defRPr sz="1800" kern="1200">
+                <a:solidFill>
+                  <a:schemeClr val="tx1"/>
+                </a:solidFill>
+                <a:latin typeface="+mn-lt"/>
+                <a:ea typeface="+mn-ea"/>
+                <a:cs typeface="+mn-cs"/>
+              </a:defRPr>
+            </a:lvl9pPr>
+          </a:lstStyle>
+          <a:p>
+            <a:pPr marL="0" indent="0" eaLnBrk="1" hangingPunct="1">
+              <a:lnSpc>
+                <a:spcPct val="150000"/>
+              </a:lnSpc>
+              <a:buNone/>
+            </a:pPr>
+            <a:r>
+              <a:rPr lang="ru-RU" sz="1200" i="1" dirty="0" smtClean="0"/>
+              <a:t>График изменения скорости спутника</a:t>
+            </a:r>
+            <a:endParaRPr lang="ru-RU" altLang="ru-RU" sz="1200" i="1" dirty="0" smtClean="0">
+              <a:cs typeface="Times New Roman" panose="02020603050405020304" pitchFamily="18" charset="0"/>
+            </a:endParaRPr>
+          </a:p>
+          <a:p>
+            <a:pPr eaLnBrk="1" hangingPunct="1">
+              <a:lnSpc>
+                <a:spcPct val="150000"/>
+              </a:lnSpc>
+            </a:pPr>
+            <a:endParaRPr lang="ru-RU" altLang="ru-RU" sz="1200" i="1" dirty="0" smtClean="0">
+              <a:cs typeface="Times New Roman" panose="02020603050405020304" pitchFamily="18" charset="0"/>
+            </a:endParaRPr>
+          </a:p>
+          <a:p>
+            <a:pPr eaLnBrk="1" hangingPunct="1">
+              <a:lnSpc>
+                <a:spcPct val="150000"/>
+              </a:lnSpc>
+            </a:pPr>
+            <a:endParaRPr lang="ru-RU" altLang="ru-RU" sz="1200" i="1" dirty="0" smtClean="0">
+              <a:cs typeface="Times New Roman" panose="02020603050405020304" pitchFamily="18" charset="0"/>
+            </a:endParaRPr>
+          </a:p>
+        </p:txBody>
+      </p:sp>
     </p:spTree>
   </p:cSld>
   <p:clrMapOvr>

--- a/Mikheev-K_V.pptx
+++ b/Mikheev-K_V.pptx
@@ -20279,7 +20279,7 @@
         </p:blipFill>
         <p:spPr>
           <a:xfrm>
-            <a:off x="8999848" y="1485244"/>
+            <a:off x="8976320" y="1484784"/>
             <a:ext cx="2833264" cy="2316942"/>
           </a:xfrm>
           <a:prstGeom prst="rect">

--- a/Mikheev-K_V.pptx
+++ b/Mikheev-K_V.pptx
@@ -7487,11 +7487,6 @@
               </a:rPr>
               <a:t>Сравнение результатов</a:t>
             </a:r>
-            <a:endParaRPr lang="ru-RU" altLang="ru-RU" sz="3200" b="1" dirty="0" smtClean="0">
-              <a:solidFill>
-                <a:schemeClr val="bg1"/>
-              </a:solidFill>
-            </a:endParaRPr>
           </a:p>
         </p:txBody>
       </p:sp>
@@ -8380,8 +8375,8 @@
           </a:p>
         </p:txBody>
       </p:sp>
-      <mc:AlternateContent xmlns:mc="http://schemas.openxmlformats.org/markup-compatibility/2006">
-        <mc:Choice xmlns:a14="http://schemas.microsoft.com/office/drawing/2010/main" Requires="a14">
+      <mc:AlternateContent xmlns:mc="http://schemas.openxmlformats.org/markup-compatibility/2006" xmlns:a14="http://schemas.microsoft.com/office/drawing/2010/main">
+        <mc:Choice Requires="a14">
           <p:sp>
             <p:nvSpPr>
               <p:cNvPr id="17" name="Прямоугольник 16"/>
@@ -8410,6 +8405,7 @@
               </a:bodyPr>
               <a:lstStyle/>
               <a:p>
+                <a:pPr/>
                 <a14:m>
                   <m:oMathPara xmlns:m="http://schemas.openxmlformats.org/officeDocument/2006/math">
                     <m:oMathParaPr>
@@ -8532,7 +8528,7 @@
             </p:txBody>
           </p:sp>
         </mc:Choice>
-        <mc:Fallback>
+        <mc:Fallback xmlns="">
           <p:sp>
             <p:nvSpPr>
               <p:cNvPr id="17" name="Прямоугольник 16"/>
@@ -11111,11 +11107,6 @@
               </a:rPr>
               <a:t>Проблема</a:t>
             </a:r>
-            <a:endParaRPr lang="ru-RU" altLang="ru-RU" sz="3200" b="1" dirty="0" smtClean="0">
-              <a:solidFill>
-                <a:schemeClr val="bg1"/>
-              </a:solidFill>
-            </a:endParaRPr>
           </a:p>
         </p:txBody>
       </p:sp>
@@ -14027,11 +14018,6 @@
               </a:rPr>
               <a:t>движения</a:t>
             </a:r>
-            <a:endParaRPr lang="ru-RU" altLang="ru-RU" sz="3200" b="1" dirty="0" smtClean="0">
-              <a:solidFill>
-                <a:schemeClr val="bg1"/>
-              </a:solidFill>
-            </a:endParaRPr>
           </a:p>
         </p:txBody>
       </p:sp>
@@ -14137,40 +14123,6 @@
           </a:effectLst>
         </p:spPr>
       </p:pic>
-      <p:pic>
-        <p:nvPicPr>
-          <p:cNvPr id="9" name="Рисунок 8"/>
-          <p:cNvPicPr>
-            <a:picLocks noChangeAspect="1"/>
-          </p:cNvPicPr>
-          <p:nvPr/>
-        </p:nvPicPr>
-        <p:blipFill>
-          <a:blip r:embed="rId4"/>
-          <a:stretch>
-            <a:fillRect/>
-          </a:stretch>
-        </p:blipFill>
-        <p:spPr>
-          <a:xfrm>
-            <a:off x="652576" y="1808312"/>
-            <a:ext cx="3600450" cy="2971800"/>
-          </a:xfrm>
-          <a:prstGeom prst="rect">
-            <a:avLst/>
-          </a:prstGeom>
-          <a:ln>
-            <a:noFill/>
-          </a:ln>
-          <a:effectLst>
-            <a:outerShdw blurRad="292100" dist="139700" dir="2700000" algn="tl" rotWithShape="0">
-              <a:srgbClr val="333333">
-                <a:alpha val="65000"/>
-              </a:srgbClr>
-            </a:outerShdw>
-          </a:effectLst>
-        </p:spPr>
-      </p:pic>
       <p:sp>
         <p:nvSpPr>
           <p:cNvPr id="16" name="Текст 5"/>
@@ -14421,9 +14373,6 @@
               </a:rPr>
               <a:t> воспользуемся вторым законом Ньютона:</a:t>
             </a:r>
-            <a:endParaRPr lang="ru-RU" altLang="ru-RU" sz="1600" dirty="0" smtClean="0">
-              <a:cs typeface="Times New Roman" panose="02020603050405020304" pitchFamily="18" charset="0"/>
-            </a:endParaRPr>
           </a:p>
         </p:txBody>
       </p:sp>
@@ -14436,7 +14385,7 @@
           <p:nvPr/>
         </p:nvPicPr>
         <p:blipFill>
-          <a:blip r:embed="rId5"/>
+          <a:blip r:embed="rId4"/>
           <a:stretch>
             <a:fillRect/>
           </a:stretch>
@@ -14445,6 +14394,45 @@
           <a:xfrm>
             <a:off x="6600056" y="4634659"/>
             <a:ext cx="3038475" cy="1057275"/>
+          </a:xfrm>
+          <a:prstGeom prst="rect">
+            <a:avLst/>
+          </a:prstGeom>
+          <a:ln>
+            <a:noFill/>
+          </a:ln>
+          <a:effectLst>
+            <a:outerShdw blurRad="292100" dist="139700" dir="2700000" algn="tl" rotWithShape="0">
+              <a:srgbClr val="333333">
+                <a:alpha val="65000"/>
+              </a:srgbClr>
+            </a:outerShdw>
+          </a:effectLst>
+        </p:spPr>
+      </p:pic>
+      <p:pic>
+        <p:nvPicPr>
+          <p:cNvPr id="17" name="Рисунок 16"/>
+          <p:cNvPicPr/>
+          <p:nvPr/>
+        </p:nvPicPr>
+        <p:blipFill>
+          <a:blip r:embed="rId5">
+            <a:extLst>
+              <a:ext uri="{28A0092B-C50C-407E-A947-70E740481C1C}">
+                <a14:useLocalDpi xmlns:a14="http://schemas.microsoft.com/office/drawing/2010/main" val="0"/>
+              </a:ext>
+            </a:extLst>
+          </a:blip>
+          <a:srcRect/>
+          <a:stretch>
+            <a:fillRect/>
+          </a:stretch>
+        </p:blipFill>
+        <p:spPr bwMode="auto">
+          <a:xfrm>
+            <a:off x="652576" y="1700808"/>
+            <a:ext cx="3600450" cy="3001949"/>
           </a:xfrm>
           <a:prstGeom prst="rect">
             <a:avLst/>
@@ -15524,8 +15512,8 @@
           </a:p>
         </p:txBody>
       </p:sp>
-      <mc:AlternateContent xmlns:mc="http://schemas.openxmlformats.org/markup-compatibility/2006">
-        <mc:Choice xmlns:a14="http://schemas.microsoft.com/office/drawing/2010/main" Requires="a14">
+      <mc:AlternateContent xmlns:mc="http://schemas.openxmlformats.org/markup-compatibility/2006" xmlns:a14="http://schemas.microsoft.com/office/drawing/2010/main">
+        <mc:Choice Requires="a14">
           <p:sp>
             <p:nvSpPr>
               <p:cNvPr id="4" name="Прямоугольник 3"/>
@@ -15554,6 +15542,7 @@
               </a:bodyPr>
               <a:lstStyle/>
               <a:p>
+                <a:pPr/>
                 <a14:m>
                   <m:oMathPara xmlns:m="http://schemas.openxmlformats.org/officeDocument/2006/math">
                     <m:oMathParaPr>
@@ -15563,7 +15552,7 @@
                       <m:sSub>
                         <m:sSubPr>
                           <m:ctrlPr>
-                            <a:rPr lang="ru-RU" smtClean="0">
+                            <a:rPr lang="ru-RU" i="1" smtClean="0">
                               <a:latin typeface="Cambria Math" panose="02040503050406030204" pitchFamily="18" charset="0"/>
                             </a:rPr>
                           </m:ctrlPr>
@@ -15610,7 +15599,9 @@
                         <m:t>  </m:t>
                       </m:r>
                       <m:r>
-                        <a:rPr lang="ru-RU"/>
+                        <a:rPr lang="ru-RU">
+                          <a:latin typeface="Cambria Math" panose="02040503050406030204" pitchFamily="18" charset="0"/>
+                        </a:rPr>
                         <m:t>Ω</m:t>
                       </m:r>
                       <m:r>
@@ -15622,16 +15613,22 @@
                       <m:f>
                         <m:fPr>
                           <m:ctrlPr>
-                            <a:rPr lang="ru-RU" i="1"/>
+                            <a:rPr lang="ru-RU" i="1">
+                              <a:latin typeface="Cambria Math" panose="02040503050406030204" pitchFamily="18" charset="0"/>
+                            </a:rPr>
                           </m:ctrlPr>
                         </m:fPr>
                         <m:num>
                           <m:r>
-                            <a:rPr lang="ru-RU" i="1"/>
+                            <a:rPr lang="ru-RU" i="1">
+                              <a:latin typeface="Cambria Math" panose="02040503050406030204" pitchFamily="18" charset="0"/>
+                            </a:rPr>
                             <m:t>2∗</m:t>
                           </m:r>
                           <m:r>
-                            <a:rPr lang="en-US" i="1"/>
+                            <a:rPr lang="en-US" i="1">
+                              <a:latin typeface="Cambria Math" panose="02040503050406030204" pitchFamily="18" charset="0"/>
+                            </a:rPr>
                             <m:t>𝜋</m:t>
                           </m:r>
                         </m:num>
@@ -15664,7 +15661,7 @@
             </p:txBody>
           </p:sp>
         </mc:Choice>
-        <mc:Fallback>
+        <mc:Fallback xmlns="">
           <p:sp>
             <p:nvSpPr>
               <p:cNvPr id="4" name="Прямоугольник 3"/>
@@ -15966,11 +15963,6 @@
               </a:rPr>
               <a:t>Подготовка</a:t>
             </a:r>
-            <a:endParaRPr lang="ru-RU" altLang="ru-RU" sz="3200" b="1" dirty="0" smtClean="0">
-              <a:solidFill>
-                <a:schemeClr val="bg1"/>
-              </a:solidFill>
-            </a:endParaRPr>
           </a:p>
         </p:txBody>
       </p:sp>

--- a/Mikheev-K_V.pptx
+++ b/Mikheev-K_V.pptx
@@ -5,22 +5,23 @@
     <p:sldMasterId id="2147483695" r:id="rId1"/>
   </p:sldMasterIdLst>
   <p:notesMasterIdLst>
-    <p:notesMasterId r:id="rId15"/>
+    <p:notesMasterId r:id="rId16"/>
   </p:notesMasterIdLst>
   <p:sldIdLst>
     <p:sldId id="269" r:id="rId2"/>
     <p:sldId id="280" r:id="rId3"/>
-    <p:sldId id="260" r:id="rId4"/>
-    <p:sldId id="283" r:id="rId5"/>
-    <p:sldId id="257" r:id="rId6"/>
-    <p:sldId id="258" r:id="rId7"/>
+    <p:sldId id="258" r:id="rId4"/>
+    <p:sldId id="260" r:id="rId5"/>
+    <p:sldId id="283" r:id="rId6"/>
+    <p:sldId id="257" r:id="rId7"/>
     <p:sldId id="259" r:id="rId8"/>
     <p:sldId id="287" r:id="rId9"/>
     <p:sldId id="261" r:id="rId10"/>
     <p:sldId id="262" r:id="rId11"/>
     <p:sldId id="263" r:id="rId12"/>
     <p:sldId id="264" r:id="rId13"/>
-    <p:sldId id="281" r:id="rId14"/>
+    <p:sldId id="288" r:id="rId14"/>
+    <p:sldId id="281" r:id="rId15"/>
   </p:sldIdLst>
   <p:sldSz cx="12192000" cy="6858000"/>
   <p:notesSz cx="6858000" cy="9144000"/>
@@ -6991,248 +6992,6 @@
       </p:sp>
       <p:sp>
         <p:nvSpPr>
-          <p:cNvPr id="5" name="Текст 5"/>
-          <p:cNvSpPr txBox="1">
-            <a:spLocks noChangeArrowheads="1"/>
-          </p:cNvSpPr>
-          <p:nvPr/>
-        </p:nvSpPr>
-        <p:spPr bwMode="auto">
-          <a:xfrm>
-            <a:off x="551384" y="1284170"/>
-            <a:ext cx="4840445" cy="1545822"/>
-          </a:xfrm>
-          <a:prstGeom prst="rect">
-            <a:avLst/>
-          </a:prstGeom>
-          <a:noFill/>
-          <a:ln>
-            <a:noFill/>
-          </a:ln>
-          <a:extLst>
-            <a:ext uri="{909E8E84-426E-40DD-AFC4-6F175D3DCCD1}">
-              <a14:hiddenFill xmlns:a14="http://schemas.microsoft.com/office/drawing/2010/main">
-                <a:solidFill>
-                  <a:srgbClr val="FFFFFF"/>
-                </a:solidFill>
-              </a14:hiddenFill>
-            </a:ext>
-            <a:ext uri="{91240B29-F687-4F45-9708-019B960494DF}">
-              <a14:hiddenLine xmlns:a14="http://schemas.microsoft.com/office/drawing/2010/main" w="9525">
-                <a:solidFill>
-                  <a:srgbClr val="000000"/>
-                </a:solidFill>
-                <a:miter lim="800000"/>
-                <a:headEnd/>
-                <a:tailEnd/>
-              </a14:hiddenLine>
-            </a:ext>
-          </a:extLst>
-        </p:spPr>
-        <p:txBody>
-          <a:bodyPr vert="horz" wrap="square" lIns="91440" tIns="45720" rIns="91440" bIns="45720" numCol="1" anchor="t" anchorCtr="0" compatLnSpc="1">
-            <a:prstTxWarp prst="textNoShape">
-              <a:avLst/>
-            </a:prstTxWarp>
-          </a:bodyPr>
-          <a:lstStyle>
-            <a:lvl1pPr marL="228600" indent="-228600" algn="l" rtl="0" eaLnBrk="0" fontAlgn="base" hangingPunct="0">
-              <a:lnSpc>
-                <a:spcPct val="90000"/>
-              </a:lnSpc>
-              <a:spcBef>
-                <a:spcPts val="1000"/>
-              </a:spcBef>
-              <a:spcAft>
-                <a:spcPct val="0"/>
-              </a:spcAft>
-              <a:buFont typeface="Arial" panose="020B0604020202020204" pitchFamily="34" charset="0"/>
-              <a:buChar char="•"/>
-              <a:defRPr sz="2800" kern="1200">
-                <a:solidFill>
-                  <a:schemeClr val="tx1"/>
-                </a:solidFill>
-                <a:latin typeface="+mn-lt"/>
-                <a:ea typeface="+mn-ea"/>
-                <a:cs typeface="+mn-cs"/>
-              </a:defRPr>
-            </a:lvl1pPr>
-            <a:lvl2pPr marL="685800" indent="-228600" algn="l" rtl="0" eaLnBrk="0" fontAlgn="base" hangingPunct="0">
-              <a:lnSpc>
-                <a:spcPct val="90000"/>
-              </a:lnSpc>
-              <a:spcBef>
-                <a:spcPts val="500"/>
-              </a:spcBef>
-              <a:spcAft>
-                <a:spcPct val="0"/>
-              </a:spcAft>
-              <a:buFont typeface="Arial" panose="020B0604020202020204" pitchFamily="34" charset="0"/>
-              <a:buChar char="•"/>
-              <a:defRPr sz="2400" kern="1200">
-                <a:solidFill>
-                  <a:schemeClr val="tx1"/>
-                </a:solidFill>
-                <a:latin typeface="+mn-lt"/>
-                <a:ea typeface="+mn-ea"/>
-                <a:cs typeface="+mn-cs"/>
-              </a:defRPr>
-            </a:lvl2pPr>
-            <a:lvl3pPr marL="1143000" indent="-228600" algn="l" rtl="0" eaLnBrk="0" fontAlgn="base" hangingPunct="0">
-              <a:lnSpc>
-                <a:spcPct val="90000"/>
-              </a:lnSpc>
-              <a:spcBef>
-                <a:spcPts val="500"/>
-              </a:spcBef>
-              <a:spcAft>
-                <a:spcPct val="0"/>
-              </a:spcAft>
-              <a:buFont typeface="Arial" panose="020B0604020202020204" pitchFamily="34" charset="0"/>
-              <a:buChar char="•"/>
-              <a:defRPr sz="2000" kern="1200">
-                <a:solidFill>
-                  <a:schemeClr val="tx1"/>
-                </a:solidFill>
-                <a:latin typeface="+mn-lt"/>
-                <a:ea typeface="+mn-ea"/>
-                <a:cs typeface="+mn-cs"/>
-              </a:defRPr>
-            </a:lvl3pPr>
-            <a:lvl4pPr marL="1600200" indent="-228600" algn="l" rtl="0" eaLnBrk="0" fontAlgn="base" hangingPunct="0">
-              <a:lnSpc>
-                <a:spcPct val="90000"/>
-              </a:lnSpc>
-              <a:spcBef>
-                <a:spcPts val="500"/>
-              </a:spcBef>
-              <a:spcAft>
-                <a:spcPct val="0"/>
-              </a:spcAft>
-              <a:buFont typeface="Arial" panose="020B0604020202020204" pitchFamily="34" charset="0"/>
-              <a:buChar char="•"/>
-              <a:defRPr kern="1200">
-                <a:solidFill>
-                  <a:schemeClr val="tx1"/>
-                </a:solidFill>
-                <a:latin typeface="+mn-lt"/>
-                <a:ea typeface="+mn-ea"/>
-                <a:cs typeface="+mn-cs"/>
-              </a:defRPr>
-            </a:lvl4pPr>
-            <a:lvl5pPr marL="2057400" indent="-228600" algn="l" rtl="0" eaLnBrk="0" fontAlgn="base" hangingPunct="0">
-              <a:lnSpc>
-                <a:spcPct val="90000"/>
-              </a:lnSpc>
-              <a:spcBef>
-                <a:spcPts val="500"/>
-              </a:spcBef>
-              <a:spcAft>
-                <a:spcPct val="0"/>
-              </a:spcAft>
-              <a:buFont typeface="Arial" panose="020B0604020202020204" pitchFamily="34" charset="0"/>
-              <a:buChar char="•"/>
-              <a:defRPr kern="1200">
-                <a:solidFill>
-                  <a:schemeClr val="tx1"/>
-                </a:solidFill>
-                <a:latin typeface="+mn-lt"/>
-                <a:ea typeface="+mn-ea"/>
-                <a:cs typeface="+mn-cs"/>
-              </a:defRPr>
-            </a:lvl5pPr>
-            <a:lvl6pPr marL="2514600" indent="-228600" algn="l" defTabSz="914400" rtl="0" eaLnBrk="1" latinLnBrk="0" hangingPunct="1">
-              <a:lnSpc>
-                <a:spcPct val="90000"/>
-              </a:lnSpc>
-              <a:spcBef>
-                <a:spcPts val="500"/>
-              </a:spcBef>
-              <a:buFont typeface="Arial" panose="020B0604020202020204" pitchFamily="34" charset="0"/>
-              <a:buChar char="•"/>
-              <a:defRPr sz="1800" kern="1200">
-                <a:solidFill>
-                  <a:schemeClr val="tx1"/>
-                </a:solidFill>
-                <a:latin typeface="+mn-lt"/>
-                <a:ea typeface="+mn-ea"/>
-                <a:cs typeface="+mn-cs"/>
-              </a:defRPr>
-            </a:lvl6pPr>
-            <a:lvl7pPr marL="2971800" indent="-228600" algn="l" defTabSz="914400" rtl="0" eaLnBrk="1" latinLnBrk="0" hangingPunct="1">
-              <a:lnSpc>
-                <a:spcPct val="90000"/>
-              </a:lnSpc>
-              <a:spcBef>
-                <a:spcPts val="500"/>
-              </a:spcBef>
-              <a:buFont typeface="Arial" panose="020B0604020202020204" pitchFamily="34" charset="0"/>
-              <a:buChar char="•"/>
-              <a:defRPr sz="1800" kern="1200">
-                <a:solidFill>
-                  <a:schemeClr val="tx1"/>
-                </a:solidFill>
-                <a:latin typeface="+mn-lt"/>
-                <a:ea typeface="+mn-ea"/>
-                <a:cs typeface="+mn-cs"/>
-              </a:defRPr>
-            </a:lvl7pPr>
-            <a:lvl8pPr marL="3429000" indent="-228600" algn="l" defTabSz="914400" rtl="0" eaLnBrk="1" latinLnBrk="0" hangingPunct="1">
-              <a:lnSpc>
-                <a:spcPct val="90000"/>
-              </a:lnSpc>
-              <a:spcBef>
-                <a:spcPts val="500"/>
-              </a:spcBef>
-              <a:buFont typeface="Arial" panose="020B0604020202020204" pitchFamily="34" charset="0"/>
-              <a:buChar char="•"/>
-              <a:defRPr sz="1800" kern="1200">
-                <a:solidFill>
-                  <a:schemeClr val="tx1"/>
-                </a:solidFill>
-                <a:latin typeface="+mn-lt"/>
-                <a:ea typeface="+mn-ea"/>
-                <a:cs typeface="+mn-cs"/>
-              </a:defRPr>
-            </a:lvl8pPr>
-            <a:lvl9pPr marL="3886200" indent="-228600" algn="l" defTabSz="914400" rtl="0" eaLnBrk="1" latinLnBrk="0" hangingPunct="1">
-              <a:lnSpc>
-                <a:spcPct val="90000"/>
-              </a:lnSpc>
-              <a:spcBef>
-                <a:spcPts val="500"/>
-              </a:spcBef>
-              <a:buFont typeface="Arial" panose="020B0604020202020204" pitchFamily="34" charset="0"/>
-              <a:buChar char="•"/>
-              <a:defRPr sz="1800" kern="1200">
-                <a:solidFill>
-                  <a:schemeClr val="tx1"/>
-                </a:solidFill>
-                <a:latin typeface="+mn-lt"/>
-                <a:ea typeface="+mn-ea"/>
-                <a:cs typeface="+mn-cs"/>
-              </a:defRPr>
-            </a:lvl9pPr>
-          </a:lstStyle>
-          <a:p>
-            <a:pPr eaLnBrk="1" hangingPunct="1">
-              <a:lnSpc>
-                <a:spcPct val="150000"/>
-              </a:lnSpc>
-              <a:buFontTx/>
-              <a:buChar char="-"/>
-            </a:pPr>
-            <a:r>
-              <a:rPr lang="ru-RU" altLang="ru-RU" sz="1600" dirty="0" smtClean="0">
-                <a:cs typeface="Times New Roman" panose="02020603050405020304" pitchFamily="18" charset="0"/>
-              </a:rPr>
-              <a:t>Качество каждого этюда определяли по финальной скорости на расстоянии Земли </a:t>
-            </a:r>
-          </a:p>
-        </p:txBody>
-      </p:sp>
-      <p:sp>
-        <p:nvSpPr>
           <p:cNvPr id="6" name="Прямоугольник 5"/>
           <p:cNvSpPr/>
           <p:nvPr/>
@@ -7573,7 +7332,7 @@
         </p:blipFill>
         <p:spPr>
           <a:xfrm>
-            <a:off x="5519936" y="1063368"/>
+            <a:off x="7680176" y="1309820"/>
             <a:ext cx="2736304" cy="2376264"/>
           </a:xfrm>
           <a:prstGeom prst="rect">
@@ -7597,32 +7356,8 @@
         </p:blipFill>
         <p:spPr>
           <a:xfrm>
-            <a:off x="8512454" y="1148568"/>
-            <a:ext cx="3411068" cy="2119169"/>
-          </a:xfrm>
-          <a:prstGeom prst="rect">
-            <a:avLst/>
-          </a:prstGeom>
-        </p:spPr>
-      </p:pic>
-      <p:pic>
-        <p:nvPicPr>
-          <p:cNvPr id="11" name="Рисунок 10"/>
-          <p:cNvPicPr>
-            <a:picLocks noChangeAspect="1"/>
-          </p:cNvPicPr>
-          <p:nvPr/>
-        </p:nvPicPr>
-        <p:blipFill>
-          <a:blip r:embed="rId5"/>
-          <a:stretch>
-            <a:fillRect/>
-          </a:stretch>
-        </p:blipFill>
-        <p:spPr>
-          <a:xfrm>
-            <a:off x="7232641" y="3789040"/>
-            <a:ext cx="4341515" cy="2660698"/>
+            <a:off x="6888088" y="3718404"/>
+            <a:ext cx="4175613" cy="2594152"/>
           </a:xfrm>
           <a:prstGeom prst="rect">
             <a:avLst/>
@@ -7631,7 +7366,7 @@
       </p:pic>
       <p:sp>
         <p:nvSpPr>
-          <p:cNvPr id="14" name="Текст 5"/>
+          <p:cNvPr id="15" name="Текст 5"/>
           <p:cNvSpPr txBox="1">
             <a:spLocks noChangeArrowheads="1"/>
           </p:cNvSpPr>
@@ -7639,8 +7374,8 @@
         </p:nvSpPr>
         <p:spPr bwMode="auto">
           <a:xfrm>
-            <a:off x="8253757" y="6347445"/>
-            <a:ext cx="2790344" cy="432048"/>
+            <a:off x="8258723" y="6262252"/>
+            <a:ext cx="2011257" cy="432048"/>
           </a:xfrm>
           <a:prstGeom prst="rect">
             <a:avLst/>
@@ -7863,7 +7598,7 @@
             </a:pPr>
             <a:r>
               <a:rPr lang="ru-RU" sz="1200" i="1" dirty="0" smtClean="0"/>
-              <a:t>Изменение скоростей 3х этюдов</a:t>
+              <a:t>Траектории 3 этюдов</a:t>
             </a:r>
             <a:endParaRPr lang="ru-RU" altLang="ru-RU" sz="1200" i="1" dirty="0" smtClean="0">
               <a:cs typeface="Times New Roman" panose="02020603050405020304" pitchFamily="18" charset="0"/>
@@ -7871,709 +7606,6 @@
           </a:p>
         </p:txBody>
       </p:sp>
-      <p:sp>
-        <p:nvSpPr>
-          <p:cNvPr id="15" name="Текст 5"/>
-          <p:cNvSpPr txBox="1">
-            <a:spLocks noChangeArrowheads="1"/>
-          </p:cNvSpPr>
-          <p:nvPr/>
-        </p:nvSpPr>
-        <p:spPr bwMode="auto">
-          <a:xfrm>
-            <a:off x="7392142" y="3283524"/>
-            <a:ext cx="2011257" cy="432048"/>
-          </a:xfrm>
-          <a:prstGeom prst="rect">
-            <a:avLst/>
-          </a:prstGeom>
-          <a:noFill/>
-          <a:ln>
-            <a:noFill/>
-          </a:ln>
-          <a:extLst>
-            <a:ext uri="{909E8E84-426E-40DD-AFC4-6F175D3DCCD1}">
-              <a14:hiddenFill xmlns:a14="http://schemas.microsoft.com/office/drawing/2010/main">
-                <a:solidFill>
-                  <a:srgbClr val="FFFFFF"/>
-                </a:solidFill>
-              </a14:hiddenFill>
-            </a:ext>
-            <a:ext uri="{91240B29-F687-4F45-9708-019B960494DF}">
-              <a14:hiddenLine xmlns:a14="http://schemas.microsoft.com/office/drawing/2010/main" w="9525">
-                <a:solidFill>
-                  <a:srgbClr val="000000"/>
-                </a:solidFill>
-                <a:miter lim="800000"/>
-                <a:headEnd/>
-                <a:tailEnd/>
-              </a14:hiddenLine>
-            </a:ext>
-          </a:extLst>
-        </p:spPr>
-        <p:txBody>
-          <a:bodyPr vert="horz" wrap="square" lIns="91440" tIns="45720" rIns="91440" bIns="45720" numCol="1" anchor="t" anchorCtr="0" compatLnSpc="1">
-            <a:prstTxWarp prst="textNoShape">
-              <a:avLst/>
-            </a:prstTxWarp>
-          </a:bodyPr>
-          <a:lstStyle>
-            <a:lvl1pPr marL="228600" indent="-228600" algn="l" rtl="0" eaLnBrk="0" fontAlgn="base" hangingPunct="0">
-              <a:lnSpc>
-                <a:spcPct val="90000"/>
-              </a:lnSpc>
-              <a:spcBef>
-                <a:spcPts val="1000"/>
-              </a:spcBef>
-              <a:spcAft>
-                <a:spcPct val="0"/>
-              </a:spcAft>
-              <a:buFont typeface="Arial" panose="020B0604020202020204" pitchFamily="34" charset="0"/>
-              <a:buChar char="•"/>
-              <a:defRPr sz="2800" kern="1200">
-                <a:solidFill>
-                  <a:schemeClr val="tx1"/>
-                </a:solidFill>
-                <a:latin typeface="+mn-lt"/>
-                <a:ea typeface="+mn-ea"/>
-                <a:cs typeface="+mn-cs"/>
-              </a:defRPr>
-            </a:lvl1pPr>
-            <a:lvl2pPr marL="685800" indent="-228600" algn="l" rtl="0" eaLnBrk="0" fontAlgn="base" hangingPunct="0">
-              <a:lnSpc>
-                <a:spcPct val="90000"/>
-              </a:lnSpc>
-              <a:spcBef>
-                <a:spcPts val="500"/>
-              </a:spcBef>
-              <a:spcAft>
-                <a:spcPct val="0"/>
-              </a:spcAft>
-              <a:buFont typeface="Arial" panose="020B0604020202020204" pitchFamily="34" charset="0"/>
-              <a:buChar char="•"/>
-              <a:defRPr sz="2400" kern="1200">
-                <a:solidFill>
-                  <a:schemeClr val="tx1"/>
-                </a:solidFill>
-                <a:latin typeface="+mn-lt"/>
-                <a:ea typeface="+mn-ea"/>
-                <a:cs typeface="+mn-cs"/>
-              </a:defRPr>
-            </a:lvl2pPr>
-            <a:lvl3pPr marL="1143000" indent="-228600" algn="l" rtl="0" eaLnBrk="0" fontAlgn="base" hangingPunct="0">
-              <a:lnSpc>
-                <a:spcPct val="90000"/>
-              </a:lnSpc>
-              <a:spcBef>
-                <a:spcPts val="500"/>
-              </a:spcBef>
-              <a:spcAft>
-                <a:spcPct val="0"/>
-              </a:spcAft>
-              <a:buFont typeface="Arial" panose="020B0604020202020204" pitchFamily="34" charset="0"/>
-              <a:buChar char="•"/>
-              <a:defRPr sz="2000" kern="1200">
-                <a:solidFill>
-                  <a:schemeClr val="tx1"/>
-                </a:solidFill>
-                <a:latin typeface="+mn-lt"/>
-                <a:ea typeface="+mn-ea"/>
-                <a:cs typeface="+mn-cs"/>
-              </a:defRPr>
-            </a:lvl3pPr>
-            <a:lvl4pPr marL="1600200" indent="-228600" algn="l" rtl="0" eaLnBrk="0" fontAlgn="base" hangingPunct="0">
-              <a:lnSpc>
-                <a:spcPct val="90000"/>
-              </a:lnSpc>
-              <a:spcBef>
-                <a:spcPts val="500"/>
-              </a:spcBef>
-              <a:spcAft>
-                <a:spcPct val="0"/>
-              </a:spcAft>
-              <a:buFont typeface="Arial" panose="020B0604020202020204" pitchFamily="34" charset="0"/>
-              <a:buChar char="•"/>
-              <a:defRPr kern="1200">
-                <a:solidFill>
-                  <a:schemeClr val="tx1"/>
-                </a:solidFill>
-                <a:latin typeface="+mn-lt"/>
-                <a:ea typeface="+mn-ea"/>
-                <a:cs typeface="+mn-cs"/>
-              </a:defRPr>
-            </a:lvl4pPr>
-            <a:lvl5pPr marL="2057400" indent="-228600" algn="l" rtl="0" eaLnBrk="0" fontAlgn="base" hangingPunct="0">
-              <a:lnSpc>
-                <a:spcPct val="90000"/>
-              </a:lnSpc>
-              <a:spcBef>
-                <a:spcPts val="500"/>
-              </a:spcBef>
-              <a:spcAft>
-                <a:spcPct val="0"/>
-              </a:spcAft>
-              <a:buFont typeface="Arial" panose="020B0604020202020204" pitchFamily="34" charset="0"/>
-              <a:buChar char="•"/>
-              <a:defRPr kern="1200">
-                <a:solidFill>
-                  <a:schemeClr val="tx1"/>
-                </a:solidFill>
-                <a:latin typeface="+mn-lt"/>
-                <a:ea typeface="+mn-ea"/>
-                <a:cs typeface="+mn-cs"/>
-              </a:defRPr>
-            </a:lvl5pPr>
-            <a:lvl6pPr marL="2514600" indent="-228600" algn="l" defTabSz="914400" rtl="0" eaLnBrk="1" latinLnBrk="0" hangingPunct="1">
-              <a:lnSpc>
-                <a:spcPct val="90000"/>
-              </a:lnSpc>
-              <a:spcBef>
-                <a:spcPts val="500"/>
-              </a:spcBef>
-              <a:buFont typeface="Arial" panose="020B0604020202020204" pitchFamily="34" charset="0"/>
-              <a:buChar char="•"/>
-              <a:defRPr sz="1800" kern="1200">
-                <a:solidFill>
-                  <a:schemeClr val="tx1"/>
-                </a:solidFill>
-                <a:latin typeface="+mn-lt"/>
-                <a:ea typeface="+mn-ea"/>
-                <a:cs typeface="+mn-cs"/>
-              </a:defRPr>
-            </a:lvl6pPr>
-            <a:lvl7pPr marL="2971800" indent="-228600" algn="l" defTabSz="914400" rtl="0" eaLnBrk="1" latinLnBrk="0" hangingPunct="1">
-              <a:lnSpc>
-                <a:spcPct val="90000"/>
-              </a:lnSpc>
-              <a:spcBef>
-                <a:spcPts val="500"/>
-              </a:spcBef>
-              <a:buFont typeface="Arial" panose="020B0604020202020204" pitchFamily="34" charset="0"/>
-              <a:buChar char="•"/>
-              <a:defRPr sz="1800" kern="1200">
-                <a:solidFill>
-                  <a:schemeClr val="tx1"/>
-                </a:solidFill>
-                <a:latin typeface="+mn-lt"/>
-                <a:ea typeface="+mn-ea"/>
-                <a:cs typeface="+mn-cs"/>
-              </a:defRPr>
-            </a:lvl7pPr>
-            <a:lvl8pPr marL="3429000" indent="-228600" algn="l" defTabSz="914400" rtl="0" eaLnBrk="1" latinLnBrk="0" hangingPunct="1">
-              <a:lnSpc>
-                <a:spcPct val="90000"/>
-              </a:lnSpc>
-              <a:spcBef>
-                <a:spcPts val="500"/>
-              </a:spcBef>
-              <a:buFont typeface="Arial" panose="020B0604020202020204" pitchFamily="34" charset="0"/>
-              <a:buChar char="•"/>
-              <a:defRPr sz="1800" kern="1200">
-                <a:solidFill>
-                  <a:schemeClr val="tx1"/>
-                </a:solidFill>
-                <a:latin typeface="+mn-lt"/>
-                <a:ea typeface="+mn-ea"/>
-                <a:cs typeface="+mn-cs"/>
-              </a:defRPr>
-            </a:lvl8pPr>
-            <a:lvl9pPr marL="3886200" indent="-228600" algn="l" defTabSz="914400" rtl="0" eaLnBrk="1" latinLnBrk="0" hangingPunct="1">
-              <a:lnSpc>
-                <a:spcPct val="90000"/>
-              </a:lnSpc>
-              <a:spcBef>
-                <a:spcPts val="500"/>
-              </a:spcBef>
-              <a:buFont typeface="Arial" panose="020B0604020202020204" pitchFamily="34" charset="0"/>
-              <a:buChar char="•"/>
-              <a:defRPr sz="1800" kern="1200">
-                <a:solidFill>
-                  <a:schemeClr val="tx1"/>
-                </a:solidFill>
-                <a:latin typeface="+mn-lt"/>
-                <a:ea typeface="+mn-ea"/>
-                <a:cs typeface="+mn-cs"/>
-              </a:defRPr>
-            </a:lvl9pPr>
-          </a:lstStyle>
-          <a:p>
-            <a:pPr marL="0" indent="0" eaLnBrk="1" hangingPunct="1">
-              <a:lnSpc>
-                <a:spcPct val="150000"/>
-              </a:lnSpc>
-              <a:buNone/>
-            </a:pPr>
-            <a:r>
-              <a:rPr lang="ru-RU" sz="1200" i="1" dirty="0" smtClean="0"/>
-              <a:t>Траектории 3 этюдов</a:t>
-            </a:r>
-            <a:endParaRPr lang="ru-RU" altLang="ru-RU" sz="1200" i="1" dirty="0" smtClean="0">
-              <a:cs typeface="Times New Roman" panose="02020603050405020304" pitchFamily="18" charset="0"/>
-            </a:endParaRPr>
-          </a:p>
-        </p:txBody>
-      </p:sp>
-      <p:sp>
-        <p:nvSpPr>
-          <p:cNvPr id="16" name="Текст 5"/>
-          <p:cNvSpPr txBox="1">
-            <a:spLocks noChangeArrowheads="1"/>
-          </p:cNvSpPr>
-          <p:nvPr/>
-        </p:nvSpPr>
-        <p:spPr bwMode="auto">
-          <a:xfrm>
-            <a:off x="1238340" y="3057291"/>
-            <a:ext cx="3084847" cy="432048"/>
-          </a:xfrm>
-          <a:prstGeom prst="rect">
-            <a:avLst/>
-          </a:prstGeom>
-          <a:noFill/>
-          <a:ln>
-            <a:noFill/>
-          </a:ln>
-          <a:extLst>
-            <a:ext uri="{909E8E84-426E-40DD-AFC4-6F175D3DCCD1}">
-              <a14:hiddenFill xmlns:a14="http://schemas.microsoft.com/office/drawing/2010/main">
-                <a:solidFill>
-                  <a:srgbClr val="FFFFFF"/>
-                </a:solidFill>
-              </a14:hiddenFill>
-            </a:ext>
-            <a:ext uri="{91240B29-F687-4F45-9708-019B960494DF}">
-              <a14:hiddenLine xmlns:a14="http://schemas.microsoft.com/office/drawing/2010/main" w="9525">
-                <a:solidFill>
-                  <a:srgbClr val="000000"/>
-                </a:solidFill>
-                <a:miter lim="800000"/>
-                <a:headEnd/>
-                <a:tailEnd/>
-              </a14:hiddenLine>
-            </a:ext>
-          </a:extLst>
-        </p:spPr>
-        <p:txBody>
-          <a:bodyPr vert="horz" wrap="square" lIns="91440" tIns="45720" rIns="91440" bIns="45720" numCol="1" anchor="t" anchorCtr="0" compatLnSpc="1">
-            <a:prstTxWarp prst="textNoShape">
-              <a:avLst/>
-            </a:prstTxWarp>
-          </a:bodyPr>
-          <a:lstStyle>
-            <a:lvl1pPr marL="228600" indent="-228600" algn="l" rtl="0" eaLnBrk="0" fontAlgn="base" hangingPunct="0">
-              <a:lnSpc>
-                <a:spcPct val="90000"/>
-              </a:lnSpc>
-              <a:spcBef>
-                <a:spcPts val="1000"/>
-              </a:spcBef>
-              <a:spcAft>
-                <a:spcPct val="0"/>
-              </a:spcAft>
-              <a:buFont typeface="Arial" panose="020B0604020202020204" pitchFamily="34" charset="0"/>
-              <a:buChar char="•"/>
-              <a:defRPr sz="2800" kern="1200">
-                <a:solidFill>
-                  <a:schemeClr val="tx1"/>
-                </a:solidFill>
-                <a:latin typeface="+mn-lt"/>
-                <a:ea typeface="+mn-ea"/>
-                <a:cs typeface="+mn-cs"/>
-              </a:defRPr>
-            </a:lvl1pPr>
-            <a:lvl2pPr marL="685800" indent="-228600" algn="l" rtl="0" eaLnBrk="0" fontAlgn="base" hangingPunct="0">
-              <a:lnSpc>
-                <a:spcPct val="90000"/>
-              </a:lnSpc>
-              <a:spcBef>
-                <a:spcPts val="500"/>
-              </a:spcBef>
-              <a:spcAft>
-                <a:spcPct val="0"/>
-              </a:spcAft>
-              <a:buFont typeface="Arial" panose="020B0604020202020204" pitchFamily="34" charset="0"/>
-              <a:buChar char="•"/>
-              <a:defRPr sz="2400" kern="1200">
-                <a:solidFill>
-                  <a:schemeClr val="tx1"/>
-                </a:solidFill>
-                <a:latin typeface="+mn-lt"/>
-                <a:ea typeface="+mn-ea"/>
-                <a:cs typeface="+mn-cs"/>
-              </a:defRPr>
-            </a:lvl2pPr>
-            <a:lvl3pPr marL="1143000" indent="-228600" algn="l" rtl="0" eaLnBrk="0" fontAlgn="base" hangingPunct="0">
-              <a:lnSpc>
-                <a:spcPct val="90000"/>
-              </a:lnSpc>
-              <a:spcBef>
-                <a:spcPts val="500"/>
-              </a:spcBef>
-              <a:spcAft>
-                <a:spcPct val="0"/>
-              </a:spcAft>
-              <a:buFont typeface="Arial" panose="020B0604020202020204" pitchFamily="34" charset="0"/>
-              <a:buChar char="•"/>
-              <a:defRPr sz="2000" kern="1200">
-                <a:solidFill>
-                  <a:schemeClr val="tx1"/>
-                </a:solidFill>
-                <a:latin typeface="+mn-lt"/>
-                <a:ea typeface="+mn-ea"/>
-                <a:cs typeface="+mn-cs"/>
-              </a:defRPr>
-            </a:lvl3pPr>
-            <a:lvl4pPr marL="1600200" indent="-228600" algn="l" rtl="0" eaLnBrk="0" fontAlgn="base" hangingPunct="0">
-              <a:lnSpc>
-                <a:spcPct val="90000"/>
-              </a:lnSpc>
-              <a:spcBef>
-                <a:spcPts val="500"/>
-              </a:spcBef>
-              <a:spcAft>
-                <a:spcPct val="0"/>
-              </a:spcAft>
-              <a:buFont typeface="Arial" panose="020B0604020202020204" pitchFamily="34" charset="0"/>
-              <a:buChar char="•"/>
-              <a:defRPr kern="1200">
-                <a:solidFill>
-                  <a:schemeClr val="tx1"/>
-                </a:solidFill>
-                <a:latin typeface="+mn-lt"/>
-                <a:ea typeface="+mn-ea"/>
-                <a:cs typeface="+mn-cs"/>
-              </a:defRPr>
-            </a:lvl4pPr>
-            <a:lvl5pPr marL="2057400" indent="-228600" algn="l" rtl="0" eaLnBrk="0" fontAlgn="base" hangingPunct="0">
-              <a:lnSpc>
-                <a:spcPct val="90000"/>
-              </a:lnSpc>
-              <a:spcBef>
-                <a:spcPts val="500"/>
-              </a:spcBef>
-              <a:spcAft>
-                <a:spcPct val="0"/>
-              </a:spcAft>
-              <a:buFont typeface="Arial" panose="020B0604020202020204" pitchFamily="34" charset="0"/>
-              <a:buChar char="•"/>
-              <a:defRPr kern="1200">
-                <a:solidFill>
-                  <a:schemeClr val="tx1"/>
-                </a:solidFill>
-                <a:latin typeface="+mn-lt"/>
-                <a:ea typeface="+mn-ea"/>
-                <a:cs typeface="+mn-cs"/>
-              </a:defRPr>
-            </a:lvl5pPr>
-            <a:lvl6pPr marL="2514600" indent="-228600" algn="l" defTabSz="914400" rtl="0" eaLnBrk="1" latinLnBrk="0" hangingPunct="1">
-              <a:lnSpc>
-                <a:spcPct val="90000"/>
-              </a:lnSpc>
-              <a:spcBef>
-                <a:spcPts val="500"/>
-              </a:spcBef>
-              <a:buFont typeface="Arial" panose="020B0604020202020204" pitchFamily="34" charset="0"/>
-              <a:buChar char="•"/>
-              <a:defRPr sz="1800" kern="1200">
-                <a:solidFill>
-                  <a:schemeClr val="tx1"/>
-                </a:solidFill>
-                <a:latin typeface="+mn-lt"/>
-                <a:ea typeface="+mn-ea"/>
-                <a:cs typeface="+mn-cs"/>
-              </a:defRPr>
-            </a:lvl6pPr>
-            <a:lvl7pPr marL="2971800" indent="-228600" algn="l" defTabSz="914400" rtl="0" eaLnBrk="1" latinLnBrk="0" hangingPunct="1">
-              <a:lnSpc>
-                <a:spcPct val="90000"/>
-              </a:lnSpc>
-              <a:spcBef>
-                <a:spcPts val="500"/>
-              </a:spcBef>
-              <a:buFont typeface="Arial" panose="020B0604020202020204" pitchFamily="34" charset="0"/>
-              <a:buChar char="•"/>
-              <a:defRPr sz="1800" kern="1200">
-                <a:solidFill>
-                  <a:schemeClr val="tx1"/>
-                </a:solidFill>
-                <a:latin typeface="+mn-lt"/>
-                <a:ea typeface="+mn-ea"/>
-                <a:cs typeface="+mn-cs"/>
-              </a:defRPr>
-            </a:lvl7pPr>
-            <a:lvl8pPr marL="3429000" indent="-228600" algn="l" defTabSz="914400" rtl="0" eaLnBrk="1" latinLnBrk="0" hangingPunct="1">
-              <a:lnSpc>
-                <a:spcPct val="90000"/>
-              </a:lnSpc>
-              <a:spcBef>
-                <a:spcPts val="500"/>
-              </a:spcBef>
-              <a:buFont typeface="Arial" panose="020B0604020202020204" pitchFamily="34" charset="0"/>
-              <a:buChar char="•"/>
-              <a:defRPr sz="1800" kern="1200">
-                <a:solidFill>
-                  <a:schemeClr val="tx1"/>
-                </a:solidFill>
-                <a:latin typeface="+mn-lt"/>
-                <a:ea typeface="+mn-ea"/>
-                <a:cs typeface="+mn-cs"/>
-              </a:defRPr>
-            </a:lvl8pPr>
-            <a:lvl9pPr marL="3886200" indent="-228600" algn="l" defTabSz="914400" rtl="0" eaLnBrk="1" latinLnBrk="0" hangingPunct="1">
-              <a:lnSpc>
-                <a:spcPct val="90000"/>
-              </a:lnSpc>
-              <a:spcBef>
-                <a:spcPts val="500"/>
-              </a:spcBef>
-              <a:buFont typeface="Arial" panose="020B0604020202020204" pitchFamily="34" charset="0"/>
-              <a:buChar char="•"/>
-              <a:defRPr sz="1800" kern="1200">
-                <a:solidFill>
-                  <a:schemeClr val="tx1"/>
-                </a:solidFill>
-                <a:latin typeface="+mn-lt"/>
-                <a:ea typeface="+mn-ea"/>
-                <a:cs typeface="+mn-cs"/>
-              </a:defRPr>
-            </a:lvl9pPr>
-          </a:lstStyle>
-          <a:p>
-            <a:pPr marL="0" indent="0" eaLnBrk="1" hangingPunct="1">
-              <a:lnSpc>
-                <a:spcPct val="150000"/>
-              </a:lnSpc>
-              <a:buNone/>
-            </a:pPr>
-            <a:r>
-              <a:rPr lang="ru-RU" altLang="ru-RU" sz="1200" i="1" dirty="0" smtClean="0"/>
-              <a:t>Дистанция фиксации финальной скорости</a:t>
-            </a:r>
-            <a:endParaRPr lang="ru-RU" altLang="ru-RU" sz="1200" i="1" dirty="0" smtClean="0">
-              <a:cs typeface="Times New Roman" panose="02020603050405020304" pitchFamily="18" charset="0"/>
-            </a:endParaRPr>
-          </a:p>
-          <a:p>
-            <a:pPr eaLnBrk="1" hangingPunct="1">
-              <a:lnSpc>
-                <a:spcPct val="150000"/>
-              </a:lnSpc>
-            </a:pPr>
-            <a:endParaRPr lang="ru-RU" altLang="ru-RU" sz="1200" i="1" dirty="0" smtClean="0">
-              <a:cs typeface="Times New Roman" panose="02020603050405020304" pitchFamily="18" charset="0"/>
-            </a:endParaRPr>
-          </a:p>
-          <a:p>
-            <a:pPr eaLnBrk="1" hangingPunct="1">
-              <a:lnSpc>
-                <a:spcPct val="150000"/>
-              </a:lnSpc>
-            </a:pPr>
-            <a:endParaRPr lang="ru-RU" altLang="ru-RU" sz="1200" i="1" dirty="0" smtClean="0">
-              <a:cs typeface="Times New Roman" panose="02020603050405020304" pitchFamily="18" charset="0"/>
-            </a:endParaRPr>
-          </a:p>
-        </p:txBody>
-      </p:sp>
-      <mc:AlternateContent xmlns:mc="http://schemas.openxmlformats.org/markup-compatibility/2006" xmlns:a14="http://schemas.microsoft.com/office/drawing/2010/main">
-        <mc:Choice Requires="a14">
-          <p:sp>
-            <p:nvSpPr>
-              <p:cNvPr id="17" name="Прямоугольник 16"/>
-              <p:cNvSpPr/>
-              <p:nvPr/>
-            </p:nvSpPr>
-            <p:spPr>
-              <a:xfrm>
-                <a:off x="1473931" y="2099280"/>
-                <a:ext cx="2613664" cy="962058"/>
-              </a:xfrm>
-              <a:prstGeom prst="rect">
-                <a:avLst/>
-              </a:prstGeom>
-              <a:effectLst>
-                <a:outerShdw blurRad="50800" dist="38100" dir="2700000" algn="tl" rotWithShape="0">
-                  <a:prstClr val="black">
-                    <a:alpha val="40000"/>
-                  </a:prstClr>
-                </a:outerShdw>
-              </a:effectLst>
-            </p:spPr>
-            <p:txBody>
-              <a:bodyPr wrap="none">
-                <a:spAutoFit/>
-              </a:bodyPr>
-              <a:lstStyle/>
-              <a:p>
-                <a:pPr/>
-                <a14:m>
-                  <m:oMathPara xmlns:m="http://schemas.openxmlformats.org/officeDocument/2006/math">
-                    <m:oMathParaPr>
-                      <m:jc m:val="centerGroup"/>
-                    </m:oMathParaPr>
-                    <m:oMath xmlns:m="http://schemas.openxmlformats.org/officeDocument/2006/math">
-                      <m:r>
-                        <a:rPr lang="ru-RU" i="1">
-                          <a:latin typeface="Cambria Math" panose="02040503050406030204" pitchFamily="18" charset="0"/>
-                        </a:rPr>
-                        <m:t>𝑟</m:t>
-                      </m:r>
-                      <m:r>
-                        <a:rPr lang="ru-RU" i="0">
-                          <a:latin typeface="Cambria Math" panose="02040503050406030204" pitchFamily="18" charset="0"/>
-                        </a:rPr>
-                        <m:t>= </m:t>
-                      </m:r>
-                      <m:f>
-                        <m:fPr>
-                          <m:ctrlPr>
-                            <a:rPr lang="ru-RU" i="1">
-                              <a:latin typeface="Cambria Math" panose="02040503050406030204" pitchFamily="18" charset="0"/>
-                            </a:rPr>
-                          </m:ctrlPr>
-                        </m:fPr>
-                        <m:num>
-                          <m:rad>
-                            <m:radPr>
-                              <m:degHide m:val="on"/>
-                              <m:ctrlPr>
-                                <a:rPr lang="ru-RU" i="1">
-                                  <a:latin typeface="Cambria Math" panose="02040503050406030204" pitchFamily="18" charset="0"/>
-                                </a:rPr>
-                              </m:ctrlPr>
-                            </m:radPr>
-                            <m:deg/>
-                            <m:e>
-                              <m:sSubSup>
-                                <m:sSubSupPr>
-                                  <m:ctrlPr>
-                                    <a:rPr lang="ru-RU" i="1">
-                                      <a:latin typeface="Cambria Math" panose="02040503050406030204" pitchFamily="18" charset="0"/>
-                                    </a:rPr>
-                                  </m:ctrlPr>
-                                </m:sSubSupPr>
-                                <m:e>
-                                  <m:r>
-                                    <a:rPr lang="ru-RU" i="1">
-                                      <a:latin typeface="Cambria Math" panose="02040503050406030204" pitchFamily="18" charset="0"/>
-                                    </a:rPr>
-                                    <m:t>𝑅</m:t>
-                                  </m:r>
-                                </m:e>
-                                <m:sub>
-                                  <m:r>
-                                    <a:rPr lang="ru-RU" i="1">
-                                      <a:latin typeface="Cambria Math" panose="02040503050406030204" pitchFamily="18" charset="0"/>
-                                    </a:rPr>
-                                    <m:t>𝑂</m:t>
-                                  </m:r>
-                                </m:sub>
-                                <m:sup>
-                                  <m:r>
-                                    <a:rPr lang="ru-RU" i="0">
-                                      <a:latin typeface="Cambria Math" panose="02040503050406030204" pitchFamily="18" charset="0"/>
-                                    </a:rPr>
-                                    <m:t>2</m:t>
-                                  </m:r>
-                                </m:sup>
-                              </m:sSubSup>
-                              <m:r>
-                                <a:rPr lang="ru-RU" i="0">
-                                  <a:latin typeface="Cambria Math" panose="02040503050406030204" pitchFamily="18" charset="0"/>
-                                </a:rPr>
-                                <m:t>∗1000</m:t>
-                              </m:r>
-                            </m:e>
-                          </m:rad>
-                        </m:num>
-                        <m:den>
-                          <m:sSub>
-                            <m:sSubPr>
-                              <m:ctrlPr>
-                                <a:rPr lang="ru-RU" i="1">
-                                  <a:latin typeface="Cambria Math" panose="02040503050406030204" pitchFamily="18" charset="0"/>
-                                </a:rPr>
-                              </m:ctrlPr>
-                            </m:sSubPr>
-                            <m:e>
-                              <m:r>
-                                <a:rPr lang="ru-RU" i="1">
-                                  <a:latin typeface="Cambria Math" panose="02040503050406030204" pitchFamily="18" charset="0"/>
-                                </a:rPr>
-                                <m:t>𝑅</m:t>
-                              </m:r>
-                            </m:e>
-                            <m:sub>
-                              <m:r>
-                                <a:rPr lang="ru-RU" i="1">
-                                  <a:latin typeface="Cambria Math" panose="02040503050406030204" pitchFamily="18" charset="0"/>
-                                </a:rPr>
-                                <m:t>𝑂</m:t>
-                              </m:r>
-                            </m:sub>
-                          </m:sSub>
-                        </m:den>
-                      </m:f>
-                      <m:r>
-                        <a:rPr lang="ru-RU" i="0">
-                          <a:latin typeface="Cambria Math" panose="02040503050406030204" pitchFamily="18" charset="0"/>
-                        </a:rPr>
-                        <m:t>=31.6</m:t>
-                      </m:r>
-                    </m:oMath>
-                  </m:oMathPara>
-                </a14:m>
-                <a:endParaRPr lang="ru-RU" dirty="0"/>
-              </a:p>
-            </p:txBody>
-          </p:sp>
-        </mc:Choice>
-        <mc:Fallback xmlns="">
-          <p:sp>
-            <p:nvSpPr>
-              <p:cNvPr id="17" name="Прямоугольник 16"/>
-              <p:cNvSpPr>
-                <a:spLocks noRot="1" noChangeAspect="1" noMove="1" noResize="1" noEditPoints="1" noAdjustHandles="1" noChangeArrowheads="1" noChangeShapeType="1" noTextEdit="1"/>
-              </p:cNvSpPr>
-              <p:nvPr/>
-            </p:nvSpPr>
-            <p:spPr>
-              <a:xfrm>
-                <a:off x="1473931" y="2099280"/>
-                <a:ext cx="2613664" cy="962058"/>
-              </a:xfrm>
-              <a:prstGeom prst="rect">
-                <a:avLst/>
-              </a:prstGeom>
-              <a:blipFill rotWithShape="0">
-                <a:blip r:embed="rId6"/>
-                <a:stretch>
-                  <a:fillRect/>
-                </a:stretch>
-              </a:blipFill>
-              <a:effectLst>
-                <a:outerShdw blurRad="50800" dist="38100" dir="2700000" algn="tl" rotWithShape="0">
-                  <a:prstClr val="black">
-                    <a:alpha val="40000"/>
-                  </a:prstClr>
-                </a:outerShdw>
-              </a:effectLst>
-            </p:spPr>
-            <p:txBody>
-              <a:bodyPr/>
-              <a:lstStyle/>
-              <a:p>
-                <a:r>
-                  <a:rPr lang="ru-RU">
-                    <a:noFill/>
-                  </a:rPr>
-                  <a:t> </a:t>
-                </a:r>
-              </a:p>
-            </p:txBody>
-          </p:sp>
-        </mc:Fallback>
-      </mc:AlternateContent>
       <p:graphicFrame>
         <p:nvGraphicFramePr>
           <p:cNvPr id="12" name="Таблица 11"/>
@@ -8583,13 +7615,13 @@
           <p:nvPr>
             <p:extLst>
               <p:ext uri="{D42A27DB-BD31-4B8C-83A1-F6EECF244321}">
-                <p14:modId xmlns:p14="http://schemas.microsoft.com/office/powerpoint/2010/main" val="3663302631"/>
+                <p14:modId xmlns:p14="http://schemas.microsoft.com/office/powerpoint/2010/main" val="4118648769"/>
               </p:ext>
             </p:extLst>
           </p:nvPr>
         </p:nvGraphicFramePr>
         <p:xfrm>
-          <a:off x="1473931" y="4291423"/>
+          <a:off x="479376" y="1859588"/>
           <a:ext cx="4608511" cy="1483360"/>
         </p:xfrm>
         <a:graphic>
@@ -8906,7 +7938,7 @@
         </p:nvSpPr>
         <p:spPr bwMode="auto">
           <a:xfrm>
-            <a:off x="2971606" y="5805264"/>
+            <a:off x="1977051" y="3373429"/>
             <a:ext cx="1512168" cy="432048"/>
           </a:xfrm>
           <a:prstGeom prst="rect">
@@ -9133,6 +8165,347 @@
               <a:t>Таблица скоростей</a:t>
             </a:r>
             <a:endParaRPr lang="ru-RU" altLang="ru-RU" sz="1200" i="1" dirty="0" smtClean="0">
+              <a:cs typeface="Times New Roman" panose="02020603050405020304" pitchFamily="18" charset="0"/>
+            </a:endParaRPr>
+          </a:p>
+        </p:txBody>
+      </p:sp>
+      <p:sp>
+        <p:nvSpPr>
+          <p:cNvPr id="23" name="Текст 5"/>
+          <p:cNvSpPr txBox="1">
+            <a:spLocks noChangeArrowheads="1"/>
+          </p:cNvSpPr>
+          <p:nvPr/>
+        </p:nvSpPr>
+        <p:spPr bwMode="auto">
+          <a:xfrm>
+            <a:off x="551384" y="3951579"/>
+            <a:ext cx="5112568" cy="2339157"/>
+          </a:xfrm>
+          <a:prstGeom prst="rect">
+            <a:avLst/>
+          </a:prstGeom>
+          <a:noFill/>
+          <a:ln>
+            <a:noFill/>
+          </a:ln>
+          <a:extLst>
+            <a:ext uri="{909E8E84-426E-40DD-AFC4-6F175D3DCCD1}">
+              <a14:hiddenFill xmlns:a14="http://schemas.microsoft.com/office/drawing/2010/main">
+                <a:solidFill>
+                  <a:srgbClr val="FFFFFF"/>
+                </a:solidFill>
+              </a14:hiddenFill>
+            </a:ext>
+            <a:ext uri="{91240B29-F687-4F45-9708-019B960494DF}">
+              <a14:hiddenLine xmlns:a14="http://schemas.microsoft.com/office/drawing/2010/main" w="9525">
+                <a:solidFill>
+                  <a:srgbClr val="000000"/>
+                </a:solidFill>
+                <a:miter lim="800000"/>
+                <a:headEnd/>
+                <a:tailEnd/>
+              </a14:hiddenLine>
+            </a:ext>
+          </a:extLst>
+        </p:spPr>
+        <p:txBody>
+          <a:bodyPr vert="horz" wrap="square" lIns="91440" tIns="45720" rIns="91440" bIns="45720" numCol="1" anchor="t" anchorCtr="0" compatLnSpc="1">
+            <a:prstTxWarp prst="textNoShape">
+              <a:avLst/>
+            </a:prstTxWarp>
+          </a:bodyPr>
+          <a:lstStyle>
+            <a:lvl1pPr marL="228600" indent="-228600" algn="l" rtl="0" eaLnBrk="0" fontAlgn="base" hangingPunct="0">
+              <a:lnSpc>
+                <a:spcPct val="90000"/>
+              </a:lnSpc>
+              <a:spcBef>
+                <a:spcPts val="1000"/>
+              </a:spcBef>
+              <a:spcAft>
+                <a:spcPct val="0"/>
+              </a:spcAft>
+              <a:buFont typeface="Arial" panose="020B0604020202020204" pitchFamily="34" charset="0"/>
+              <a:buChar char="•"/>
+              <a:defRPr sz="2800" kern="1200">
+                <a:solidFill>
+                  <a:schemeClr val="tx1"/>
+                </a:solidFill>
+                <a:latin typeface="+mn-lt"/>
+                <a:ea typeface="+mn-ea"/>
+                <a:cs typeface="+mn-cs"/>
+              </a:defRPr>
+            </a:lvl1pPr>
+            <a:lvl2pPr marL="685800" indent="-228600" algn="l" rtl="0" eaLnBrk="0" fontAlgn="base" hangingPunct="0">
+              <a:lnSpc>
+                <a:spcPct val="90000"/>
+              </a:lnSpc>
+              <a:spcBef>
+                <a:spcPts val="500"/>
+              </a:spcBef>
+              <a:spcAft>
+                <a:spcPct val="0"/>
+              </a:spcAft>
+              <a:buFont typeface="Arial" panose="020B0604020202020204" pitchFamily="34" charset="0"/>
+              <a:buChar char="•"/>
+              <a:defRPr sz="2400" kern="1200">
+                <a:solidFill>
+                  <a:schemeClr val="tx1"/>
+                </a:solidFill>
+                <a:latin typeface="+mn-lt"/>
+                <a:ea typeface="+mn-ea"/>
+                <a:cs typeface="+mn-cs"/>
+              </a:defRPr>
+            </a:lvl2pPr>
+            <a:lvl3pPr marL="1143000" indent="-228600" algn="l" rtl="0" eaLnBrk="0" fontAlgn="base" hangingPunct="0">
+              <a:lnSpc>
+                <a:spcPct val="90000"/>
+              </a:lnSpc>
+              <a:spcBef>
+                <a:spcPts val="500"/>
+              </a:spcBef>
+              <a:spcAft>
+                <a:spcPct val="0"/>
+              </a:spcAft>
+              <a:buFont typeface="Arial" panose="020B0604020202020204" pitchFamily="34" charset="0"/>
+              <a:buChar char="•"/>
+              <a:defRPr sz="2000" kern="1200">
+                <a:solidFill>
+                  <a:schemeClr val="tx1"/>
+                </a:solidFill>
+                <a:latin typeface="+mn-lt"/>
+                <a:ea typeface="+mn-ea"/>
+                <a:cs typeface="+mn-cs"/>
+              </a:defRPr>
+            </a:lvl3pPr>
+            <a:lvl4pPr marL="1600200" indent="-228600" algn="l" rtl="0" eaLnBrk="0" fontAlgn="base" hangingPunct="0">
+              <a:lnSpc>
+                <a:spcPct val="90000"/>
+              </a:lnSpc>
+              <a:spcBef>
+                <a:spcPts val="500"/>
+              </a:spcBef>
+              <a:spcAft>
+                <a:spcPct val="0"/>
+              </a:spcAft>
+              <a:buFont typeface="Arial" panose="020B0604020202020204" pitchFamily="34" charset="0"/>
+              <a:buChar char="•"/>
+              <a:defRPr kern="1200">
+                <a:solidFill>
+                  <a:schemeClr val="tx1"/>
+                </a:solidFill>
+                <a:latin typeface="+mn-lt"/>
+                <a:ea typeface="+mn-ea"/>
+                <a:cs typeface="+mn-cs"/>
+              </a:defRPr>
+            </a:lvl4pPr>
+            <a:lvl5pPr marL="2057400" indent="-228600" algn="l" rtl="0" eaLnBrk="0" fontAlgn="base" hangingPunct="0">
+              <a:lnSpc>
+                <a:spcPct val="90000"/>
+              </a:lnSpc>
+              <a:spcBef>
+                <a:spcPts val="500"/>
+              </a:spcBef>
+              <a:spcAft>
+                <a:spcPct val="0"/>
+              </a:spcAft>
+              <a:buFont typeface="Arial" panose="020B0604020202020204" pitchFamily="34" charset="0"/>
+              <a:buChar char="•"/>
+              <a:defRPr kern="1200">
+                <a:solidFill>
+                  <a:schemeClr val="tx1"/>
+                </a:solidFill>
+                <a:latin typeface="+mn-lt"/>
+                <a:ea typeface="+mn-ea"/>
+                <a:cs typeface="+mn-cs"/>
+              </a:defRPr>
+            </a:lvl5pPr>
+            <a:lvl6pPr marL="2514600" indent="-228600" algn="l" defTabSz="914400" rtl="0" eaLnBrk="1" latinLnBrk="0" hangingPunct="1">
+              <a:lnSpc>
+                <a:spcPct val="90000"/>
+              </a:lnSpc>
+              <a:spcBef>
+                <a:spcPts val="500"/>
+              </a:spcBef>
+              <a:buFont typeface="Arial" panose="020B0604020202020204" pitchFamily="34" charset="0"/>
+              <a:buChar char="•"/>
+              <a:defRPr sz="1800" kern="1200">
+                <a:solidFill>
+                  <a:schemeClr val="tx1"/>
+                </a:solidFill>
+                <a:latin typeface="+mn-lt"/>
+                <a:ea typeface="+mn-ea"/>
+                <a:cs typeface="+mn-cs"/>
+              </a:defRPr>
+            </a:lvl6pPr>
+            <a:lvl7pPr marL="2971800" indent="-228600" algn="l" defTabSz="914400" rtl="0" eaLnBrk="1" latinLnBrk="0" hangingPunct="1">
+              <a:lnSpc>
+                <a:spcPct val="90000"/>
+              </a:lnSpc>
+              <a:spcBef>
+                <a:spcPts val="500"/>
+              </a:spcBef>
+              <a:buFont typeface="Arial" panose="020B0604020202020204" pitchFamily="34" charset="0"/>
+              <a:buChar char="•"/>
+              <a:defRPr sz="1800" kern="1200">
+                <a:solidFill>
+                  <a:schemeClr val="tx1"/>
+                </a:solidFill>
+                <a:latin typeface="+mn-lt"/>
+                <a:ea typeface="+mn-ea"/>
+                <a:cs typeface="+mn-cs"/>
+              </a:defRPr>
+            </a:lvl7pPr>
+            <a:lvl8pPr marL="3429000" indent="-228600" algn="l" defTabSz="914400" rtl="0" eaLnBrk="1" latinLnBrk="0" hangingPunct="1">
+              <a:lnSpc>
+                <a:spcPct val="90000"/>
+              </a:lnSpc>
+              <a:spcBef>
+                <a:spcPts val="500"/>
+              </a:spcBef>
+              <a:buFont typeface="Arial" panose="020B0604020202020204" pitchFamily="34" charset="0"/>
+              <a:buChar char="•"/>
+              <a:defRPr sz="1800" kern="1200">
+                <a:solidFill>
+                  <a:schemeClr val="tx1"/>
+                </a:solidFill>
+                <a:latin typeface="+mn-lt"/>
+                <a:ea typeface="+mn-ea"/>
+                <a:cs typeface="+mn-cs"/>
+              </a:defRPr>
+            </a:lvl8pPr>
+            <a:lvl9pPr marL="3886200" indent="-228600" algn="l" defTabSz="914400" rtl="0" eaLnBrk="1" latinLnBrk="0" hangingPunct="1">
+              <a:lnSpc>
+                <a:spcPct val="90000"/>
+              </a:lnSpc>
+              <a:spcBef>
+                <a:spcPts val="500"/>
+              </a:spcBef>
+              <a:buFont typeface="Arial" panose="020B0604020202020204" pitchFamily="34" charset="0"/>
+              <a:buChar char="•"/>
+              <a:defRPr sz="1800" kern="1200">
+                <a:solidFill>
+                  <a:schemeClr val="tx1"/>
+                </a:solidFill>
+                <a:latin typeface="+mn-lt"/>
+                <a:ea typeface="+mn-ea"/>
+                <a:cs typeface="+mn-cs"/>
+              </a:defRPr>
+            </a:lvl9pPr>
+          </a:lstStyle>
+          <a:p>
+            <a:pPr marL="0" indent="0" eaLnBrk="1" hangingPunct="1">
+              <a:lnSpc>
+                <a:spcPct val="150000"/>
+              </a:lnSpc>
+              <a:buNone/>
+            </a:pPr>
+            <a:r>
+              <a:rPr lang="ru-RU" sz="3200" dirty="0" smtClean="0"/>
+              <a:t>Эффективность</a:t>
+            </a:r>
+            <a:endParaRPr lang="ru-RU" sz="3200" dirty="0"/>
+          </a:p>
+          <a:p>
+            <a:pPr marL="0" indent="0" eaLnBrk="1" hangingPunct="1">
+              <a:lnSpc>
+                <a:spcPct val="150000"/>
+              </a:lnSpc>
+              <a:buNone/>
+            </a:pPr>
+            <a:r>
+              <a:rPr lang="ru-RU" altLang="ru-RU" sz="1600" dirty="0" smtClean="0">
+                <a:cs typeface="Times New Roman" panose="02020603050405020304" pitchFamily="18" charset="0"/>
+              </a:rPr>
+              <a:t>Второй эффективнее первого в</a:t>
+            </a:r>
+            <a:r>
+              <a:rPr lang="en-US" altLang="ru-RU" sz="1600" dirty="0" smtClean="0">
+                <a:cs typeface="Times New Roman" panose="02020603050405020304" pitchFamily="18" charset="0"/>
+              </a:rPr>
+              <a:t>: 0.4464/</a:t>
+            </a:r>
+            <a:r>
+              <a:rPr lang="en-US" sz="1600" dirty="0" smtClean="0"/>
+              <a:t>0.1852</a:t>
+            </a:r>
+            <a:r>
+              <a:rPr lang="ru-RU" sz="1600" b="1" dirty="0" smtClean="0"/>
+              <a:t> </a:t>
+            </a:r>
+            <a:r>
+              <a:rPr lang="ru-RU" sz="1600" dirty="0" smtClean="0"/>
+              <a:t>=</a:t>
+            </a:r>
+            <a:r>
+              <a:rPr lang="ru-RU" sz="1600" b="1" dirty="0" smtClean="0"/>
+              <a:t> 2.41</a:t>
+            </a:r>
+            <a:br>
+              <a:rPr lang="ru-RU" sz="1600" b="1" dirty="0" smtClean="0"/>
+            </a:br>
+            <a:r>
+              <a:rPr lang="ru-RU" sz="1600" dirty="0" smtClean="0"/>
+              <a:t>Третий эффективнее второго в: </a:t>
+            </a:r>
+            <a:r>
+              <a:rPr lang="en-US" sz="1600" dirty="0"/>
+              <a:t>0.475</a:t>
+            </a:r>
+            <a:r>
+              <a:rPr lang="ru-RU" sz="1600" dirty="0" smtClean="0"/>
+              <a:t>9</a:t>
+            </a:r>
+            <a:r>
+              <a:rPr lang="en-US" sz="1600" dirty="0" smtClean="0"/>
+              <a:t>/0.4464 = </a:t>
+            </a:r>
+            <a:r>
+              <a:rPr lang="en-US" sz="1600" b="1" dirty="0" smtClean="0"/>
+              <a:t>1.06</a:t>
+            </a:r>
+            <a:endParaRPr lang="ru-RU" sz="1600" dirty="0"/>
+          </a:p>
+          <a:p>
+            <a:pPr marL="0" indent="0" eaLnBrk="1" hangingPunct="1">
+              <a:lnSpc>
+                <a:spcPct val="150000"/>
+              </a:lnSpc>
+              <a:buNone/>
+            </a:pPr>
+            <a:endParaRPr lang="ru-RU" sz="1600" b="1" dirty="0"/>
+          </a:p>
+          <a:p>
+            <a:pPr marL="0" indent="0" eaLnBrk="1" hangingPunct="1">
+              <a:lnSpc>
+                <a:spcPct val="150000"/>
+              </a:lnSpc>
+              <a:buNone/>
+            </a:pPr>
+            <a:endParaRPr lang="ru-RU" sz="1600" u="sng" dirty="0"/>
+          </a:p>
+          <a:p>
+            <a:pPr marL="0" indent="0" eaLnBrk="1" hangingPunct="1">
+              <a:lnSpc>
+                <a:spcPct val="150000"/>
+              </a:lnSpc>
+              <a:buNone/>
+            </a:pPr>
+            <a:endParaRPr lang="ru-RU" altLang="ru-RU" sz="3200" dirty="0" smtClean="0">
+              <a:cs typeface="Times New Roman" panose="02020603050405020304" pitchFamily="18" charset="0"/>
+            </a:endParaRPr>
+          </a:p>
+          <a:p>
+            <a:pPr eaLnBrk="1" hangingPunct="1">
+              <a:lnSpc>
+                <a:spcPct val="150000"/>
+              </a:lnSpc>
+              <a:buFontTx/>
+              <a:buChar char="-"/>
+            </a:pPr>
+            <a:endParaRPr lang="ru-RU" altLang="ru-RU" sz="1600" b="1" dirty="0" smtClean="0">
               <a:cs typeface="Times New Roman" panose="02020603050405020304" pitchFamily="18" charset="0"/>
             </a:endParaRPr>
           </a:p>
@@ -10222,6 +9595,924 @@
       </p:grpSpPr>
       <p:sp>
         <p:nvSpPr>
+          <p:cNvPr id="2" name="Номер слайда 1"/>
+          <p:cNvSpPr>
+            <a:spLocks noGrp="1"/>
+          </p:cNvSpPr>
+          <p:nvPr>
+            <p:ph type="sldNum" sz="quarter" idx="12"/>
+          </p:nvPr>
+        </p:nvSpPr>
+        <p:spPr/>
+        <p:txBody>
+          <a:bodyPr/>
+          <a:lstStyle>
+            <a:lvl1pPr>
+              <a:defRPr>
+                <a:solidFill>
+                  <a:schemeClr val="tx1"/>
+                </a:solidFill>
+                <a:latin typeface="Calibri" panose="020F0502020204030204" pitchFamily="34" charset="0"/>
+              </a:defRPr>
+            </a:lvl1pPr>
+            <a:lvl2pPr marL="742950" indent="-285750">
+              <a:defRPr>
+                <a:solidFill>
+                  <a:schemeClr val="tx1"/>
+                </a:solidFill>
+                <a:latin typeface="Calibri" panose="020F0502020204030204" pitchFamily="34" charset="0"/>
+              </a:defRPr>
+            </a:lvl2pPr>
+            <a:lvl3pPr marL="1143000" indent="-228600">
+              <a:defRPr>
+                <a:solidFill>
+                  <a:schemeClr val="tx1"/>
+                </a:solidFill>
+                <a:latin typeface="Calibri" panose="020F0502020204030204" pitchFamily="34" charset="0"/>
+              </a:defRPr>
+            </a:lvl3pPr>
+            <a:lvl4pPr marL="1600200" indent="-228600">
+              <a:defRPr>
+                <a:solidFill>
+                  <a:schemeClr val="tx1"/>
+                </a:solidFill>
+                <a:latin typeface="Calibri" panose="020F0502020204030204" pitchFamily="34" charset="0"/>
+              </a:defRPr>
+            </a:lvl4pPr>
+            <a:lvl5pPr marL="2057400" indent="-228600">
+              <a:defRPr>
+                <a:solidFill>
+                  <a:schemeClr val="tx1"/>
+                </a:solidFill>
+                <a:latin typeface="Calibri" panose="020F0502020204030204" pitchFamily="34" charset="0"/>
+              </a:defRPr>
+            </a:lvl5pPr>
+            <a:lvl6pPr marL="2514600" indent="-228600" eaLnBrk="0" fontAlgn="base" hangingPunct="0">
+              <a:spcBef>
+                <a:spcPct val="0"/>
+              </a:spcBef>
+              <a:spcAft>
+                <a:spcPct val="0"/>
+              </a:spcAft>
+              <a:defRPr>
+                <a:solidFill>
+                  <a:schemeClr val="tx1"/>
+                </a:solidFill>
+                <a:latin typeface="Calibri" panose="020F0502020204030204" pitchFamily="34" charset="0"/>
+              </a:defRPr>
+            </a:lvl6pPr>
+            <a:lvl7pPr marL="2971800" indent="-228600" eaLnBrk="0" fontAlgn="base" hangingPunct="0">
+              <a:spcBef>
+                <a:spcPct val="0"/>
+              </a:spcBef>
+              <a:spcAft>
+                <a:spcPct val="0"/>
+              </a:spcAft>
+              <a:defRPr>
+                <a:solidFill>
+                  <a:schemeClr val="tx1"/>
+                </a:solidFill>
+                <a:latin typeface="Calibri" panose="020F0502020204030204" pitchFamily="34" charset="0"/>
+              </a:defRPr>
+            </a:lvl7pPr>
+            <a:lvl8pPr marL="3429000" indent="-228600" eaLnBrk="0" fontAlgn="base" hangingPunct="0">
+              <a:spcBef>
+                <a:spcPct val="0"/>
+              </a:spcBef>
+              <a:spcAft>
+                <a:spcPct val="0"/>
+              </a:spcAft>
+              <a:defRPr>
+                <a:solidFill>
+                  <a:schemeClr val="tx1"/>
+                </a:solidFill>
+                <a:latin typeface="Calibri" panose="020F0502020204030204" pitchFamily="34" charset="0"/>
+              </a:defRPr>
+            </a:lvl8pPr>
+            <a:lvl9pPr marL="3886200" indent="-228600" eaLnBrk="0" fontAlgn="base" hangingPunct="0">
+              <a:spcBef>
+                <a:spcPct val="0"/>
+              </a:spcBef>
+              <a:spcAft>
+                <a:spcPct val="0"/>
+              </a:spcAft>
+              <a:defRPr>
+                <a:solidFill>
+                  <a:schemeClr val="tx1"/>
+                </a:solidFill>
+                <a:latin typeface="Calibri" panose="020F0502020204030204" pitchFamily="34" charset="0"/>
+              </a:defRPr>
+            </a:lvl9pPr>
+          </a:lstStyle>
+          <a:p>
+            <a:fld id="{2A6F2291-3EE5-43B4-A44A-1DD49E3ECFCB}" type="slidenum">
+              <a:rPr lang="ru-RU" altLang="ru-RU">
+                <a:solidFill>
+                  <a:srgbClr val="898989"/>
+                </a:solidFill>
+              </a:rPr>
+              <a:pPr/>
+              <a:t>13</a:t>
+            </a:fld>
+            <a:endParaRPr lang="ru-RU" altLang="ru-RU">
+              <a:solidFill>
+                <a:srgbClr val="898989"/>
+              </a:solidFill>
+            </a:endParaRPr>
+          </a:p>
+        </p:txBody>
+      </p:sp>
+      <p:sp>
+        <p:nvSpPr>
+          <p:cNvPr id="5" name="Текст 5"/>
+          <p:cNvSpPr txBox="1">
+            <a:spLocks noChangeArrowheads="1"/>
+          </p:cNvSpPr>
+          <p:nvPr/>
+        </p:nvSpPr>
+        <p:spPr bwMode="auto">
+          <a:xfrm>
+            <a:off x="1199456" y="1556262"/>
+            <a:ext cx="9564282" cy="5301737"/>
+          </a:xfrm>
+          <a:prstGeom prst="rect">
+            <a:avLst/>
+          </a:prstGeom>
+          <a:noFill/>
+          <a:ln>
+            <a:noFill/>
+          </a:ln>
+          <a:extLst>
+            <a:ext uri="{909E8E84-426E-40DD-AFC4-6F175D3DCCD1}">
+              <a14:hiddenFill xmlns:a14="http://schemas.microsoft.com/office/drawing/2010/main">
+                <a:solidFill>
+                  <a:srgbClr val="FFFFFF"/>
+                </a:solidFill>
+              </a14:hiddenFill>
+            </a:ext>
+            <a:ext uri="{91240B29-F687-4F45-9708-019B960494DF}">
+              <a14:hiddenLine xmlns:a14="http://schemas.microsoft.com/office/drawing/2010/main" w="9525">
+                <a:solidFill>
+                  <a:srgbClr val="000000"/>
+                </a:solidFill>
+                <a:miter lim="800000"/>
+                <a:headEnd/>
+                <a:tailEnd/>
+              </a14:hiddenLine>
+            </a:ext>
+          </a:extLst>
+        </p:spPr>
+        <p:txBody>
+          <a:bodyPr vert="horz" wrap="square" lIns="91440" tIns="45720" rIns="91440" bIns="45720" numCol="1" anchor="t" anchorCtr="0" compatLnSpc="1">
+            <a:prstTxWarp prst="textNoShape">
+              <a:avLst/>
+            </a:prstTxWarp>
+          </a:bodyPr>
+          <a:lstStyle>
+            <a:lvl1pPr marL="228600" indent="-228600" algn="l" rtl="0" eaLnBrk="0" fontAlgn="base" hangingPunct="0">
+              <a:lnSpc>
+                <a:spcPct val="90000"/>
+              </a:lnSpc>
+              <a:spcBef>
+                <a:spcPts val="1000"/>
+              </a:spcBef>
+              <a:spcAft>
+                <a:spcPct val="0"/>
+              </a:spcAft>
+              <a:buFont typeface="Arial" panose="020B0604020202020204" pitchFamily="34" charset="0"/>
+              <a:buChar char="•"/>
+              <a:defRPr sz="2800" kern="1200">
+                <a:solidFill>
+                  <a:schemeClr val="tx1"/>
+                </a:solidFill>
+                <a:latin typeface="+mn-lt"/>
+                <a:ea typeface="+mn-ea"/>
+                <a:cs typeface="+mn-cs"/>
+              </a:defRPr>
+            </a:lvl1pPr>
+            <a:lvl2pPr marL="685800" indent="-228600" algn="l" rtl="0" eaLnBrk="0" fontAlgn="base" hangingPunct="0">
+              <a:lnSpc>
+                <a:spcPct val="90000"/>
+              </a:lnSpc>
+              <a:spcBef>
+                <a:spcPts val="500"/>
+              </a:spcBef>
+              <a:spcAft>
+                <a:spcPct val="0"/>
+              </a:spcAft>
+              <a:buFont typeface="Arial" panose="020B0604020202020204" pitchFamily="34" charset="0"/>
+              <a:buChar char="•"/>
+              <a:defRPr sz="2400" kern="1200">
+                <a:solidFill>
+                  <a:schemeClr val="tx1"/>
+                </a:solidFill>
+                <a:latin typeface="+mn-lt"/>
+                <a:ea typeface="+mn-ea"/>
+                <a:cs typeface="+mn-cs"/>
+              </a:defRPr>
+            </a:lvl2pPr>
+            <a:lvl3pPr marL="1143000" indent="-228600" algn="l" rtl="0" eaLnBrk="0" fontAlgn="base" hangingPunct="0">
+              <a:lnSpc>
+                <a:spcPct val="90000"/>
+              </a:lnSpc>
+              <a:spcBef>
+                <a:spcPts val="500"/>
+              </a:spcBef>
+              <a:spcAft>
+                <a:spcPct val="0"/>
+              </a:spcAft>
+              <a:buFont typeface="Arial" panose="020B0604020202020204" pitchFamily="34" charset="0"/>
+              <a:buChar char="•"/>
+              <a:defRPr sz="2000" kern="1200">
+                <a:solidFill>
+                  <a:schemeClr val="tx1"/>
+                </a:solidFill>
+                <a:latin typeface="+mn-lt"/>
+                <a:ea typeface="+mn-ea"/>
+                <a:cs typeface="+mn-cs"/>
+              </a:defRPr>
+            </a:lvl3pPr>
+            <a:lvl4pPr marL="1600200" indent="-228600" algn="l" rtl="0" eaLnBrk="0" fontAlgn="base" hangingPunct="0">
+              <a:lnSpc>
+                <a:spcPct val="90000"/>
+              </a:lnSpc>
+              <a:spcBef>
+                <a:spcPts val="500"/>
+              </a:spcBef>
+              <a:spcAft>
+                <a:spcPct val="0"/>
+              </a:spcAft>
+              <a:buFont typeface="Arial" panose="020B0604020202020204" pitchFamily="34" charset="0"/>
+              <a:buChar char="•"/>
+              <a:defRPr kern="1200">
+                <a:solidFill>
+                  <a:schemeClr val="tx1"/>
+                </a:solidFill>
+                <a:latin typeface="+mn-lt"/>
+                <a:ea typeface="+mn-ea"/>
+                <a:cs typeface="+mn-cs"/>
+              </a:defRPr>
+            </a:lvl4pPr>
+            <a:lvl5pPr marL="2057400" indent="-228600" algn="l" rtl="0" eaLnBrk="0" fontAlgn="base" hangingPunct="0">
+              <a:lnSpc>
+                <a:spcPct val="90000"/>
+              </a:lnSpc>
+              <a:spcBef>
+                <a:spcPts val="500"/>
+              </a:spcBef>
+              <a:spcAft>
+                <a:spcPct val="0"/>
+              </a:spcAft>
+              <a:buFont typeface="Arial" panose="020B0604020202020204" pitchFamily="34" charset="0"/>
+              <a:buChar char="•"/>
+              <a:defRPr kern="1200">
+                <a:solidFill>
+                  <a:schemeClr val="tx1"/>
+                </a:solidFill>
+                <a:latin typeface="+mn-lt"/>
+                <a:ea typeface="+mn-ea"/>
+                <a:cs typeface="+mn-cs"/>
+              </a:defRPr>
+            </a:lvl5pPr>
+            <a:lvl6pPr marL="2514600" indent="-228600" algn="l" defTabSz="914400" rtl="0" eaLnBrk="1" latinLnBrk="0" hangingPunct="1">
+              <a:lnSpc>
+                <a:spcPct val="90000"/>
+              </a:lnSpc>
+              <a:spcBef>
+                <a:spcPts val="500"/>
+              </a:spcBef>
+              <a:buFont typeface="Arial" panose="020B0604020202020204" pitchFamily="34" charset="0"/>
+              <a:buChar char="•"/>
+              <a:defRPr sz="1800" kern="1200">
+                <a:solidFill>
+                  <a:schemeClr val="tx1"/>
+                </a:solidFill>
+                <a:latin typeface="+mn-lt"/>
+                <a:ea typeface="+mn-ea"/>
+                <a:cs typeface="+mn-cs"/>
+              </a:defRPr>
+            </a:lvl6pPr>
+            <a:lvl7pPr marL="2971800" indent="-228600" algn="l" defTabSz="914400" rtl="0" eaLnBrk="1" latinLnBrk="0" hangingPunct="1">
+              <a:lnSpc>
+                <a:spcPct val="90000"/>
+              </a:lnSpc>
+              <a:spcBef>
+                <a:spcPts val="500"/>
+              </a:spcBef>
+              <a:buFont typeface="Arial" panose="020B0604020202020204" pitchFamily="34" charset="0"/>
+              <a:buChar char="•"/>
+              <a:defRPr sz="1800" kern="1200">
+                <a:solidFill>
+                  <a:schemeClr val="tx1"/>
+                </a:solidFill>
+                <a:latin typeface="+mn-lt"/>
+                <a:ea typeface="+mn-ea"/>
+                <a:cs typeface="+mn-cs"/>
+              </a:defRPr>
+            </a:lvl7pPr>
+            <a:lvl8pPr marL="3429000" indent="-228600" algn="l" defTabSz="914400" rtl="0" eaLnBrk="1" latinLnBrk="0" hangingPunct="1">
+              <a:lnSpc>
+                <a:spcPct val="90000"/>
+              </a:lnSpc>
+              <a:spcBef>
+                <a:spcPts val="500"/>
+              </a:spcBef>
+              <a:buFont typeface="Arial" panose="020B0604020202020204" pitchFamily="34" charset="0"/>
+              <a:buChar char="•"/>
+              <a:defRPr sz="1800" kern="1200">
+                <a:solidFill>
+                  <a:schemeClr val="tx1"/>
+                </a:solidFill>
+                <a:latin typeface="+mn-lt"/>
+                <a:ea typeface="+mn-ea"/>
+                <a:cs typeface="+mn-cs"/>
+              </a:defRPr>
+            </a:lvl8pPr>
+            <a:lvl9pPr marL="3886200" indent="-228600" algn="l" defTabSz="914400" rtl="0" eaLnBrk="1" latinLnBrk="0" hangingPunct="1">
+              <a:lnSpc>
+                <a:spcPct val="90000"/>
+              </a:lnSpc>
+              <a:spcBef>
+                <a:spcPts val="500"/>
+              </a:spcBef>
+              <a:buFont typeface="Arial" panose="020B0604020202020204" pitchFamily="34" charset="0"/>
+              <a:buChar char="•"/>
+              <a:defRPr sz="1800" kern="1200">
+                <a:solidFill>
+                  <a:schemeClr val="tx1"/>
+                </a:solidFill>
+                <a:latin typeface="+mn-lt"/>
+                <a:ea typeface="+mn-ea"/>
+                <a:cs typeface="+mn-cs"/>
+              </a:defRPr>
+            </a:lvl9pPr>
+          </a:lstStyle>
+          <a:p>
+            <a:r>
+              <a:rPr lang="ru-RU" sz="1400" dirty="0"/>
+              <a:t>1. Аксенов, Е. П. Теория движения искусственных спутников Земли / Е. П. Аксенов. — Москва : Наука, 2006. — 360 c.</a:t>
+            </a:r>
+          </a:p>
+          <a:p>
+            <a:r>
+              <a:rPr lang="ru-RU" sz="1400" dirty="0"/>
+              <a:t>2. Добронравов, В. В. Курс теоретической механики / В. В. Добронравов, Н. Н. Никитин. — Москва : Высшая школа, 1983. — 575 c.</a:t>
+            </a:r>
+          </a:p>
+          <a:p>
+            <a:r>
+              <a:rPr lang="ru-RU" sz="1400" dirty="0"/>
+              <a:t>3. Иродов, И. Е. Механика. Основные законы / И. Е. Иродов. — Москва : </a:t>
+            </a:r>
+            <a:r>
+              <a:rPr lang="ru-RU" sz="1400" dirty="0" err="1"/>
+              <a:t>Резолит</a:t>
+            </a:r>
+            <a:r>
+              <a:rPr lang="ru-RU" sz="1400" dirty="0"/>
+              <a:t>, 2019. — 309 c.</a:t>
+            </a:r>
+          </a:p>
+          <a:p>
+            <a:r>
+              <a:rPr lang="ru-RU" sz="1400" dirty="0"/>
+              <a:t>4. </a:t>
+            </a:r>
+            <a:r>
+              <a:rPr lang="ru-RU" sz="1400" dirty="0" err="1"/>
+              <a:t>Лутц</a:t>
+            </a:r>
+            <a:r>
+              <a:rPr lang="ru-RU" sz="1400" dirty="0"/>
+              <a:t>, Марк Изучаем </a:t>
+            </a:r>
+            <a:r>
+              <a:rPr lang="ru-RU" sz="1400" dirty="0" err="1"/>
+              <a:t>Python</a:t>
+            </a:r>
+            <a:r>
+              <a:rPr lang="ru-RU" sz="1400" dirty="0"/>
+              <a:t> / Марк </a:t>
+            </a:r>
+            <a:r>
+              <a:rPr lang="ru-RU" sz="1400" dirty="0" err="1"/>
+              <a:t>Лутц</a:t>
+            </a:r>
+            <a:r>
+              <a:rPr lang="ru-RU" sz="1400" dirty="0"/>
+              <a:t>. — Санкт-Петербург : Символ-плюс, 2016. — 848 c.</a:t>
+            </a:r>
+          </a:p>
+          <a:p>
+            <a:r>
+              <a:rPr lang="ru-RU" sz="1400" dirty="0"/>
+              <a:t>5. </a:t>
+            </a:r>
+            <a:r>
+              <a:rPr lang="ru-RU" sz="1400" dirty="0" err="1"/>
+              <a:t>Мирер</a:t>
+            </a:r>
+            <a:r>
+              <a:rPr lang="ru-RU" sz="1400" dirty="0"/>
+              <a:t>, С. А. Механика космического полета. Орбитальное движение / С. А. </a:t>
+            </a:r>
+            <a:r>
+              <a:rPr lang="ru-RU" sz="1400" dirty="0" err="1"/>
+              <a:t>Мирер</a:t>
+            </a:r>
+            <a:r>
+              <a:rPr lang="ru-RU" sz="1400" dirty="0"/>
+              <a:t>. — Москва : </a:t>
+            </a:r>
+            <a:r>
+              <a:rPr lang="ru-RU" sz="1400" dirty="0" err="1"/>
+              <a:t>Резолит</a:t>
+            </a:r>
+            <a:r>
+              <a:rPr lang="ru-RU" sz="1400" dirty="0"/>
+              <a:t>, 2007. — 106 c.</a:t>
+            </a:r>
+          </a:p>
+          <a:p>
+            <a:r>
+              <a:rPr lang="ru-RU" sz="1400" dirty="0"/>
+              <a:t>6. </a:t>
+            </a:r>
+            <a:r>
+              <a:rPr lang="ru-RU" sz="1400" dirty="0" err="1"/>
+              <a:t>Мэтиз</a:t>
+            </a:r>
+            <a:r>
+              <a:rPr lang="ru-RU" sz="1400" dirty="0"/>
+              <a:t>, Эрик Изучаем </a:t>
+            </a:r>
+            <a:r>
+              <a:rPr lang="ru-RU" sz="1400" dirty="0" err="1"/>
+              <a:t>Python</a:t>
+            </a:r>
+            <a:r>
+              <a:rPr lang="ru-RU" sz="1400" dirty="0"/>
+              <a:t>. Программирование игр, визуализация данных, веб-приложения / </a:t>
+            </a:r>
+            <a:r>
+              <a:rPr lang="ru-RU" sz="1400" dirty="0" err="1"/>
+              <a:t>Мэтиз</a:t>
+            </a:r>
+            <a:r>
+              <a:rPr lang="ru-RU" sz="1400" dirty="0"/>
+              <a:t> Эрик. — Санкт-Петербург : Питер, 2017. — 587 c.</a:t>
+            </a:r>
+          </a:p>
+          <a:p>
+            <a:r>
+              <a:rPr lang="ru-RU" sz="1400" dirty="0"/>
+              <a:t>7. Овчинников, М. Ю. Введение в динамику космического полёта / М. Ю. Овчинников. — Москва : МФТИ, 2016. — 208 c.</a:t>
+            </a:r>
+          </a:p>
+          <a:p>
+            <a:r>
+              <a:rPr lang="ru-RU" sz="1400" dirty="0"/>
+              <a:t>8. </a:t>
+            </a:r>
+            <a:r>
+              <a:rPr lang="ru-RU" sz="1400" dirty="0" err="1"/>
+              <a:t>Прохоренок</a:t>
+            </a:r>
+            <a:r>
+              <a:rPr lang="ru-RU" sz="1400" dirty="0"/>
+              <a:t>, Н. А. </a:t>
+            </a:r>
+            <a:r>
+              <a:rPr lang="ru-RU" sz="1400" dirty="0" err="1"/>
+              <a:t>Python</a:t>
+            </a:r>
+            <a:r>
+              <a:rPr lang="ru-RU" sz="1400" dirty="0"/>
+              <a:t> 3 и </a:t>
+            </a:r>
+            <a:r>
+              <a:rPr lang="ru-RU" sz="1400" dirty="0" err="1"/>
+              <a:t>PyQt</a:t>
+            </a:r>
+            <a:r>
+              <a:rPr lang="ru-RU" sz="1400" dirty="0"/>
+              <a:t>. Разработка приложений / Н. А. </a:t>
+            </a:r>
+            <a:r>
+              <a:rPr lang="ru-RU" sz="1400" dirty="0" err="1"/>
+              <a:t>Прохоренок</a:t>
+            </a:r>
+            <a:r>
+              <a:rPr lang="ru-RU" sz="1400" dirty="0"/>
+              <a:t>. — Санкт-Петербург : БХВ-Петербург, 2019. — 791 c.</a:t>
+            </a:r>
+          </a:p>
+          <a:p>
+            <a:r>
+              <a:rPr lang="ru-RU" sz="1400" dirty="0"/>
+              <a:t>9. </a:t>
+            </a:r>
+            <a:r>
+              <a:rPr lang="ru-RU" sz="1400" dirty="0" err="1"/>
+              <a:t>Хорошилова</a:t>
+            </a:r>
+            <a:r>
+              <a:rPr lang="ru-RU" sz="1400" dirty="0"/>
+              <a:t>, Е. В. Математический анализ: неопределенный интеграл / Е. В. </a:t>
+            </a:r>
+            <a:r>
+              <a:rPr lang="ru-RU" sz="1400" dirty="0" err="1"/>
+              <a:t>Хорошилова</a:t>
+            </a:r>
+            <a:r>
+              <a:rPr lang="ru-RU" sz="1400" dirty="0"/>
+              <a:t>. — Москва : МАКС ПРЕСС, 2019. — 180 c.</a:t>
+            </a:r>
+          </a:p>
+          <a:p>
+            <a:r>
+              <a:rPr lang="ru-RU" sz="1400" dirty="0"/>
+              <a:t>10. Чеботарев, Г. А. Аналитические и численные методы небесной механики / Г. А. Чеботарев. — Москва : Наука, 2002. — 369 c</a:t>
+            </a:r>
+            <a:r>
+              <a:rPr lang="ru-RU" sz="1400" dirty="0" smtClean="0"/>
+              <a:t>.</a:t>
+            </a:r>
+            <a:endParaRPr lang="ru-RU" sz="1400" dirty="0"/>
+          </a:p>
+        </p:txBody>
+      </p:sp>
+      <p:sp>
+        <p:nvSpPr>
+          <p:cNvPr id="6" name="Прямоугольник 5"/>
+          <p:cNvSpPr/>
+          <p:nvPr/>
+        </p:nvSpPr>
+        <p:spPr>
+          <a:xfrm>
+            <a:off x="0" y="-10586"/>
+            <a:ext cx="12192000" cy="1052736"/>
+          </a:xfrm>
+          <a:prstGeom prst="rect">
+            <a:avLst/>
+          </a:prstGeom>
+          <a:solidFill>
+            <a:srgbClr val="0095DA"/>
+          </a:solidFill>
+        </p:spPr>
+        <p:style>
+          <a:lnRef idx="2">
+            <a:schemeClr val="accent1">
+              <a:shade val="50000"/>
+            </a:schemeClr>
+          </a:lnRef>
+          <a:fillRef idx="1">
+            <a:schemeClr val="accent1"/>
+          </a:fillRef>
+          <a:effectRef idx="0">
+            <a:schemeClr val="accent1"/>
+          </a:effectRef>
+          <a:fontRef idx="minor">
+            <a:schemeClr val="lt1"/>
+          </a:fontRef>
+        </p:style>
+        <p:txBody>
+          <a:bodyPr rtlCol="0" anchor="ctr"/>
+          <a:lstStyle/>
+          <a:p>
+            <a:pPr algn="ctr"/>
+            <a:endParaRPr lang="ru-RU"/>
+          </a:p>
+        </p:txBody>
+      </p:sp>
+      <p:sp>
+        <p:nvSpPr>
+          <p:cNvPr id="7" name="Rectangle 2"/>
+          <p:cNvSpPr txBox="1">
+            <a:spLocks noChangeArrowheads="1"/>
+          </p:cNvSpPr>
+          <p:nvPr/>
+        </p:nvSpPr>
+        <p:spPr bwMode="auto">
+          <a:xfrm>
+            <a:off x="1305152" y="28206"/>
+            <a:ext cx="8229600" cy="1032091"/>
+          </a:xfrm>
+          <a:prstGeom prst="rect">
+            <a:avLst/>
+          </a:prstGeom>
+          <a:noFill/>
+          <a:ln>
+            <a:noFill/>
+          </a:ln>
+          <a:extLst>
+            <a:ext uri="{909E8E84-426E-40DD-AFC4-6F175D3DCCD1}">
+              <a14:hiddenFill xmlns:a14="http://schemas.microsoft.com/office/drawing/2010/main">
+                <a:solidFill>
+                  <a:srgbClr val="FFFFFF"/>
+                </a:solidFill>
+              </a14:hiddenFill>
+            </a:ext>
+            <a:ext uri="{91240B29-F687-4F45-9708-019B960494DF}">
+              <a14:hiddenLine xmlns:a14="http://schemas.microsoft.com/office/drawing/2010/main" w="9525">
+                <a:solidFill>
+                  <a:srgbClr val="000000"/>
+                </a:solidFill>
+                <a:miter lim="800000"/>
+                <a:headEnd/>
+                <a:tailEnd/>
+              </a14:hiddenLine>
+            </a:ext>
+          </a:extLst>
+        </p:spPr>
+        <p:txBody>
+          <a:bodyPr vert="horz" wrap="square" lIns="91440" tIns="45720" rIns="91440" bIns="45720" numCol="1" anchor="ctr" anchorCtr="0" compatLnSpc="1">
+            <a:prstTxWarp prst="textNoShape">
+              <a:avLst/>
+            </a:prstTxWarp>
+          </a:bodyPr>
+          <a:lstStyle>
+            <a:lvl1pPr algn="l" rtl="0" eaLnBrk="0" fontAlgn="base" hangingPunct="0">
+              <a:lnSpc>
+                <a:spcPct val="90000"/>
+              </a:lnSpc>
+              <a:spcBef>
+                <a:spcPct val="0"/>
+              </a:spcBef>
+              <a:spcAft>
+                <a:spcPct val="0"/>
+              </a:spcAft>
+              <a:defRPr sz="4400" kern="1200">
+                <a:solidFill>
+                  <a:schemeClr val="tx1"/>
+                </a:solidFill>
+                <a:latin typeface="+mj-lt"/>
+                <a:ea typeface="+mj-ea"/>
+                <a:cs typeface="+mj-cs"/>
+              </a:defRPr>
+            </a:lvl1pPr>
+            <a:lvl2pPr algn="l" rtl="0" eaLnBrk="0" fontAlgn="base" hangingPunct="0">
+              <a:lnSpc>
+                <a:spcPct val="90000"/>
+              </a:lnSpc>
+              <a:spcBef>
+                <a:spcPct val="0"/>
+              </a:spcBef>
+              <a:spcAft>
+                <a:spcPct val="0"/>
+              </a:spcAft>
+              <a:defRPr sz="4400">
+                <a:solidFill>
+                  <a:schemeClr val="tx1"/>
+                </a:solidFill>
+                <a:latin typeface="Calibri Light" panose="020F0302020204030204" pitchFamily="34" charset="0"/>
+              </a:defRPr>
+            </a:lvl2pPr>
+            <a:lvl3pPr algn="l" rtl="0" eaLnBrk="0" fontAlgn="base" hangingPunct="0">
+              <a:lnSpc>
+                <a:spcPct val="90000"/>
+              </a:lnSpc>
+              <a:spcBef>
+                <a:spcPct val="0"/>
+              </a:spcBef>
+              <a:spcAft>
+                <a:spcPct val="0"/>
+              </a:spcAft>
+              <a:defRPr sz="4400">
+                <a:solidFill>
+                  <a:schemeClr val="tx1"/>
+                </a:solidFill>
+                <a:latin typeface="Calibri Light" panose="020F0302020204030204" pitchFamily="34" charset="0"/>
+              </a:defRPr>
+            </a:lvl3pPr>
+            <a:lvl4pPr algn="l" rtl="0" eaLnBrk="0" fontAlgn="base" hangingPunct="0">
+              <a:lnSpc>
+                <a:spcPct val="90000"/>
+              </a:lnSpc>
+              <a:spcBef>
+                <a:spcPct val="0"/>
+              </a:spcBef>
+              <a:spcAft>
+                <a:spcPct val="0"/>
+              </a:spcAft>
+              <a:defRPr sz="4400">
+                <a:solidFill>
+                  <a:schemeClr val="tx1"/>
+                </a:solidFill>
+                <a:latin typeface="Calibri Light" panose="020F0302020204030204" pitchFamily="34" charset="0"/>
+              </a:defRPr>
+            </a:lvl4pPr>
+            <a:lvl5pPr algn="l" rtl="0" eaLnBrk="0" fontAlgn="base" hangingPunct="0">
+              <a:lnSpc>
+                <a:spcPct val="90000"/>
+              </a:lnSpc>
+              <a:spcBef>
+                <a:spcPct val="0"/>
+              </a:spcBef>
+              <a:spcAft>
+                <a:spcPct val="0"/>
+              </a:spcAft>
+              <a:defRPr sz="4400">
+                <a:solidFill>
+                  <a:schemeClr val="tx1"/>
+                </a:solidFill>
+                <a:latin typeface="Calibri Light" panose="020F0302020204030204" pitchFamily="34" charset="0"/>
+              </a:defRPr>
+            </a:lvl5pPr>
+            <a:lvl6pPr marL="457200" algn="l" rtl="0" fontAlgn="base">
+              <a:lnSpc>
+                <a:spcPct val="90000"/>
+              </a:lnSpc>
+              <a:spcBef>
+                <a:spcPct val="0"/>
+              </a:spcBef>
+              <a:spcAft>
+                <a:spcPct val="0"/>
+              </a:spcAft>
+              <a:defRPr sz="4400">
+                <a:solidFill>
+                  <a:schemeClr val="tx1"/>
+                </a:solidFill>
+                <a:latin typeface="Calibri Light" panose="020F0302020204030204" pitchFamily="34" charset="0"/>
+              </a:defRPr>
+            </a:lvl6pPr>
+            <a:lvl7pPr marL="914400" algn="l" rtl="0" fontAlgn="base">
+              <a:lnSpc>
+                <a:spcPct val="90000"/>
+              </a:lnSpc>
+              <a:spcBef>
+                <a:spcPct val="0"/>
+              </a:spcBef>
+              <a:spcAft>
+                <a:spcPct val="0"/>
+              </a:spcAft>
+              <a:defRPr sz="4400">
+                <a:solidFill>
+                  <a:schemeClr val="tx1"/>
+                </a:solidFill>
+                <a:latin typeface="Calibri Light" panose="020F0302020204030204" pitchFamily="34" charset="0"/>
+              </a:defRPr>
+            </a:lvl7pPr>
+            <a:lvl8pPr marL="1371600" algn="l" rtl="0" fontAlgn="base">
+              <a:lnSpc>
+                <a:spcPct val="90000"/>
+              </a:lnSpc>
+              <a:spcBef>
+                <a:spcPct val="0"/>
+              </a:spcBef>
+              <a:spcAft>
+                <a:spcPct val="0"/>
+              </a:spcAft>
+              <a:defRPr sz="4400">
+                <a:solidFill>
+                  <a:schemeClr val="tx1"/>
+                </a:solidFill>
+                <a:latin typeface="Calibri Light" panose="020F0302020204030204" pitchFamily="34" charset="0"/>
+              </a:defRPr>
+            </a:lvl8pPr>
+            <a:lvl9pPr marL="1828800" algn="l" rtl="0" fontAlgn="base">
+              <a:lnSpc>
+                <a:spcPct val="90000"/>
+              </a:lnSpc>
+              <a:spcBef>
+                <a:spcPct val="0"/>
+              </a:spcBef>
+              <a:spcAft>
+                <a:spcPct val="0"/>
+              </a:spcAft>
+              <a:defRPr sz="4400">
+                <a:solidFill>
+                  <a:schemeClr val="tx1"/>
+                </a:solidFill>
+                <a:latin typeface="Calibri Light" panose="020F0302020204030204" pitchFamily="34" charset="0"/>
+              </a:defRPr>
+            </a:lvl9pPr>
+          </a:lstStyle>
+          <a:p>
+            <a:pPr eaLnBrk="1" hangingPunct="1"/>
+            <a:r>
+              <a:rPr lang="ru-RU" altLang="ru-RU" sz="3200" b="1" dirty="0" smtClean="0">
+                <a:solidFill>
+                  <a:schemeClr val="bg1"/>
+                </a:solidFill>
+              </a:rPr>
+              <a:t>Список использованной литературы</a:t>
+            </a:r>
+            <a:endParaRPr lang="ru-RU" altLang="ru-RU" sz="3200" b="1" dirty="0" smtClean="0">
+              <a:solidFill>
+                <a:schemeClr val="bg1"/>
+              </a:solidFill>
+            </a:endParaRPr>
+          </a:p>
+        </p:txBody>
+      </p:sp>
+      <p:pic>
+        <p:nvPicPr>
+          <p:cNvPr id="8" name="Picture 4"/>
+          <p:cNvPicPr>
+            <a:picLocks noChangeAspect="1" noChangeArrowheads="1"/>
+          </p:cNvPicPr>
+          <p:nvPr/>
+        </p:nvPicPr>
+        <p:blipFill>
+          <a:blip r:embed="rId2" cstate="print">
+            <a:extLst>
+              <a:ext uri="{28A0092B-C50C-407E-A947-70E740481C1C}">
+                <a14:useLocalDpi xmlns:a14="http://schemas.microsoft.com/office/drawing/2010/main" val="0"/>
+              </a:ext>
+            </a:extLst>
+          </a:blip>
+          <a:srcRect/>
+          <a:stretch>
+            <a:fillRect/>
+          </a:stretch>
+        </p:blipFill>
+        <p:spPr bwMode="auto">
+          <a:xfrm>
+            <a:off x="164922" y="62134"/>
+            <a:ext cx="975308" cy="943590"/>
+          </a:xfrm>
+          <a:prstGeom prst="rect">
+            <a:avLst/>
+          </a:prstGeom>
+          <a:noFill/>
+          <a:ln>
+            <a:noFill/>
+          </a:ln>
+          <a:effectLst/>
+          <a:extLst>
+            <a:ext uri="{909E8E84-426E-40DD-AFC4-6F175D3DCCD1}">
+              <a14:hiddenFill xmlns:a14="http://schemas.microsoft.com/office/drawing/2010/main">
+                <a:blipFill dpi="0" rotWithShape="0">
+                  <a:blip/>
+                  <a:srcRect/>
+                  <a:stretch>
+                    <a:fillRect/>
+                  </a:stretch>
+                </a:blipFill>
+              </a14:hiddenFill>
+            </a:ext>
+            <a:ext uri="{91240B29-F687-4F45-9708-019B960494DF}">
+              <a14:hiddenLine xmlns:a14="http://schemas.microsoft.com/office/drawing/2010/main" w="9525">
+                <a:solidFill>
+                  <a:srgbClr val="808080"/>
+                </a:solidFill>
+                <a:round/>
+                <a:headEnd/>
+                <a:tailEnd/>
+              </a14:hiddenLine>
+            </a:ext>
+            <a:ext uri="{AF507438-7753-43E0-B8FC-AC1667EBCBE1}">
+              <a14:hiddenEffects xmlns:a14="http://schemas.microsoft.com/office/drawing/2010/main">
+                <a:effectLst>
+                  <a:outerShdw dist="35921" dir="2700000" algn="ctr" rotWithShape="0">
+                    <a:srgbClr val="808080"/>
+                  </a:outerShdw>
+                </a:effectLst>
+              </a14:hiddenEffects>
+            </a:ext>
+          </a:extLst>
+        </p:spPr>
+      </p:pic>
+    </p:spTree>
+    <p:extLst>
+      <p:ext uri="{BB962C8B-B14F-4D97-AF65-F5344CB8AC3E}">
+        <p14:creationId xmlns:p14="http://schemas.microsoft.com/office/powerpoint/2010/main" val="40098874"/>
+      </p:ext>
+    </p:extLst>
+  </p:cSld>
+  <p:clrMapOvr>
+    <a:masterClrMapping/>
+  </p:clrMapOvr>
+  <p:timing>
+    <p:tnLst>
+      <p:par>
+        <p:cTn id="1" dur="indefinite" restart="never" nodeType="tmRoot"/>
+      </p:par>
+    </p:tnLst>
+  </p:timing>
+</p:sld>
+</file>
+
+<file path=ppt/slides/slide14.xml><?xml version="1.0" encoding="utf-8"?>
+<p:sld xmlns:a="http://schemas.openxmlformats.org/drawingml/2006/main" xmlns:r="http://schemas.openxmlformats.org/officeDocument/2006/relationships" xmlns:p="http://schemas.openxmlformats.org/presentationml/2006/main">
+  <p:cSld>
+    <p:spTree>
+      <p:nvGrpSpPr>
+        <p:cNvPr id="1" name=""/>
+        <p:cNvGrpSpPr/>
+        <p:nvPr/>
+      </p:nvGrpSpPr>
+      <p:grpSpPr>
+        <a:xfrm>
+          <a:off x="0" y="0"/>
+          <a:ext cx="0" cy="0"/>
+          <a:chOff x="0" y="0"/>
+          <a:chExt cx="0" cy="0"/>
+        </a:xfrm>
+      </p:grpSpPr>
+      <p:sp>
+        <p:nvSpPr>
           <p:cNvPr id="25602" name="Rectangle 2"/>
           <p:cNvSpPr>
             <a:spLocks noGrp="1" noChangeArrowheads="1"/>
@@ -10367,7 +10658,7 @@
                 </a:solidFill>
               </a:rPr>
               <a:pPr/>
-              <a:t>13</a:t>
+              <a:t>14</a:t>
             </a:fld>
             <a:endParaRPr lang="ru-RU" altLang="ru-RU">
               <a:solidFill>
@@ -11212,6 +11503,1767 @@
       </p:grpSpPr>
       <p:sp>
         <p:nvSpPr>
+          <p:cNvPr id="9218" name="Rectangle 7"/>
+          <p:cNvSpPr>
+            <a:spLocks noChangeArrowheads="1"/>
+          </p:cNvSpPr>
+          <p:nvPr/>
+        </p:nvSpPr>
+        <p:spPr bwMode="auto">
+          <a:xfrm>
+            <a:off x="1524000" y="-184150"/>
+            <a:ext cx="184150" cy="368300"/>
+          </a:xfrm>
+          <a:prstGeom prst="rect">
+            <a:avLst/>
+          </a:prstGeom>
+          <a:noFill/>
+          <a:ln>
+            <a:noFill/>
+          </a:ln>
+          <a:effectLst/>
+          <a:extLst>
+            <a:ext uri="{909E8E84-426E-40DD-AFC4-6F175D3DCCD1}">
+              <a14:hiddenFill xmlns:a14="http://schemas.microsoft.com/office/drawing/2010/main">
+                <a:solidFill>
+                  <a:schemeClr val="accent1"/>
+                </a:solidFill>
+              </a14:hiddenFill>
+            </a:ext>
+            <a:ext uri="{91240B29-F687-4F45-9708-019B960494DF}">
+              <a14:hiddenLine xmlns:a14="http://schemas.microsoft.com/office/drawing/2010/main" w="9525">
+                <a:solidFill>
+                  <a:schemeClr val="tx1"/>
+                </a:solidFill>
+                <a:miter lim="800000"/>
+                <a:headEnd/>
+                <a:tailEnd/>
+              </a14:hiddenLine>
+            </a:ext>
+            <a:ext uri="{AF507438-7753-43E0-B8FC-AC1667EBCBE1}">
+              <a14:hiddenEffects xmlns:a14="http://schemas.microsoft.com/office/drawing/2010/main">
+                <a:effectLst>
+                  <a:outerShdw dist="35921" dir="2700000" algn="ctr" rotWithShape="0">
+                    <a:schemeClr val="bg2"/>
+                  </a:outerShdw>
+                </a:effectLst>
+              </a14:hiddenEffects>
+            </a:ext>
+          </a:extLst>
+        </p:spPr>
+        <p:txBody>
+          <a:bodyPr wrap="none" anchor="ctr">
+            <a:spAutoFit/>
+          </a:bodyPr>
+          <a:lstStyle>
+            <a:lvl1pPr>
+              <a:lnSpc>
+                <a:spcPct val="90000"/>
+              </a:lnSpc>
+              <a:spcBef>
+                <a:spcPts val="1000"/>
+              </a:spcBef>
+              <a:buFont typeface="Arial" panose="020B0604020202020204" pitchFamily="34" charset="0"/>
+              <a:buChar char="•"/>
+              <a:defRPr sz="2800">
+                <a:solidFill>
+                  <a:schemeClr val="tx1"/>
+                </a:solidFill>
+                <a:latin typeface="Calibri" panose="020F0502020204030204" pitchFamily="34" charset="0"/>
+              </a:defRPr>
+            </a:lvl1pPr>
+            <a:lvl2pPr marL="742950" indent="-285750">
+              <a:lnSpc>
+                <a:spcPct val="90000"/>
+              </a:lnSpc>
+              <a:spcBef>
+                <a:spcPts val="500"/>
+              </a:spcBef>
+              <a:buFont typeface="Arial" panose="020B0604020202020204" pitchFamily="34" charset="0"/>
+              <a:buChar char="•"/>
+              <a:defRPr sz="2400">
+                <a:solidFill>
+                  <a:schemeClr val="tx1"/>
+                </a:solidFill>
+                <a:latin typeface="Calibri" panose="020F0502020204030204" pitchFamily="34" charset="0"/>
+              </a:defRPr>
+            </a:lvl2pPr>
+            <a:lvl3pPr marL="1143000" indent="-228600">
+              <a:lnSpc>
+                <a:spcPct val="90000"/>
+              </a:lnSpc>
+              <a:spcBef>
+                <a:spcPts val="500"/>
+              </a:spcBef>
+              <a:buFont typeface="Arial" panose="020B0604020202020204" pitchFamily="34" charset="0"/>
+              <a:buChar char="•"/>
+              <a:defRPr sz="2000">
+                <a:solidFill>
+                  <a:schemeClr val="tx1"/>
+                </a:solidFill>
+                <a:latin typeface="Calibri" panose="020F0502020204030204" pitchFamily="34" charset="0"/>
+              </a:defRPr>
+            </a:lvl3pPr>
+            <a:lvl4pPr marL="1600200" indent="-228600">
+              <a:lnSpc>
+                <a:spcPct val="90000"/>
+              </a:lnSpc>
+              <a:spcBef>
+                <a:spcPts val="500"/>
+              </a:spcBef>
+              <a:buFont typeface="Arial" panose="020B0604020202020204" pitchFamily="34" charset="0"/>
+              <a:buChar char="•"/>
+              <a:defRPr>
+                <a:solidFill>
+                  <a:schemeClr val="tx1"/>
+                </a:solidFill>
+                <a:latin typeface="Calibri" panose="020F0502020204030204" pitchFamily="34" charset="0"/>
+              </a:defRPr>
+            </a:lvl4pPr>
+            <a:lvl5pPr marL="2057400" indent="-228600">
+              <a:lnSpc>
+                <a:spcPct val="90000"/>
+              </a:lnSpc>
+              <a:spcBef>
+                <a:spcPts val="500"/>
+              </a:spcBef>
+              <a:buFont typeface="Arial" panose="020B0604020202020204" pitchFamily="34" charset="0"/>
+              <a:buChar char="•"/>
+              <a:defRPr>
+                <a:solidFill>
+                  <a:schemeClr val="tx1"/>
+                </a:solidFill>
+                <a:latin typeface="Calibri" panose="020F0502020204030204" pitchFamily="34" charset="0"/>
+              </a:defRPr>
+            </a:lvl5pPr>
+            <a:lvl6pPr marL="2514600" indent="-228600" eaLnBrk="0" fontAlgn="base" hangingPunct="0">
+              <a:lnSpc>
+                <a:spcPct val="90000"/>
+              </a:lnSpc>
+              <a:spcBef>
+                <a:spcPts val="500"/>
+              </a:spcBef>
+              <a:spcAft>
+                <a:spcPct val="0"/>
+              </a:spcAft>
+              <a:buFont typeface="Arial" panose="020B0604020202020204" pitchFamily="34" charset="0"/>
+              <a:buChar char="•"/>
+              <a:defRPr>
+                <a:solidFill>
+                  <a:schemeClr val="tx1"/>
+                </a:solidFill>
+                <a:latin typeface="Calibri" panose="020F0502020204030204" pitchFamily="34" charset="0"/>
+              </a:defRPr>
+            </a:lvl6pPr>
+            <a:lvl7pPr marL="2971800" indent="-228600" eaLnBrk="0" fontAlgn="base" hangingPunct="0">
+              <a:lnSpc>
+                <a:spcPct val="90000"/>
+              </a:lnSpc>
+              <a:spcBef>
+                <a:spcPts val="500"/>
+              </a:spcBef>
+              <a:spcAft>
+                <a:spcPct val="0"/>
+              </a:spcAft>
+              <a:buFont typeface="Arial" panose="020B0604020202020204" pitchFamily="34" charset="0"/>
+              <a:buChar char="•"/>
+              <a:defRPr>
+                <a:solidFill>
+                  <a:schemeClr val="tx1"/>
+                </a:solidFill>
+                <a:latin typeface="Calibri" panose="020F0502020204030204" pitchFamily="34" charset="0"/>
+              </a:defRPr>
+            </a:lvl7pPr>
+            <a:lvl8pPr marL="3429000" indent="-228600" eaLnBrk="0" fontAlgn="base" hangingPunct="0">
+              <a:lnSpc>
+                <a:spcPct val="90000"/>
+              </a:lnSpc>
+              <a:spcBef>
+                <a:spcPts val="500"/>
+              </a:spcBef>
+              <a:spcAft>
+                <a:spcPct val="0"/>
+              </a:spcAft>
+              <a:buFont typeface="Arial" panose="020B0604020202020204" pitchFamily="34" charset="0"/>
+              <a:buChar char="•"/>
+              <a:defRPr>
+                <a:solidFill>
+                  <a:schemeClr val="tx1"/>
+                </a:solidFill>
+                <a:latin typeface="Calibri" panose="020F0502020204030204" pitchFamily="34" charset="0"/>
+              </a:defRPr>
+            </a:lvl8pPr>
+            <a:lvl9pPr marL="3886200" indent="-228600" eaLnBrk="0" fontAlgn="base" hangingPunct="0">
+              <a:lnSpc>
+                <a:spcPct val="90000"/>
+              </a:lnSpc>
+              <a:spcBef>
+                <a:spcPts val="500"/>
+              </a:spcBef>
+              <a:spcAft>
+                <a:spcPct val="0"/>
+              </a:spcAft>
+              <a:buFont typeface="Arial" panose="020B0604020202020204" pitchFamily="34" charset="0"/>
+              <a:buChar char="•"/>
+              <a:defRPr>
+                <a:solidFill>
+                  <a:schemeClr val="tx1"/>
+                </a:solidFill>
+                <a:latin typeface="Calibri" panose="020F0502020204030204" pitchFamily="34" charset="0"/>
+              </a:defRPr>
+            </a:lvl9pPr>
+          </a:lstStyle>
+          <a:p>
+            <a:pPr eaLnBrk="1" hangingPunct="1">
+              <a:lnSpc>
+                <a:spcPct val="100000"/>
+              </a:lnSpc>
+              <a:spcBef>
+                <a:spcPct val="0"/>
+              </a:spcBef>
+              <a:buFontTx/>
+              <a:buNone/>
+            </a:pPr>
+            <a:endParaRPr lang="ru-RU" altLang="ru-RU" sz="1800"/>
+          </a:p>
+        </p:txBody>
+      </p:sp>
+      <p:sp>
+        <p:nvSpPr>
+          <p:cNvPr id="2" name="Номер слайда 1"/>
+          <p:cNvSpPr>
+            <a:spLocks noGrp="1"/>
+          </p:cNvSpPr>
+          <p:nvPr>
+            <p:ph type="sldNum" sz="quarter" idx="12"/>
+          </p:nvPr>
+        </p:nvSpPr>
+        <p:spPr/>
+        <p:txBody>
+          <a:bodyPr/>
+          <a:lstStyle>
+            <a:lvl1pPr>
+              <a:defRPr>
+                <a:solidFill>
+                  <a:schemeClr val="tx1"/>
+                </a:solidFill>
+                <a:latin typeface="Calibri" panose="020F0502020204030204" pitchFamily="34" charset="0"/>
+              </a:defRPr>
+            </a:lvl1pPr>
+            <a:lvl2pPr marL="742950" indent="-285750">
+              <a:defRPr>
+                <a:solidFill>
+                  <a:schemeClr val="tx1"/>
+                </a:solidFill>
+                <a:latin typeface="Calibri" panose="020F0502020204030204" pitchFamily="34" charset="0"/>
+              </a:defRPr>
+            </a:lvl2pPr>
+            <a:lvl3pPr marL="1143000" indent="-228600">
+              <a:defRPr>
+                <a:solidFill>
+                  <a:schemeClr val="tx1"/>
+                </a:solidFill>
+                <a:latin typeface="Calibri" panose="020F0502020204030204" pitchFamily="34" charset="0"/>
+              </a:defRPr>
+            </a:lvl3pPr>
+            <a:lvl4pPr marL="1600200" indent="-228600">
+              <a:defRPr>
+                <a:solidFill>
+                  <a:schemeClr val="tx1"/>
+                </a:solidFill>
+                <a:latin typeface="Calibri" panose="020F0502020204030204" pitchFamily="34" charset="0"/>
+              </a:defRPr>
+            </a:lvl4pPr>
+            <a:lvl5pPr marL="2057400" indent="-228600">
+              <a:defRPr>
+                <a:solidFill>
+                  <a:schemeClr val="tx1"/>
+                </a:solidFill>
+                <a:latin typeface="Calibri" panose="020F0502020204030204" pitchFamily="34" charset="0"/>
+              </a:defRPr>
+            </a:lvl5pPr>
+            <a:lvl6pPr marL="2514600" indent="-228600" eaLnBrk="0" fontAlgn="base" hangingPunct="0">
+              <a:spcBef>
+                <a:spcPct val="0"/>
+              </a:spcBef>
+              <a:spcAft>
+                <a:spcPct val="0"/>
+              </a:spcAft>
+              <a:defRPr>
+                <a:solidFill>
+                  <a:schemeClr val="tx1"/>
+                </a:solidFill>
+                <a:latin typeface="Calibri" panose="020F0502020204030204" pitchFamily="34" charset="0"/>
+              </a:defRPr>
+            </a:lvl6pPr>
+            <a:lvl7pPr marL="2971800" indent="-228600" eaLnBrk="0" fontAlgn="base" hangingPunct="0">
+              <a:spcBef>
+                <a:spcPct val="0"/>
+              </a:spcBef>
+              <a:spcAft>
+                <a:spcPct val="0"/>
+              </a:spcAft>
+              <a:defRPr>
+                <a:solidFill>
+                  <a:schemeClr val="tx1"/>
+                </a:solidFill>
+                <a:latin typeface="Calibri" panose="020F0502020204030204" pitchFamily="34" charset="0"/>
+              </a:defRPr>
+            </a:lvl7pPr>
+            <a:lvl8pPr marL="3429000" indent="-228600" eaLnBrk="0" fontAlgn="base" hangingPunct="0">
+              <a:spcBef>
+                <a:spcPct val="0"/>
+              </a:spcBef>
+              <a:spcAft>
+                <a:spcPct val="0"/>
+              </a:spcAft>
+              <a:defRPr>
+                <a:solidFill>
+                  <a:schemeClr val="tx1"/>
+                </a:solidFill>
+                <a:latin typeface="Calibri" panose="020F0502020204030204" pitchFamily="34" charset="0"/>
+              </a:defRPr>
+            </a:lvl8pPr>
+            <a:lvl9pPr marL="3886200" indent="-228600" eaLnBrk="0" fontAlgn="base" hangingPunct="0">
+              <a:spcBef>
+                <a:spcPct val="0"/>
+              </a:spcBef>
+              <a:spcAft>
+                <a:spcPct val="0"/>
+              </a:spcAft>
+              <a:defRPr>
+                <a:solidFill>
+                  <a:schemeClr val="tx1"/>
+                </a:solidFill>
+                <a:latin typeface="Calibri" panose="020F0502020204030204" pitchFamily="34" charset="0"/>
+              </a:defRPr>
+            </a:lvl9pPr>
+          </a:lstStyle>
+          <a:p>
+            <a:fld id="{3F21527A-4F7F-4976-A46D-A8A40AA8E200}" type="slidenum">
+              <a:rPr lang="ru-RU" altLang="ru-RU">
+                <a:solidFill>
+                  <a:srgbClr val="898989"/>
+                </a:solidFill>
+              </a:rPr>
+              <a:pPr/>
+              <a:t>3</a:t>
+            </a:fld>
+            <a:endParaRPr lang="ru-RU" altLang="ru-RU">
+              <a:solidFill>
+                <a:srgbClr val="898989"/>
+              </a:solidFill>
+            </a:endParaRPr>
+          </a:p>
+        </p:txBody>
+      </p:sp>
+      <p:pic>
+        <p:nvPicPr>
+          <p:cNvPr id="6" name="Рисунок 5"/>
+          <p:cNvPicPr/>
+          <p:nvPr/>
+        </p:nvPicPr>
+        <p:blipFill>
+          <a:blip r:embed="rId2">
+            <a:extLst>
+              <a:ext uri="{28A0092B-C50C-407E-A947-70E740481C1C}">
+                <a14:useLocalDpi xmlns:a14="http://schemas.microsoft.com/office/drawing/2010/main" val="0"/>
+              </a:ext>
+            </a:extLst>
+          </a:blip>
+          <a:srcRect/>
+          <a:stretch>
+            <a:fillRect/>
+          </a:stretch>
+        </p:blipFill>
+        <p:spPr bwMode="auto">
+          <a:xfrm>
+            <a:off x="484070" y="1830077"/>
+            <a:ext cx="3480895" cy="1408657"/>
+          </a:xfrm>
+          <a:prstGeom prst="rect">
+            <a:avLst/>
+          </a:prstGeom>
+          <a:ln>
+            <a:noFill/>
+          </a:ln>
+          <a:effectLst>
+            <a:outerShdw blurRad="292100" dist="139700" dir="2700000" algn="tl" rotWithShape="0">
+              <a:srgbClr val="333333">
+                <a:alpha val="65000"/>
+              </a:srgbClr>
+            </a:outerShdw>
+          </a:effectLst>
+        </p:spPr>
+      </p:pic>
+      <p:pic>
+        <p:nvPicPr>
+          <p:cNvPr id="7" name="Рисунок 6"/>
+          <p:cNvPicPr/>
+          <p:nvPr/>
+        </p:nvPicPr>
+        <p:blipFill>
+          <a:blip r:embed="rId3" cstate="print">
+            <a:extLst>
+              <a:ext uri="{28A0092B-C50C-407E-A947-70E740481C1C}">
+                <a14:useLocalDpi xmlns:a14="http://schemas.microsoft.com/office/drawing/2010/main" val="0"/>
+              </a:ext>
+            </a:extLst>
+          </a:blip>
+          <a:srcRect/>
+          <a:stretch>
+            <a:fillRect/>
+          </a:stretch>
+        </p:blipFill>
+        <p:spPr bwMode="auto">
+          <a:xfrm>
+            <a:off x="4631365" y="1816937"/>
+            <a:ext cx="3170166" cy="1434939"/>
+          </a:xfrm>
+          <a:prstGeom prst="rect">
+            <a:avLst/>
+          </a:prstGeom>
+          <a:ln>
+            <a:noFill/>
+          </a:ln>
+          <a:effectLst>
+            <a:outerShdw blurRad="292100" dist="139700" dir="2700000" algn="tl" rotWithShape="0">
+              <a:srgbClr val="333333">
+                <a:alpha val="65000"/>
+              </a:srgbClr>
+            </a:outerShdw>
+          </a:effectLst>
+        </p:spPr>
+      </p:pic>
+      <p:sp>
+        <p:nvSpPr>
+          <p:cNvPr id="9" name="Текст 5"/>
+          <p:cNvSpPr txBox="1">
+            <a:spLocks noChangeArrowheads="1"/>
+          </p:cNvSpPr>
+          <p:nvPr/>
+        </p:nvSpPr>
+        <p:spPr bwMode="auto">
+          <a:xfrm>
+            <a:off x="643178" y="3370103"/>
+            <a:ext cx="3292582" cy="3336035"/>
+          </a:xfrm>
+          <a:prstGeom prst="rect">
+            <a:avLst/>
+          </a:prstGeom>
+          <a:noFill/>
+          <a:ln>
+            <a:noFill/>
+          </a:ln>
+          <a:extLst>
+            <a:ext uri="{909E8E84-426E-40DD-AFC4-6F175D3DCCD1}">
+              <a14:hiddenFill xmlns:a14="http://schemas.microsoft.com/office/drawing/2010/main">
+                <a:solidFill>
+                  <a:srgbClr val="FFFFFF"/>
+                </a:solidFill>
+              </a14:hiddenFill>
+            </a:ext>
+            <a:ext uri="{91240B29-F687-4F45-9708-019B960494DF}">
+              <a14:hiddenLine xmlns:a14="http://schemas.microsoft.com/office/drawing/2010/main" w="9525">
+                <a:solidFill>
+                  <a:srgbClr val="000000"/>
+                </a:solidFill>
+                <a:miter lim="800000"/>
+                <a:headEnd/>
+                <a:tailEnd/>
+              </a14:hiddenLine>
+            </a:ext>
+          </a:extLst>
+        </p:spPr>
+        <p:txBody>
+          <a:bodyPr vert="horz" wrap="square" lIns="91440" tIns="45720" rIns="91440" bIns="45720" numCol="1" anchor="t" anchorCtr="0" compatLnSpc="1">
+            <a:prstTxWarp prst="textNoShape">
+              <a:avLst/>
+            </a:prstTxWarp>
+          </a:bodyPr>
+          <a:lstStyle>
+            <a:lvl1pPr marL="228600" indent="-228600" algn="l" rtl="0" eaLnBrk="0" fontAlgn="base" hangingPunct="0">
+              <a:lnSpc>
+                <a:spcPct val="90000"/>
+              </a:lnSpc>
+              <a:spcBef>
+                <a:spcPts val="1000"/>
+              </a:spcBef>
+              <a:spcAft>
+                <a:spcPct val="0"/>
+              </a:spcAft>
+              <a:buFont typeface="Arial" panose="020B0604020202020204" pitchFamily="34" charset="0"/>
+              <a:buChar char="•"/>
+              <a:defRPr sz="2800" kern="1200">
+                <a:solidFill>
+                  <a:schemeClr val="tx1"/>
+                </a:solidFill>
+                <a:latin typeface="+mn-lt"/>
+                <a:ea typeface="+mn-ea"/>
+                <a:cs typeface="+mn-cs"/>
+              </a:defRPr>
+            </a:lvl1pPr>
+            <a:lvl2pPr marL="685800" indent="-228600" algn="l" rtl="0" eaLnBrk="0" fontAlgn="base" hangingPunct="0">
+              <a:lnSpc>
+                <a:spcPct val="90000"/>
+              </a:lnSpc>
+              <a:spcBef>
+                <a:spcPts val="500"/>
+              </a:spcBef>
+              <a:spcAft>
+                <a:spcPct val="0"/>
+              </a:spcAft>
+              <a:buFont typeface="Arial" panose="020B0604020202020204" pitchFamily="34" charset="0"/>
+              <a:buChar char="•"/>
+              <a:defRPr sz="2400" kern="1200">
+                <a:solidFill>
+                  <a:schemeClr val="tx1"/>
+                </a:solidFill>
+                <a:latin typeface="+mn-lt"/>
+                <a:ea typeface="+mn-ea"/>
+                <a:cs typeface="+mn-cs"/>
+              </a:defRPr>
+            </a:lvl2pPr>
+            <a:lvl3pPr marL="1143000" indent="-228600" algn="l" rtl="0" eaLnBrk="0" fontAlgn="base" hangingPunct="0">
+              <a:lnSpc>
+                <a:spcPct val="90000"/>
+              </a:lnSpc>
+              <a:spcBef>
+                <a:spcPts val="500"/>
+              </a:spcBef>
+              <a:spcAft>
+                <a:spcPct val="0"/>
+              </a:spcAft>
+              <a:buFont typeface="Arial" panose="020B0604020202020204" pitchFamily="34" charset="0"/>
+              <a:buChar char="•"/>
+              <a:defRPr sz="2000" kern="1200">
+                <a:solidFill>
+                  <a:schemeClr val="tx1"/>
+                </a:solidFill>
+                <a:latin typeface="+mn-lt"/>
+                <a:ea typeface="+mn-ea"/>
+                <a:cs typeface="+mn-cs"/>
+              </a:defRPr>
+            </a:lvl3pPr>
+            <a:lvl4pPr marL="1600200" indent="-228600" algn="l" rtl="0" eaLnBrk="0" fontAlgn="base" hangingPunct="0">
+              <a:lnSpc>
+                <a:spcPct val="90000"/>
+              </a:lnSpc>
+              <a:spcBef>
+                <a:spcPts val="500"/>
+              </a:spcBef>
+              <a:spcAft>
+                <a:spcPct val="0"/>
+              </a:spcAft>
+              <a:buFont typeface="Arial" panose="020B0604020202020204" pitchFamily="34" charset="0"/>
+              <a:buChar char="•"/>
+              <a:defRPr kern="1200">
+                <a:solidFill>
+                  <a:schemeClr val="tx1"/>
+                </a:solidFill>
+                <a:latin typeface="+mn-lt"/>
+                <a:ea typeface="+mn-ea"/>
+                <a:cs typeface="+mn-cs"/>
+              </a:defRPr>
+            </a:lvl4pPr>
+            <a:lvl5pPr marL="2057400" indent="-228600" algn="l" rtl="0" eaLnBrk="0" fontAlgn="base" hangingPunct="0">
+              <a:lnSpc>
+                <a:spcPct val="90000"/>
+              </a:lnSpc>
+              <a:spcBef>
+                <a:spcPts val="500"/>
+              </a:spcBef>
+              <a:spcAft>
+                <a:spcPct val="0"/>
+              </a:spcAft>
+              <a:buFont typeface="Arial" panose="020B0604020202020204" pitchFamily="34" charset="0"/>
+              <a:buChar char="•"/>
+              <a:defRPr kern="1200">
+                <a:solidFill>
+                  <a:schemeClr val="tx1"/>
+                </a:solidFill>
+                <a:latin typeface="+mn-lt"/>
+                <a:ea typeface="+mn-ea"/>
+                <a:cs typeface="+mn-cs"/>
+              </a:defRPr>
+            </a:lvl5pPr>
+            <a:lvl6pPr marL="2514600" indent="-228600" algn="l" defTabSz="914400" rtl="0" eaLnBrk="1" latinLnBrk="0" hangingPunct="1">
+              <a:lnSpc>
+                <a:spcPct val="90000"/>
+              </a:lnSpc>
+              <a:spcBef>
+                <a:spcPts val="500"/>
+              </a:spcBef>
+              <a:buFont typeface="Arial" panose="020B0604020202020204" pitchFamily="34" charset="0"/>
+              <a:buChar char="•"/>
+              <a:defRPr sz="1800" kern="1200">
+                <a:solidFill>
+                  <a:schemeClr val="tx1"/>
+                </a:solidFill>
+                <a:latin typeface="+mn-lt"/>
+                <a:ea typeface="+mn-ea"/>
+                <a:cs typeface="+mn-cs"/>
+              </a:defRPr>
+            </a:lvl6pPr>
+            <a:lvl7pPr marL="2971800" indent="-228600" algn="l" defTabSz="914400" rtl="0" eaLnBrk="1" latinLnBrk="0" hangingPunct="1">
+              <a:lnSpc>
+                <a:spcPct val="90000"/>
+              </a:lnSpc>
+              <a:spcBef>
+                <a:spcPts val="500"/>
+              </a:spcBef>
+              <a:buFont typeface="Arial" panose="020B0604020202020204" pitchFamily="34" charset="0"/>
+              <a:buChar char="•"/>
+              <a:defRPr sz="1800" kern="1200">
+                <a:solidFill>
+                  <a:schemeClr val="tx1"/>
+                </a:solidFill>
+                <a:latin typeface="+mn-lt"/>
+                <a:ea typeface="+mn-ea"/>
+                <a:cs typeface="+mn-cs"/>
+              </a:defRPr>
+            </a:lvl7pPr>
+            <a:lvl8pPr marL="3429000" indent="-228600" algn="l" defTabSz="914400" rtl="0" eaLnBrk="1" latinLnBrk="0" hangingPunct="1">
+              <a:lnSpc>
+                <a:spcPct val="90000"/>
+              </a:lnSpc>
+              <a:spcBef>
+                <a:spcPts val="500"/>
+              </a:spcBef>
+              <a:buFont typeface="Arial" panose="020B0604020202020204" pitchFamily="34" charset="0"/>
+              <a:buChar char="•"/>
+              <a:defRPr sz="1800" kern="1200">
+                <a:solidFill>
+                  <a:schemeClr val="tx1"/>
+                </a:solidFill>
+                <a:latin typeface="+mn-lt"/>
+                <a:ea typeface="+mn-ea"/>
+                <a:cs typeface="+mn-cs"/>
+              </a:defRPr>
+            </a:lvl8pPr>
+            <a:lvl9pPr marL="3886200" indent="-228600" algn="l" defTabSz="914400" rtl="0" eaLnBrk="1" latinLnBrk="0" hangingPunct="1">
+              <a:lnSpc>
+                <a:spcPct val="90000"/>
+              </a:lnSpc>
+              <a:spcBef>
+                <a:spcPts val="500"/>
+              </a:spcBef>
+              <a:buFont typeface="Arial" panose="020B0604020202020204" pitchFamily="34" charset="0"/>
+              <a:buChar char="•"/>
+              <a:defRPr sz="1800" kern="1200">
+                <a:solidFill>
+                  <a:schemeClr val="tx1"/>
+                </a:solidFill>
+                <a:latin typeface="+mn-lt"/>
+                <a:ea typeface="+mn-ea"/>
+                <a:cs typeface="+mn-cs"/>
+              </a:defRPr>
+            </a:lvl9pPr>
+          </a:lstStyle>
+          <a:p>
+            <a:pPr eaLnBrk="1" hangingPunct="1">
+              <a:lnSpc>
+                <a:spcPct val="150000"/>
+              </a:lnSpc>
+            </a:pPr>
+            <a:r>
+              <a:rPr lang="ru-RU" sz="1600" dirty="0" smtClean="0"/>
+              <a:t>Планета без </a:t>
+            </a:r>
+            <a:r>
+              <a:rPr lang="ru-RU" sz="1600" dirty="0" smtClean="0"/>
+              <a:t>движения</a:t>
+            </a:r>
+          </a:p>
+          <a:p>
+            <a:pPr eaLnBrk="1" hangingPunct="1">
+              <a:lnSpc>
+                <a:spcPct val="150000"/>
+              </a:lnSpc>
+            </a:pPr>
+            <a:r>
+              <a:rPr lang="ru-RU" altLang="ru-RU" sz="1600" dirty="0" smtClean="0">
+                <a:cs typeface="Times New Roman" panose="02020603050405020304" pitchFamily="18" charset="0"/>
+              </a:rPr>
+              <a:t>Спутник пролетает рядом</a:t>
+            </a:r>
+            <a:br>
+              <a:rPr lang="ru-RU" altLang="ru-RU" sz="1600" dirty="0" smtClean="0">
+                <a:cs typeface="Times New Roman" panose="02020603050405020304" pitchFamily="18" charset="0"/>
+              </a:rPr>
+            </a:br>
+            <a:endParaRPr lang="ru-RU" altLang="ru-RU" sz="1600" dirty="0" smtClean="0">
+              <a:cs typeface="Times New Roman" panose="02020603050405020304" pitchFamily="18" charset="0"/>
+            </a:endParaRPr>
+          </a:p>
+          <a:p>
+            <a:pPr marL="0" indent="0" eaLnBrk="1" hangingPunct="1">
+              <a:lnSpc>
+                <a:spcPct val="150000"/>
+              </a:lnSpc>
+              <a:buNone/>
+            </a:pPr>
+            <a:r>
+              <a:rPr lang="ru-RU" altLang="ru-RU" sz="1600" i="1" dirty="0" smtClean="0">
+                <a:cs typeface="Times New Roman" panose="02020603050405020304" pitchFamily="18" charset="0"/>
+              </a:rPr>
+              <a:t>Финальная скорость </a:t>
+            </a:r>
+            <a:r>
+              <a:rPr lang="ru-RU" altLang="ru-RU" sz="1600" b="1" i="1" dirty="0" smtClean="0">
+                <a:cs typeface="Times New Roman" panose="02020603050405020304" pitchFamily="18" charset="0"/>
+              </a:rPr>
+              <a:t>изменила направление</a:t>
+            </a:r>
+          </a:p>
+          <a:p>
+            <a:pPr eaLnBrk="1" hangingPunct="1">
+              <a:lnSpc>
+                <a:spcPct val="150000"/>
+              </a:lnSpc>
+            </a:pPr>
+            <a:endParaRPr lang="ru-RU" altLang="ru-RU" sz="1600" dirty="0" smtClean="0">
+              <a:cs typeface="Times New Roman" panose="02020603050405020304" pitchFamily="18" charset="0"/>
+            </a:endParaRPr>
+          </a:p>
+        </p:txBody>
+      </p:sp>
+      <p:pic>
+        <p:nvPicPr>
+          <p:cNvPr id="4" name="Рисунок 3"/>
+          <p:cNvPicPr>
+            <a:picLocks noChangeAspect="1"/>
+          </p:cNvPicPr>
+          <p:nvPr/>
+        </p:nvPicPr>
+        <p:blipFill>
+          <a:blip r:embed="rId4"/>
+          <a:stretch>
+            <a:fillRect/>
+          </a:stretch>
+        </p:blipFill>
+        <p:spPr>
+          <a:xfrm>
+            <a:off x="8400256" y="1830077"/>
+            <a:ext cx="3253186" cy="1395517"/>
+          </a:xfrm>
+          <a:prstGeom prst="rect">
+            <a:avLst/>
+          </a:prstGeom>
+          <a:ln>
+            <a:noFill/>
+          </a:ln>
+          <a:effectLst>
+            <a:outerShdw blurRad="292100" dist="139700" dir="2700000" algn="tl" rotWithShape="0">
+              <a:srgbClr val="333333">
+                <a:alpha val="65000"/>
+              </a:srgbClr>
+            </a:outerShdw>
+          </a:effectLst>
+        </p:spPr>
+      </p:pic>
+      <p:sp>
+        <p:nvSpPr>
+          <p:cNvPr id="13" name="Текст 5"/>
+          <p:cNvSpPr txBox="1">
+            <a:spLocks noChangeArrowheads="1"/>
+          </p:cNvSpPr>
+          <p:nvPr/>
+        </p:nvSpPr>
+        <p:spPr bwMode="auto">
+          <a:xfrm>
+            <a:off x="4631365" y="3370103"/>
+            <a:ext cx="3292582" cy="3336035"/>
+          </a:xfrm>
+          <a:prstGeom prst="rect">
+            <a:avLst/>
+          </a:prstGeom>
+          <a:noFill/>
+          <a:ln>
+            <a:noFill/>
+          </a:ln>
+          <a:extLst>
+            <a:ext uri="{909E8E84-426E-40DD-AFC4-6F175D3DCCD1}">
+              <a14:hiddenFill xmlns:a14="http://schemas.microsoft.com/office/drawing/2010/main">
+                <a:solidFill>
+                  <a:srgbClr val="FFFFFF"/>
+                </a:solidFill>
+              </a14:hiddenFill>
+            </a:ext>
+            <a:ext uri="{91240B29-F687-4F45-9708-019B960494DF}">
+              <a14:hiddenLine xmlns:a14="http://schemas.microsoft.com/office/drawing/2010/main" w="9525">
+                <a:solidFill>
+                  <a:srgbClr val="000000"/>
+                </a:solidFill>
+                <a:miter lim="800000"/>
+                <a:headEnd/>
+                <a:tailEnd/>
+              </a14:hiddenLine>
+            </a:ext>
+          </a:extLst>
+        </p:spPr>
+        <p:txBody>
+          <a:bodyPr vert="horz" wrap="square" lIns="91440" tIns="45720" rIns="91440" bIns="45720" numCol="1" anchor="t" anchorCtr="0" compatLnSpc="1">
+            <a:prstTxWarp prst="textNoShape">
+              <a:avLst/>
+            </a:prstTxWarp>
+          </a:bodyPr>
+          <a:lstStyle>
+            <a:lvl1pPr marL="228600" indent="-228600" algn="l" rtl="0" eaLnBrk="0" fontAlgn="base" hangingPunct="0">
+              <a:lnSpc>
+                <a:spcPct val="90000"/>
+              </a:lnSpc>
+              <a:spcBef>
+                <a:spcPts val="1000"/>
+              </a:spcBef>
+              <a:spcAft>
+                <a:spcPct val="0"/>
+              </a:spcAft>
+              <a:buFont typeface="Arial" panose="020B0604020202020204" pitchFamily="34" charset="0"/>
+              <a:buChar char="•"/>
+              <a:defRPr sz="2800" kern="1200">
+                <a:solidFill>
+                  <a:schemeClr val="tx1"/>
+                </a:solidFill>
+                <a:latin typeface="+mn-lt"/>
+                <a:ea typeface="+mn-ea"/>
+                <a:cs typeface="+mn-cs"/>
+              </a:defRPr>
+            </a:lvl1pPr>
+            <a:lvl2pPr marL="685800" indent="-228600" algn="l" rtl="0" eaLnBrk="0" fontAlgn="base" hangingPunct="0">
+              <a:lnSpc>
+                <a:spcPct val="90000"/>
+              </a:lnSpc>
+              <a:spcBef>
+                <a:spcPts val="500"/>
+              </a:spcBef>
+              <a:spcAft>
+                <a:spcPct val="0"/>
+              </a:spcAft>
+              <a:buFont typeface="Arial" panose="020B0604020202020204" pitchFamily="34" charset="0"/>
+              <a:buChar char="•"/>
+              <a:defRPr sz="2400" kern="1200">
+                <a:solidFill>
+                  <a:schemeClr val="tx1"/>
+                </a:solidFill>
+                <a:latin typeface="+mn-lt"/>
+                <a:ea typeface="+mn-ea"/>
+                <a:cs typeface="+mn-cs"/>
+              </a:defRPr>
+            </a:lvl2pPr>
+            <a:lvl3pPr marL="1143000" indent="-228600" algn="l" rtl="0" eaLnBrk="0" fontAlgn="base" hangingPunct="0">
+              <a:lnSpc>
+                <a:spcPct val="90000"/>
+              </a:lnSpc>
+              <a:spcBef>
+                <a:spcPts val="500"/>
+              </a:spcBef>
+              <a:spcAft>
+                <a:spcPct val="0"/>
+              </a:spcAft>
+              <a:buFont typeface="Arial" panose="020B0604020202020204" pitchFamily="34" charset="0"/>
+              <a:buChar char="•"/>
+              <a:defRPr sz="2000" kern="1200">
+                <a:solidFill>
+                  <a:schemeClr val="tx1"/>
+                </a:solidFill>
+                <a:latin typeface="+mn-lt"/>
+                <a:ea typeface="+mn-ea"/>
+                <a:cs typeface="+mn-cs"/>
+              </a:defRPr>
+            </a:lvl3pPr>
+            <a:lvl4pPr marL="1600200" indent="-228600" algn="l" rtl="0" eaLnBrk="0" fontAlgn="base" hangingPunct="0">
+              <a:lnSpc>
+                <a:spcPct val="90000"/>
+              </a:lnSpc>
+              <a:spcBef>
+                <a:spcPts val="500"/>
+              </a:spcBef>
+              <a:spcAft>
+                <a:spcPct val="0"/>
+              </a:spcAft>
+              <a:buFont typeface="Arial" panose="020B0604020202020204" pitchFamily="34" charset="0"/>
+              <a:buChar char="•"/>
+              <a:defRPr kern="1200">
+                <a:solidFill>
+                  <a:schemeClr val="tx1"/>
+                </a:solidFill>
+                <a:latin typeface="+mn-lt"/>
+                <a:ea typeface="+mn-ea"/>
+                <a:cs typeface="+mn-cs"/>
+              </a:defRPr>
+            </a:lvl4pPr>
+            <a:lvl5pPr marL="2057400" indent="-228600" algn="l" rtl="0" eaLnBrk="0" fontAlgn="base" hangingPunct="0">
+              <a:lnSpc>
+                <a:spcPct val="90000"/>
+              </a:lnSpc>
+              <a:spcBef>
+                <a:spcPts val="500"/>
+              </a:spcBef>
+              <a:spcAft>
+                <a:spcPct val="0"/>
+              </a:spcAft>
+              <a:buFont typeface="Arial" panose="020B0604020202020204" pitchFamily="34" charset="0"/>
+              <a:buChar char="•"/>
+              <a:defRPr kern="1200">
+                <a:solidFill>
+                  <a:schemeClr val="tx1"/>
+                </a:solidFill>
+                <a:latin typeface="+mn-lt"/>
+                <a:ea typeface="+mn-ea"/>
+                <a:cs typeface="+mn-cs"/>
+              </a:defRPr>
+            </a:lvl5pPr>
+            <a:lvl6pPr marL="2514600" indent="-228600" algn="l" defTabSz="914400" rtl="0" eaLnBrk="1" latinLnBrk="0" hangingPunct="1">
+              <a:lnSpc>
+                <a:spcPct val="90000"/>
+              </a:lnSpc>
+              <a:spcBef>
+                <a:spcPts val="500"/>
+              </a:spcBef>
+              <a:buFont typeface="Arial" panose="020B0604020202020204" pitchFamily="34" charset="0"/>
+              <a:buChar char="•"/>
+              <a:defRPr sz="1800" kern="1200">
+                <a:solidFill>
+                  <a:schemeClr val="tx1"/>
+                </a:solidFill>
+                <a:latin typeface="+mn-lt"/>
+                <a:ea typeface="+mn-ea"/>
+                <a:cs typeface="+mn-cs"/>
+              </a:defRPr>
+            </a:lvl6pPr>
+            <a:lvl7pPr marL="2971800" indent="-228600" algn="l" defTabSz="914400" rtl="0" eaLnBrk="1" latinLnBrk="0" hangingPunct="1">
+              <a:lnSpc>
+                <a:spcPct val="90000"/>
+              </a:lnSpc>
+              <a:spcBef>
+                <a:spcPts val="500"/>
+              </a:spcBef>
+              <a:buFont typeface="Arial" panose="020B0604020202020204" pitchFamily="34" charset="0"/>
+              <a:buChar char="•"/>
+              <a:defRPr sz="1800" kern="1200">
+                <a:solidFill>
+                  <a:schemeClr val="tx1"/>
+                </a:solidFill>
+                <a:latin typeface="+mn-lt"/>
+                <a:ea typeface="+mn-ea"/>
+                <a:cs typeface="+mn-cs"/>
+              </a:defRPr>
+            </a:lvl7pPr>
+            <a:lvl8pPr marL="3429000" indent="-228600" algn="l" defTabSz="914400" rtl="0" eaLnBrk="1" latinLnBrk="0" hangingPunct="1">
+              <a:lnSpc>
+                <a:spcPct val="90000"/>
+              </a:lnSpc>
+              <a:spcBef>
+                <a:spcPts val="500"/>
+              </a:spcBef>
+              <a:buFont typeface="Arial" panose="020B0604020202020204" pitchFamily="34" charset="0"/>
+              <a:buChar char="•"/>
+              <a:defRPr sz="1800" kern="1200">
+                <a:solidFill>
+                  <a:schemeClr val="tx1"/>
+                </a:solidFill>
+                <a:latin typeface="+mn-lt"/>
+                <a:ea typeface="+mn-ea"/>
+                <a:cs typeface="+mn-cs"/>
+              </a:defRPr>
+            </a:lvl8pPr>
+            <a:lvl9pPr marL="3886200" indent="-228600" algn="l" defTabSz="914400" rtl="0" eaLnBrk="1" latinLnBrk="0" hangingPunct="1">
+              <a:lnSpc>
+                <a:spcPct val="90000"/>
+              </a:lnSpc>
+              <a:spcBef>
+                <a:spcPts val="500"/>
+              </a:spcBef>
+              <a:buFont typeface="Arial" panose="020B0604020202020204" pitchFamily="34" charset="0"/>
+              <a:buChar char="•"/>
+              <a:defRPr sz="1800" kern="1200">
+                <a:solidFill>
+                  <a:schemeClr val="tx1"/>
+                </a:solidFill>
+                <a:latin typeface="+mn-lt"/>
+                <a:ea typeface="+mn-ea"/>
+                <a:cs typeface="+mn-cs"/>
+              </a:defRPr>
+            </a:lvl9pPr>
+          </a:lstStyle>
+          <a:p>
+            <a:pPr eaLnBrk="1" hangingPunct="1">
+              <a:lnSpc>
+                <a:spcPct val="150000"/>
+              </a:lnSpc>
+            </a:pPr>
+            <a:r>
+              <a:rPr lang="ru-RU" sz="1600" dirty="0" smtClean="0"/>
+              <a:t>Планета двигается</a:t>
+            </a:r>
+            <a:endParaRPr lang="ru-RU" altLang="ru-RU" sz="1600" dirty="0">
+              <a:cs typeface="Times New Roman" panose="02020603050405020304" pitchFamily="18" charset="0"/>
+            </a:endParaRPr>
+          </a:p>
+          <a:p>
+            <a:pPr eaLnBrk="1" hangingPunct="1">
+              <a:lnSpc>
+                <a:spcPct val="150000"/>
+              </a:lnSpc>
+            </a:pPr>
+            <a:r>
+              <a:rPr lang="ru-RU" altLang="ru-RU" sz="1600" dirty="0" smtClean="0">
+                <a:cs typeface="Times New Roman" panose="02020603050405020304" pitchFamily="18" charset="0"/>
+              </a:rPr>
+              <a:t>Спутник пролетает рядом</a:t>
+            </a:r>
+            <a:br>
+              <a:rPr lang="ru-RU" altLang="ru-RU" sz="1600" dirty="0" smtClean="0">
+                <a:cs typeface="Times New Roman" panose="02020603050405020304" pitchFamily="18" charset="0"/>
+              </a:rPr>
+            </a:br>
+            <a:endParaRPr lang="ru-RU" altLang="ru-RU" sz="1600" dirty="0" smtClean="0">
+              <a:cs typeface="Times New Roman" panose="02020603050405020304" pitchFamily="18" charset="0"/>
+            </a:endParaRPr>
+          </a:p>
+          <a:p>
+            <a:pPr marL="0" indent="0" eaLnBrk="1" hangingPunct="1">
+              <a:lnSpc>
+                <a:spcPct val="150000"/>
+              </a:lnSpc>
+              <a:buNone/>
+            </a:pPr>
+            <a:r>
+              <a:rPr lang="ru-RU" altLang="ru-RU" sz="1600" i="1" dirty="0" smtClean="0">
+                <a:cs typeface="Times New Roman" panose="02020603050405020304" pitchFamily="18" charset="0"/>
+              </a:rPr>
+              <a:t>Финальная скорость </a:t>
+            </a:r>
+            <a:r>
+              <a:rPr lang="ru-RU" altLang="ru-RU" sz="1600" b="1" i="1" dirty="0" smtClean="0">
+                <a:cs typeface="Times New Roman" panose="02020603050405020304" pitchFamily="18" charset="0"/>
+              </a:rPr>
+              <a:t>может быть увеличена</a:t>
+            </a:r>
+            <a:r>
+              <a:rPr lang="ru-RU" altLang="ru-RU" sz="1600" i="1" dirty="0" smtClean="0">
+                <a:cs typeface="Times New Roman" panose="02020603050405020304" pitchFamily="18" charset="0"/>
+              </a:rPr>
+              <a:t> за счёт </a:t>
+            </a:r>
+            <a:r>
+              <a:rPr lang="ru-RU" sz="1600" b="1" i="1" dirty="0" smtClean="0"/>
+              <a:t>орбитального импульса</a:t>
+            </a:r>
+            <a:endParaRPr lang="ru-RU" altLang="ru-RU" sz="1600" b="1" i="1" dirty="0">
+              <a:cs typeface="Times New Roman" panose="02020603050405020304" pitchFamily="18" charset="0"/>
+            </a:endParaRPr>
+          </a:p>
+        </p:txBody>
+      </p:sp>
+      <p:sp>
+        <p:nvSpPr>
+          <p:cNvPr id="14" name="Текст 5"/>
+          <p:cNvSpPr txBox="1">
+            <a:spLocks noChangeArrowheads="1"/>
+          </p:cNvSpPr>
+          <p:nvPr/>
+        </p:nvSpPr>
+        <p:spPr bwMode="auto">
+          <a:xfrm>
+            <a:off x="8400256" y="3372404"/>
+            <a:ext cx="3672408" cy="3336035"/>
+          </a:xfrm>
+          <a:prstGeom prst="rect">
+            <a:avLst/>
+          </a:prstGeom>
+          <a:noFill/>
+          <a:ln>
+            <a:noFill/>
+          </a:ln>
+          <a:extLst>
+            <a:ext uri="{909E8E84-426E-40DD-AFC4-6F175D3DCCD1}">
+              <a14:hiddenFill xmlns:a14="http://schemas.microsoft.com/office/drawing/2010/main">
+                <a:solidFill>
+                  <a:srgbClr val="FFFFFF"/>
+                </a:solidFill>
+              </a14:hiddenFill>
+            </a:ext>
+            <a:ext uri="{91240B29-F687-4F45-9708-019B960494DF}">
+              <a14:hiddenLine xmlns:a14="http://schemas.microsoft.com/office/drawing/2010/main" w="9525">
+                <a:solidFill>
+                  <a:srgbClr val="000000"/>
+                </a:solidFill>
+                <a:miter lim="800000"/>
+                <a:headEnd/>
+                <a:tailEnd/>
+              </a14:hiddenLine>
+            </a:ext>
+          </a:extLst>
+        </p:spPr>
+        <p:txBody>
+          <a:bodyPr vert="horz" wrap="square" lIns="91440" tIns="45720" rIns="91440" bIns="45720" numCol="1" anchor="t" anchorCtr="0" compatLnSpc="1">
+            <a:prstTxWarp prst="textNoShape">
+              <a:avLst/>
+            </a:prstTxWarp>
+          </a:bodyPr>
+          <a:lstStyle>
+            <a:lvl1pPr marL="228600" indent="-228600" algn="l" rtl="0" eaLnBrk="0" fontAlgn="base" hangingPunct="0">
+              <a:lnSpc>
+                <a:spcPct val="90000"/>
+              </a:lnSpc>
+              <a:spcBef>
+                <a:spcPts val="1000"/>
+              </a:spcBef>
+              <a:spcAft>
+                <a:spcPct val="0"/>
+              </a:spcAft>
+              <a:buFont typeface="Arial" panose="020B0604020202020204" pitchFamily="34" charset="0"/>
+              <a:buChar char="•"/>
+              <a:defRPr sz="2800" kern="1200">
+                <a:solidFill>
+                  <a:schemeClr val="tx1"/>
+                </a:solidFill>
+                <a:latin typeface="+mn-lt"/>
+                <a:ea typeface="+mn-ea"/>
+                <a:cs typeface="+mn-cs"/>
+              </a:defRPr>
+            </a:lvl1pPr>
+            <a:lvl2pPr marL="685800" indent="-228600" algn="l" rtl="0" eaLnBrk="0" fontAlgn="base" hangingPunct="0">
+              <a:lnSpc>
+                <a:spcPct val="90000"/>
+              </a:lnSpc>
+              <a:spcBef>
+                <a:spcPts val="500"/>
+              </a:spcBef>
+              <a:spcAft>
+                <a:spcPct val="0"/>
+              </a:spcAft>
+              <a:buFont typeface="Arial" panose="020B0604020202020204" pitchFamily="34" charset="0"/>
+              <a:buChar char="•"/>
+              <a:defRPr sz="2400" kern="1200">
+                <a:solidFill>
+                  <a:schemeClr val="tx1"/>
+                </a:solidFill>
+                <a:latin typeface="+mn-lt"/>
+                <a:ea typeface="+mn-ea"/>
+                <a:cs typeface="+mn-cs"/>
+              </a:defRPr>
+            </a:lvl2pPr>
+            <a:lvl3pPr marL="1143000" indent="-228600" algn="l" rtl="0" eaLnBrk="0" fontAlgn="base" hangingPunct="0">
+              <a:lnSpc>
+                <a:spcPct val="90000"/>
+              </a:lnSpc>
+              <a:spcBef>
+                <a:spcPts val="500"/>
+              </a:spcBef>
+              <a:spcAft>
+                <a:spcPct val="0"/>
+              </a:spcAft>
+              <a:buFont typeface="Arial" panose="020B0604020202020204" pitchFamily="34" charset="0"/>
+              <a:buChar char="•"/>
+              <a:defRPr sz="2000" kern="1200">
+                <a:solidFill>
+                  <a:schemeClr val="tx1"/>
+                </a:solidFill>
+                <a:latin typeface="+mn-lt"/>
+                <a:ea typeface="+mn-ea"/>
+                <a:cs typeface="+mn-cs"/>
+              </a:defRPr>
+            </a:lvl3pPr>
+            <a:lvl4pPr marL="1600200" indent="-228600" algn="l" rtl="0" eaLnBrk="0" fontAlgn="base" hangingPunct="0">
+              <a:lnSpc>
+                <a:spcPct val="90000"/>
+              </a:lnSpc>
+              <a:spcBef>
+                <a:spcPts val="500"/>
+              </a:spcBef>
+              <a:spcAft>
+                <a:spcPct val="0"/>
+              </a:spcAft>
+              <a:buFont typeface="Arial" panose="020B0604020202020204" pitchFamily="34" charset="0"/>
+              <a:buChar char="•"/>
+              <a:defRPr kern="1200">
+                <a:solidFill>
+                  <a:schemeClr val="tx1"/>
+                </a:solidFill>
+                <a:latin typeface="+mn-lt"/>
+                <a:ea typeface="+mn-ea"/>
+                <a:cs typeface="+mn-cs"/>
+              </a:defRPr>
+            </a:lvl4pPr>
+            <a:lvl5pPr marL="2057400" indent="-228600" algn="l" rtl="0" eaLnBrk="0" fontAlgn="base" hangingPunct="0">
+              <a:lnSpc>
+                <a:spcPct val="90000"/>
+              </a:lnSpc>
+              <a:spcBef>
+                <a:spcPts val="500"/>
+              </a:spcBef>
+              <a:spcAft>
+                <a:spcPct val="0"/>
+              </a:spcAft>
+              <a:buFont typeface="Arial" panose="020B0604020202020204" pitchFamily="34" charset="0"/>
+              <a:buChar char="•"/>
+              <a:defRPr kern="1200">
+                <a:solidFill>
+                  <a:schemeClr val="tx1"/>
+                </a:solidFill>
+                <a:latin typeface="+mn-lt"/>
+                <a:ea typeface="+mn-ea"/>
+                <a:cs typeface="+mn-cs"/>
+              </a:defRPr>
+            </a:lvl5pPr>
+            <a:lvl6pPr marL="2514600" indent="-228600" algn="l" defTabSz="914400" rtl="0" eaLnBrk="1" latinLnBrk="0" hangingPunct="1">
+              <a:lnSpc>
+                <a:spcPct val="90000"/>
+              </a:lnSpc>
+              <a:spcBef>
+                <a:spcPts val="500"/>
+              </a:spcBef>
+              <a:buFont typeface="Arial" panose="020B0604020202020204" pitchFamily="34" charset="0"/>
+              <a:buChar char="•"/>
+              <a:defRPr sz="1800" kern="1200">
+                <a:solidFill>
+                  <a:schemeClr val="tx1"/>
+                </a:solidFill>
+                <a:latin typeface="+mn-lt"/>
+                <a:ea typeface="+mn-ea"/>
+                <a:cs typeface="+mn-cs"/>
+              </a:defRPr>
+            </a:lvl6pPr>
+            <a:lvl7pPr marL="2971800" indent="-228600" algn="l" defTabSz="914400" rtl="0" eaLnBrk="1" latinLnBrk="0" hangingPunct="1">
+              <a:lnSpc>
+                <a:spcPct val="90000"/>
+              </a:lnSpc>
+              <a:spcBef>
+                <a:spcPts val="500"/>
+              </a:spcBef>
+              <a:buFont typeface="Arial" panose="020B0604020202020204" pitchFamily="34" charset="0"/>
+              <a:buChar char="•"/>
+              <a:defRPr sz="1800" kern="1200">
+                <a:solidFill>
+                  <a:schemeClr val="tx1"/>
+                </a:solidFill>
+                <a:latin typeface="+mn-lt"/>
+                <a:ea typeface="+mn-ea"/>
+                <a:cs typeface="+mn-cs"/>
+              </a:defRPr>
+            </a:lvl7pPr>
+            <a:lvl8pPr marL="3429000" indent="-228600" algn="l" defTabSz="914400" rtl="0" eaLnBrk="1" latinLnBrk="0" hangingPunct="1">
+              <a:lnSpc>
+                <a:spcPct val="90000"/>
+              </a:lnSpc>
+              <a:spcBef>
+                <a:spcPts val="500"/>
+              </a:spcBef>
+              <a:buFont typeface="Arial" panose="020B0604020202020204" pitchFamily="34" charset="0"/>
+              <a:buChar char="•"/>
+              <a:defRPr sz="1800" kern="1200">
+                <a:solidFill>
+                  <a:schemeClr val="tx1"/>
+                </a:solidFill>
+                <a:latin typeface="+mn-lt"/>
+                <a:ea typeface="+mn-ea"/>
+                <a:cs typeface="+mn-cs"/>
+              </a:defRPr>
+            </a:lvl8pPr>
+            <a:lvl9pPr marL="3886200" indent="-228600" algn="l" defTabSz="914400" rtl="0" eaLnBrk="1" latinLnBrk="0" hangingPunct="1">
+              <a:lnSpc>
+                <a:spcPct val="90000"/>
+              </a:lnSpc>
+              <a:spcBef>
+                <a:spcPts val="500"/>
+              </a:spcBef>
+              <a:buFont typeface="Arial" panose="020B0604020202020204" pitchFamily="34" charset="0"/>
+              <a:buChar char="•"/>
+              <a:defRPr sz="1800" kern="1200">
+                <a:solidFill>
+                  <a:schemeClr val="tx1"/>
+                </a:solidFill>
+                <a:latin typeface="+mn-lt"/>
+                <a:ea typeface="+mn-ea"/>
+                <a:cs typeface="+mn-cs"/>
+              </a:defRPr>
+            </a:lvl9pPr>
+          </a:lstStyle>
+          <a:p>
+            <a:pPr eaLnBrk="1" hangingPunct="1">
+              <a:lnSpc>
+                <a:spcPct val="150000"/>
+              </a:lnSpc>
+            </a:pPr>
+            <a:r>
+              <a:rPr lang="ru-RU" sz="1600" dirty="0" smtClean="0"/>
+              <a:t>Планета двигается</a:t>
+            </a:r>
+            <a:endParaRPr lang="ru-RU" altLang="ru-RU" sz="1600" dirty="0">
+              <a:cs typeface="Times New Roman" panose="02020603050405020304" pitchFamily="18" charset="0"/>
+            </a:endParaRPr>
+          </a:p>
+          <a:p>
+            <a:pPr eaLnBrk="1" hangingPunct="1">
+              <a:lnSpc>
+                <a:spcPct val="150000"/>
+              </a:lnSpc>
+            </a:pPr>
+            <a:r>
+              <a:rPr lang="ru-RU" altLang="ru-RU" sz="1600" dirty="0" smtClean="0">
+                <a:cs typeface="Times New Roman" panose="02020603050405020304" pitchFamily="18" charset="0"/>
+              </a:rPr>
+              <a:t>Спутник включает двигатель в ближайшей к Луне точке</a:t>
+            </a:r>
+            <a:endParaRPr lang="ru-RU" altLang="ru-RU" sz="1600" dirty="0">
+              <a:cs typeface="Times New Roman" panose="02020603050405020304" pitchFamily="18" charset="0"/>
+            </a:endParaRPr>
+          </a:p>
+          <a:p>
+            <a:pPr marL="0" indent="0" eaLnBrk="1" hangingPunct="1">
+              <a:lnSpc>
+                <a:spcPct val="150000"/>
+              </a:lnSpc>
+              <a:buNone/>
+            </a:pPr>
+            <a:r>
+              <a:rPr lang="ru-RU" altLang="ru-RU" sz="1600" i="1" dirty="0" smtClean="0">
+                <a:cs typeface="Times New Roman" panose="02020603050405020304" pitchFamily="18" charset="0"/>
+              </a:rPr>
+              <a:t>Финальная </a:t>
+            </a:r>
+            <a:r>
+              <a:rPr lang="ru-RU" altLang="ru-RU" sz="1600" i="1" dirty="0">
+                <a:cs typeface="Times New Roman" panose="02020603050405020304" pitchFamily="18" charset="0"/>
+              </a:rPr>
+              <a:t>скорость </a:t>
+            </a:r>
+            <a:r>
+              <a:rPr lang="ru-RU" altLang="ru-RU" sz="1600" b="1" i="1" dirty="0">
+                <a:cs typeface="Times New Roman" panose="02020603050405020304" pitchFamily="18" charset="0"/>
+              </a:rPr>
+              <a:t>значительно увеличена</a:t>
+            </a:r>
+            <a:r>
+              <a:rPr lang="ru-RU" altLang="ru-RU" sz="1600" i="1" dirty="0">
+                <a:cs typeface="Times New Roman" panose="02020603050405020304" pitchFamily="18" charset="0"/>
+              </a:rPr>
+              <a:t> за счёт </a:t>
+            </a:r>
+            <a:r>
+              <a:rPr lang="ru-RU" sz="1600" b="1" i="1" dirty="0"/>
+              <a:t>орбитального </a:t>
+            </a:r>
+            <a:r>
+              <a:rPr lang="ru-RU" sz="1600" b="1" i="1" dirty="0" smtClean="0"/>
+              <a:t>импульса</a:t>
+            </a:r>
+            <a:r>
+              <a:rPr lang="ru-RU" sz="1600" i="1" dirty="0" smtClean="0"/>
+              <a:t> и </a:t>
+            </a:r>
+            <a:r>
+              <a:rPr lang="ru-RU" sz="1600" b="1" i="1" dirty="0" smtClean="0"/>
+              <a:t>эффекта </a:t>
+            </a:r>
+            <a:r>
+              <a:rPr lang="ru-RU" sz="1600" b="1" i="1" dirty="0" err="1" smtClean="0"/>
+              <a:t>Оберта</a:t>
+            </a:r>
+            <a:endParaRPr lang="ru-RU" altLang="ru-RU" sz="1600" b="1" i="1" dirty="0">
+              <a:cs typeface="Times New Roman" panose="02020603050405020304" pitchFamily="18" charset="0"/>
+            </a:endParaRPr>
+          </a:p>
+          <a:p>
+            <a:pPr marL="0" indent="0" eaLnBrk="1" hangingPunct="1">
+              <a:lnSpc>
+                <a:spcPct val="150000"/>
+              </a:lnSpc>
+              <a:buNone/>
+            </a:pPr>
+            <a:endParaRPr lang="ru-RU" altLang="ru-RU" sz="1600" dirty="0" smtClean="0">
+              <a:cs typeface="Times New Roman" panose="02020603050405020304" pitchFamily="18" charset="0"/>
+            </a:endParaRPr>
+          </a:p>
+          <a:p>
+            <a:pPr eaLnBrk="1" hangingPunct="1">
+              <a:lnSpc>
+                <a:spcPct val="150000"/>
+              </a:lnSpc>
+            </a:pPr>
+            <a:endParaRPr lang="ru-RU" altLang="ru-RU" sz="1600" dirty="0">
+              <a:cs typeface="Times New Roman" panose="02020603050405020304" pitchFamily="18" charset="0"/>
+            </a:endParaRPr>
+          </a:p>
+        </p:txBody>
+      </p:sp>
+      <p:sp>
+        <p:nvSpPr>
+          <p:cNvPr id="20" name="Прямоугольник 19"/>
+          <p:cNvSpPr/>
+          <p:nvPr/>
+        </p:nvSpPr>
+        <p:spPr>
+          <a:xfrm>
+            <a:off x="0" y="-10586"/>
+            <a:ext cx="12192000" cy="1052736"/>
+          </a:xfrm>
+          <a:prstGeom prst="rect">
+            <a:avLst/>
+          </a:prstGeom>
+          <a:solidFill>
+            <a:srgbClr val="0095DA"/>
+          </a:solidFill>
+        </p:spPr>
+        <p:style>
+          <a:lnRef idx="2">
+            <a:schemeClr val="accent1">
+              <a:shade val="50000"/>
+            </a:schemeClr>
+          </a:lnRef>
+          <a:fillRef idx="1">
+            <a:schemeClr val="accent1"/>
+          </a:fillRef>
+          <a:effectRef idx="0">
+            <a:schemeClr val="accent1"/>
+          </a:effectRef>
+          <a:fontRef idx="minor">
+            <a:schemeClr val="lt1"/>
+          </a:fontRef>
+        </p:style>
+        <p:txBody>
+          <a:bodyPr rtlCol="0" anchor="ctr"/>
+          <a:lstStyle/>
+          <a:p>
+            <a:pPr algn="ctr"/>
+            <a:endParaRPr lang="ru-RU"/>
+          </a:p>
+        </p:txBody>
+      </p:sp>
+      <p:sp>
+        <p:nvSpPr>
+          <p:cNvPr id="21" name="Rectangle 2"/>
+          <p:cNvSpPr txBox="1">
+            <a:spLocks noChangeArrowheads="1"/>
+          </p:cNvSpPr>
+          <p:nvPr/>
+        </p:nvSpPr>
+        <p:spPr bwMode="auto">
+          <a:xfrm>
+            <a:off x="1305152" y="28206"/>
+            <a:ext cx="8229600" cy="1032091"/>
+          </a:xfrm>
+          <a:prstGeom prst="rect">
+            <a:avLst/>
+          </a:prstGeom>
+          <a:noFill/>
+          <a:ln>
+            <a:noFill/>
+          </a:ln>
+          <a:extLst>
+            <a:ext uri="{909E8E84-426E-40DD-AFC4-6F175D3DCCD1}">
+              <a14:hiddenFill xmlns:a14="http://schemas.microsoft.com/office/drawing/2010/main">
+                <a:solidFill>
+                  <a:srgbClr val="FFFFFF"/>
+                </a:solidFill>
+              </a14:hiddenFill>
+            </a:ext>
+            <a:ext uri="{91240B29-F687-4F45-9708-019B960494DF}">
+              <a14:hiddenLine xmlns:a14="http://schemas.microsoft.com/office/drawing/2010/main" w="9525">
+                <a:solidFill>
+                  <a:srgbClr val="000000"/>
+                </a:solidFill>
+                <a:miter lim="800000"/>
+                <a:headEnd/>
+                <a:tailEnd/>
+              </a14:hiddenLine>
+            </a:ext>
+          </a:extLst>
+        </p:spPr>
+        <p:txBody>
+          <a:bodyPr vert="horz" wrap="square" lIns="91440" tIns="45720" rIns="91440" bIns="45720" numCol="1" anchor="ctr" anchorCtr="0" compatLnSpc="1">
+            <a:prstTxWarp prst="textNoShape">
+              <a:avLst/>
+            </a:prstTxWarp>
+          </a:bodyPr>
+          <a:lstStyle>
+            <a:lvl1pPr algn="l" rtl="0" eaLnBrk="0" fontAlgn="base" hangingPunct="0">
+              <a:lnSpc>
+                <a:spcPct val="90000"/>
+              </a:lnSpc>
+              <a:spcBef>
+                <a:spcPct val="0"/>
+              </a:spcBef>
+              <a:spcAft>
+                <a:spcPct val="0"/>
+              </a:spcAft>
+              <a:defRPr sz="4400" kern="1200">
+                <a:solidFill>
+                  <a:schemeClr val="tx1"/>
+                </a:solidFill>
+                <a:latin typeface="+mj-lt"/>
+                <a:ea typeface="+mj-ea"/>
+                <a:cs typeface="+mj-cs"/>
+              </a:defRPr>
+            </a:lvl1pPr>
+            <a:lvl2pPr algn="l" rtl="0" eaLnBrk="0" fontAlgn="base" hangingPunct="0">
+              <a:lnSpc>
+                <a:spcPct val="90000"/>
+              </a:lnSpc>
+              <a:spcBef>
+                <a:spcPct val="0"/>
+              </a:spcBef>
+              <a:spcAft>
+                <a:spcPct val="0"/>
+              </a:spcAft>
+              <a:defRPr sz="4400">
+                <a:solidFill>
+                  <a:schemeClr val="tx1"/>
+                </a:solidFill>
+                <a:latin typeface="Calibri Light" panose="020F0302020204030204" pitchFamily="34" charset="0"/>
+              </a:defRPr>
+            </a:lvl2pPr>
+            <a:lvl3pPr algn="l" rtl="0" eaLnBrk="0" fontAlgn="base" hangingPunct="0">
+              <a:lnSpc>
+                <a:spcPct val="90000"/>
+              </a:lnSpc>
+              <a:spcBef>
+                <a:spcPct val="0"/>
+              </a:spcBef>
+              <a:spcAft>
+                <a:spcPct val="0"/>
+              </a:spcAft>
+              <a:defRPr sz="4400">
+                <a:solidFill>
+                  <a:schemeClr val="tx1"/>
+                </a:solidFill>
+                <a:latin typeface="Calibri Light" panose="020F0302020204030204" pitchFamily="34" charset="0"/>
+              </a:defRPr>
+            </a:lvl3pPr>
+            <a:lvl4pPr algn="l" rtl="0" eaLnBrk="0" fontAlgn="base" hangingPunct="0">
+              <a:lnSpc>
+                <a:spcPct val="90000"/>
+              </a:lnSpc>
+              <a:spcBef>
+                <a:spcPct val="0"/>
+              </a:spcBef>
+              <a:spcAft>
+                <a:spcPct val="0"/>
+              </a:spcAft>
+              <a:defRPr sz="4400">
+                <a:solidFill>
+                  <a:schemeClr val="tx1"/>
+                </a:solidFill>
+                <a:latin typeface="Calibri Light" panose="020F0302020204030204" pitchFamily="34" charset="0"/>
+              </a:defRPr>
+            </a:lvl4pPr>
+            <a:lvl5pPr algn="l" rtl="0" eaLnBrk="0" fontAlgn="base" hangingPunct="0">
+              <a:lnSpc>
+                <a:spcPct val="90000"/>
+              </a:lnSpc>
+              <a:spcBef>
+                <a:spcPct val="0"/>
+              </a:spcBef>
+              <a:spcAft>
+                <a:spcPct val="0"/>
+              </a:spcAft>
+              <a:defRPr sz="4400">
+                <a:solidFill>
+                  <a:schemeClr val="tx1"/>
+                </a:solidFill>
+                <a:latin typeface="Calibri Light" panose="020F0302020204030204" pitchFamily="34" charset="0"/>
+              </a:defRPr>
+            </a:lvl5pPr>
+            <a:lvl6pPr marL="457200" algn="l" rtl="0" fontAlgn="base">
+              <a:lnSpc>
+                <a:spcPct val="90000"/>
+              </a:lnSpc>
+              <a:spcBef>
+                <a:spcPct val="0"/>
+              </a:spcBef>
+              <a:spcAft>
+                <a:spcPct val="0"/>
+              </a:spcAft>
+              <a:defRPr sz="4400">
+                <a:solidFill>
+                  <a:schemeClr val="tx1"/>
+                </a:solidFill>
+                <a:latin typeface="Calibri Light" panose="020F0302020204030204" pitchFamily="34" charset="0"/>
+              </a:defRPr>
+            </a:lvl6pPr>
+            <a:lvl7pPr marL="914400" algn="l" rtl="0" fontAlgn="base">
+              <a:lnSpc>
+                <a:spcPct val="90000"/>
+              </a:lnSpc>
+              <a:spcBef>
+                <a:spcPct val="0"/>
+              </a:spcBef>
+              <a:spcAft>
+                <a:spcPct val="0"/>
+              </a:spcAft>
+              <a:defRPr sz="4400">
+                <a:solidFill>
+                  <a:schemeClr val="tx1"/>
+                </a:solidFill>
+                <a:latin typeface="Calibri Light" panose="020F0302020204030204" pitchFamily="34" charset="0"/>
+              </a:defRPr>
+            </a:lvl7pPr>
+            <a:lvl8pPr marL="1371600" algn="l" rtl="0" fontAlgn="base">
+              <a:lnSpc>
+                <a:spcPct val="90000"/>
+              </a:lnSpc>
+              <a:spcBef>
+                <a:spcPct val="0"/>
+              </a:spcBef>
+              <a:spcAft>
+                <a:spcPct val="0"/>
+              </a:spcAft>
+              <a:defRPr sz="4400">
+                <a:solidFill>
+                  <a:schemeClr val="tx1"/>
+                </a:solidFill>
+                <a:latin typeface="Calibri Light" panose="020F0302020204030204" pitchFamily="34" charset="0"/>
+              </a:defRPr>
+            </a:lvl8pPr>
+            <a:lvl9pPr marL="1828800" algn="l" rtl="0" fontAlgn="base">
+              <a:lnSpc>
+                <a:spcPct val="90000"/>
+              </a:lnSpc>
+              <a:spcBef>
+                <a:spcPct val="0"/>
+              </a:spcBef>
+              <a:spcAft>
+                <a:spcPct val="0"/>
+              </a:spcAft>
+              <a:defRPr sz="4400">
+                <a:solidFill>
+                  <a:schemeClr val="tx1"/>
+                </a:solidFill>
+                <a:latin typeface="Calibri Light" panose="020F0302020204030204" pitchFamily="34" charset="0"/>
+              </a:defRPr>
+            </a:lvl9pPr>
+          </a:lstStyle>
+          <a:p>
+            <a:pPr eaLnBrk="1" hangingPunct="1"/>
+            <a:r>
+              <a:rPr lang="ru-RU" altLang="ru-RU" sz="3200" b="1" dirty="0">
+                <a:solidFill>
+                  <a:schemeClr val="bg1"/>
+                </a:solidFill>
+              </a:rPr>
+              <a:t>Эффект </a:t>
+            </a:r>
+            <a:r>
+              <a:rPr lang="ru-RU" altLang="ru-RU" sz="3200" b="1" dirty="0" err="1">
+                <a:solidFill>
+                  <a:schemeClr val="bg1"/>
+                </a:solidFill>
+              </a:rPr>
+              <a:t>Оберта</a:t>
+            </a:r>
+            <a:endParaRPr lang="ru-RU" altLang="ru-RU" sz="3200" b="1" dirty="0" smtClean="0">
+              <a:solidFill>
+                <a:schemeClr val="bg1"/>
+              </a:solidFill>
+            </a:endParaRPr>
+          </a:p>
+        </p:txBody>
+      </p:sp>
+      <p:pic>
+        <p:nvPicPr>
+          <p:cNvPr id="22" name="Picture 4"/>
+          <p:cNvPicPr>
+            <a:picLocks noChangeAspect="1" noChangeArrowheads="1"/>
+          </p:cNvPicPr>
+          <p:nvPr/>
+        </p:nvPicPr>
+        <p:blipFill>
+          <a:blip r:embed="rId5" cstate="print">
+            <a:extLst>
+              <a:ext uri="{28A0092B-C50C-407E-A947-70E740481C1C}">
+                <a14:useLocalDpi xmlns:a14="http://schemas.microsoft.com/office/drawing/2010/main" val="0"/>
+              </a:ext>
+            </a:extLst>
+          </a:blip>
+          <a:srcRect/>
+          <a:stretch>
+            <a:fillRect/>
+          </a:stretch>
+        </p:blipFill>
+        <p:spPr bwMode="auto">
+          <a:xfrm>
+            <a:off x="164922" y="62134"/>
+            <a:ext cx="975308" cy="943590"/>
+          </a:xfrm>
+          <a:prstGeom prst="rect">
+            <a:avLst/>
+          </a:prstGeom>
+          <a:noFill/>
+          <a:ln>
+            <a:noFill/>
+          </a:ln>
+          <a:effectLst/>
+          <a:extLst>
+            <a:ext uri="{909E8E84-426E-40DD-AFC4-6F175D3DCCD1}">
+              <a14:hiddenFill xmlns:a14="http://schemas.microsoft.com/office/drawing/2010/main">
+                <a:blipFill dpi="0" rotWithShape="0">
+                  <a:blip/>
+                  <a:srcRect/>
+                  <a:stretch>
+                    <a:fillRect/>
+                  </a:stretch>
+                </a:blipFill>
+              </a14:hiddenFill>
+            </a:ext>
+            <a:ext uri="{91240B29-F687-4F45-9708-019B960494DF}">
+              <a14:hiddenLine xmlns:a14="http://schemas.microsoft.com/office/drawing/2010/main" w="9525">
+                <a:solidFill>
+                  <a:srgbClr val="808080"/>
+                </a:solidFill>
+                <a:round/>
+                <a:headEnd/>
+                <a:tailEnd/>
+              </a14:hiddenLine>
+            </a:ext>
+            <a:ext uri="{AF507438-7753-43E0-B8FC-AC1667EBCBE1}">
+              <a14:hiddenEffects xmlns:a14="http://schemas.microsoft.com/office/drawing/2010/main">
+                <a:effectLst>
+                  <a:outerShdw dist="35921" dir="2700000" algn="ctr" rotWithShape="0">
+                    <a:srgbClr val="808080"/>
+                  </a:outerShdw>
+                </a:effectLst>
+              </a14:hiddenEffects>
+            </a:ext>
+          </a:extLst>
+        </p:spPr>
+      </p:pic>
+    </p:spTree>
+  </p:cSld>
+  <p:clrMapOvr>
+    <a:masterClrMapping/>
+  </p:clrMapOvr>
+  <p:timing>
+    <p:tnLst>
+      <p:par>
+        <p:cTn id="1" dur="indefinite" restart="never" nodeType="tmRoot"/>
+      </p:par>
+    </p:tnLst>
+  </p:timing>
+</p:sld>
+</file>
+
+<file path=ppt/slides/slide4.xml><?xml version="1.0" encoding="utf-8"?>
+<p:sld xmlns:a="http://schemas.openxmlformats.org/drawingml/2006/main" xmlns:r="http://schemas.openxmlformats.org/officeDocument/2006/relationships" xmlns:p="http://schemas.openxmlformats.org/presentationml/2006/main">
+  <p:cSld>
+    <p:spTree>
+      <p:nvGrpSpPr>
+        <p:cNvPr id="1" name=""/>
+        <p:cNvGrpSpPr/>
+        <p:nvPr/>
+      </p:nvGrpSpPr>
+      <p:grpSpPr>
+        <a:xfrm>
+          <a:off x="0" y="0"/>
+          <a:ext cx="0" cy="0"/>
+          <a:chOff x="0" y="0"/>
+          <a:chExt cx="0" cy="0"/>
+        </a:xfrm>
+      </p:grpSpPr>
+      <p:sp>
+        <p:nvSpPr>
           <p:cNvPr id="12290" name="Rectangle 9"/>
           <p:cNvSpPr>
             <a:spLocks noChangeArrowheads="1"/>
@@ -11783,7 +13835,7 @@
                 </a:solidFill>
               </a:rPr>
               <a:pPr/>
-              <a:t>3</a:t>
+              <a:t>4</a:t>
             </a:fld>
             <a:endParaRPr lang="ru-RU" altLang="ru-RU">
               <a:solidFill>
@@ -12026,30 +14078,62 @@
               <a:buNone/>
             </a:pPr>
             <a:r>
+              <a:rPr lang="ru-RU" altLang="ru-RU" sz="3200" dirty="0" smtClean="0">
+                <a:cs typeface="Times New Roman" panose="02020603050405020304" pitchFamily="18" charset="0"/>
+              </a:rPr>
+              <a:t>Три стратегии ухода с орбиты:</a:t>
+            </a:r>
+            <a:endParaRPr lang="ru-RU" altLang="ru-RU" sz="3200" dirty="0" smtClean="0">
+              <a:cs typeface="Times New Roman" panose="02020603050405020304" pitchFamily="18" charset="0"/>
+            </a:endParaRPr>
+          </a:p>
+          <a:p>
+            <a:pPr eaLnBrk="1" hangingPunct="1">
+              <a:lnSpc>
+                <a:spcPct val="150000"/>
+              </a:lnSpc>
+            </a:pPr>
+            <a:r>
               <a:rPr lang="ru-RU" altLang="ru-RU" sz="1600" dirty="0" smtClean="0">
                 <a:cs typeface="Times New Roman" panose="02020603050405020304" pitchFamily="18" charset="0"/>
               </a:rPr>
-              <a:t>Задача моделирования стратегий</a:t>
-            </a:r>
-            <a:r>
-              <a:rPr lang="en-US" altLang="ru-RU" sz="1600" dirty="0" smtClean="0">
+              <a:t>С помощью </a:t>
+            </a:r>
+            <a:r>
+              <a:rPr lang="ru-RU" altLang="ru-RU" sz="1600" b="1" dirty="0" smtClean="0">
                 <a:cs typeface="Times New Roman" panose="02020603050405020304" pitchFamily="18" charset="0"/>
               </a:rPr>
-              <a:t>, </a:t>
-            </a:r>
+              <a:t>двигателей</a:t>
+            </a:r>
+            <a:endParaRPr lang="ru-RU" altLang="ru-RU" sz="1600" b="1" dirty="0" smtClean="0">
+              <a:cs typeface="Times New Roman" panose="02020603050405020304" pitchFamily="18" charset="0"/>
+            </a:endParaRPr>
+          </a:p>
+          <a:p>
+            <a:pPr eaLnBrk="1" hangingPunct="1">
+              <a:lnSpc>
+                <a:spcPct val="150000"/>
+              </a:lnSpc>
+            </a:pPr>
             <a:r>
               <a:rPr lang="ru-RU" altLang="ru-RU" sz="1600" dirty="0" smtClean="0">
                 <a:cs typeface="Times New Roman" panose="02020603050405020304" pitchFamily="18" charset="0"/>
               </a:rPr>
-              <a:t>построение оптимальной траектории выхода спутника на дальние рубежи, оценка эффективности</a:t>
-            </a:r>
-            <a:r>
-              <a:rPr lang="en-US" altLang="ru-RU" sz="1600" dirty="0" smtClean="0">
+              <a:t>С </a:t>
+            </a:r>
+            <a:r>
+              <a:rPr lang="ru-RU" altLang="ru-RU" sz="1600" dirty="0">
                 <a:cs typeface="Times New Roman" panose="02020603050405020304" pitchFamily="18" charset="0"/>
               </a:rPr>
-              <a:t> </a:t>
-            </a:r>
-            <a:endParaRPr lang="ru-RU" altLang="ru-RU" sz="1600" dirty="0" smtClean="0">
+              <a:t>добавлением </a:t>
+            </a:r>
+            <a:r>
+              <a:rPr lang="ru-RU" altLang="ru-RU" sz="1600" b="1" dirty="0">
+                <a:cs typeface="Times New Roman" panose="02020603050405020304" pitchFamily="18" charset="0"/>
+              </a:rPr>
+              <a:t>гравитационного маневра </a:t>
+            </a:r>
+            <a:endParaRPr lang="ru-RU" altLang="ru-RU" sz="1600" b="1" dirty="0" smtClean="0">
               <a:cs typeface="Times New Roman" panose="02020603050405020304" pitchFamily="18" charset="0"/>
             </a:endParaRPr>
           </a:p>
@@ -12059,45 +14143,43 @@
                 <a:spcPct val="150000"/>
               </a:lnSpc>
             </a:pPr>
+            <a:r>
+              <a:rPr lang="ru-RU" altLang="ru-RU" sz="1600" dirty="0">
+                <a:cs typeface="Times New Roman" panose="02020603050405020304" pitchFamily="18" charset="0"/>
+              </a:rPr>
+              <a:t>С добавлением </a:t>
+            </a:r>
+            <a:r>
+              <a:rPr lang="ru-RU" altLang="ru-RU" sz="1600" b="1" dirty="0">
+                <a:cs typeface="Times New Roman" panose="02020603050405020304" pitchFamily="18" charset="0"/>
+              </a:rPr>
+              <a:t>гравитационного маневра </a:t>
+            </a:r>
             <a:r>
               <a:rPr lang="ru-RU" altLang="ru-RU" sz="1600" dirty="0" smtClean="0">
                 <a:cs typeface="Times New Roman" panose="02020603050405020304" pitchFamily="18" charset="0"/>
               </a:rPr>
-              <a:t>Уход с орбиты посредством двигателей</a:t>
-            </a:r>
-          </a:p>
-          <a:p>
-            <a:pPr eaLnBrk="1" hangingPunct="1">
-              <a:lnSpc>
-                <a:spcPct val="150000"/>
-              </a:lnSpc>
-            </a:pPr>
+              <a:t>и с</a:t>
+            </a:r>
             <a:r>
               <a:rPr lang="ru-RU" altLang="ru-RU" sz="1600" dirty="0" smtClean="0">
                 <a:cs typeface="Times New Roman" panose="02020603050405020304" pitchFamily="18" charset="0"/>
               </a:rPr>
-              <a:t>Использование гравитационного маневра</a:t>
-            </a:r>
-          </a:p>
-          <a:p>
-            <a:pPr eaLnBrk="1" hangingPunct="1">
-              <a:lnSpc>
-                <a:spcPct val="150000"/>
-              </a:lnSpc>
-            </a:pPr>
-            <a:r>
-              <a:rPr lang="ru-RU" altLang="ru-RU" sz="1600" dirty="0" smtClean="0">
+              <a:t> использованием</a:t>
+            </a:r>
+            <a:r>
+              <a:rPr lang="ru-RU" altLang="ru-RU" sz="1600" b="1" dirty="0" smtClean="0">
                 <a:cs typeface="Times New Roman" panose="02020603050405020304" pitchFamily="18" charset="0"/>
               </a:rPr>
-              <a:t>Использование гравитационного маневра с использованием эффекта </a:t>
-            </a:r>
-            <a:r>
-              <a:rPr lang="ru-RU" altLang="ru-RU" sz="1600" dirty="0" err="1" smtClean="0">
+              <a:t> эффекта </a:t>
+            </a:r>
+            <a:r>
+              <a:rPr lang="ru-RU" altLang="ru-RU" sz="1600" b="1" dirty="0" err="1" smtClean="0">
                 <a:cs typeface="Times New Roman" panose="02020603050405020304" pitchFamily="18" charset="0"/>
               </a:rPr>
               <a:t>Оберта</a:t>
             </a:r>
-            <a:endParaRPr lang="ru-RU" altLang="ru-RU" sz="1600" dirty="0" smtClean="0">
+            <a:endParaRPr lang="ru-RU" altLang="ru-RU" sz="1600" b="1" dirty="0" smtClean="0">
               <a:cs typeface="Times New Roman" panose="02020603050405020304" pitchFamily="18" charset="0"/>
             </a:endParaRPr>
           </a:p>
@@ -12432,80 +14514,31 @@
       </p:pic>
       <p:pic>
         <p:nvPicPr>
-          <p:cNvPr id="17" name="Рисунок 16"/>
-          <p:cNvPicPr/>
-          <p:nvPr/>
-        </p:nvPicPr>
-        <p:blipFill>
-          <a:blip r:embed="rId3" cstate="print">
-            <a:extLst>
-              <a:ext uri="{28A0092B-C50C-407E-A947-70E740481C1C}">
-                <a14:useLocalDpi xmlns:a14="http://schemas.microsoft.com/office/drawing/2010/main" val="0"/>
-              </a:ext>
-            </a:extLst>
-          </a:blip>
-          <a:srcRect/>
-          <a:stretch>
-            <a:fillRect/>
-          </a:stretch>
-        </p:blipFill>
-        <p:spPr bwMode="auto">
-          <a:xfrm>
-            <a:off x="7824192" y="1726042"/>
-            <a:ext cx="3321700" cy="1503529"/>
-          </a:xfrm>
-          <a:prstGeom prst="rect">
-            <a:avLst/>
-          </a:prstGeom>
-          <a:ln>
-            <a:noFill/>
-          </a:ln>
-          <a:effectLst>
-            <a:outerShdw blurRad="292100" dist="139700" dir="2700000" algn="tl" rotWithShape="0">
-              <a:srgbClr val="333333">
-                <a:alpha val="65000"/>
-              </a:srgbClr>
-            </a:outerShdw>
-          </a:effectLst>
-        </p:spPr>
-      </p:pic>
-      <p:pic>
-        <p:nvPicPr>
-          <p:cNvPr id="18" name="Рисунок 17"/>
+          <p:cNvPr id="3" name="Рисунок 2"/>
           <p:cNvPicPr>
             <a:picLocks noChangeAspect="1"/>
           </p:cNvPicPr>
           <p:nvPr/>
         </p:nvPicPr>
         <p:blipFill>
-          <a:blip r:embed="rId4"/>
+          <a:blip r:embed="rId3"/>
           <a:stretch>
             <a:fillRect/>
           </a:stretch>
         </p:blipFill>
         <p:spPr>
           <a:xfrm>
-            <a:off x="7807351" y="4298893"/>
-            <a:ext cx="3338541" cy="1432131"/>
+            <a:off x="7880120" y="1862372"/>
+            <a:ext cx="3296564" cy="3217129"/>
           </a:xfrm>
           <a:prstGeom prst="rect">
             <a:avLst/>
           </a:prstGeom>
-          <a:ln>
-            <a:noFill/>
-          </a:ln>
-          <a:effectLst>
-            <a:outerShdw blurRad="292100" dist="139700" dir="2700000" algn="tl" rotWithShape="0">
-              <a:srgbClr val="333333">
-                <a:alpha val="65000"/>
-              </a:srgbClr>
-            </a:outerShdw>
-          </a:effectLst>
         </p:spPr>
       </p:pic>
       <p:sp>
         <p:nvSpPr>
-          <p:cNvPr id="19" name="Текст 5"/>
+          <p:cNvPr id="14" name="Текст 5"/>
           <p:cNvSpPr txBox="1">
             <a:spLocks noChangeArrowheads="1"/>
           </p:cNvSpPr>
@@ -12513,8 +14546,8 @@
         </p:nvSpPr>
         <p:spPr bwMode="auto">
           <a:xfrm>
-            <a:off x="8660643" y="5913873"/>
-            <a:ext cx="1648798" cy="432048"/>
+            <a:off x="7752184" y="4863477"/>
+            <a:ext cx="3816424" cy="432048"/>
           </a:xfrm>
           <a:prstGeom prst="rect">
             <a:avLst/>
@@ -12729,26 +14762,22 @@
             </a:lvl9pPr>
           </a:lstStyle>
           <a:p>
-            <a:pPr marL="0" indent="0" eaLnBrk="1" hangingPunct="1">
+            <a:pPr marL="0" indent="0" algn="ctr" eaLnBrk="1" hangingPunct="1">
               <a:lnSpc>
                 <a:spcPct val="150000"/>
               </a:lnSpc>
               <a:buNone/>
             </a:pPr>
             <a:r>
-              <a:rPr lang="ru-RU" sz="1200" i="1" dirty="0" smtClean="0"/>
-              <a:t>С эффектом </a:t>
-            </a:r>
-            <a:r>
-              <a:rPr lang="ru-RU" sz="1200" i="1" dirty="0" err="1" smtClean="0"/>
-              <a:t>Оберта</a:t>
+              <a:rPr lang="ru-RU" altLang="ru-RU" sz="1200" i="1" dirty="0" smtClean="0"/>
+              <a:t>Космическая система</a:t>
             </a:r>
             <a:endParaRPr lang="ru-RU" altLang="ru-RU" sz="1200" i="1" dirty="0" smtClean="0">
               <a:cs typeface="Times New Roman" panose="02020603050405020304" pitchFamily="18" charset="0"/>
             </a:endParaRPr>
           </a:p>
           <a:p>
-            <a:pPr eaLnBrk="1" hangingPunct="1">
+            <a:pPr algn="ctr" eaLnBrk="1" hangingPunct="1">
               <a:lnSpc>
                 <a:spcPct val="150000"/>
               </a:lnSpc>
@@ -12758,270 +14787,7 @@
             </a:endParaRPr>
           </a:p>
           <a:p>
-            <a:pPr marL="0" indent="0" eaLnBrk="1" hangingPunct="1">
-              <a:lnSpc>
-                <a:spcPct val="150000"/>
-              </a:lnSpc>
-              <a:buNone/>
-            </a:pPr>
-            <a:endParaRPr lang="ru-RU" altLang="ru-RU" sz="1200" i="1" dirty="0" smtClean="0">
-              <a:cs typeface="Times New Roman" panose="02020603050405020304" pitchFamily="18" charset="0"/>
-            </a:endParaRPr>
-          </a:p>
-        </p:txBody>
-      </p:sp>
-      <p:sp>
-        <p:nvSpPr>
-          <p:cNvPr id="20" name="Текст 5"/>
-          <p:cNvSpPr txBox="1">
-            <a:spLocks noChangeArrowheads="1"/>
-          </p:cNvSpPr>
-          <p:nvPr/>
-        </p:nvSpPr>
-        <p:spPr bwMode="auto">
-          <a:xfrm>
-            <a:off x="8499743" y="3411840"/>
-            <a:ext cx="1916737" cy="432048"/>
-          </a:xfrm>
-          <a:prstGeom prst="rect">
-            <a:avLst/>
-          </a:prstGeom>
-          <a:noFill/>
-          <a:ln>
-            <a:noFill/>
-          </a:ln>
-          <a:extLst>
-            <a:ext uri="{909E8E84-426E-40DD-AFC4-6F175D3DCCD1}">
-              <a14:hiddenFill xmlns:a14="http://schemas.microsoft.com/office/drawing/2010/main">
-                <a:solidFill>
-                  <a:srgbClr val="FFFFFF"/>
-                </a:solidFill>
-              </a14:hiddenFill>
-            </a:ext>
-            <a:ext uri="{91240B29-F687-4F45-9708-019B960494DF}">
-              <a14:hiddenLine xmlns:a14="http://schemas.microsoft.com/office/drawing/2010/main" w="9525">
-                <a:solidFill>
-                  <a:srgbClr val="000000"/>
-                </a:solidFill>
-                <a:miter lim="800000"/>
-                <a:headEnd/>
-                <a:tailEnd/>
-              </a14:hiddenLine>
-            </a:ext>
-          </a:extLst>
-        </p:spPr>
-        <p:txBody>
-          <a:bodyPr vert="horz" wrap="square" lIns="91440" tIns="45720" rIns="91440" bIns="45720" numCol="1" anchor="t" anchorCtr="0" compatLnSpc="1">
-            <a:prstTxWarp prst="textNoShape">
-              <a:avLst/>
-            </a:prstTxWarp>
-          </a:bodyPr>
-          <a:lstStyle>
-            <a:lvl1pPr marL="228600" indent="-228600" algn="l" rtl="0" eaLnBrk="0" fontAlgn="base" hangingPunct="0">
-              <a:lnSpc>
-                <a:spcPct val="90000"/>
-              </a:lnSpc>
-              <a:spcBef>
-                <a:spcPts val="1000"/>
-              </a:spcBef>
-              <a:spcAft>
-                <a:spcPct val="0"/>
-              </a:spcAft>
-              <a:buFont typeface="Arial" panose="020B0604020202020204" pitchFamily="34" charset="0"/>
-              <a:buChar char="•"/>
-              <a:defRPr sz="2800" kern="1200">
-                <a:solidFill>
-                  <a:schemeClr val="tx1"/>
-                </a:solidFill>
-                <a:latin typeface="+mn-lt"/>
-                <a:ea typeface="+mn-ea"/>
-                <a:cs typeface="+mn-cs"/>
-              </a:defRPr>
-            </a:lvl1pPr>
-            <a:lvl2pPr marL="685800" indent="-228600" algn="l" rtl="0" eaLnBrk="0" fontAlgn="base" hangingPunct="0">
-              <a:lnSpc>
-                <a:spcPct val="90000"/>
-              </a:lnSpc>
-              <a:spcBef>
-                <a:spcPts val="500"/>
-              </a:spcBef>
-              <a:spcAft>
-                <a:spcPct val="0"/>
-              </a:spcAft>
-              <a:buFont typeface="Arial" panose="020B0604020202020204" pitchFamily="34" charset="0"/>
-              <a:buChar char="•"/>
-              <a:defRPr sz="2400" kern="1200">
-                <a:solidFill>
-                  <a:schemeClr val="tx1"/>
-                </a:solidFill>
-                <a:latin typeface="+mn-lt"/>
-                <a:ea typeface="+mn-ea"/>
-                <a:cs typeface="+mn-cs"/>
-              </a:defRPr>
-            </a:lvl2pPr>
-            <a:lvl3pPr marL="1143000" indent="-228600" algn="l" rtl="0" eaLnBrk="0" fontAlgn="base" hangingPunct="0">
-              <a:lnSpc>
-                <a:spcPct val="90000"/>
-              </a:lnSpc>
-              <a:spcBef>
-                <a:spcPts val="500"/>
-              </a:spcBef>
-              <a:spcAft>
-                <a:spcPct val="0"/>
-              </a:spcAft>
-              <a:buFont typeface="Arial" panose="020B0604020202020204" pitchFamily="34" charset="0"/>
-              <a:buChar char="•"/>
-              <a:defRPr sz="2000" kern="1200">
-                <a:solidFill>
-                  <a:schemeClr val="tx1"/>
-                </a:solidFill>
-                <a:latin typeface="+mn-lt"/>
-                <a:ea typeface="+mn-ea"/>
-                <a:cs typeface="+mn-cs"/>
-              </a:defRPr>
-            </a:lvl3pPr>
-            <a:lvl4pPr marL="1600200" indent="-228600" algn="l" rtl="0" eaLnBrk="0" fontAlgn="base" hangingPunct="0">
-              <a:lnSpc>
-                <a:spcPct val="90000"/>
-              </a:lnSpc>
-              <a:spcBef>
-                <a:spcPts val="500"/>
-              </a:spcBef>
-              <a:spcAft>
-                <a:spcPct val="0"/>
-              </a:spcAft>
-              <a:buFont typeface="Arial" panose="020B0604020202020204" pitchFamily="34" charset="0"/>
-              <a:buChar char="•"/>
-              <a:defRPr kern="1200">
-                <a:solidFill>
-                  <a:schemeClr val="tx1"/>
-                </a:solidFill>
-                <a:latin typeface="+mn-lt"/>
-                <a:ea typeface="+mn-ea"/>
-                <a:cs typeface="+mn-cs"/>
-              </a:defRPr>
-            </a:lvl4pPr>
-            <a:lvl5pPr marL="2057400" indent="-228600" algn="l" rtl="0" eaLnBrk="0" fontAlgn="base" hangingPunct="0">
-              <a:lnSpc>
-                <a:spcPct val="90000"/>
-              </a:lnSpc>
-              <a:spcBef>
-                <a:spcPts val="500"/>
-              </a:spcBef>
-              <a:spcAft>
-                <a:spcPct val="0"/>
-              </a:spcAft>
-              <a:buFont typeface="Arial" panose="020B0604020202020204" pitchFamily="34" charset="0"/>
-              <a:buChar char="•"/>
-              <a:defRPr kern="1200">
-                <a:solidFill>
-                  <a:schemeClr val="tx1"/>
-                </a:solidFill>
-                <a:latin typeface="+mn-lt"/>
-                <a:ea typeface="+mn-ea"/>
-                <a:cs typeface="+mn-cs"/>
-              </a:defRPr>
-            </a:lvl5pPr>
-            <a:lvl6pPr marL="2514600" indent="-228600" algn="l" defTabSz="914400" rtl="0" eaLnBrk="1" latinLnBrk="0" hangingPunct="1">
-              <a:lnSpc>
-                <a:spcPct val="90000"/>
-              </a:lnSpc>
-              <a:spcBef>
-                <a:spcPts val="500"/>
-              </a:spcBef>
-              <a:buFont typeface="Arial" panose="020B0604020202020204" pitchFamily="34" charset="0"/>
-              <a:buChar char="•"/>
-              <a:defRPr sz="1800" kern="1200">
-                <a:solidFill>
-                  <a:schemeClr val="tx1"/>
-                </a:solidFill>
-                <a:latin typeface="+mn-lt"/>
-                <a:ea typeface="+mn-ea"/>
-                <a:cs typeface="+mn-cs"/>
-              </a:defRPr>
-            </a:lvl6pPr>
-            <a:lvl7pPr marL="2971800" indent="-228600" algn="l" defTabSz="914400" rtl="0" eaLnBrk="1" latinLnBrk="0" hangingPunct="1">
-              <a:lnSpc>
-                <a:spcPct val="90000"/>
-              </a:lnSpc>
-              <a:spcBef>
-                <a:spcPts val="500"/>
-              </a:spcBef>
-              <a:buFont typeface="Arial" panose="020B0604020202020204" pitchFamily="34" charset="0"/>
-              <a:buChar char="•"/>
-              <a:defRPr sz="1800" kern="1200">
-                <a:solidFill>
-                  <a:schemeClr val="tx1"/>
-                </a:solidFill>
-                <a:latin typeface="+mn-lt"/>
-                <a:ea typeface="+mn-ea"/>
-                <a:cs typeface="+mn-cs"/>
-              </a:defRPr>
-            </a:lvl7pPr>
-            <a:lvl8pPr marL="3429000" indent="-228600" algn="l" defTabSz="914400" rtl="0" eaLnBrk="1" latinLnBrk="0" hangingPunct="1">
-              <a:lnSpc>
-                <a:spcPct val="90000"/>
-              </a:lnSpc>
-              <a:spcBef>
-                <a:spcPts val="500"/>
-              </a:spcBef>
-              <a:buFont typeface="Arial" panose="020B0604020202020204" pitchFamily="34" charset="0"/>
-              <a:buChar char="•"/>
-              <a:defRPr sz="1800" kern="1200">
-                <a:solidFill>
-                  <a:schemeClr val="tx1"/>
-                </a:solidFill>
-                <a:latin typeface="+mn-lt"/>
-                <a:ea typeface="+mn-ea"/>
-                <a:cs typeface="+mn-cs"/>
-              </a:defRPr>
-            </a:lvl8pPr>
-            <a:lvl9pPr marL="3886200" indent="-228600" algn="l" defTabSz="914400" rtl="0" eaLnBrk="1" latinLnBrk="0" hangingPunct="1">
-              <a:lnSpc>
-                <a:spcPct val="90000"/>
-              </a:lnSpc>
-              <a:spcBef>
-                <a:spcPts val="500"/>
-              </a:spcBef>
-              <a:buFont typeface="Arial" panose="020B0604020202020204" pitchFamily="34" charset="0"/>
-              <a:buChar char="•"/>
-              <a:defRPr sz="1800" kern="1200">
-                <a:solidFill>
-                  <a:schemeClr val="tx1"/>
-                </a:solidFill>
-                <a:latin typeface="+mn-lt"/>
-                <a:ea typeface="+mn-ea"/>
-                <a:cs typeface="+mn-cs"/>
-              </a:defRPr>
-            </a:lvl9pPr>
-          </a:lstStyle>
-          <a:p>
-            <a:pPr marL="0" indent="0" eaLnBrk="1" hangingPunct="1">
-              <a:lnSpc>
-                <a:spcPct val="150000"/>
-              </a:lnSpc>
-              <a:buNone/>
-            </a:pPr>
-            <a:r>
-              <a:rPr lang="ru-RU" sz="1200" i="1" dirty="0" smtClean="0"/>
-              <a:t>Гравитационный маневр</a:t>
-            </a:r>
-            <a:endParaRPr lang="ru-RU" altLang="ru-RU" sz="1200" i="1" dirty="0" smtClean="0">
-              <a:cs typeface="Times New Roman" panose="02020603050405020304" pitchFamily="18" charset="0"/>
-            </a:endParaRPr>
-          </a:p>
-          <a:p>
-            <a:pPr eaLnBrk="1" hangingPunct="1">
-              <a:lnSpc>
-                <a:spcPct val="150000"/>
-              </a:lnSpc>
-            </a:pPr>
-            <a:endParaRPr lang="ru-RU" altLang="ru-RU" sz="1200" i="1" dirty="0" smtClean="0">
-              <a:cs typeface="Times New Roman" panose="02020603050405020304" pitchFamily="18" charset="0"/>
-            </a:endParaRPr>
-          </a:p>
-          <a:p>
-            <a:pPr marL="0" indent="0" eaLnBrk="1" hangingPunct="1">
+            <a:pPr marL="0" indent="0" algn="ctr" eaLnBrk="1" hangingPunct="1">
               <a:lnSpc>
                 <a:spcPct val="150000"/>
               </a:lnSpc>
@@ -13048,7 +14814,7 @@
 </p:sld>
 </file>
 
-<file path=ppt/slides/slide4.xml><?xml version="1.0" encoding="utf-8"?>
+<file path=ppt/slides/slide5.xml><?xml version="1.0" encoding="utf-8"?>
 <p:sld xmlns:a="http://schemas.openxmlformats.org/drawingml/2006/main" xmlns:r="http://schemas.openxmlformats.org/officeDocument/2006/relationships" xmlns:p="http://schemas.openxmlformats.org/presentationml/2006/main">
   <p:cSld>
     <p:spTree>
@@ -13184,7 +14950,7 @@
                 </a:solidFill>
               </a:rPr>
               <a:pPr/>
-              <a:t>4</a:t>
+              <a:t>5</a:t>
             </a:fld>
             <a:endParaRPr lang="ru-RU" altLang="ru-RU">
               <a:solidFill>
@@ -14412,8 +16178,10 @@
       </p:pic>
       <p:pic>
         <p:nvPicPr>
-          <p:cNvPr id="17" name="Рисунок 16"/>
-          <p:cNvPicPr/>
+          <p:cNvPr id="7" name="Рисунок 6"/>
+          <p:cNvPicPr>
+            <a:picLocks noChangeAspect="1"/>
+          </p:cNvPicPr>
           <p:nvPr/>
         </p:nvPicPr>
         <p:blipFill>
@@ -14424,15 +16192,14 @@
               </a:ext>
             </a:extLst>
           </a:blip>
-          <a:srcRect/>
           <a:stretch>
             <a:fillRect/>
           </a:stretch>
         </p:blipFill>
-        <p:spPr bwMode="auto">
+        <p:spPr>
           <a:xfrm>
-            <a:off x="652576" y="1700808"/>
-            <a:ext cx="3600450" cy="3001949"/>
+            <a:off x="767408" y="2333945"/>
+            <a:ext cx="3152775" cy="2076450"/>
           </a:xfrm>
           <a:prstGeom prst="rect">
             <a:avLst/>
@@ -14464,7 +16231,7 @@
 </p:sld>
 </file>
 
-<file path=ppt/slides/slide5.xml><?xml version="1.0" encoding="utf-8"?>
+<file path=ppt/slides/slide6.xml><?xml version="1.0" encoding="utf-8"?>
 <p:sld xmlns:a="http://schemas.openxmlformats.org/drawingml/2006/main" xmlns:r="http://schemas.openxmlformats.org/officeDocument/2006/relationships" xmlns:p="http://schemas.openxmlformats.org/presentationml/2006/main">
   <p:cSld>
     <p:spTree>
@@ -14600,7 +16367,7 @@
                 </a:solidFill>
               </a:rPr>
               <a:pPr/>
-              <a:t>5</a:t>
+              <a:t>6</a:t>
             </a:fld>
             <a:endParaRPr lang="ru-RU" altLang="ru-RU">
               <a:solidFill>
@@ -14965,20 +16732,17 @@
               <a:rPr lang="ru-RU" altLang="ru-RU" sz="1600" dirty="0" smtClean="0">
                 <a:cs typeface="Times New Roman" panose="02020603050405020304" pitchFamily="18" charset="0"/>
               </a:rPr>
-              <a:t> равной 0.01 </a:t>
-            </a:r>
-            <a:r>
-              <a:rPr lang="ru-RU" altLang="ru-RU" sz="1600" i="1" dirty="0" smtClean="0">
-                <a:cs typeface="Times New Roman" panose="02020603050405020304" pitchFamily="18" charset="0"/>
-              </a:rPr>
-              <a:t>у.е</a:t>
+              <a:t> равной </a:t>
             </a:r>
             <a:r>
               <a:rPr lang="ru-RU" altLang="ru-RU" sz="1600" dirty="0" smtClean="0">
                 <a:cs typeface="Times New Roman" panose="02020603050405020304" pitchFamily="18" charset="0"/>
               </a:rPr>
-              <a:t>.</a:t>
-            </a:r>
+              <a:t>0.01.</a:t>
+            </a:r>
+            <a:endParaRPr lang="ru-RU" altLang="ru-RU" sz="1600" dirty="0" smtClean="0">
+              <a:cs typeface="Times New Roman" panose="02020603050405020304" pitchFamily="18" charset="0"/>
+            </a:endParaRPr>
           </a:p>
           <a:p>
             <a:pPr marL="0" indent="0" eaLnBrk="1" hangingPunct="1">
@@ -16049,1771 +17813,6 @@
 </p:sld>
 </file>
 
-<file path=ppt/slides/slide6.xml><?xml version="1.0" encoding="utf-8"?>
-<p:sld xmlns:a="http://schemas.openxmlformats.org/drawingml/2006/main" xmlns:r="http://schemas.openxmlformats.org/officeDocument/2006/relationships" xmlns:p="http://schemas.openxmlformats.org/presentationml/2006/main">
-  <p:cSld>
-    <p:spTree>
-      <p:nvGrpSpPr>
-        <p:cNvPr id="1" name=""/>
-        <p:cNvGrpSpPr/>
-        <p:nvPr/>
-      </p:nvGrpSpPr>
-      <p:grpSpPr>
-        <a:xfrm>
-          <a:off x="0" y="0"/>
-          <a:ext cx="0" cy="0"/>
-          <a:chOff x="0" y="0"/>
-          <a:chExt cx="0" cy="0"/>
-        </a:xfrm>
-      </p:grpSpPr>
-      <p:sp>
-        <p:nvSpPr>
-          <p:cNvPr id="9218" name="Rectangle 7"/>
-          <p:cNvSpPr>
-            <a:spLocks noChangeArrowheads="1"/>
-          </p:cNvSpPr>
-          <p:nvPr/>
-        </p:nvSpPr>
-        <p:spPr bwMode="auto">
-          <a:xfrm>
-            <a:off x="1524000" y="-184150"/>
-            <a:ext cx="184150" cy="368300"/>
-          </a:xfrm>
-          <a:prstGeom prst="rect">
-            <a:avLst/>
-          </a:prstGeom>
-          <a:noFill/>
-          <a:ln>
-            <a:noFill/>
-          </a:ln>
-          <a:effectLst/>
-          <a:extLst>
-            <a:ext uri="{909E8E84-426E-40DD-AFC4-6F175D3DCCD1}">
-              <a14:hiddenFill xmlns:a14="http://schemas.microsoft.com/office/drawing/2010/main">
-                <a:solidFill>
-                  <a:schemeClr val="accent1"/>
-                </a:solidFill>
-              </a14:hiddenFill>
-            </a:ext>
-            <a:ext uri="{91240B29-F687-4F45-9708-019B960494DF}">
-              <a14:hiddenLine xmlns:a14="http://schemas.microsoft.com/office/drawing/2010/main" w="9525">
-                <a:solidFill>
-                  <a:schemeClr val="tx1"/>
-                </a:solidFill>
-                <a:miter lim="800000"/>
-                <a:headEnd/>
-                <a:tailEnd/>
-              </a14:hiddenLine>
-            </a:ext>
-            <a:ext uri="{AF507438-7753-43E0-B8FC-AC1667EBCBE1}">
-              <a14:hiddenEffects xmlns:a14="http://schemas.microsoft.com/office/drawing/2010/main">
-                <a:effectLst>
-                  <a:outerShdw dist="35921" dir="2700000" algn="ctr" rotWithShape="0">
-                    <a:schemeClr val="bg2"/>
-                  </a:outerShdw>
-                </a:effectLst>
-              </a14:hiddenEffects>
-            </a:ext>
-          </a:extLst>
-        </p:spPr>
-        <p:txBody>
-          <a:bodyPr wrap="none" anchor="ctr">
-            <a:spAutoFit/>
-          </a:bodyPr>
-          <a:lstStyle>
-            <a:lvl1pPr>
-              <a:lnSpc>
-                <a:spcPct val="90000"/>
-              </a:lnSpc>
-              <a:spcBef>
-                <a:spcPts val="1000"/>
-              </a:spcBef>
-              <a:buFont typeface="Arial" panose="020B0604020202020204" pitchFamily="34" charset="0"/>
-              <a:buChar char="•"/>
-              <a:defRPr sz="2800">
-                <a:solidFill>
-                  <a:schemeClr val="tx1"/>
-                </a:solidFill>
-                <a:latin typeface="Calibri" panose="020F0502020204030204" pitchFamily="34" charset="0"/>
-              </a:defRPr>
-            </a:lvl1pPr>
-            <a:lvl2pPr marL="742950" indent="-285750">
-              <a:lnSpc>
-                <a:spcPct val="90000"/>
-              </a:lnSpc>
-              <a:spcBef>
-                <a:spcPts val="500"/>
-              </a:spcBef>
-              <a:buFont typeface="Arial" panose="020B0604020202020204" pitchFamily="34" charset="0"/>
-              <a:buChar char="•"/>
-              <a:defRPr sz="2400">
-                <a:solidFill>
-                  <a:schemeClr val="tx1"/>
-                </a:solidFill>
-                <a:latin typeface="Calibri" panose="020F0502020204030204" pitchFamily="34" charset="0"/>
-              </a:defRPr>
-            </a:lvl2pPr>
-            <a:lvl3pPr marL="1143000" indent="-228600">
-              <a:lnSpc>
-                <a:spcPct val="90000"/>
-              </a:lnSpc>
-              <a:spcBef>
-                <a:spcPts val="500"/>
-              </a:spcBef>
-              <a:buFont typeface="Arial" panose="020B0604020202020204" pitchFamily="34" charset="0"/>
-              <a:buChar char="•"/>
-              <a:defRPr sz="2000">
-                <a:solidFill>
-                  <a:schemeClr val="tx1"/>
-                </a:solidFill>
-                <a:latin typeface="Calibri" panose="020F0502020204030204" pitchFamily="34" charset="0"/>
-              </a:defRPr>
-            </a:lvl3pPr>
-            <a:lvl4pPr marL="1600200" indent="-228600">
-              <a:lnSpc>
-                <a:spcPct val="90000"/>
-              </a:lnSpc>
-              <a:spcBef>
-                <a:spcPts val="500"/>
-              </a:spcBef>
-              <a:buFont typeface="Arial" panose="020B0604020202020204" pitchFamily="34" charset="0"/>
-              <a:buChar char="•"/>
-              <a:defRPr>
-                <a:solidFill>
-                  <a:schemeClr val="tx1"/>
-                </a:solidFill>
-                <a:latin typeface="Calibri" panose="020F0502020204030204" pitchFamily="34" charset="0"/>
-              </a:defRPr>
-            </a:lvl4pPr>
-            <a:lvl5pPr marL="2057400" indent="-228600">
-              <a:lnSpc>
-                <a:spcPct val="90000"/>
-              </a:lnSpc>
-              <a:spcBef>
-                <a:spcPts val="500"/>
-              </a:spcBef>
-              <a:buFont typeface="Arial" panose="020B0604020202020204" pitchFamily="34" charset="0"/>
-              <a:buChar char="•"/>
-              <a:defRPr>
-                <a:solidFill>
-                  <a:schemeClr val="tx1"/>
-                </a:solidFill>
-                <a:latin typeface="Calibri" panose="020F0502020204030204" pitchFamily="34" charset="0"/>
-              </a:defRPr>
-            </a:lvl5pPr>
-            <a:lvl6pPr marL="2514600" indent="-228600" eaLnBrk="0" fontAlgn="base" hangingPunct="0">
-              <a:lnSpc>
-                <a:spcPct val="90000"/>
-              </a:lnSpc>
-              <a:spcBef>
-                <a:spcPts val="500"/>
-              </a:spcBef>
-              <a:spcAft>
-                <a:spcPct val="0"/>
-              </a:spcAft>
-              <a:buFont typeface="Arial" panose="020B0604020202020204" pitchFamily="34" charset="0"/>
-              <a:buChar char="•"/>
-              <a:defRPr>
-                <a:solidFill>
-                  <a:schemeClr val="tx1"/>
-                </a:solidFill>
-                <a:latin typeface="Calibri" panose="020F0502020204030204" pitchFamily="34" charset="0"/>
-              </a:defRPr>
-            </a:lvl6pPr>
-            <a:lvl7pPr marL="2971800" indent="-228600" eaLnBrk="0" fontAlgn="base" hangingPunct="0">
-              <a:lnSpc>
-                <a:spcPct val="90000"/>
-              </a:lnSpc>
-              <a:spcBef>
-                <a:spcPts val="500"/>
-              </a:spcBef>
-              <a:spcAft>
-                <a:spcPct val="0"/>
-              </a:spcAft>
-              <a:buFont typeface="Arial" panose="020B0604020202020204" pitchFamily="34" charset="0"/>
-              <a:buChar char="•"/>
-              <a:defRPr>
-                <a:solidFill>
-                  <a:schemeClr val="tx1"/>
-                </a:solidFill>
-                <a:latin typeface="Calibri" panose="020F0502020204030204" pitchFamily="34" charset="0"/>
-              </a:defRPr>
-            </a:lvl7pPr>
-            <a:lvl8pPr marL="3429000" indent="-228600" eaLnBrk="0" fontAlgn="base" hangingPunct="0">
-              <a:lnSpc>
-                <a:spcPct val="90000"/>
-              </a:lnSpc>
-              <a:spcBef>
-                <a:spcPts val="500"/>
-              </a:spcBef>
-              <a:spcAft>
-                <a:spcPct val="0"/>
-              </a:spcAft>
-              <a:buFont typeface="Arial" panose="020B0604020202020204" pitchFamily="34" charset="0"/>
-              <a:buChar char="•"/>
-              <a:defRPr>
-                <a:solidFill>
-                  <a:schemeClr val="tx1"/>
-                </a:solidFill>
-                <a:latin typeface="Calibri" panose="020F0502020204030204" pitchFamily="34" charset="0"/>
-              </a:defRPr>
-            </a:lvl8pPr>
-            <a:lvl9pPr marL="3886200" indent="-228600" eaLnBrk="0" fontAlgn="base" hangingPunct="0">
-              <a:lnSpc>
-                <a:spcPct val="90000"/>
-              </a:lnSpc>
-              <a:spcBef>
-                <a:spcPts val="500"/>
-              </a:spcBef>
-              <a:spcAft>
-                <a:spcPct val="0"/>
-              </a:spcAft>
-              <a:buFont typeface="Arial" panose="020B0604020202020204" pitchFamily="34" charset="0"/>
-              <a:buChar char="•"/>
-              <a:defRPr>
-                <a:solidFill>
-                  <a:schemeClr val="tx1"/>
-                </a:solidFill>
-                <a:latin typeface="Calibri" panose="020F0502020204030204" pitchFamily="34" charset="0"/>
-              </a:defRPr>
-            </a:lvl9pPr>
-          </a:lstStyle>
-          <a:p>
-            <a:pPr eaLnBrk="1" hangingPunct="1">
-              <a:lnSpc>
-                <a:spcPct val="100000"/>
-              </a:lnSpc>
-              <a:spcBef>
-                <a:spcPct val="0"/>
-              </a:spcBef>
-              <a:buFontTx/>
-              <a:buNone/>
-            </a:pPr>
-            <a:endParaRPr lang="ru-RU" altLang="ru-RU" sz="1800"/>
-          </a:p>
-        </p:txBody>
-      </p:sp>
-      <p:sp>
-        <p:nvSpPr>
-          <p:cNvPr id="2" name="Номер слайда 1"/>
-          <p:cNvSpPr>
-            <a:spLocks noGrp="1"/>
-          </p:cNvSpPr>
-          <p:nvPr>
-            <p:ph type="sldNum" sz="quarter" idx="12"/>
-          </p:nvPr>
-        </p:nvSpPr>
-        <p:spPr/>
-        <p:txBody>
-          <a:bodyPr/>
-          <a:lstStyle>
-            <a:lvl1pPr>
-              <a:defRPr>
-                <a:solidFill>
-                  <a:schemeClr val="tx1"/>
-                </a:solidFill>
-                <a:latin typeface="Calibri" panose="020F0502020204030204" pitchFamily="34" charset="0"/>
-              </a:defRPr>
-            </a:lvl1pPr>
-            <a:lvl2pPr marL="742950" indent="-285750">
-              <a:defRPr>
-                <a:solidFill>
-                  <a:schemeClr val="tx1"/>
-                </a:solidFill>
-                <a:latin typeface="Calibri" panose="020F0502020204030204" pitchFamily="34" charset="0"/>
-              </a:defRPr>
-            </a:lvl2pPr>
-            <a:lvl3pPr marL="1143000" indent="-228600">
-              <a:defRPr>
-                <a:solidFill>
-                  <a:schemeClr val="tx1"/>
-                </a:solidFill>
-                <a:latin typeface="Calibri" panose="020F0502020204030204" pitchFamily="34" charset="0"/>
-              </a:defRPr>
-            </a:lvl3pPr>
-            <a:lvl4pPr marL="1600200" indent="-228600">
-              <a:defRPr>
-                <a:solidFill>
-                  <a:schemeClr val="tx1"/>
-                </a:solidFill>
-                <a:latin typeface="Calibri" panose="020F0502020204030204" pitchFamily="34" charset="0"/>
-              </a:defRPr>
-            </a:lvl4pPr>
-            <a:lvl5pPr marL="2057400" indent="-228600">
-              <a:defRPr>
-                <a:solidFill>
-                  <a:schemeClr val="tx1"/>
-                </a:solidFill>
-                <a:latin typeface="Calibri" panose="020F0502020204030204" pitchFamily="34" charset="0"/>
-              </a:defRPr>
-            </a:lvl5pPr>
-            <a:lvl6pPr marL="2514600" indent="-228600" eaLnBrk="0" fontAlgn="base" hangingPunct="0">
-              <a:spcBef>
-                <a:spcPct val="0"/>
-              </a:spcBef>
-              <a:spcAft>
-                <a:spcPct val="0"/>
-              </a:spcAft>
-              <a:defRPr>
-                <a:solidFill>
-                  <a:schemeClr val="tx1"/>
-                </a:solidFill>
-                <a:latin typeface="Calibri" panose="020F0502020204030204" pitchFamily="34" charset="0"/>
-              </a:defRPr>
-            </a:lvl6pPr>
-            <a:lvl7pPr marL="2971800" indent="-228600" eaLnBrk="0" fontAlgn="base" hangingPunct="0">
-              <a:spcBef>
-                <a:spcPct val="0"/>
-              </a:spcBef>
-              <a:spcAft>
-                <a:spcPct val="0"/>
-              </a:spcAft>
-              <a:defRPr>
-                <a:solidFill>
-                  <a:schemeClr val="tx1"/>
-                </a:solidFill>
-                <a:latin typeface="Calibri" panose="020F0502020204030204" pitchFamily="34" charset="0"/>
-              </a:defRPr>
-            </a:lvl7pPr>
-            <a:lvl8pPr marL="3429000" indent="-228600" eaLnBrk="0" fontAlgn="base" hangingPunct="0">
-              <a:spcBef>
-                <a:spcPct val="0"/>
-              </a:spcBef>
-              <a:spcAft>
-                <a:spcPct val="0"/>
-              </a:spcAft>
-              <a:defRPr>
-                <a:solidFill>
-                  <a:schemeClr val="tx1"/>
-                </a:solidFill>
-                <a:latin typeface="Calibri" panose="020F0502020204030204" pitchFamily="34" charset="0"/>
-              </a:defRPr>
-            </a:lvl8pPr>
-            <a:lvl9pPr marL="3886200" indent="-228600" eaLnBrk="0" fontAlgn="base" hangingPunct="0">
-              <a:spcBef>
-                <a:spcPct val="0"/>
-              </a:spcBef>
-              <a:spcAft>
-                <a:spcPct val="0"/>
-              </a:spcAft>
-              <a:defRPr>
-                <a:solidFill>
-                  <a:schemeClr val="tx1"/>
-                </a:solidFill>
-                <a:latin typeface="Calibri" panose="020F0502020204030204" pitchFamily="34" charset="0"/>
-              </a:defRPr>
-            </a:lvl9pPr>
-          </a:lstStyle>
-          <a:p>
-            <a:fld id="{3F21527A-4F7F-4976-A46D-A8A40AA8E200}" type="slidenum">
-              <a:rPr lang="ru-RU" altLang="ru-RU">
-                <a:solidFill>
-                  <a:srgbClr val="898989"/>
-                </a:solidFill>
-              </a:rPr>
-              <a:pPr/>
-              <a:t>6</a:t>
-            </a:fld>
-            <a:endParaRPr lang="ru-RU" altLang="ru-RU">
-              <a:solidFill>
-                <a:srgbClr val="898989"/>
-              </a:solidFill>
-            </a:endParaRPr>
-          </a:p>
-        </p:txBody>
-      </p:sp>
-      <p:pic>
-        <p:nvPicPr>
-          <p:cNvPr id="6" name="Рисунок 5"/>
-          <p:cNvPicPr/>
-          <p:nvPr/>
-        </p:nvPicPr>
-        <p:blipFill>
-          <a:blip r:embed="rId2">
-            <a:extLst>
-              <a:ext uri="{28A0092B-C50C-407E-A947-70E740481C1C}">
-                <a14:useLocalDpi xmlns:a14="http://schemas.microsoft.com/office/drawing/2010/main" val="0"/>
-              </a:ext>
-            </a:extLst>
-          </a:blip>
-          <a:srcRect/>
-          <a:stretch>
-            <a:fillRect/>
-          </a:stretch>
-        </p:blipFill>
-        <p:spPr bwMode="auto">
-          <a:xfrm>
-            <a:off x="484070" y="1830077"/>
-            <a:ext cx="3480895" cy="1408657"/>
-          </a:xfrm>
-          <a:prstGeom prst="rect">
-            <a:avLst/>
-          </a:prstGeom>
-          <a:ln>
-            <a:noFill/>
-          </a:ln>
-          <a:effectLst>
-            <a:outerShdw blurRad="292100" dist="139700" dir="2700000" algn="tl" rotWithShape="0">
-              <a:srgbClr val="333333">
-                <a:alpha val="65000"/>
-              </a:srgbClr>
-            </a:outerShdw>
-          </a:effectLst>
-        </p:spPr>
-      </p:pic>
-      <p:pic>
-        <p:nvPicPr>
-          <p:cNvPr id="7" name="Рисунок 6"/>
-          <p:cNvPicPr/>
-          <p:nvPr/>
-        </p:nvPicPr>
-        <p:blipFill>
-          <a:blip r:embed="rId3" cstate="print">
-            <a:extLst>
-              <a:ext uri="{28A0092B-C50C-407E-A947-70E740481C1C}">
-                <a14:useLocalDpi xmlns:a14="http://schemas.microsoft.com/office/drawing/2010/main" val="0"/>
-              </a:ext>
-            </a:extLst>
-          </a:blip>
-          <a:srcRect/>
-          <a:stretch>
-            <a:fillRect/>
-          </a:stretch>
-        </p:blipFill>
-        <p:spPr bwMode="auto">
-          <a:xfrm>
-            <a:off x="4631365" y="1816937"/>
-            <a:ext cx="3170166" cy="1434939"/>
-          </a:xfrm>
-          <a:prstGeom prst="rect">
-            <a:avLst/>
-          </a:prstGeom>
-          <a:ln>
-            <a:noFill/>
-          </a:ln>
-          <a:effectLst>
-            <a:outerShdw blurRad="292100" dist="139700" dir="2700000" algn="tl" rotWithShape="0">
-              <a:srgbClr val="333333">
-                <a:alpha val="65000"/>
-              </a:srgbClr>
-            </a:outerShdw>
-          </a:effectLst>
-        </p:spPr>
-      </p:pic>
-      <p:sp>
-        <p:nvSpPr>
-          <p:cNvPr id="9" name="Текст 5"/>
-          <p:cNvSpPr txBox="1">
-            <a:spLocks noChangeArrowheads="1"/>
-          </p:cNvSpPr>
-          <p:nvPr/>
-        </p:nvSpPr>
-        <p:spPr bwMode="auto">
-          <a:xfrm>
-            <a:off x="643178" y="3370103"/>
-            <a:ext cx="3292582" cy="3336035"/>
-          </a:xfrm>
-          <a:prstGeom prst="rect">
-            <a:avLst/>
-          </a:prstGeom>
-          <a:noFill/>
-          <a:ln>
-            <a:noFill/>
-          </a:ln>
-          <a:extLst>
-            <a:ext uri="{909E8E84-426E-40DD-AFC4-6F175D3DCCD1}">
-              <a14:hiddenFill xmlns:a14="http://schemas.microsoft.com/office/drawing/2010/main">
-                <a:solidFill>
-                  <a:srgbClr val="FFFFFF"/>
-                </a:solidFill>
-              </a14:hiddenFill>
-            </a:ext>
-            <a:ext uri="{91240B29-F687-4F45-9708-019B960494DF}">
-              <a14:hiddenLine xmlns:a14="http://schemas.microsoft.com/office/drawing/2010/main" w="9525">
-                <a:solidFill>
-                  <a:srgbClr val="000000"/>
-                </a:solidFill>
-                <a:miter lim="800000"/>
-                <a:headEnd/>
-                <a:tailEnd/>
-              </a14:hiddenLine>
-            </a:ext>
-          </a:extLst>
-        </p:spPr>
-        <p:txBody>
-          <a:bodyPr vert="horz" wrap="square" lIns="91440" tIns="45720" rIns="91440" bIns="45720" numCol="1" anchor="t" anchorCtr="0" compatLnSpc="1">
-            <a:prstTxWarp prst="textNoShape">
-              <a:avLst/>
-            </a:prstTxWarp>
-          </a:bodyPr>
-          <a:lstStyle>
-            <a:lvl1pPr marL="228600" indent="-228600" algn="l" rtl="0" eaLnBrk="0" fontAlgn="base" hangingPunct="0">
-              <a:lnSpc>
-                <a:spcPct val="90000"/>
-              </a:lnSpc>
-              <a:spcBef>
-                <a:spcPts val="1000"/>
-              </a:spcBef>
-              <a:spcAft>
-                <a:spcPct val="0"/>
-              </a:spcAft>
-              <a:buFont typeface="Arial" panose="020B0604020202020204" pitchFamily="34" charset="0"/>
-              <a:buChar char="•"/>
-              <a:defRPr sz="2800" kern="1200">
-                <a:solidFill>
-                  <a:schemeClr val="tx1"/>
-                </a:solidFill>
-                <a:latin typeface="+mn-lt"/>
-                <a:ea typeface="+mn-ea"/>
-                <a:cs typeface="+mn-cs"/>
-              </a:defRPr>
-            </a:lvl1pPr>
-            <a:lvl2pPr marL="685800" indent="-228600" algn="l" rtl="0" eaLnBrk="0" fontAlgn="base" hangingPunct="0">
-              <a:lnSpc>
-                <a:spcPct val="90000"/>
-              </a:lnSpc>
-              <a:spcBef>
-                <a:spcPts val="500"/>
-              </a:spcBef>
-              <a:spcAft>
-                <a:spcPct val="0"/>
-              </a:spcAft>
-              <a:buFont typeface="Arial" panose="020B0604020202020204" pitchFamily="34" charset="0"/>
-              <a:buChar char="•"/>
-              <a:defRPr sz="2400" kern="1200">
-                <a:solidFill>
-                  <a:schemeClr val="tx1"/>
-                </a:solidFill>
-                <a:latin typeface="+mn-lt"/>
-                <a:ea typeface="+mn-ea"/>
-                <a:cs typeface="+mn-cs"/>
-              </a:defRPr>
-            </a:lvl2pPr>
-            <a:lvl3pPr marL="1143000" indent="-228600" algn="l" rtl="0" eaLnBrk="0" fontAlgn="base" hangingPunct="0">
-              <a:lnSpc>
-                <a:spcPct val="90000"/>
-              </a:lnSpc>
-              <a:spcBef>
-                <a:spcPts val="500"/>
-              </a:spcBef>
-              <a:spcAft>
-                <a:spcPct val="0"/>
-              </a:spcAft>
-              <a:buFont typeface="Arial" panose="020B0604020202020204" pitchFamily="34" charset="0"/>
-              <a:buChar char="•"/>
-              <a:defRPr sz="2000" kern="1200">
-                <a:solidFill>
-                  <a:schemeClr val="tx1"/>
-                </a:solidFill>
-                <a:latin typeface="+mn-lt"/>
-                <a:ea typeface="+mn-ea"/>
-                <a:cs typeface="+mn-cs"/>
-              </a:defRPr>
-            </a:lvl3pPr>
-            <a:lvl4pPr marL="1600200" indent="-228600" algn="l" rtl="0" eaLnBrk="0" fontAlgn="base" hangingPunct="0">
-              <a:lnSpc>
-                <a:spcPct val="90000"/>
-              </a:lnSpc>
-              <a:spcBef>
-                <a:spcPts val="500"/>
-              </a:spcBef>
-              <a:spcAft>
-                <a:spcPct val="0"/>
-              </a:spcAft>
-              <a:buFont typeface="Arial" panose="020B0604020202020204" pitchFamily="34" charset="0"/>
-              <a:buChar char="•"/>
-              <a:defRPr kern="1200">
-                <a:solidFill>
-                  <a:schemeClr val="tx1"/>
-                </a:solidFill>
-                <a:latin typeface="+mn-lt"/>
-                <a:ea typeface="+mn-ea"/>
-                <a:cs typeface="+mn-cs"/>
-              </a:defRPr>
-            </a:lvl4pPr>
-            <a:lvl5pPr marL="2057400" indent="-228600" algn="l" rtl="0" eaLnBrk="0" fontAlgn="base" hangingPunct="0">
-              <a:lnSpc>
-                <a:spcPct val="90000"/>
-              </a:lnSpc>
-              <a:spcBef>
-                <a:spcPts val="500"/>
-              </a:spcBef>
-              <a:spcAft>
-                <a:spcPct val="0"/>
-              </a:spcAft>
-              <a:buFont typeface="Arial" panose="020B0604020202020204" pitchFamily="34" charset="0"/>
-              <a:buChar char="•"/>
-              <a:defRPr kern="1200">
-                <a:solidFill>
-                  <a:schemeClr val="tx1"/>
-                </a:solidFill>
-                <a:latin typeface="+mn-lt"/>
-                <a:ea typeface="+mn-ea"/>
-                <a:cs typeface="+mn-cs"/>
-              </a:defRPr>
-            </a:lvl5pPr>
-            <a:lvl6pPr marL="2514600" indent="-228600" algn="l" defTabSz="914400" rtl="0" eaLnBrk="1" latinLnBrk="0" hangingPunct="1">
-              <a:lnSpc>
-                <a:spcPct val="90000"/>
-              </a:lnSpc>
-              <a:spcBef>
-                <a:spcPts val="500"/>
-              </a:spcBef>
-              <a:buFont typeface="Arial" panose="020B0604020202020204" pitchFamily="34" charset="0"/>
-              <a:buChar char="•"/>
-              <a:defRPr sz="1800" kern="1200">
-                <a:solidFill>
-                  <a:schemeClr val="tx1"/>
-                </a:solidFill>
-                <a:latin typeface="+mn-lt"/>
-                <a:ea typeface="+mn-ea"/>
-                <a:cs typeface="+mn-cs"/>
-              </a:defRPr>
-            </a:lvl6pPr>
-            <a:lvl7pPr marL="2971800" indent="-228600" algn="l" defTabSz="914400" rtl="0" eaLnBrk="1" latinLnBrk="0" hangingPunct="1">
-              <a:lnSpc>
-                <a:spcPct val="90000"/>
-              </a:lnSpc>
-              <a:spcBef>
-                <a:spcPts val="500"/>
-              </a:spcBef>
-              <a:buFont typeface="Arial" panose="020B0604020202020204" pitchFamily="34" charset="0"/>
-              <a:buChar char="•"/>
-              <a:defRPr sz="1800" kern="1200">
-                <a:solidFill>
-                  <a:schemeClr val="tx1"/>
-                </a:solidFill>
-                <a:latin typeface="+mn-lt"/>
-                <a:ea typeface="+mn-ea"/>
-                <a:cs typeface="+mn-cs"/>
-              </a:defRPr>
-            </a:lvl7pPr>
-            <a:lvl8pPr marL="3429000" indent="-228600" algn="l" defTabSz="914400" rtl="0" eaLnBrk="1" latinLnBrk="0" hangingPunct="1">
-              <a:lnSpc>
-                <a:spcPct val="90000"/>
-              </a:lnSpc>
-              <a:spcBef>
-                <a:spcPts val="500"/>
-              </a:spcBef>
-              <a:buFont typeface="Arial" panose="020B0604020202020204" pitchFamily="34" charset="0"/>
-              <a:buChar char="•"/>
-              <a:defRPr sz="1800" kern="1200">
-                <a:solidFill>
-                  <a:schemeClr val="tx1"/>
-                </a:solidFill>
-                <a:latin typeface="+mn-lt"/>
-                <a:ea typeface="+mn-ea"/>
-                <a:cs typeface="+mn-cs"/>
-              </a:defRPr>
-            </a:lvl8pPr>
-            <a:lvl9pPr marL="3886200" indent="-228600" algn="l" defTabSz="914400" rtl="0" eaLnBrk="1" latinLnBrk="0" hangingPunct="1">
-              <a:lnSpc>
-                <a:spcPct val="90000"/>
-              </a:lnSpc>
-              <a:spcBef>
-                <a:spcPts val="500"/>
-              </a:spcBef>
-              <a:buFont typeface="Arial" panose="020B0604020202020204" pitchFamily="34" charset="0"/>
-              <a:buChar char="•"/>
-              <a:defRPr sz="1800" kern="1200">
-                <a:solidFill>
-                  <a:schemeClr val="tx1"/>
-                </a:solidFill>
-                <a:latin typeface="+mn-lt"/>
-                <a:ea typeface="+mn-ea"/>
-                <a:cs typeface="+mn-cs"/>
-              </a:defRPr>
-            </a:lvl9pPr>
-          </a:lstStyle>
-          <a:p>
-            <a:pPr eaLnBrk="1" hangingPunct="1">
-              <a:lnSpc>
-                <a:spcPct val="150000"/>
-              </a:lnSpc>
-            </a:pPr>
-            <a:r>
-              <a:rPr lang="ru-RU" sz="1600" dirty="0" smtClean="0"/>
-              <a:t>Луна без движения</a:t>
-            </a:r>
-          </a:p>
-          <a:p>
-            <a:pPr eaLnBrk="1" hangingPunct="1">
-              <a:lnSpc>
-                <a:spcPct val="150000"/>
-              </a:lnSpc>
-            </a:pPr>
-            <a:r>
-              <a:rPr lang="ru-RU" altLang="ru-RU" sz="1600" dirty="0" smtClean="0">
-                <a:cs typeface="Times New Roman" panose="02020603050405020304" pitchFamily="18" charset="0"/>
-              </a:rPr>
-              <a:t>Спутник пролетает рядом</a:t>
-            </a:r>
-            <a:br>
-              <a:rPr lang="ru-RU" altLang="ru-RU" sz="1600" dirty="0" smtClean="0">
-                <a:cs typeface="Times New Roman" panose="02020603050405020304" pitchFamily="18" charset="0"/>
-              </a:rPr>
-            </a:br>
-            <a:endParaRPr lang="ru-RU" altLang="ru-RU" sz="1600" dirty="0" smtClean="0">
-              <a:cs typeface="Times New Roman" panose="02020603050405020304" pitchFamily="18" charset="0"/>
-            </a:endParaRPr>
-          </a:p>
-          <a:p>
-            <a:pPr marL="0" indent="0" eaLnBrk="1" hangingPunct="1">
-              <a:lnSpc>
-                <a:spcPct val="150000"/>
-              </a:lnSpc>
-              <a:buNone/>
-            </a:pPr>
-            <a:r>
-              <a:rPr lang="ru-RU" altLang="ru-RU" sz="1600" i="1" dirty="0" smtClean="0">
-                <a:cs typeface="Times New Roman" panose="02020603050405020304" pitchFamily="18" charset="0"/>
-              </a:rPr>
-              <a:t>Финальная скорость </a:t>
-            </a:r>
-            <a:r>
-              <a:rPr lang="ru-RU" altLang="ru-RU" sz="1600" b="1" i="1" dirty="0" smtClean="0">
-                <a:cs typeface="Times New Roman" panose="02020603050405020304" pitchFamily="18" charset="0"/>
-              </a:rPr>
-              <a:t>изменила направление</a:t>
-            </a:r>
-          </a:p>
-          <a:p>
-            <a:pPr eaLnBrk="1" hangingPunct="1">
-              <a:lnSpc>
-                <a:spcPct val="150000"/>
-              </a:lnSpc>
-            </a:pPr>
-            <a:endParaRPr lang="ru-RU" altLang="ru-RU" sz="1600" dirty="0" smtClean="0">
-              <a:cs typeface="Times New Roman" panose="02020603050405020304" pitchFamily="18" charset="0"/>
-            </a:endParaRPr>
-          </a:p>
-        </p:txBody>
-      </p:sp>
-      <p:pic>
-        <p:nvPicPr>
-          <p:cNvPr id="4" name="Рисунок 3"/>
-          <p:cNvPicPr>
-            <a:picLocks noChangeAspect="1"/>
-          </p:cNvPicPr>
-          <p:nvPr/>
-        </p:nvPicPr>
-        <p:blipFill>
-          <a:blip r:embed="rId4"/>
-          <a:stretch>
-            <a:fillRect/>
-          </a:stretch>
-        </p:blipFill>
-        <p:spPr>
-          <a:xfrm>
-            <a:off x="8400256" y="1830077"/>
-            <a:ext cx="3253186" cy="1395517"/>
-          </a:xfrm>
-          <a:prstGeom prst="rect">
-            <a:avLst/>
-          </a:prstGeom>
-          <a:ln>
-            <a:noFill/>
-          </a:ln>
-          <a:effectLst>
-            <a:outerShdw blurRad="292100" dist="139700" dir="2700000" algn="tl" rotWithShape="0">
-              <a:srgbClr val="333333">
-                <a:alpha val="65000"/>
-              </a:srgbClr>
-            </a:outerShdw>
-          </a:effectLst>
-        </p:spPr>
-      </p:pic>
-      <p:sp>
-        <p:nvSpPr>
-          <p:cNvPr id="13" name="Текст 5"/>
-          <p:cNvSpPr txBox="1">
-            <a:spLocks noChangeArrowheads="1"/>
-          </p:cNvSpPr>
-          <p:nvPr/>
-        </p:nvSpPr>
-        <p:spPr bwMode="auto">
-          <a:xfrm>
-            <a:off x="4631365" y="3370103"/>
-            <a:ext cx="3292582" cy="3336035"/>
-          </a:xfrm>
-          <a:prstGeom prst="rect">
-            <a:avLst/>
-          </a:prstGeom>
-          <a:noFill/>
-          <a:ln>
-            <a:noFill/>
-          </a:ln>
-          <a:extLst>
-            <a:ext uri="{909E8E84-426E-40DD-AFC4-6F175D3DCCD1}">
-              <a14:hiddenFill xmlns:a14="http://schemas.microsoft.com/office/drawing/2010/main">
-                <a:solidFill>
-                  <a:srgbClr val="FFFFFF"/>
-                </a:solidFill>
-              </a14:hiddenFill>
-            </a:ext>
-            <a:ext uri="{91240B29-F687-4F45-9708-019B960494DF}">
-              <a14:hiddenLine xmlns:a14="http://schemas.microsoft.com/office/drawing/2010/main" w="9525">
-                <a:solidFill>
-                  <a:srgbClr val="000000"/>
-                </a:solidFill>
-                <a:miter lim="800000"/>
-                <a:headEnd/>
-                <a:tailEnd/>
-              </a14:hiddenLine>
-            </a:ext>
-          </a:extLst>
-        </p:spPr>
-        <p:txBody>
-          <a:bodyPr vert="horz" wrap="square" lIns="91440" tIns="45720" rIns="91440" bIns="45720" numCol="1" anchor="t" anchorCtr="0" compatLnSpc="1">
-            <a:prstTxWarp prst="textNoShape">
-              <a:avLst/>
-            </a:prstTxWarp>
-          </a:bodyPr>
-          <a:lstStyle>
-            <a:lvl1pPr marL="228600" indent="-228600" algn="l" rtl="0" eaLnBrk="0" fontAlgn="base" hangingPunct="0">
-              <a:lnSpc>
-                <a:spcPct val="90000"/>
-              </a:lnSpc>
-              <a:spcBef>
-                <a:spcPts val="1000"/>
-              </a:spcBef>
-              <a:spcAft>
-                <a:spcPct val="0"/>
-              </a:spcAft>
-              <a:buFont typeface="Arial" panose="020B0604020202020204" pitchFamily="34" charset="0"/>
-              <a:buChar char="•"/>
-              <a:defRPr sz="2800" kern="1200">
-                <a:solidFill>
-                  <a:schemeClr val="tx1"/>
-                </a:solidFill>
-                <a:latin typeface="+mn-lt"/>
-                <a:ea typeface="+mn-ea"/>
-                <a:cs typeface="+mn-cs"/>
-              </a:defRPr>
-            </a:lvl1pPr>
-            <a:lvl2pPr marL="685800" indent="-228600" algn="l" rtl="0" eaLnBrk="0" fontAlgn="base" hangingPunct="0">
-              <a:lnSpc>
-                <a:spcPct val="90000"/>
-              </a:lnSpc>
-              <a:spcBef>
-                <a:spcPts val="500"/>
-              </a:spcBef>
-              <a:spcAft>
-                <a:spcPct val="0"/>
-              </a:spcAft>
-              <a:buFont typeface="Arial" panose="020B0604020202020204" pitchFamily="34" charset="0"/>
-              <a:buChar char="•"/>
-              <a:defRPr sz="2400" kern="1200">
-                <a:solidFill>
-                  <a:schemeClr val="tx1"/>
-                </a:solidFill>
-                <a:latin typeface="+mn-lt"/>
-                <a:ea typeface="+mn-ea"/>
-                <a:cs typeface="+mn-cs"/>
-              </a:defRPr>
-            </a:lvl2pPr>
-            <a:lvl3pPr marL="1143000" indent="-228600" algn="l" rtl="0" eaLnBrk="0" fontAlgn="base" hangingPunct="0">
-              <a:lnSpc>
-                <a:spcPct val="90000"/>
-              </a:lnSpc>
-              <a:spcBef>
-                <a:spcPts val="500"/>
-              </a:spcBef>
-              <a:spcAft>
-                <a:spcPct val="0"/>
-              </a:spcAft>
-              <a:buFont typeface="Arial" panose="020B0604020202020204" pitchFamily="34" charset="0"/>
-              <a:buChar char="•"/>
-              <a:defRPr sz="2000" kern="1200">
-                <a:solidFill>
-                  <a:schemeClr val="tx1"/>
-                </a:solidFill>
-                <a:latin typeface="+mn-lt"/>
-                <a:ea typeface="+mn-ea"/>
-                <a:cs typeface="+mn-cs"/>
-              </a:defRPr>
-            </a:lvl3pPr>
-            <a:lvl4pPr marL="1600200" indent="-228600" algn="l" rtl="0" eaLnBrk="0" fontAlgn="base" hangingPunct="0">
-              <a:lnSpc>
-                <a:spcPct val="90000"/>
-              </a:lnSpc>
-              <a:spcBef>
-                <a:spcPts val="500"/>
-              </a:spcBef>
-              <a:spcAft>
-                <a:spcPct val="0"/>
-              </a:spcAft>
-              <a:buFont typeface="Arial" panose="020B0604020202020204" pitchFamily="34" charset="0"/>
-              <a:buChar char="•"/>
-              <a:defRPr kern="1200">
-                <a:solidFill>
-                  <a:schemeClr val="tx1"/>
-                </a:solidFill>
-                <a:latin typeface="+mn-lt"/>
-                <a:ea typeface="+mn-ea"/>
-                <a:cs typeface="+mn-cs"/>
-              </a:defRPr>
-            </a:lvl4pPr>
-            <a:lvl5pPr marL="2057400" indent="-228600" algn="l" rtl="0" eaLnBrk="0" fontAlgn="base" hangingPunct="0">
-              <a:lnSpc>
-                <a:spcPct val="90000"/>
-              </a:lnSpc>
-              <a:spcBef>
-                <a:spcPts val="500"/>
-              </a:spcBef>
-              <a:spcAft>
-                <a:spcPct val="0"/>
-              </a:spcAft>
-              <a:buFont typeface="Arial" panose="020B0604020202020204" pitchFamily="34" charset="0"/>
-              <a:buChar char="•"/>
-              <a:defRPr kern="1200">
-                <a:solidFill>
-                  <a:schemeClr val="tx1"/>
-                </a:solidFill>
-                <a:latin typeface="+mn-lt"/>
-                <a:ea typeface="+mn-ea"/>
-                <a:cs typeface="+mn-cs"/>
-              </a:defRPr>
-            </a:lvl5pPr>
-            <a:lvl6pPr marL="2514600" indent="-228600" algn="l" defTabSz="914400" rtl="0" eaLnBrk="1" latinLnBrk="0" hangingPunct="1">
-              <a:lnSpc>
-                <a:spcPct val="90000"/>
-              </a:lnSpc>
-              <a:spcBef>
-                <a:spcPts val="500"/>
-              </a:spcBef>
-              <a:buFont typeface="Arial" panose="020B0604020202020204" pitchFamily="34" charset="0"/>
-              <a:buChar char="•"/>
-              <a:defRPr sz="1800" kern="1200">
-                <a:solidFill>
-                  <a:schemeClr val="tx1"/>
-                </a:solidFill>
-                <a:latin typeface="+mn-lt"/>
-                <a:ea typeface="+mn-ea"/>
-                <a:cs typeface="+mn-cs"/>
-              </a:defRPr>
-            </a:lvl6pPr>
-            <a:lvl7pPr marL="2971800" indent="-228600" algn="l" defTabSz="914400" rtl="0" eaLnBrk="1" latinLnBrk="0" hangingPunct="1">
-              <a:lnSpc>
-                <a:spcPct val="90000"/>
-              </a:lnSpc>
-              <a:spcBef>
-                <a:spcPts val="500"/>
-              </a:spcBef>
-              <a:buFont typeface="Arial" panose="020B0604020202020204" pitchFamily="34" charset="0"/>
-              <a:buChar char="•"/>
-              <a:defRPr sz="1800" kern="1200">
-                <a:solidFill>
-                  <a:schemeClr val="tx1"/>
-                </a:solidFill>
-                <a:latin typeface="+mn-lt"/>
-                <a:ea typeface="+mn-ea"/>
-                <a:cs typeface="+mn-cs"/>
-              </a:defRPr>
-            </a:lvl7pPr>
-            <a:lvl8pPr marL="3429000" indent="-228600" algn="l" defTabSz="914400" rtl="0" eaLnBrk="1" latinLnBrk="0" hangingPunct="1">
-              <a:lnSpc>
-                <a:spcPct val="90000"/>
-              </a:lnSpc>
-              <a:spcBef>
-                <a:spcPts val="500"/>
-              </a:spcBef>
-              <a:buFont typeface="Arial" panose="020B0604020202020204" pitchFamily="34" charset="0"/>
-              <a:buChar char="•"/>
-              <a:defRPr sz="1800" kern="1200">
-                <a:solidFill>
-                  <a:schemeClr val="tx1"/>
-                </a:solidFill>
-                <a:latin typeface="+mn-lt"/>
-                <a:ea typeface="+mn-ea"/>
-                <a:cs typeface="+mn-cs"/>
-              </a:defRPr>
-            </a:lvl8pPr>
-            <a:lvl9pPr marL="3886200" indent="-228600" algn="l" defTabSz="914400" rtl="0" eaLnBrk="1" latinLnBrk="0" hangingPunct="1">
-              <a:lnSpc>
-                <a:spcPct val="90000"/>
-              </a:lnSpc>
-              <a:spcBef>
-                <a:spcPts val="500"/>
-              </a:spcBef>
-              <a:buFont typeface="Arial" panose="020B0604020202020204" pitchFamily="34" charset="0"/>
-              <a:buChar char="•"/>
-              <a:defRPr sz="1800" kern="1200">
-                <a:solidFill>
-                  <a:schemeClr val="tx1"/>
-                </a:solidFill>
-                <a:latin typeface="+mn-lt"/>
-                <a:ea typeface="+mn-ea"/>
-                <a:cs typeface="+mn-cs"/>
-              </a:defRPr>
-            </a:lvl9pPr>
-          </a:lstStyle>
-          <a:p>
-            <a:pPr eaLnBrk="1" hangingPunct="1">
-              <a:lnSpc>
-                <a:spcPct val="150000"/>
-              </a:lnSpc>
-            </a:pPr>
-            <a:r>
-              <a:rPr lang="ru-RU" sz="1600" dirty="0"/>
-              <a:t>Луна </a:t>
-            </a:r>
-            <a:r>
-              <a:rPr lang="ru-RU" sz="1600" dirty="0" smtClean="0"/>
-              <a:t>двигается</a:t>
-            </a:r>
-            <a:endParaRPr lang="ru-RU" altLang="ru-RU" sz="1600" dirty="0">
-              <a:cs typeface="Times New Roman" panose="02020603050405020304" pitchFamily="18" charset="0"/>
-            </a:endParaRPr>
-          </a:p>
-          <a:p>
-            <a:pPr eaLnBrk="1" hangingPunct="1">
-              <a:lnSpc>
-                <a:spcPct val="150000"/>
-              </a:lnSpc>
-            </a:pPr>
-            <a:r>
-              <a:rPr lang="ru-RU" altLang="ru-RU" sz="1600" dirty="0" smtClean="0">
-                <a:cs typeface="Times New Roman" panose="02020603050405020304" pitchFamily="18" charset="0"/>
-              </a:rPr>
-              <a:t>Спутник пролетает рядом</a:t>
-            </a:r>
-            <a:br>
-              <a:rPr lang="ru-RU" altLang="ru-RU" sz="1600" dirty="0" smtClean="0">
-                <a:cs typeface="Times New Roman" panose="02020603050405020304" pitchFamily="18" charset="0"/>
-              </a:rPr>
-            </a:br>
-            <a:endParaRPr lang="ru-RU" altLang="ru-RU" sz="1600" dirty="0" smtClean="0">
-              <a:cs typeface="Times New Roman" panose="02020603050405020304" pitchFamily="18" charset="0"/>
-            </a:endParaRPr>
-          </a:p>
-          <a:p>
-            <a:pPr marL="0" indent="0" eaLnBrk="1" hangingPunct="1">
-              <a:lnSpc>
-                <a:spcPct val="150000"/>
-              </a:lnSpc>
-              <a:buNone/>
-            </a:pPr>
-            <a:r>
-              <a:rPr lang="ru-RU" altLang="ru-RU" sz="1600" i="1" dirty="0" smtClean="0">
-                <a:cs typeface="Times New Roman" panose="02020603050405020304" pitchFamily="18" charset="0"/>
-              </a:rPr>
-              <a:t>Финальная скорость </a:t>
-            </a:r>
-            <a:r>
-              <a:rPr lang="ru-RU" altLang="ru-RU" sz="1600" b="1" i="1" dirty="0" smtClean="0">
-                <a:cs typeface="Times New Roman" panose="02020603050405020304" pitchFamily="18" charset="0"/>
-              </a:rPr>
-              <a:t>может быть увеличена</a:t>
-            </a:r>
-            <a:r>
-              <a:rPr lang="ru-RU" altLang="ru-RU" sz="1600" i="1" dirty="0" smtClean="0">
-                <a:cs typeface="Times New Roman" panose="02020603050405020304" pitchFamily="18" charset="0"/>
-              </a:rPr>
-              <a:t> за счёт </a:t>
-            </a:r>
-            <a:r>
-              <a:rPr lang="ru-RU" sz="1600" b="1" i="1" dirty="0" smtClean="0"/>
-              <a:t>орбитального импульса</a:t>
-            </a:r>
-            <a:endParaRPr lang="ru-RU" altLang="ru-RU" sz="1600" b="1" i="1" dirty="0">
-              <a:cs typeface="Times New Roman" panose="02020603050405020304" pitchFamily="18" charset="0"/>
-            </a:endParaRPr>
-          </a:p>
-        </p:txBody>
-      </p:sp>
-      <p:sp>
-        <p:nvSpPr>
-          <p:cNvPr id="14" name="Текст 5"/>
-          <p:cNvSpPr txBox="1">
-            <a:spLocks noChangeArrowheads="1"/>
-          </p:cNvSpPr>
-          <p:nvPr/>
-        </p:nvSpPr>
-        <p:spPr bwMode="auto">
-          <a:xfrm>
-            <a:off x="8400256" y="3372404"/>
-            <a:ext cx="3672408" cy="3336035"/>
-          </a:xfrm>
-          <a:prstGeom prst="rect">
-            <a:avLst/>
-          </a:prstGeom>
-          <a:noFill/>
-          <a:ln>
-            <a:noFill/>
-          </a:ln>
-          <a:extLst>
-            <a:ext uri="{909E8E84-426E-40DD-AFC4-6F175D3DCCD1}">
-              <a14:hiddenFill xmlns:a14="http://schemas.microsoft.com/office/drawing/2010/main">
-                <a:solidFill>
-                  <a:srgbClr val="FFFFFF"/>
-                </a:solidFill>
-              </a14:hiddenFill>
-            </a:ext>
-            <a:ext uri="{91240B29-F687-4F45-9708-019B960494DF}">
-              <a14:hiddenLine xmlns:a14="http://schemas.microsoft.com/office/drawing/2010/main" w="9525">
-                <a:solidFill>
-                  <a:srgbClr val="000000"/>
-                </a:solidFill>
-                <a:miter lim="800000"/>
-                <a:headEnd/>
-                <a:tailEnd/>
-              </a14:hiddenLine>
-            </a:ext>
-          </a:extLst>
-        </p:spPr>
-        <p:txBody>
-          <a:bodyPr vert="horz" wrap="square" lIns="91440" tIns="45720" rIns="91440" bIns="45720" numCol="1" anchor="t" anchorCtr="0" compatLnSpc="1">
-            <a:prstTxWarp prst="textNoShape">
-              <a:avLst/>
-            </a:prstTxWarp>
-          </a:bodyPr>
-          <a:lstStyle>
-            <a:lvl1pPr marL="228600" indent="-228600" algn="l" rtl="0" eaLnBrk="0" fontAlgn="base" hangingPunct="0">
-              <a:lnSpc>
-                <a:spcPct val="90000"/>
-              </a:lnSpc>
-              <a:spcBef>
-                <a:spcPts val="1000"/>
-              </a:spcBef>
-              <a:spcAft>
-                <a:spcPct val="0"/>
-              </a:spcAft>
-              <a:buFont typeface="Arial" panose="020B0604020202020204" pitchFamily="34" charset="0"/>
-              <a:buChar char="•"/>
-              <a:defRPr sz="2800" kern="1200">
-                <a:solidFill>
-                  <a:schemeClr val="tx1"/>
-                </a:solidFill>
-                <a:latin typeface="+mn-lt"/>
-                <a:ea typeface="+mn-ea"/>
-                <a:cs typeface="+mn-cs"/>
-              </a:defRPr>
-            </a:lvl1pPr>
-            <a:lvl2pPr marL="685800" indent="-228600" algn="l" rtl="0" eaLnBrk="0" fontAlgn="base" hangingPunct="0">
-              <a:lnSpc>
-                <a:spcPct val="90000"/>
-              </a:lnSpc>
-              <a:spcBef>
-                <a:spcPts val="500"/>
-              </a:spcBef>
-              <a:spcAft>
-                <a:spcPct val="0"/>
-              </a:spcAft>
-              <a:buFont typeface="Arial" panose="020B0604020202020204" pitchFamily="34" charset="0"/>
-              <a:buChar char="•"/>
-              <a:defRPr sz="2400" kern="1200">
-                <a:solidFill>
-                  <a:schemeClr val="tx1"/>
-                </a:solidFill>
-                <a:latin typeface="+mn-lt"/>
-                <a:ea typeface="+mn-ea"/>
-                <a:cs typeface="+mn-cs"/>
-              </a:defRPr>
-            </a:lvl2pPr>
-            <a:lvl3pPr marL="1143000" indent="-228600" algn="l" rtl="0" eaLnBrk="0" fontAlgn="base" hangingPunct="0">
-              <a:lnSpc>
-                <a:spcPct val="90000"/>
-              </a:lnSpc>
-              <a:spcBef>
-                <a:spcPts val="500"/>
-              </a:spcBef>
-              <a:spcAft>
-                <a:spcPct val="0"/>
-              </a:spcAft>
-              <a:buFont typeface="Arial" panose="020B0604020202020204" pitchFamily="34" charset="0"/>
-              <a:buChar char="•"/>
-              <a:defRPr sz="2000" kern="1200">
-                <a:solidFill>
-                  <a:schemeClr val="tx1"/>
-                </a:solidFill>
-                <a:latin typeface="+mn-lt"/>
-                <a:ea typeface="+mn-ea"/>
-                <a:cs typeface="+mn-cs"/>
-              </a:defRPr>
-            </a:lvl3pPr>
-            <a:lvl4pPr marL="1600200" indent="-228600" algn="l" rtl="0" eaLnBrk="0" fontAlgn="base" hangingPunct="0">
-              <a:lnSpc>
-                <a:spcPct val="90000"/>
-              </a:lnSpc>
-              <a:spcBef>
-                <a:spcPts val="500"/>
-              </a:spcBef>
-              <a:spcAft>
-                <a:spcPct val="0"/>
-              </a:spcAft>
-              <a:buFont typeface="Arial" panose="020B0604020202020204" pitchFamily="34" charset="0"/>
-              <a:buChar char="•"/>
-              <a:defRPr kern="1200">
-                <a:solidFill>
-                  <a:schemeClr val="tx1"/>
-                </a:solidFill>
-                <a:latin typeface="+mn-lt"/>
-                <a:ea typeface="+mn-ea"/>
-                <a:cs typeface="+mn-cs"/>
-              </a:defRPr>
-            </a:lvl4pPr>
-            <a:lvl5pPr marL="2057400" indent="-228600" algn="l" rtl="0" eaLnBrk="0" fontAlgn="base" hangingPunct="0">
-              <a:lnSpc>
-                <a:spcPct val="90000"/>
-              </a:lnSpc>
-              <a:spcBef>
-                <a:spcPts val="500"/>
-              </a:spcBef>
-              <a:spcAft>
-                <a:spcPct val="0"/>
-              </a:spcAft>
-              <a:buFont typeface="Arial" panose="020B0604020202020204" pitchFamily="34" charset="0"/>
-              <a:buChar char="•"/>
-              <a:defRPr kern="1200">
-                <a:solidFill>
-                  <a:schemeClr val="tx1"/>
-                </a:solidFill>
-                <a:latin typeface="+mn-lt"/>
-                <a:ea typeface="+mn-ea"/>
-                <a:cs typeface="+mn-cs"/>
-              </a:defRPr>
-            </a:lvl5pPr>
-            <a:lvl6pPr marL="2514600" indent="-228600" algn="l" defTabSz="914400" rtl="0" eaLnBrk="1" latinLnBrk="0" hangingPunct="1">
-              <a:lnSpc>
-                <a:spcPct val="90000"/>
-              </a:lnSpc>
-              <a:spcBef>
-                <a:spcPts val="500"/>
-              </a:spcBef>
-              <a:buFont typeface="Arial" panose="020B0604020202020204" pitchFamily="34" charset="0"/>
-              <a:buChar char="•"/>
-              <a:defRPr sz="1800" kern="1200">
-                <a:solidFill>
-                  <a:schemeClr val="tx1"/>
-                </a:solidFill>
-                <a:latin typeface="+mn-lt"/>
-                <a:ea typeface="+mn-ea"/>
-                <a:cs typeface="+mn-cs"/>
-              </a:defRPr>
-            </a:lvl6pPr>
-            <a:lvl7pPr marL="2971800" indent="-228600" algn="l" defTabSz="914400" rtl="0" eaLnBrk="1" latinLnBrk="0" hangingPunct="1">
-              <a:lnSpc>
-                <a:spcPct val="90000"/>
-              </a:lnSpc>
-              <a:spcBef>
-                <a:spcPts val="500"/>
-              </a:spcBef>
-              <a:buFont typeface="Arial" panose="020B0604020202020204" pitchFamily="34" charset="0"/>
-              <a:buChar char="•"/>
-              <a:defRPr sz="1800" kern="1200">
-                <a:solidFill>
-                  <a:schemeClr val="tx1"/>
-                </a:solidFill>
-                <a:latin typeface="+mn-lt"/>
-                <a:ea typeface="+mn-ea"/>
-                <a:cs typeface="+mn-cs"/>
-              </a:defRPr>
-            </a:lvl7pPr>
-            <a:lvl8pPr marL="3429000" indent="-228600" algn="l" defTabSz="914400" rtl="0" eaLnBrk="1" latinLnBrk="0" hangingPunct="1">
-              <a:lnSpc>
-                <a:spcPct val="90000"/>
-              </a:lnSpc>
-              <a:spcBef>
-                <a:spcPts val="500"/>
-              </a:spcBef>
-              <a:buFont typeface="Arial" panose="020B0604020202020204" pitchFamily="34" charset="0"/>
-              <a:buChar char="•"/>
-              <a:defRPr sz="1800" kern="1200">
-                <a:solidFill>
-                  <a:schemeClr val="tx1"/>
-                </a:solidFill>
-                <a:latin typeface="+mn-lt"/>
-                <a:ea typeface="+mn-ea"/>
-                <a:cs typeface="+mn-cs"/>
-              </a:defRPr>
-            </a:lvl8pPr>
-            <a:lvl9pPr marL="3886200" indent="-228600" algn="l" defTabSz="914400" rtl="0" eaLnBrk="1" latinLnBrk="0" hangingPunct="1">
-              <a:lnSpc>
-                <a:spcPct val="90000"/>
-              </a:lnSpc>
-              <a:spcBef>
-                <a:spcPts val="500"/>
-              </a:spcBef>
-              <a:buFont typeface="Arial" panose="020B0604020202020204" pitchFamily="34" charset="0"/>
-              <a:buChar char="•"/>
-              <a:defRPr sz="1800" kern="1200">
-                <a:solidFill>
-                  <a:schemeClr val="tx1"/>
-                </a:solidFill>
-                <a:latin typeface="+mn-lt"/>
-                <a:ea typeface="+mn-ea"/>
-                <a:cs typeface="+mn-cs"/>
-              </a:defRPr>
-            </a:lvl9pPr>
-          </a:lstStyle>
-          <a:p>
-            <a:pPr eaLnBrk="1" hangingPunct="1">
-              <a:lnSpc>
-                <a:spcPct val="150000"/>
-              </a:lnSpc>
-            </a:pPr>
-            <a:r>
-              <a:rPr lang="ru-RU" sz="1600" dirty="0"/>
-              <a:t>Луна </a:t>
-            </a:r>
-            <a:r>
-              <a:rPr lang="ru-RU" sz="1600" dirty="0" smtClean="0"/>
-              <a:t>двигается</a:t>
-            </a:r>
-            <a:endParaRPr lang="ru-RU" altLang="ru-RU" sz="1600" dirty="0">
-              <a:cs typeface="Times New Roman" panose="02020603050405020304" pitchFamily="18" charset="0"/>
-            </a:endParaRPr>
-          </a:p>
-          <a:p>
-            <a:pPr eaLnBrk="1" hangingPunct="1">
-              <a:lnSpc>
-                <a:spcPct val="150000"/>
-              </a:lnSpc>
-            </a:pPr>
-            <a:r>
-              <a:rPr lang="ru-RU" altLang="ru-RU" sz="1600" dirty="0" smtClean="0">
-                <a:cs typeface="Times New Roman" panose="02020603050405020304" pitchFamily="18" charset="0"/>
-              </a:rPr>
-              <a:t>Спутник включает двигатель в ближайшей к Луне точке</a:t>
-            </a:r>
-            <a:endParaRPr lang="ru-RU" altLang="ru-RU" sz="1600" dirty="0">
-              <a:cs typeface="Times New Roman" panose="02020603050405020304" pitchFamily="18" charset="0"/>
-            </a:endParaRPr>
-          </a:p>
-          <a:p>
-            <a:pPr marL="0" indent="0" eaLnBrk="1" hangingPunct="1">
-              <a:lnSpc>
-                <a:spcPct val="150000"/>
-              </a:lnSpc>
-              <a:buNone/>
-            </a:pPr>
-            <a:r>
-              <a:rPr lang="ru-RU" altLang="ru-RU" sz="1600" i="1" dirty="0" smtClean="0">
-                <a:cs typeface="Times New Roman" panose="02020603050405020304" pitchFamily="18" charset="0"/>
-              </a:rPr>
-              <a:t>Финальная </a:t>
-            </a:r>
-            <a:r>
-              <a:rPr lang="ru-RU" altLang="ru-RU" sz="1600" i="1" dirty="0">
-                <a:cs typeface="Times New Roman" panose="02020603050405020304" pitchFamily="18" charset="0"/>
-              </a:rPr>
-              <a:t>скорость </a:t>
-            </a:r>
-            <a:r>
-              <a:rPr lang="ru-RU" altLang="ru-RU" sz="1600" b="1" i="1" dirty="0">
-                <a:cs typeface="Times New Roman" panose="02020603050405020304" pitchFamily="18" charset="0"/>
-              </a:rPr>
-              <a:t>значительно увеличена</a:t>
-            </a:r>
-            <a:r>
-              <a:rPr lang="ru-RU" altLang="ru-RU" sz="1600" i="1" dirty="0">
-                <a:cs typeface="Times New Roman" panose="02020603050405020304" pitchFamily="18" charset="0"/>
-              </a:rPr>
-              <a:t> за счёт </a:t>
-            </a:r>
-            <a:r>
-              <a:rPr lang="ru-RU" sz="1600" b="1" i="1" dirty="0"/>
-              <a:t>орбитального </a:t>
-            </a:r>
-            <a:r>
-              <a:rPr lang="ru-RU" sz="1600" b="1" i="1" dirty="0" smtClean="0"/>
-              <a:t>импульса</a:t>
-            </a:r>
-            <a:r>
-              <a:rPr lang="ru-RU" sz="1600" i="1" dirty="0" smtClean="0"/>
-              <a:t> и </a:t>
-            </a:r>
-            <a:r>
-              <a:rPr lang="ru-RU" sz="1600" b="1" i="1" dirty="0" smtClean="0"/>
-              <a:t>эффекта </a:t>
-            </a:r>
-            <a:r>
-              <a:rPr lang="ru-RU" sz="1600" b="1" i="1" dirty="0" err="1" smtClean="0"/>
-              <a:t>Оберта</a:t>
-            </a:r>
-            <a:endParaRPr lang="ru-RU" altLang="ru-RU" sz="1600" b="1" i="1" dirty="0">
-              <a:cs typeface="Times New Roman" panose="02020603050405020304" pitchFamily="18" charset="0"/>
-            </a:endParaRPr>
-          </a:p>
-          <a:p>
-            <a:pPr marL="0" indent="0" eaLnBrk="1" hangingPunct="1">
-              <a:lnSpc>
-                <a:spcPct val="150000"/>
-              </a:lnSpc>
-              <a:buNone/>
-            </a:pPr>
-            <a:endParaRPr lang="ru-RU" altLang="ru-RU" sz="1600" dirty="0" smtClean="0">
-              <a:cs typeface="Times New Roman" panose="02020603050405020304" pitchFamily="18" charset="0"/>
-            </a:endParaRPr>
-          </a:p>
-          <a:p>
-            <a:pPr eaLnBrk="1" hangingPunct="1">
-              <a:lnSpc>
-                <a:spcPct val="150000"/>
-              </a:lnSpc>
-            </a:pPr>
-            <a:endParaRPr lang="ru-RU" altLang="ru-RU" sz="1600" dirty="0">
-              <a:cs typeface="Times New Roman" panose="02020603050405020304" pitchFamily="18" charset="0"/>
-            </a:endParaRPr>
-          </a:p>
-        </p:txBody>
-      </p:sp>
-      <p:sp>
-        <p:nvSpPr>
-          <p:cNvPr id="20" name="Прямоугольник 19"/>
-          <p:cNvSpPr/>
-          <p:nvPr/>
-        </p:nvSpPr>
-        <p:spPr>
-          <a:xfrm>
-            <a:off x="0" y="-10586"/>
-            <a:ext cx="12192000" cy="1052736"/>
-          </a:xfrm>
-          <a:prstGeom prst="rect">
-            <a:avLst/>
-          </a:prstGeom>
-          <a:solidFill>
-            <a:srgbClr val="0095DA"/>
-          </a:solidFill>
-        </p:spPr>
-        <p:style>
-          <a:lnRef idx="2">
-            <a:schemeClr val="accent1">
-              <a:shade val="50000"/>
-            </a:schemeClr>
-          </a:lnRef>
-          <a:fillRef idx="1">
-            <a:schemeClr val="accent1"/>
-          </a:fillRef>
-          <a:effectRef idx="0">
-            <a:schemeClr val="accent1"/>
-          </a:effectRef>
-          <a:fontRef idx="minor">
-            <a:schemeClr val="lt1"/>
-          </a:fontRef>
-        </p:style>
-        <p:txBody>
-          <a:bodyPr rtlCol="0" anchor="ctr"/>
-          <a:lstStyle/>
-          <a:p>
-            <a:pPr algn="ctr"/>
-            <a:endParaRPr lang="ru-RU"/>
-          </a:p>
-        </p:txBody>
-      </p:sp>
-      <p:sp>
-        <p:nvSpPr>
-          <p:cNvPr id="21" name="Rectangle 2"/>
-          <p:cNvSpPr txBox="1">
-            <a:spLocks noChangeArrowheads="1"/>
-          </p:cNvSpPr>
-          <p:nvPr/>
-        </p:nvSpPr>
-        <p:spPr bwMode="auto">
-          <a:xfrm>
-            <a:off x="1305152" y="28206"/>
-            <a:ext cx="8229600" cy="1032091"/>
-          </a:xfrm>
-          <a:prstGeom prst="rect">
-            <a:avLst/>
-          </a:prstGeom>
-          <a:noFill/>
-          <a:ln>
-            <a:noFill/>
-          </a:ln>
-          <a:extLst>
-            <a:ext uri="{909E8E84-426E-40DD-AFC4-6F175D3DCCD1}">
-              <a14:hiddenFill xmlns:a14="http://schemas.microsoft.com/office/drawing/2010/main">
-                <a:solidFill>
-                  <a:srgbClr val="FFFFFF"/>
-                </a:solidFill>
-              </a14:hiddenFill>
-            </a:ext>
-            <a:ext uri="{91240B29-F687-4F45-9708-019B960494DF}">
-              <a14:hiddenLine xmlns:a14="http://schemas.microsoft.com/office/drawing/2010/main" w="9525">
-                <a:solidFill>
-                  <a:srgbClr val="000000"/>
-                </a:solidFill>
-                <a:miter lim="800000"/>
-                <a:headEnd/>
-                <a:tailEnd/>
-              </a14:hiddenLine>
-            </a:ext>
-          </a:extLst>
-        </p:spPr>
-        <p:txBody>
-          <a:bodyPr vert="horz" wrap="square" lIns="91440" tIns="45720" rIns="91440" bIns="45720" numCol="1" anchor="ctr" anchorCtr="0" compatLnSpc="1">
-            <a:prstTxWarp prst="textNoShape">
-              <a:avLst/>
-            </a:prstTxWarp>
-          </a:bodyPr>
-          <a:lstStyle>
-            <a:lvl1pPr algn="l" rtl="0" eaLnBrk="0" fontAlgn="base" hangingPunct="0">
-              <a:lnSpc>
-                <a:spcPct val="90000"/>
-              </a:lnSpc>
-              <a:spcBef>
-                <a:spcPct val="0"/>
-              </a:spcBef>
-              <a:spcAft>
-                <a:spcPct val="0"/>
-              </a:spcAft>
-              <a:defRPr sz="4400" kern="1200">
-                <a:solidFill>
-                  <a:schemeClr val="tx1"/>
-                </a:solidFill>
-                <a:latin typeface="+mj-lt"/>
-                <a:ea typeface="+mj-ea"/>
-                <a:cs typeface="+mj-cs"/>
-              </a:defRPr>
-            </a:lvl1pPr>
-            <a:lvl2pPr algn="l" rtl="0" eaLnBrk="0" fontAlgn="base" hangingPunct="0">
-              <a:lnSpc>
-                <a:spcPct val="90000"/>
-              </a:lnSpc>
-              <a:spcBef>
-                <a:spcPct val="0"/>
-              </a:spcBef>
-              <a:spcAft>
-                <a:spcPct val="0"/>
-              </a:spcAft>
-              <a:defRPr sz="4400">
-                <a:solidFill>
-                  <a:schemeClr val="tx1"/>
-                </a:solidFill>
-                <a:latin typeface="Calibri Light" panose="020F0302020204030204" pitchFamily="34" charset="0"/>
-              </a:defRPr>
-            </a:lvl2pPr>
-            <a:lvl3pPr algn="l" rtl="0" eaLnBrk="0" fontAlgn="base" hangingPunct="0">
-              <a:lnSpc>
-                <a:spcPct val="90000"/>
-              </a:lnSpc>
-              <a:spcBef>
-                <a:spcPct val="0"/>
-              </a:spcBef>
-              <a:spcAft>
-                <a:spcPct val="0"/>
-              </a:spcAft>
-              <a:defRPr sz="4400">
-                <a:solidFill>
-                  <a:schemeClr val="tx1"/>
-                </a:solidFill>
-                <a:latin typeface="Calibri Light" panose="020F0302020204030204" pitchFamily="34" charset="0"/>
-              </a:defRPr>
-            </a:lvl3pPr>
-            <a:lvl4pPr algn="l" rtl="0" eaLnBrk="0" fontAlgn="base" hangingPunct="0">
-              <a:lnSpc>
-                <a:spcPct val="90000"/>
-              </a:lnSpc>
-              <a:spcBef>
-                <a:spcPct val="0"/>
-              </a:spcBef>
-              <a:spcAft>
-                <a:spcPct val="0"/>
-              </a:spcAft>
-              <a:defRPr sz="4400">
-                <a:solidFill>
-                  <a:schemeClr val="tx1"/>
-                </a:solidFill>
-                <a:latin typeface="Calibri Light" panose="020F0302020204030204" pitchFamily="34" charset="0"/>
-              </a:defRPr>
-            </a:lvl4pPr>
-            <a:lvl5pPr algn="l" rtl="0" eaLnBrk="0" fontAlgn="base" hangingPunct="0">
-              <a:lnSpc>
-                <a:spcPct val="90000"/>
-              </a:lnSpc>
-              <a:spcBef>
-                <a:spcPct val="0"/>
-              </a:spcBef>
-              <a:spcAft>
-                <a:spcPct val="0"/>
-              </a:spcAft>
-              <a:defRPr sz="4400">
-                <a:solidFill>
-                  <a:schemeClr val="tx1"/>
-                </a:solidFill>
-                <a:latin typeface="Calibri Light" panose="020F0302020204030204" pitchFamily="34" charset="0"/>
-              </a:defRPr>
-            </a:lvl5pPr>
-            <a:lvl6pPr marL="457200" algn="l" rtl="0" fontAlgn="base">
-              <a:lnSpc>
-                <a:spcPct val="90000"/>
-              </a:lnSpc>
-              <a:spcBef>
-                <a:spcPct val="0"/>
-              </a:spcBef>
-              <a:spcAft>
-                <a:spcPct val="0"/>
-              </a:spcAft>
-              <a:defRPr sz="4400">
-                <a:solidFill>
-                  <a:schemeClr val="tx1"/>
-                </a:solidFill>
-                <a:latin typeface="Calibri Light" panose="020F0302020204030204" pitchFamily="34" charset="0"/>
-              </a:defRPr>
-            </a:lvl6pPr>
-            <a:lvl7pPr marL="914400" algn="l" rtl="0" fontAlgn="base">
-              <a:lnSpc>
-                <a:spcPct val="90000"/>
-              </a:lnSpc>
-              <a:spcBef>
-                <a:spcPct val="0"/>
-              </a:spcBef>
-              <a:spcAft>
-                <a:spcPct val="0"/>
-              </a:spcAft>
-              <a:defRPr sz="4400">
-                <a:solidFill>
-                  <a:schemeClr val="tx1"/>
-                </a:solidFill>
-                <a:latin typeface="Calibri Light" panose="020F0302020204030204" pitchFamily="34" charset="0"/>
-              </a:defRPr>
-            </a:lvl7pPr>
-            <a:lvl8pPr marL="1371600" algn="l" rtl="0" fontAlgn="base">
-              <a:lnSpc>
-                <a:spcPct val="90000"/>
-              </a:lnSpc>
-              <a:spcBef>
-                <a:spcPct val="0"/>
-              </a:spcBef>
-              <a:spcAft>
-                <a:spcPct val="0"/>
-              </a:spcAft>
-              <a:defRPr sz="4400">
-                <a:solidFill>
-                  <a:schemeClr val="tx1"/>
-                </a:solidFill>
-                <a:latin typeface="Calibri Light" panose="020F0302020204030204" pitchFamily="34" charset="0"/>
-              </a:defRPr>
-            </a:lvl8pPr>
-            <a:lvl9pPr marL="1828800" algn="l" rtl="0" fontAlgn="base">
-              <a:lnSpc>
-                <a:spcPct val="90000"/>
-              </a:lnSpc>
-              <a:spcBef>
-                <a:spcPct val="0"/>
-              </a:spcBef>
-              <a:spcAft>
-                <a:spcPct val="0"/>
-              </a:spcAft>
-              <a:defRPr sz="4400">
-                <a:solidFill>
-                  <a:schemeClr val="tx1"/>
-                </a:solidFill>
-                <a:latin typeface="Calibri Light" panose="020F0302020204030204" pitchFamily="34" charset="0"/>
-              </a:defRPr>
-            </a:lvl9pPr>
-          </a:lstStyle>
-          <a:p>
-            <a:pPr eaLnBrk="1" hangingPunct="1"/>
-            <a:r>
-              <a:rPr lang="ru-RU" altLang="ru-RU" sz="3200" b="1" dirty="0">
-                <a:solidFill>
-                  <a:schemeClr val="bg1"/>
-                </a:solidFill>
-              </a:rPr>
-              <a:t>Эффект </a:t>
-            </a:r>
-            <a:r>
-              <a:rPr lang="ru-RU" altLang="ru-RU" sz="3200" b="1" dirty="0" err="1">
-                <a:solidFill>
-                  <a:schemeClr val="bg1"/>
-                </a:solidFill>
-              </a:rPr>
-              <a:t>Оберта</a:t>
-            </a:r>
-            <a:endParaRPr lang="ru-RU" altLang="ru-RU" sz="3200" b="1" dirty="0" smtClean="0">
-              <a:solidFill>
-                <a:schemeClr val="bg1"/>
-              </a:solidFill>
-            </a:endParaRPr>
-          </a:p>
-        </p:txBody>
-      </p:sp>
-      <p:pic>
-        <p:nvPicPr>
-          <p:cNvPr id="22" name="Picture 4"/>
-          <p:cNvPicPr>
-            <a:picLocks noChangeAspect="1" noChangeArrowheads="1"/>
-          </p:cNvPicPr>
-          <p:nvPr/>
-        </p:nvPicPr>
-        <p:blipFill>
-          <a:blip r:embed="rId5" cstate="print">
-            <a:extLst>
-              <a:ext uri="{28A0092B-C50C-407E-A947-70E740481C1C}">
-                <a14:useLocalDpi xmlns:a14="http://schemas.microsoft.com/office/drawing/2010/main" val="0"/>
-              </a:ext>
-            </a:extLst>
-          </a:blip>
-          <a:srcRect/>
-          <a:stretch>
-            <a:fillRect/>
-          </a:stretch>
-        </p:blipFill>
-        <p:spPr bwMode="auto">
-          <a:xfrm>
-            <a:off x="164922" y="62134"/>
-            <a:ext cx="975308" cy="943590"/>
-          </a:xfrm>
-          <a:prstGeom prst="rect">
-            <a:avLst/>
-          </a:prstGeom>
-          <a:noFill/>
-          <a:ln>
-            <a:noFill/>
-          </a:ln>
-          <a:effectLst/>
-          <a:extLst>
-            <a:ext uri="{909E8E84-426E-40DD-AFC4-6F175D3DCCD1}">
-              <a14:hiddenFill xmlns:a14="http://schemas.microsoft.com/office/drawing/2010/main">
-                <a:blipFill dpi="0" rotWithShape="0">
-                  <a:blip/>
-                  <a:srcRect/>
-                  <a:stretch>
-                    <a:fillRect/>
-                  </a:stretch>
-                </a:blipFill>
-              </a14:hiddenFill>
-            </a:ext>
-            <a:ext uri="{91240B29-F687-4F45-9708-019B960494DF}">
-              <a14:hiddenLine xmlns:a14="http://schemas.microsoft.com/office/drawing/2010/main" w="9525">
-                <a:solidFill>
-                  <a:srgbClr val="808080"/>
-                </a:solidFill>
-                <a:round/>
-                <a:headEnd/>
-                <a:tailEnd/>
-              </a14:hiddenLine>
-            </a:ext>
-            <a:ext uri="{AF507438-7753-43E0-B8FC-AC1667EBCBE1}">
-              <a14:hiddenEffects xmlns:a14="http://schemas.microsoft.com/office/drawing/2010/main">
-                <a:effectLst>
-                  <a:outerShdw dist="35921" dir="2700000" algn="ctr" rotWithShape="0">
-                    <a:srgbClr val="808080"/>
-                  </a:outerShdw>
-                </a:effectLst>
-              </a14:hiddenEffects>
-            </a:ext>
-          </a:extLst>
-        </p:spPr>
-      </p:pic>
-    </p:spTree>
-  </p:cSld>
-  <p:clrMapOvr>
-    <a:masterClrMapping/>
-  </p:clrMapOvr>
-  <p:timing>
-    <p:tnLst>
-      <p:par>
-        <p:cTn id="1" dur="indefinite" restart="never" nodeType="tmRoot"/>
-      </p:par>
-    </p:tnLst>
-  </p:timing>
-</p:sld>
-</file>
-
 <file path=ppt/slides/slide7.xml><?xml version="1.0" encoding="utf-8"?>
 <p:sld xmlns:a="http://schemas.openxmlformats.org/drawingml/2006/main" xmlns:r="http://schemas.openxmlformats.org/officeDocument/2006/relationships" xmlns:p="http://schemas.openxmlformats.org/presentationml/2006/main">
   <p:cSld>
@@ -18502,7 +18501,7 @@
         </p:nvSpPr>
         <p:spPr bwMode="auto">
           <a:xfrm>
-            <a:off x="5303912" y="1851084"/>
+            <a:off x="5419952" y="1485858"/>
             <a:ext cx="6744072" cy="4458236"/>
           </a:xfrm>
           <a:prstGeom prst="rect">
@@ -18725,10 +18724,10 @@
               <a:buNone/>
             </a:pPr>
             <a:r>
-              <a:rPr lang="ru-RU" sz="1600" dirty="0" smtClean="0"/>
+              <a:rPr lang="ru-RU" sz="3200" dirty="0" smtClean="0"/>
               <a:t>Возможности</a:t>
             </a:r>
-            <a:endParaRPr lang="ru-RU" sz="3600" dirty="0" smtClean="0"/>
+            <a:endParaRPr lang="ru-RU" sz="6000" dirty="0" smtClean="0"/>
           </a:p>
           <a:p>
             <a:pPr eaLnBrk="1" hangingPunct="1">
@@ -19830,11 +19829,19 @@
               <a:buNone/>
             </a:pPr>
             <a:r>
-              <a:rPr lang="ru-RU" sz="1600" dirty="0" smtClean="0"/>
-              <a:t>Выход с орбиты при помощи двигателя. </a:t>
+              <a:rPr lang="ru-RU" sz="1800" dirty="0" smtClean="0"/>
+              <a:t>Выход с орбиты при помощи </a:t>
+            </a:r>
+            <a:r>
+              <a:rPr lang="ru-RU" sz="1800" dirty="0" smtClean="0"/>
+              <a:t>двигателя </a:t>
+            </a:r>
+            <a:r>
+              <a:rPr lang="ru-RU" sz="1800" dirty="0" smtClean="0"/>
+              <a:t/>
             </a:r>
             <a:br>
-              <a:rPr lang="ru-RU" sz="1600" dirty="0" smtClean="0"/>
+              <a:rPr lang="ru-RU" sz="1800" dirty="0" smtClean="0"/>
             </a:br>
             <a:r>
               <a:rPr lang="ru-RU" sz="1600" b="1" dirty="0" smtClean="0"/>
@@ -21089,6 +21096,708 @@
           </a:p>
         </p:txBody>
       </p:sp>
+      <p:sp>
+        <p:nvSpPr>
+          <p:cNvPr id="14" name="Текст 5"/>
+          <p:cNvSpPr txBox="1">
+            <a:spLocks noChangeArrowheads="1"/>
+          </p:cNvSpPr>
+          <p:nvPr/>
+        </p:nvSpPr>
+        <p:spPr bwMode="auto">
+          <a:xfrm>
+            <a:off x="768986" y="4365104"/>
+            <a:ext cx="4840445" cy="1545822"/>
+          </a:xfrm>
+          <a:prstGeom prst="rect">
+            <a:avLst/>
+          </a:prstGeom>
+          <a:noFill/>
+          <a:ln>
+            <a:noFill/>
+          </a:ln>
+          <a:extLst>
+            <a:ext uri="{909E8E84-426E-40DD-AFC4-6F175D3DCCD1}">
+              <a14:hiddenFill xmlns:a14="http://schemas.microsoft.com/office/drawing/2010/main">
+                <a:solidFill>
+                  <a:srgbClr val="FFFFFF"/>
+                </a:solidFill>
+              </a14:hiddenFill>
+            </a:ext>
+            <a:ext uri="{91240B29-F687-4F45-9708-019B960494DF}">
+              <a14:hiddenLine xmlns:a14="http://schemas.microsoft.com/office/drawing/2010/main" w="9525">
+                <a:solidFill>
+                  <a:srgbClr val="000000"/>
+                </a:solidFill>
+                <a:miter lim="800000"/>
+                <a:headEnd/>
+                <a:tailEnd/>
+              </a14:hiddenLine>
+            </a:ext>
+          </a:extLst>
+        </p:spPr>
+        <p:txBody>
+          <a:bodyPr vert="horz" wrap="square" lIns="91440" tIns="45720" rIns="91440" bIns="45720" numCol="1" anchor="t" anchorCtr="0" compatLnSpc="1">
+            <a:prstTxWarp prst="textNoShape">
+              <a:avLst/>
+            </a:prstTxWarp>
+          </a:bodyPr>
+          <a:lstStyle>
+            <a:lvl1pPr marL="228600" indent="-228600" algn="l" rtl="0" eaLnBrk="0" fontAlgn="base" hangingPunct="0">
+              <a:lnSpc>
+                <a:spcPct val="90000"/>
+              </a:lnSpc>
+              <a:spcBef>
+                <a:spcPts val="1000"/>
+              </a:spcBef>
+              <a:spcAft>
+                <a:spcPct val="0"/>
+              </a:spcAft>
+              <a:buFont typeface="Arial" panose="020B0604020202020204" pitchFamily="34" charset="0"/>
+              <a:buChar char="•"/>
+              <a:defRPr sz="2800" kern="1200">
+                <a:solidFill>
+                  <a:schemeClr val="tx1"/>
+                </a:solidFill>
+                <a:latin typeface="+mn-lt"/>
+                <a:ea typeface="+mn-ea"/>
+                <a:cs typeface="+mn-cs"/>
+              </a:defRPr>
+            </a:lvl1pPr>
+            <a:lvl2pPr marL="685800" indent="-228600" algn="l" rtl="0" eaLnBrk="0" fontAlgn="base" hangingPunct="0">
+              <a:lnSpc>
+                <a:spcPct val="90000"/>
+              </a:lnSpc>
+              <a:spcBef>
+                <a:spcPts val="500"/>
+              </a:spcBef>
+              <a:spcAft>
+                <a:spcPct val="0"/>
+              </a:spcAft>
+              <a:buFont typeface="Arial" panose="020B0604020202020204" pitchFamily="34" charset="0"/>
+              <a:buChar char="•"/>
+              <a:defRPr sz="2400" kern="1200">
+                <a:solidFill>
+                  <a:schemeClr val="tx1"/>
+                </a:solidFill>
+                <a:latin typeface="+mn-lt"/>
+                <a:ea typeface="+mn-ea"/>
+                <a:cs typeface="+mn-cs"/>
+              </a:defRPr>
+            </a:lvl2pPr>
+            <a:lvl3pPr marL="1143000" indent="-228600" algn="l" rtl="0" eaLnBrk="0" fontAlgn="base" hangingPunct="0">
+              <a:lnSpc>
+                <a:spcPct val="90000"/>
+              </a:lnSpc>
+              <a:spcBef>
+                <a:spcPts val="500"/>
+              </a:spcBef>
+              <a:spcAft>
+                <a:spcPct val="0"/>
+              </a:spcAft>
+              <a:buFont typeface="Arial" panose="020B0604020202020204" pitchFamily="34" charset="0"/>
+              <a:buChar char="•"/>
+              <a:defRPr sz="2000" kern="1200">
+                <a:solidFill>
+                  <a:schemeClr val="tx1"/>
+                </a:solidFill>
+                <a:latin typeface="+mn-lt"/>
+                <a:ea typeface="+mn-ea"/>
+                <a:cs typeface="+mn-cs"/>
+              </a:defRPr>
+            </a:lvl3pPr>
+            <a:lvl4pPr marL="1600200" indent="-228600" algn="l" rtl="0" eaLnBrk="0" fontAlgn="base" hangingPunct="0">
+              <a:lnSpc>
+                <a:spcPct val="90000"/>
+              </a:lnSpc>
+              <a:spcBef>
+                <a:spcPts val="500"/>
+              </a:spcBef>
+              <a:spcAft>
+                <a:spcPct val="0"/>
+              </a:spcAft>
+              <a:buFont typeface="Arial" panose="020B0604020202020204" pitchFamily="34" charset="0"/>
+              <a:buChar char="•"/>
+              <a:defRPr kern="1200">
+                <a:solidFill>
+                  <a:schemeClr val="tx1"/>
+                </a:solidFill>
+                <a:latin typeface="+mn-lt"/>
+                <a:ea typeface="+mn-ea"/>
+                <a:cs typeface="+mn-cs"/>
+              </a:defRPr>
+            </a:lvl4pPr>
+            <a:lvl5pPr marL="2057400" indent="-228600" algn="l" rtl="0" eaLnBrk="0" fontAlgn="base" hangingPunct="0">
+              <a:lnSpc>
+                <a:spcPct val="90000"/>
+              </a:lnSpc>
+              <a:spcBef>
+                <a:spcPts val="500"/>
+              </a:spcBef>
+              <a:spcAft>
+                <a:spcPct val="0"/>
+              </a:spcAft>
+              <a:buFont typeface="Arial" panose="020B0604020202020204" pitchFamily="34" charset="0"/>
+              <a:buChar char="•"/>
+              <a:defRPr kern="1200">
+                <a:solidFill>
+                  <a:schemeClr val="tx1"/>
+                </a:solidFill>
+                <a:latin typeface="+mn-lt"/>
+                <a:ea typeface="+mn-ea"/>
+                <a:cs typeface="+mn-cs"/>
+              </a:defRPr>
+            </a:lvl5pPr>
+            <a:lvl6pPr marL="2514600" indent="-228600" algn="l" defTabSz="914400" rtl="0" eaLnBrk="1" latinLnBrk="0" hangingPunct="1">
+              <a:lnSpc>
+                <a:spcPct val="90000"/>
+              </a:lnSpc>
+              <a:spcBef>
+                <a:spcPts val="500"/>
+              </a:spcBef>
+              <a:buFont typeface="Arial" panose="020B0604020202020204" pitchFamily="34" charset="0"/>
+              <a:buChar char="•"/>
+              <a:defRPr sz="1800" kern="1200">
+                <a:solidFill>
+                  <a:schemeClr val="tx1"/>
+                </a:solidFill>
+                <a:latin typeface="+mn-lt"/>
+                <a:ea typeface="+mn-ea"/>
+                <a:cs typeface="+mn-cs"/>
+              </a:defRPr>
+            </a:lvl6pPr>
+            <a:lvl7pPr marL="2971800" indent="-228600" algn="l" defTabSz="914400" rtl="0" eaLnBrk="1" latinLnBrk="0" hangingPunct="1">
+              <a:lnSpc>
+                <a:spcPct val="90000"/>
+              </a:lnSpc>
+              <a:spcBef>
+                <a:spcPts val="500"/>
+              </a:spcBef>
+              <a:buFont typeface="Arial" panose="020B0604020202020204" pitchFamily="34" charset="0"/>
+              <a:buChar char="•"/>
+              <a:defRPr sz="1800" kern="1200">
+                <a:solidFill>
+                  <a:schemeClr val="tx1"/>
+                </a:solidFill>
+                <a:latin typeface="+mn-lt"/>
+                <a:ea typeface="+mn-ea"/>
+                <a:cs typeface="+mn-cs"/>
+              </a:defRPr>
+            </a:lvl7pPr>
+            <a:lvl8pPr marL="3429000" indent="-228600" algn="l" defTabSz="914400" rtl="0" eaLnBrk="1" latinLnBrk="0" hangingPunct="1">
+              <a:lnSpc>
+                <a:spcPct val="90000"/>
+              </a:lnSpc>
+              <a:spcBef>
+                <a:spcPts val="500"/>
+              </a:spcBef>
+              <a:buFont typeface="Arial" panose="020B0604020202020204" pitchFamily="34" charset="0"/>
+              <a:buChar char="•"/>
+              <a:defRPr sz="1800" kern="1200">
+                <a:solidFill>
+                  <a:schemeClr val="tx1"/>
+                </a:solidFill>
+                <a:latin typeface="+mn-lt"/>
+                <a:ea typeface="+mn-ea"/>
+                <a:cs typeface="+mn-cs"/>
+              </a:defRPr>
+            </a:lvl8pPr>
+            <a:lvl9pPr marL="3886200" indent="-228600" algn="l" defTabSz="914400" rtl="0" eaLnBrk="1" latinLnBrk="0" hangingPunct="1">
+              <a:lnSpc>
+                <a:spcPct val="90000"/>
+              </a:lnSpc>
+              <a:spcBef>
+                <a:spcPts val="500"/>
+              </a:spcBef>
+              <a:buFont typeface="Arial" panose="020B0604020202020204" pitchFamily="34" charset="0"/>
+              <a:buChar char="•"/>
+              <a:defRPr sz="1800" kern="1200">
+                <a:solidFill>
+                  <a:schemeClr val="tx1"/>
+                </a:solidFill>
+                <a:latin typeface="+mn-lt"/>
+                <a:ea typeface="+mn-ea"/>
+                <a:cs typeface="+mn-cs"/>
+              </a:defRPr>
+            </a:lvl9pPr>
+          </a:lstStyle>
+          <a:p>
+            <a:pPr marL="0" indent="0" eaLnBrk="1" hangingPunct="1">
+              <a:lnSpc>
+                <a:spcPct val="150000"/>
+              </a:lnSpc>
+              <a:buNone/>
+            </a:pPr>
+            <a:r>
+              <a:rPr lang="ru-RU" altLang="ru-RU" sz="1600" dirty="0" smtClean="0">
+                <a:cs typeface="Times New Roman" panose="02020603050405020304" pitchFamily="18" charset="0"/>
+              </a:rPr>
+              <a:t>Качество каждого этюда определяли по финальной скорости на расстоянии Земли </a:t>
+            </a:r>
+          </a:p>
+        </p:txBody>
+      </p:sp>
+      <p:sp>
+        <p:nvSpPr>
+          <p:cNvPr id="17" name="Текст 5"/>
+          <p:cNvSpPr txBox="1">
+            <a:spLocks noChangeArrowheads="1"/>
+          </p:cNvSpPr>
+          <p:nvPr/>
+        </p:nvSpPr>
+        <p:spPr bwMode="auto">
+          <a:xfrm>
+            <a:off x="1455942" y="6138225"/>
+            <a:ext cx="3084847" cy="432048"/>
+          </a:xfrm>
+          <a:prstGeom prst="rect">
+            <a:avLst/>
+          </a:prstGeom>
+          <a:noFill/>
+          <a:ln>
+            <a:noFill/>
+          </a:ln>
+          <a:extLst>
+            <a:ext uri="{909E8E84-426E-40DD-AFC4-6F175D3DCCD1}">
+              <a14:hiddenFill xmlns:a14="http://schemas.microsoft.com/office/drawing/2010/main">
+                <a:solidFill>
+                  <a:srgbClr val="FFFFFF"/>
+                </a:solidFill>
+              </a14:hiddenFill>
+            </a:ext>
+            <a:ext uri="{91240B29-F687-4F45-9708-019B960494DF}">
+              <a14:hiddenLine xmlns:a14="http://schemas.microsoft.com/office/drawing/2010/main" w="9525">
+                <a:solidFill>
+                  <a:srgbClr val="000000"/>
+                </a:solidFill>
+                <a:miter lim="800000"/>
+                <a:headEnd/>
+                <a:tailEnd/>
+              </a14:hiddenLine>
+            </a:ext>
+          </a:extLst>
+        </p:spPr>
+        <p:txBody>
+          <a:bodyPr vert="horz" wrap="square" lIns="91440" tIns="45720" rIns="91440" bIns="45720" numCol="1" anchor="t" anchorCtr="0" compatLnSpc="1">
+            <a:prstTxWarp prst="textNoShape">
+              <a:avLst/>
+            </a:prstTxWarp>
+          </a:bodyPr>
+          <a:lstStyle>
+            <a:lvl1pPr marL="228600" indent="-228600" algn="l" rtl="0" eaLnBrk="0" fontAlgn="base" hangingPunct="0">
+              <a:lnSpc>
+                <a:spcPct val="90000"/>
+              </a:lnSpc>
+              <a:spcBef>
+                <a:spcPts val="1000"/>
+              </a:spcBef>
+              <a:spcAft>
+                <a:spcPct val="0"/>
+              </a:spcAft>
+              <a:buFont typeface="Arial" panose="020B0604020202020204" pitchFamily="34" charset="0"/>
+              <a:buChar char="•"/>
+              <a:defRPr sz="2800" kern="1200">
+                <a:solidFill>
+                  <a:schemeClr val="tx1"/>
+                </a:solidFill>
+                <a:latin typeface="+mn-lt"/>
+                <a:ea typeface="+mn-ea"/>
+                <a:cs typeface="+mn-cs"/>
+              </a:defRPr>
+            </a:lvl1pPr>
+            <a:lvl2pPr marL="685800" indent="-228600" algn="l" rtl="0" eaLnBrk="0" fontAlgn="base" hangingPunct="0">
+              <a:lnSpc>
+                <a:spcPct val="90000"/>
+              </a:lnSpc>
+              <a:spcBef>
+                <a:spcPts val="500"/>
+              </a:spcBef>
+              <a:spcAft>
+                <a:spcPct val="0"/>
+              </a:spcAft>
+              <a:buFont typeface="Arial" panose="020B0604020202020204" pitchFamily="34" charset="0"/>
+              <a:buChar char="•"/>
+              <a:defRPr sz="2400" kern="1200">
+                <a:solidFill>
+                  <a:schemeClr val="tx1"/>
+                </a:solidFill>
+                <a:latin typeface="+mn-lt"/>
+                <a:ea typeface="+mn-ea"/>
+                <a:cs typeface="+mn-cs"/>
+              </a:defRPr>
+            </a:lvl2pPr>
+            <a:lvl3pPr marL="1143000" indent="-228600" algn="l" rtl="0" eaLnBrk="0" fontAlgn="base" hangingPunct="0">
+              <a:lnSpc>
+                <a:spcPct val="90000"/>
+              </a:lnSpc>
+              <a:spcBef>
+                <a:spcPts val="500"/>
+              </a:spcBef>
+              <a:spcAft>
+                <a:spcPct val="0"/>
+              </a:spcAft>
+              <a:buFont typeface="Arial" panose="020B0604020202020204" pitchFamily="34" charset="0"/>
+              <a:buChar char="•"/>
+              <a:defRPr sz="2000" kern="1200">
+                <a:solidFill>
+                  <a:schemeClr val="tx1"/>
+                </a:solidFill>
+                <a:latin typeface="+mn-lt"/>
+                <a:ea typeface="+mn-ea"/>
+                <a:cs typeface="+mn-cs"/>
+              </a:defRPr>
+            </a:lvl3pPr>
+            <a:lvl4pPr marL="1600200" indent="-228600" algn="l" rtl="0" eaLnBrk="0" fontAlgn="base" hangingPunct="0">
+              <a:lnSpc>
+                <a:spcPct val="90000"/>
+              </a:lnSpc>
+              <a:spcBef>
+                <a:spcPts val="500"/>
+              </a:spcBef>
+              <a:spcAft>
+                <a:spcPct val="0"/>
+              </a:spcAft>
+              <a:buFont typeface="Arial" panose="020B0604020202020204" pitchFamily="34" charset="0"/>
+              <a:buChar char="•"/>
+              <a:defRPr kern="1200">
+                <a:solidFill>
+                  <a:schemeClr val="tx1"/>
+                </a:solidFill>
+                <a:latin typeface="+mn-lt"/>
+                <a:ea typeface="+mn-ea"/>
+                <a:cs typeface="+mn-cs"/>
+              </a:defRPr>
+            </a:lvl4pPr>
+            <a:lvl5pPr marL="2057400" indent="-228600" algn="l" rtl="0" eaLnBrk="0" fontAlgn="base" hangingPunct="0">
+              <a:lnSpc>
+                <a:spcPct val="90000"/>
+              </a:lnSpc>
+              <a:spcBef>
+                <a:spcPts val="500"/>
+              </a:spcBef>
+              <a:spcAft>
+                <a:spcPct val="0"/>
+              </a:spcAft>
+              <a:buFont typeface="Arial" panose="020B0604020202020204" pitchFamily="34" charset="0"/>
+              <a:buChar char="•"/>
+              <a:defRPr kern="1200">
+                <a:solidFill>
+                  <a:schemeClr val="tx1"/>
+                </a:solidFill>
+                <a:latin typeface="+mn-lt"/>
+                <a:ea typeface="+mn-ea"/>
+                <a:cs typeface="+mn-cs"/>
+              </a:defRPr>
+            </a:lvl5pPr>
+            <a:lvl6pPr marL="2514600" indent="-228600" algn="l" defTabSz="914400" rtl="0" eaLnBrk="1" latinLnBrk="0" hangingPunct="1">
+              <a:lnSpc>
+                <a:spcPct val="90000"/>
+              </a:lnSpc>
+              <a:spcBef>
+                <a:spcPts val="500"/>
+              </a:spcBef>
+              <a:buFont typeface="Arial" panose="020B0604020202020204" pitchFamily="34" charset="0"/>
+              <a:buChar char="•"/>
+              <a:defRPr sz="1800" kern="1200">
+                <a:solidFill>
+                  <a:schemeClr val="tx1"/>
+                </a:solidFill>
+                <a:latin typeface="+mn-lt"/>
+                <a:ea typeface="+mn-ea"/>
+                <a:cs typeface="+mn-cs"/>
+              </a:defRPr>
+            </a:lvl6pPr>
+            <a:lvl7pPr marL="2971800" indent="-228600" algn="l" defTabSz="914400" rtl="0" eaLnBrk="1" latinLnBrk="0" hangingPunct="1">
+              <a:lnSpc>
+                <a:spcPct val="90000"/>
+              </a:lnSpc>
+              <a:spcBef>
+                <a:spcPts val="500"/>
+              </a:spcBef>
+              <a:buFont typeface="Arial" panose="020B0604020202020204" pitchFamily="34" charset="0"/>
+              <a:buChar char="•"/>
+              <a:defRPr sz="1800" kern="1200">
+                <a:solidFill>
+                  <a:schemeClr val="tx1"/>
+                </a:solidFill>
+                <a:latin typeface="+mn-lt"/>
+                <a:ea typeface="+mn-ea"/>
+                <a:cs typeface="+mn-cs"/>
+              </a:defRPr>
+            </a:lvl7pPr>
+            <a:lvl8pPr marL="3429000" indent="-228600" algn="l" defTabSz="914400" rtl="0" eaLnBrk="1" latinLnBrk="0" hangingPunct="1">
+              <a:lnSpc>
+                <a:spcPct val="90000"/>
+              </a:lnSpc>
+              <a:spcBef>
+                <a:spcPts val="500"/>
+              </a:spcBef>
+              <a:buFont typeface="Arial" panose="020B0604020202020204" pitchFamily="34" charset="0"/>
+              <a:buChar char="•"/>
+              <a:defRPr sz="1800" kern="1200">
+                <a:solidFill>
+                  <a:schemeClr val="tx1"/>
+                </a:solidFill>
+                <a:latin typeface="+mn-lt"/>
+                <a:ea typeface="+mn-ea"/>
+                <a:cs typeface="+mn-cs"/>
+              </a:defRPr>
+            </a:lvl8pPr>
+            <a:lvl9pPr marL="3886200" indent="-228600" algn="l" defTabSz="914400" rtl="0" eaLnBrk="1" latinLnBrk="0" hangingPunct="1">
+              <a:lnSpc>
+                <a:spcPct val="90000"/>
+              </a:lnSpc>
+              <a:spcBef>
+                <a:spcPts val="500"/>
+              </a:spcBef>
+              <a:buFont typeface="Arial" panose="020B0604020202020204" pitchFamily="34" charset="0"/>
+              <a:buChar char="•"/>
+              <a:defRPr sz="1800" kern="1200">
+                <a:solidFill>
+                  <a:schemeClr val="tx1"/>
+                </a:solidFill>
+                <a:latin typeface="+mn-lt"/>
+                <a:ea typeface="+mn-ea"/>
+                <a:cs typeface="+mn-cs"/>
+              </a:defRPr>
+            </a:lvl9pPr>
+          </a:lstStyle>
+          <a:p>
+            <a:pPr marL="0" indent="0" eaLnBrk="1" hangingPunct="1">
+              <a:lnSpc>
+                <a:spcPct val="150000"/>
+              </a:lnSpc>
+              <a:buNone/>
+            </a:pPr>
+            <a:r>
+              <a:rPr lang="ru-RU" altLang="ru-RU" sz="1200" i="1" dirty="0" smtClean="0"/>
+              <a:t>Дистанция фиксации финальной скорости</a:t>
+            </a:r>
+            <a:endParaRPr lang="ru-RU" altLang="ru-RU" sz="1200" i="1" dirty="0" smtClean="0">
+              <a:cs typeface="Times New Roman" panose="02020603050405020304" pitchFamily="18" charset="0"/>
+            </a:endParaRPr>
+          </a:p>
+          <a:p>
+            <a:pPr eaLnBrk="1" hangingPunct="1">
+              <a:lnSpc>
+                <a:spcPct val="150000"/>
+              </a:lnSpc>
+            </a:pPr>
+            <a:endParaRPr lang="ru-RU" altLang="ru-RU" sz="1200" i="1" dirty="0" smtClean="0">
+              <a:cs typeface="Times New Roman" panose="02020603050405020304" pitchFamily="18" charset="0"/>
+            </a:endParaRPr>
+          </a:p>
+          <a:p>
+            <a:pPr eaLnBrk="1" hangingPunct="1">
+              <a:lnSpc>
+                <a:spcPct val="150000"/>
+              </a:lnSpc>
+            </a:pPr>
+            <a:endParaRPr lang="ru-RU" altLang="ru-RU" sz="1200" i="1" dirty="0" smtClean="0">
+              <a:cs typeface="Times New Roman" panose="02020603050405020304" pitchFamily="18" charset="0"/>
+            </a:endParaRPr>
+          </a:p>
+        </p:txBody>
+      </p:sp>
+      <mc:AlternateContent xmlns:mc="http://schemas.openxmlformats.org/markup-compatibility/2006">
+        <mc:Choice xmlns:a14="http://schemas.microsoft.com/office/drawing/2010/main" Requires="a14">
+          <p:sp>
+            <p:nvSpPr>
+              <p:cNvPr id="19" name="Прямоугольник 18"/>
+              <p:cNvSpPr/>
+              <p:nvPr/>
+            </p:nvSpPr>
+            <p:spPr>
+              <a:xfrm>
+                <a:off x="1691533" y="5180214"/>
+                <a:ext cx="2613664" cy="962058"/>
+              </a:xfrm>
+              <a:prstGeom prst="rect">
+                <a:avLst/>
+              </a:prstGeom>
+              <a:effectLst>
+                <a:outerShdw blurRad="50800" dist="38100" dir="2700000" algn="tl" rotWithShape="0">
+                  <a:prstClr val="black">
+                    <a:alpha val="40000"/>
+                  </a:prstClr>
+                </a:outerShdw>
+              </a:effectLst>
+            </p:spPr>
+            <p:txBody>
+              <a:bodyPr wrap="none">
+                <a:spAutoFit/>
+              </a:bodyPr>
+              <a:lstStyle/>
+              <a:p>
+                <a:pPr/>
+                <a14:m>
+                  <m:oMathPara xmlns:m="http://schemas.openxmlformats.org/officeDocument/2006/math">
+                    <m:oMathParaPr>
+                      <m:jc m:val="centerGroup"/>
+                    </m:oMathParaPr>
+                    <m:oMath xmlns:m="http://schemas.openxmlformats.org/officeDocument/2006/math">
+                      <m:r>
+                        <a:rPr lang="ru-RU" i="1">
+                          <a:latin typeface="Cambria Math" panose="02040503050406030204" pitchFamily="18" charset="0"/>
+                        </a:rPr>
+                        <m:t>𝑟</m:t>
+                      </m:r>
+                      <m:r>
+                        <a:rPr lang="ru-RU" i="0">
+                          <a:latin typeface="Cambria Math" panose="02040503050406030204" pitchFamily="18" charset="0"/>
+                        </a:rPr>
+                        <m:t>= </m:t>
+                      </m:r>
+                      <m:f>
+                        <m:fPr>
+                          <m:ctrlPr>
+                            <a:rPr lang="ru-RU" i="1">
+                              <a:latin typeface="Cambria Math" panose="02040503050406030204" pitchFamily="18" charset="0"/>
+                            </a:rPr>
+                          </m:ctrlPr>
+                        </m:fPr>
+                        <m:num>
+                          <m:rad>
+                            <m:radPr>
+                              <m:degHide m:val="on"/>
+                              <m:ctrlPr>
+                                <a:rPr lang="ru-RU" i="1">
+                                  <a:latin typeface="Cambria Math" panose="02040503050406030204" pitchFamily="18" charset="0"/>
+                                </a:rPr>
+                              </m:ctrlPr>
+                            </m:radPr>
+                            <m:deg/>
+                            <m:e>
+                              <m:sSubSup>
+                                <m:sSubSupPr>
+                                  <m:ctrlPr>
+                                    <a:rPr lang="ru-RU" i="1">
+                                      <a:latin typeface="Cambria Math" panose="02040503050406030204" pitchFamily="18" charset="0"/>
+                                    </a:rPr>
+                                  </m:ctrlPr>
+                                </m:sSubSupPr>
+                                <m:e>
+                                  <m:r>
+                                    <a:rPr lang="ru-RU" i="1">
+                                      <a:latin typeface="Cambria Math" panose="02040503050406030204" pitchFamily="18" charset="0"/>
+                                    </a:rPr>
+                                    <m:t>𝑅</m:t>
+                                  </m:r>
+                                </m:e>
+                                <m:sub>
+                                  <m:r>
+                                    <a:rPr lang="ru-RU" i="1">
+                                      <a:latin typeface="Cambria Math" panose="02040503050406030204" pitchFamily="18" charset="0"/>
+                                    </a:rPr>
+                                    <m:t>𝑂</m:t>
+                                  </m:r>
+                                </m:sub>
+                                <m:sup>
+                                  <m:r>
+                                    <a:rPr lang="ru-RU" i="0">
+                                      <a:latin typeface="Cambria Math" panose="02040503050406030204" pitchFamily="18" charset="0"/>
+                                    </a:rPr>
+                                    <m:t>2</m:t>
+                                  </m:r>
+                                </m:sup>
+                              </m:sSubSup>
+                              <m:r>
+                                <a:rPr lang="ru-RU" i="0">
+                                  <a:latin typeface="Cambria Math" panose="02040503050406030204" pitchFamily="18" charset="0"/>
+                                </a:rPr>
+                                <m:t>∗1000</m:t>
+                              </m:r>
+                            </m:e>
+                          </m:rad>
+                        </m:num>
+                        <m:den>
+                          <m:sSub>
+                            <m:sSubPr>
+                              <m:ctrlPr>
+                                <a:rPr lang="ru-RU" i="1">
+                                  <a:latin typeface="Cambria Math" panose="02040503050406030204" pitchFamily="18" charset="0"/>
+                                </a:rPr>
+                              </m:ctrlPr>
+                            </m:sSubPr>
+                            <m:e>
+                              <m:r>
+                                <a:rPr lang="ru-RU" i="1">
+                                  <a:latin typeface="Cambria Math" panose="02040503050406030204" pitchFamily="18" charset="0"/>
+                                </a:rPr>
+                                <m:t>𝑅</m:t>
+                              </m:r>
+                            </m:e>
+                            <m:sub>
+                              <m:r>
+                                <a:rPr lang="ru-RU" i="1">
+                                  <a:latin typeface="Cambria Math" panose="02040503050406030204" pitchFamily="18" charset="0"/>
+                                </a:rPr>
+                                <m:t>𝑂</m:t>
+                              </m:r>
+                            </m:sub>
+                          </m:sSub>
+                        </m:den>
+                      </m:f>
+                      <m:r>
+                        <a:rPr lang="ru-RU" i="0">
+                          <a:latin typeface="Cambria Math" panose="02040503050406030204" pitchFamily="18" charset="0"/>
+                        </a:rPr>
+                        <m:t>=31.6</m:t>
+                      </m:r>
+                    </m:oMath>
+                  </m:oMathPara>
+                </a14:m>
+                <a:endParaRPr lang="ru-RU" dirty="0"/>
+              </a:p>
+            </p:txBody>
+          </p:sp>
+        </mc:Choice>
+        <mc:Fallback>
+          <p:sp>
+            <p:nvSpPr>
+              <p:cNvPr id="19" name="Прямоугольник 18"/>
+              <p:cNvSpPr>
+                <a:spLocks noRot="1" noChangeAspect="1" noMove="1" noResize="1" noEditPoints="1" noAdjustHandles="1" noChangeArrowheads="1" noChangeShapeType="1" noTextEdit="1"/>
+              </p:cNvSpPr>
+              <p:nvPr/>
+            </p:nvSpPr>
+            <p:spPr>
+              <a:xfrm>
+                <a:off x="1691533" y="5180214"/>
+                <a:ext cx="2613664" cy="962058"/>
+              </a:xfrm>
+              <a:prstGeom prst="rect">
+                <a:avLst/>
+              </a:prstGeom>
+              <a:blipFill rotWithShape="0">
+                <a:blip r:embed="rId6"/>
+                <a:stretch>
+                  <a:fillRect/>
+                </a:stretch>
+              </a:blipFill>
+              <a:effectLst>
+                <a:outerShdw blurRad="50800" dist="38100" dir="2700000" algn="tl" rotWithShape="0">
+                  <a:prstClr val="black">
+                    <a:alpha val="40000"/>
+                  </a:prstClr>
+                </a:outerShdw>
+              </a:effectLst>
+            </p:spPr>
+            <p:txBody>
+              <a:bodyPr/>
+              <a:lstStyle/>
+              <a:p>
+                <a:r>
+                  <a:rPr lang="ru-RU">
+                    <a:noFill/>
+                  </a:rPr>
+                  <a:t> </a:t>
+                </a:r>
+              </a:p>
+            </p:txBody>
+          </p:sp>
+        </mc:Fallback>
+      </mc:AlternateContent>
     </p:spTree>
   </p:cSld>
   <p:clrMapOvr>
